--- a/php_intro/BC1M3_-_Elements_de_langage_PHP.pptx
+++ b/php_intro/BC1M3_-_Elements_de_langage_PHP.pptx
@@ -1,49 +1,49 @@
 
 <file path=ppt/presentation.xml><?xml version="1.0" encoding="utf-8"?>
-<p:presentation xmlns:a="http://schemas.openxmlformats.org/drawingml/2006/main" xmlns:r="http://schemas.openxmlformats.org/officeDocument/2006/relationships" xmlns:mc="http://schemas.openxmlformats.org/markup-compatibility/2006" xmlns:mv="urn:schemas-microsoft-com:mac:vml" xmlns:p="http://schemas.openxmlformats.org/presentationml/2006/main" xmlns:c="http://schemas.openxmlformats.org/drawingml/2006/chart" xmlns:dgm="http://schemas.openxmlformats.org/drawingml/2006/diagram" xmlns:o="urn:schemas-microsoft-com:office:office" xmlns:v="urn:schemas-microsoft-com:vml" xmlns:pvml="urn:schemas-microsoft-com:office:powerpoint" xmlns:com="http://schemas.openxmlformats.org/drawingml/2006/compatibility" xmlns:p14="http://schemas.microsoft.com/office/powerpoint/2010/main" xmlns:p15="http://schemas.microsoft.com/office/powerpoint/2012/main" xmlns:ahyp="http://schemas.microsoft.com/office/drawing/2018/hyperlinkcolor" autoCompressPictures="0" embedTrueTypeFonts="1" strictFirstAndLastChars="0" saveSubsetFonts="1">
+<p:presentation xmlns:a="http://schemas.openxmlformats.org/drawingml/2006/main" xmlns:r="http://schemas.openxmlformats.org/officeDocument/2006/relationships" xmlns:p="http://schemas.openxmlformats.org/presentationml/2006/main" strictFirstAndLastChars="0" embedTrueTypeFonts="1" saveSubsetFonts="1" autoCompressPictures="0">
   <p:sldMasterIdLst>
-    <p:sldMasterId id="2147483659" r:id="rId4"/>
+    <p:sldMasterId id="2147483659" r:id="rId1"/>
   </p:sldMasterIdLst>
   <p:notesMasterIdLst>
-    <p:notesMasterId r:id="rId5"/>
+    <p:notesMasterId r:id="rId24"/>
   </p:notesMasterIdLst>
   <p:sldIdLst>
-    <p:sldId id="256" r:id="rId6"/>
-    <p:sldId id="257" r:id="rId7"/>
-    <p:sldId id="258" r:id="rId8"/>
-    <p:sldId id="259" r:id="rId9"/>
-    <p:sldId id="260" r:id="rId10"/>
-    <p:sldId id="261" r:id="rId11"/>
-    <p:sldId id="262" r:id="rId12"/>
-    <p:sldId id="263" r:id="rId13"/>
-    <p:sldId id="264" r:id="rId14"/>
-    <p:sldId id="265" r:id="rId15"/>
-    <p:sldId id="266" r:id="rId16"/>
-    <p:sldId id="267" r:id="rId17"/>
-    <p:sldId id="268" r:id="rId18"/>
-    <p:sldId id="269" r:id="rId19"/>
-    <p:sldId id="270" r:id="rId20"/>
-    <p:sldId id="271" r:id="rId21"/>
-    <p:sldId id="272" r:id="rId22"/>
-    <p:sldId id="273" r:id="rId23"/>
-    <p:sldId id="274" r:id="rId24"/>
-    <p:sldId id="275" r:id="rId25"/>
-    <p:sldId id="276" r:id="rId26"/>
-    <p:sldId id="277" r:id="rId27"/>
+    <p:sldId id="256" r:id="rId2"/>
+    <p:sldId id="257" r:id="rId3"/>
+    <p:sldId id="258" r:id="rId4"/>
+    <p:sldId id="259" r:id="rId5"/>
+    <p:sldId id="260" r:id="rId6"/>
+    <p:sldId id="261" r:id="rId7"/>
+    <p:sldId id="262" r:id="rId8"/>
+    <p:sldId id="263" r:id="rId9"/>
+    <p:sldId id="264" r:id="rId10"/>
+    <p:sldId id="265" r:id="rId11"/>
+    <p:sldId id="266" r:id="rId12"/>
+    <p:sldId id="267" r:id="rId13"/>
+    <p:sldId id="268" r:id="rId14"/>
+    <p:sldId id="269" r:id="rId15"/>
+    <p:sldId id="270" r:id="rId16"/>
+    <p:sldId id="271" r:id="rId17"/>
+    <p:sldId id="272" r:id="rId18"/>
+    <p:sldId id="273" r:id="rId19"/>
+    <p:sldId id="274" r:id="rId20"/>
+    <p:sldId id="275" r:id="rId21"/>
+    <p:sldId id="276" r:id="rId22"/>
+    <p:sldId id="277" r:id="rId23"/>
   </p:sldIdLst>
-  <p:sldSz cy="5143500" cx="9144000"/>
+  <p:sldSz cx="9144000" cy="5143500" type="screen16x9"/>
   <p:notesSz cx="6858000" cy="9144000"/>
   <p:embeddedFontLst>
     <p:embeddedFont>
-      <p:font typeface="Roboto"/>
-      <p:regular r:id="rId28"/>
-      <p:bold r:id="rId29"/>
-      <p:italic r:id="rId30"/>
-      <p:boldItalic r:id="rId31"/>
+      <p:font typeface="Roboto" panose="020B0604020202020204" charset="0"/>
+      <p:regular r:id="rId25"/>
+      <p:bold r:id="rId26"/>
+      <p:italic r:id="rId27"/>
+      <p:boldItalic r:id="rId28"/>
     </p:embeddedFont>
   </p:embeddedFontLst>
   <p:defaultTextStyle>
-    <a:defPPr lvl="0" marR="0" rtl="0" algn="l">
+    <a:defPPr marR="0" lvl="0" algn="l" rtl="0">
       <a:lnSpc>
         <a:spcPct val="100000"/>
       </a:lnSpc>
@@ -54,7 +54,7 @@
         <a:spcPts val="0"/>
       </a:spcAft>
     </a:defPPr>
-    <a:lvl1pPr lvl="0" marR="0" rtl="0" algn="l">
+    <a:lvl1pPr marR="0" lvl="0" algn="l" rtl="0">
       <a:lnSpc>
         <a:spcPct val="100000"/>
       </a:lnSpc>
@@ -68,7 +68,7 @@
         <a:srgbClr val="000000"/>
       </a:buClr>
       <a:buFont typeface="Arial"/>
-      <a:defRPr b="0" i="0" sz="1400" u="none" cap="none" strike="noStrike">
+      <a:defRPr sz="1400" b="0" i="0" u="none" strike="noStrike" cap="none">
         <a:solidFill>
           <a:srgbClr val="000000"/>
         </a:solidFill>
@@ -78,7 +78,7 @@
         <a:sym typeface="Arial"/>
       </a:defRPr>
     </a:lvl1pPr>
-    <a:lvl2pPr lvl="1" marR="0" rtl="0" algn="l">
+    <a:lvl2pPr marR="0" lvl="1" algn="l" rtl="0">
       <a:lnSpc>
         <a:spcPct val="100000"/>
       </a:lnSpc>
@@ -92,7 +92,7 @@
         <a:srgbClr val="000000"/>
       </a:buClr>
       <a:buFont typeface="Arial"/>
-      <a:defRPr b="0" i="0" sz="1400" u="none" cap="none" strike="noStrike">
+      <a:defRPr sz="1400" b="0" i="0" u="none" strike="noStrike" cap="none">
         <a:solidFill>
           <a:srgbClr val="000000"/>
         </a:solidFill>
@@ -102,7 +102,7 @@
         <a:sym typeface="Arial"/>
       </a:defRPr>
     </a:lvl2pPr>
-    <a:lvl3pPr lvl="2" marR="0" rtl="0" algn="l">
+    <a:lvl3pPr marR="0" lvl="2" algn="l" rtl="0">
       <a:lnSpc>
         <a:spcPct val="100000"/>
       </a:lnSpc>
@@ -116,7 +116,7 @@
         <a:srgbClr val="000000"/>
       </a:buClr>
       <a:buFont typeface="Arial"/>
-      <a:defRPr b="0" i="0" sz="1400" u="none" cap="none" strike="noStrike">
+      <a:defRPr sz="1400" b="0" i="0" u="none" strike="noStrike" cap="none">
         <a:solidFill>
           <a:srgbClr val="000000"/>
         </a:solidFill>
@@ -126,7 +126,7 @@
         <a:sym typeface="Arial"/>
       </a:defRPr>
     </a:lvl3pPr>
-    <a:lvl4pPr lvl="3" marR="0" rtl="0" algn="l">
+    <a:lvl4pPr marR="0" lvl="3" algn="l" rtl="0">
       <a:lnSpc>
         <a:spcPct val="100000"/>
       </a:lnSpc>
@@ -140,7 +140,7 @@
         <a:srgbClr val="000000"/>
       </a:buClr>
       <a:buFont typeface="Arial"/>
-      <a:defRPr b="0" i="0" sz="1400" u="none" cap="none" strike="noStrike">
+      <a:defRPr sz="1400" b="0" i="0" u="none" strike="noStrike" cap="none">
         <a:solidFill>
           <a:srgbClr val="000000"/>
         </a:solidFill>
@@ -150,7 +150,7 @@
         <a:sym typeface="Arial"/>
       </a:defRPr>
     </a:lvl4pPr>
-    <a:lvl5pPr lvl="4" marR="0" rtl="0" algn="l">
+    <a:lvl5pPr marR="0" lvl="4" algn="l" rtl="0">
       <a:lnSpc>
         <a:spcPct val="100000"/>
       </a:lnSpc>
@@ -164,7 +164,7 @@
         <a:srgbClr val="000000"/>
       </a:buClr>
       <a:buFont typeface="Arial"/>
-      <a:defRPr b="0" i="0" sz="1400" u="none" cap="none" strike="noStrike">
+      <a:defRPr sz="1400" b="0" i="0" u="none" strike="noStrike" cap="none">
         <a:solidFill>
           <a:srgbClr val="000000"/>
         </a:solidFill>
@@ -174,7 +174,7 @@
         <a:sym typeface="Arial"/>
       </a:defRPr>
     </a:lvl5pPr>
-    <a:lvl6pPr lvl="5" marR="0" rtl="0" algn="l">
+    <a:lvl6pPr marR="0" lvl="5" algn="l" rtl="0">
       <a:lnSpc>
         <a:spcPct val="100000"/>
       </a:lnSpc>
@@ -188,7 +188,7 @@
         <a:srgbClr val="000000"/>
       </a:buClr>
       <a:buFont typeface="Arial"/>
-      <a:defRPr b="0" i="0" sz="1400" u="none" cap="none" strike="noStrike">
+      <a:defRPr sz="1400" b="0" i="0" u="none" strike="noStrike" cap="none">
         <a:solidFill>
           <a:srgbClr val="000000"/>
         </a:solidFill>
@@ -198,7 +198,7 @@
         <a:sym typeface="Arial"/>
       </a:defRPr>
     </a:lvl6pPr>
-    <a:lvl7pPr lvl="6" marR="0" rtl="0" algn="l">
+    <a:lvl7pPr marR="0" lvl="6" algn="l" rtl="0">
       <a:lnSpc>
         <a:spcPct val="100000"/>
       </a:lnSpc>
@@ -212,7 +212,7 @@
         <a:srgbClr val="000000"/>
       </a:buClr>
       <a:buFont typeface="Arial"/>
-      <a:defRPr b="0" i="0" sz="1400" u="none" cap="none" strike="noStrike">
+      <a:defRPr sz="1400" b="0" i="0" u="none" strike="noStrike" cap="none">
         <a:solidFill>
           <a:srgbClr val="000000"/>
         </a:solidFill>
@@ -222,7 +222,7 @@
         <a:sym typeface="Arial"/>
       </a:defRPr>
     </a:lvl7pPr>
-    <a:lvl8pPr lvl="7" marR="0" rtl="0" algn="l">
+    <a:lvl8pPr marR="0" lvl="7" algn="l" rtl="0">
       <a:lnSpc>
         <a:spcPct val="100000"/>
       </a:lnSpc>
@@ -236,7 +236,7 @@
         <a:srgbClr val="000000"/>
       </a:buClr>
       <a:buFont typeface="Arial"/>
-      <a:defRPr b="0" i="0" sz="1400" u="none" cap="none" strike="noStrike">
+      <a:defRPr sz="1400" b="0" i="0" u="none" strike="noStrike" cap="none">
         <a:solidFill>
           <a:srgbClr val="000000"/>
         </a:solidFill>
@@ -246,7 +246,7 @@
         <a:sym typeface="Arial"/>
       </a:defRPr>
     </a:lvl8pPr>
-    <a:lvl9pPr lvl="8" marR="0" rtl="0" algn="l">
+    <a:lvl9pPr marR="0" lvl="8" algn="l" rtl="0">
       <a:lnSpc>
         <a:spcPct val="100000"/>
       </a:lnSpc>
@@ -260,7 +260,7 @@
         <a:srgbClr val="000000"/>
       </a:buClr>
       <a:buFont typeface="Arial"/>
-      <a:defRPr b="0" i="0" sz="1400" u="none" cap="none" strike="noStrike">
+      <a:defRPr sz="1400" b="0" i="0" u="none" strike="noStrike" cap="none">
         <a:solidFill>
           <a:srgbClr val="000000"/>
         </a:solidFill>
@@ -273,7 +273,7 @@
   </p:defaultTextStyle>
   <p:extLst>
     <p:ext uri="{EFAFB233-063F-42B5-8137-9DF3F51BA10A}">
-      <p15:sldGuideLst>
+      <p15:sldGuideLst xmlns:p15="http://schemas.microsoft.com/office/powerpoint/2012/main">
         <p15:guide id="1" orient="horz" pos="1620">
           <p15:clr>
             <a:srgbClr val="A4A3A4"/>
@@ -291,11 +291,16 @@
 </file>
 
 <file path=ppt/notesMasters/notesMaster1.xml><?xml version="1.0" encoding="utf-8"?>
-<p:notesMaster xmlns:a="http://schemas.openxmlformats.org/drawingml/2006/main" xmlns:r="http://schemas.openxmlformats.org/officeDocument/2006/relationships" xmlns:mc="http://schemas.openxmlformats.org/markup-compatibility/2006" xmlns:mv="urn:schemas-microsoft-com:mac:vml" xmlns:p="http://schemas.openxmlformats.org/presentationml/2006/main" xmlns:c="http://schemas.openxmlformats.org/drawingml/2006/chart" xmlns:dgm="http://schemas.openxmlformats.org/drawingml/2006/diagram" xmlns:o="urn:schemas-microsoft-com:office:office" xmlns:v="urn:schemas-microsoft-com:vml" xmlns:pvml="urn:schemas-microsoft-com:office:powerpoint" xmlns:com="http://schemas.openxmlformats.org/drawingml/2006/compatibility" xmlns:p14="http://schemas.microsoft.com/office/powerpoint/2010/main" xmlns:p15="http://schemas.microsoft.com/office/powerpoint/2012/main" xmlns:ahyp="http://schemas.microsoft.com/office/drawing/2018/hyperlinkcolor">
+<p:notesMaster xmlns:a="http://schemas.openxmlformats.org/drawingml/2006/main" xmlns:r="http://schemas.openxmlformats.org/officeDocument/2006/relationships" xmlns:p="http://schemas.openxmlformats.org/presentationml/2006/main">
   <p:cSld>
+    <p:bg>
+      <p:bgRef idx="1001">
+        <a:schemeClr val="bg1"/>
+      </p:bgRef>
+    </p:bg>
     <p:spTree>
       <p:nvGrpSpPr>
-        <p:cNvPr id="2" name="Shape 2"/>
+        <p:cNvPr id="1" name="Shape 2"/>
         <p:cNvGrpSpPr/>
         <p:nvPr/>
       </p:nvGrpSpPr>
@@ -310,9 +315,11 @@
       <p:sp>
         <p:nvSpPr>
           <p:cNvPr id="3" name="Google Shape;3;n"/>
-          <p:cNvSpPr/>
+          <p:cNvSpPr>
+            <a:spLocks noGrp="1" noRot="1" noChangeAspect="1"/>
+          </p:cNvSpPr>
           <p:nvPr>
-            <p:ph idx="2" type="sldImg"/>
+            <p:ph type="sldImg" idx="2"/>
           </p:nvPr>
         </p:nvSpPr>
         <p:spPr>
@@ -321,9 +328,13 @@
             <a:ext cx="6096075" cy="3429000"/>
           </a:xfrm>
           <a:custGeom>
-            <a:rect b="b" l="l" r="r" t="t"/>
+            <a:avLst/>
+            <a:gdLst/>
+            <a:ahLst/>
+            <a:cxnLst/>
+            <a:rect l="l" t="t" r="r" b="b"/>
             <a:pathLst>
-              <a:path extrusionOk="0" h="120000" w="120000">
+              <a:path w="120000" h="120000" extrusionOk="0">
                 <a:moveTo>
                   <a:pt x="0" y="0"/>
                 </a:moveTo>
@@ -341,23 +352,25 @@
             </a:pathLst>
           </a:custGeom>
           <a:noFill/>
-          <a:ln cap="flat" cmpd="sng" w="9525">
+          <a:ln w="9525" cap="flat" cmpd="sng">
             <a:solidFill>
               <a:srgbClr val="000000"/>
             </a:solidFill>
             <a:prstDash val="solid"/>
             <a:round/>
-            <a:headEnd len="sm" w="sm" type="none"/>
-            <a:tailEnd len="sm" w="sm" type="none"/>
+            <a:headEnd type="none" w="sm" len="sm"/>
+            <a:tailEnd type="none" w="sm" len="sm"/>
           </a:ln>
         </p:spPr>
       </p:sp>
       <p:sp>
         <p:nvSpPr>
           <p:cNvPr id="4" name="Google Shape;4;n"/>
-          <p:cNvSpPr txBox="1"/>
+          <p:cNvSpPr txBox="1">
+            <a:spLocks noGrp="1"/>
+          </p:cNvSpPr>
           <p:nvPr>
-            <p:ph idx="1" type="body"/>
+            <p:ph type="body" idx="1"/>
           </p:nvPr>
         </p:nvSpPr>
         <p:spPr>
@@ -374,11 +387,11 @@
           </a:ln>
         </p:spPr>
         <p:txBody>
-          <a:bodyPr anchorCtr="0" anchor="t" bIns="91425" lIns="91425" spcFirstLastPara="1" rIns="91425" wrap="square" tIns="91425">
+          <a:bodyPr spcFirstLastPara="1" wrap="square" lIns="91425" tIns="91425" rIns="91425" bIns="91425" anchor="t" anchorCtr="0">
             <a:noAutofit/>
           </a:bodyPr>
           <a:lstStyle>
-            <a:lvl1pPr indent="-298450" lvl="0" marL="457200">
+            <a:lvl1pPr marL="457200" lvl="0" indent="-298450">
               <a:spcBef>
                 <a:spcPts val="0"/>
               </a:spcBef>
@@ -389,7 +402,7 @@
               <a:buChar char="●"/>
               <a:defRPr sz="1100"/>
             </a:lvl1pPr>
-            <a:lvl2pPr indent="-298450" lvl="1" marL="914400">
+            <a:lvl2pPr marL="914400" lvl="1" indent="-298450">
               <a:spcBef>
                 <a:spcPts val="0"/>
               </a:spcBef>
@@ -400,7 +413,7 @@
               <a:buChar char="○"/>
               <a:defRPr sz="1100"/>
             </a:lvl2pPr>
-            <a:lvl3pPr indent="-298450" lvl="2" marL="1371600">
+            <a:lvl3pPr marL="1371600" lvl="2" indent="-298450">
               <a:spcBef>
                 <a:spcPts val="0"/>
               </a:spcBef>
@@ -411,7 +424,7 @@
               <a:buChar char="■"/>
               <a:defRPr sz="1100"/>
             </a:lvl3pPr>
-            <a:lvl4pPr indent="-298450" lvl="3" marL="1828800">
+            <a:lvl4pPr marL="1828800" lvl="3" indent="-298450">
               <a:spcBef>
                 <a:spcPts val="0"/>
               </a:spcBef>
@@ -422,7 +435,7 @@
               <a:buChar char="●"/>
               <a:defRPr sz="1100"/>
             </a:lvl4pPr>
-            <a:lvl5pPr indent="-298450" lvl="4" marL="2286000">
+            <a:lvl5pPr marL="2286000" lvl="4" indent="-298450">
               <a:spcBef>
                 <a:spcPts val="0"/>
               </a:spcBef>
@@ -433,7 +446,7 @@
               <a:buChar char="○"/>
               <a:defRPr sz="1100"/>
             </a:lvl5pPr>
-            <a:lvl6pPr indent="-298450" lvl="5" marL="2743200">
+            <a:lvl6pPr marL="2743200" lvl="5" indent="-298450">
               <a:spcBef>
                 <a:spcPts val="0"/>
               </a:spcBef>
@@ -444,7 +457,7 @@
               <a:buChar char="■"/>
               <a:defRPr sz="1100"/>
             </a:lvl6pPr>
-            <a:lvl7pPr indent="-298450" lvl="6" marL="3200400">
+            <a:lvl7pPr marL="3200400" lvl="6" indent="-298450">
               <a:spcBef>
                 <a:spcPts val="0"/>
               </a:spcBef>
@@ -455,7 +468,7 @@
               <a:buChar char="●"/>
               <a:defRPr sz="1100"/>
             </a:lvl7pPr>
-            <a:lvl8pPr indent="-298450" lvl="7" marL="3657600">
+            <a:lvl8pPr marL="3657600" lvl="7" indent="-298450">
               <a:spcBef>
                 <a:spcPts val="0"/>
               </a:spcBef>
@@ -466,7 +479,7 @@
               <a:buChar char="○"/>
               <a:defRPr sz="1100"/>
             </a:lvl8pPr>
-            <a:lvl9pPr indent="-298450" lvl="8" marL="4114800">
+            <a:lvl9pPr marL="4114800" lvl="8" indent="-298450">
               <a:spcBef>
                 <a:spcPts val="0"/>
               </a:spcBef>
@@ -478,14 +491,16 @@
               <a:defRPr sz="1100"/>
             </a:lvl9pPr>
           </a:lstStyle>
-          <a:p/>
+          <a:p>
+            <a:endParaRPr/>
+          </a:p>
         </p:txBody>
       </p:sp>
     </p:spTree>
   </p:cSld>
-  <p:clrMap accent1="accent1" accent2="accent2" accent3="accent3" accent4="accent4" accent5="accent5" accent6="accent6" bg1="lt1" bg2="dk2" tx1="dk1" tx2="lt2" folHlink="folHlink" hlink="hlink"/>
+  <p:clrMap bg1="lt1" tx1="dk1" bg2="dk2" tx2="lt2" accent1="accent1" accent2="accent2" accent3="accent3" accent4="accent4" accent5="accent5" accent6="accent6" hlink="hlink" folHlink="folHlink"/>
   <p:notesStyle>
-    <a:defPPr lvl="0" marR="0" rtl="0" algn="l">
+    <a:defPPr marR="0" lvl="0" algn="l" rtl="0">
       <a:lnSpc>
         <a:spcPct val="100000"/>
       </a:lnSpc>
@@ -496,7 +511,7 @@
         <a:spcPts val="0"/>
       </a:spcAft>
     </a:defPPr>
-    <a:lvl1pPr lvl="0" marR="0" rtl="0" algn="l">
+    <a:lvl1pPr marR="0" lvl="0" algn="l" rtl="0">
       <a:lnSpc>
         <a:spcPct val="100000"/>
       </a:lnSpc>
@@ -510,7 +525,7 @@
         <a:srgbClr val="000000"/>
       </a:buClr>
       <a:buFont typeface="Arial"/>
-      <a:defRPr b="0" i="0" sz="1400" u="none" cap="none" strike="noStrike">
+      <a:defRPr sz="1400" b="0" i="0" u="none" strike="noStrike" cap="none">
         <a:solidFill>
           <a:srgbClr val="000000"/>
         </a:solidFill>
@@ -520,7 +535,7 @@
         <a:sym typeface="Arial"/>
       </a:defRPr>
     </a:lvl1pPr>
-    <a:lvl2pPr lvl="1" marR="0" rtl="0" algn="l">
+    <a:lvl2pPr marR="0" lvl="1" algn="l" rtl="0">
       <a:lnSpc>
         <a:spcPct val="100000"/>
       </a:lnSpc>
@@ -534,7 +549,7 @@
         <a:srgbClr val="000000"/>
       </a:buClr>
       <a:buFont typeface="Arial"/>
-      <a:defRPr b="0" i="0" sz="1400" u="none" cap="none" strike="noStrike">
+      <a:defRPr sz="1400" b="0" i="0" u="none" strike="noStrike" cap="none">
         <a:solidFill>
           <a:srgbClr val="000000"/>
         </a:solidFill>
@@ -544,7 +559,7 @@
         <a:sym typeface="Arial"/>
       </a:defRPr>
     </a:lvl2pPr>
-    <a:lvl3pPr lvl="2" marR="0" rtl="0" algn="l">
+    <a:lvl3pPr marR="0" lvl="2" algn="l" rtl="0">
       <a:lnSpc>
         <a:spcPct val="100000"/>
       </a:lnSpc>
@@ -558,7 +573,7 @@
         <a:srgbClr val="000000"/>
       </a:buClr>
       <a:buFont typeface="Arial"/>
-      <a:defRPr b="0" i="0" sz="1400" u="none" cap="none" strike="noStrike">
+      <a:defRPr sz="1400" b="0" i="0" u="none" strike="noStrike" cap="none">
         <a:solidFill>
           <a:srgbClr val="000000"/>
         </a:solidFill>
@@ -568,7 +583,7 @@
         <a:sym typeface="Arial"/>
       </a:defRPr>
     </a:lvl3pPr>
-    <a:lvl4pPr lvl="3" marR="0" rtl="0" algn="l">
+    <a:lvl4pPr marR="0" lvl="3" algn="l" rtl="0">
       <a:lnSpc>
         <a:spcPct val="100000"/>
       </a:lnSpc>
@@ -582,7 +597,7 @@
         <a:srgbClr val="000000"/>
       </a:buClr>
       <a:buFont typeface="Arial"/>
-      <a:defRPr b="0" i="0" sz="1400" u="none" cap="none" strike="noStrike">
+      <a:defRPr sz="1400" b="0" i="0" u="none" strike="noStrike" cap="none">
         <a:solidFill>
           <a:srgbClr val="000000"/>
         </a:solidFill>
@@ -592,7 +607,7 @@
         <a:sym typeface="Arial"/>
       </a:defRPr>
     </a:lvl4pPr>
-    <a:lvl5pPr lvl="4" marR="0" rtl="0" algn="l">
+    <a:lvl5pPr marR="0" lvl="4" algn="l" rtl="0">
       <a:lnSpc>
         <a:spcPct val="100000"/>
       </a:lnSpc>
@@ -606,7 +621,7 @@
         <a:srgbClr val="000000"/>
       </a:buClr>
       <a:buFont typeface="Arial"/>
-      <a:defRPr b="0" i="0" sz="1400" u="none" cap="none" strike="noStrike">
+      <a:defRPr sz="1400" b="0" i="0" u="none" strike="noStrike" cap="none">
         <a:solidFill>
           <a:srgbClr val="000000"/>
         </a:solidFill>
@@ -616,7 +631,7 @@
         <a:sym typeface="Arial"/>
       </a:defRPr>
     </a:lvl5pPr>
-    <a:lvl6pPr lvl="5" marR="0" rtl="0" algn="l">
+    <a:lvl6pPr marR="0" lvl="5" algn="l" rtl="0">
       <a:lnSpc>
         <a:spcPct val="100000"/>
       </a:lnSpc>
@@ -630,7 +645,7 @@
         <a:srgbClr val="000000"/>
       </a:buClr>
       <a:buFont typeface="Arial"/>
-      <a:defRPr b="0" i="0" sz="1400" u="none" cap="none" strike="noStrike">
+      <a:defRPr sz="1400" b="0" i="0" u="none" strike="noStrike" cap="none">
         <a:solidFill>
           <a:srgbClr val="000000"/>
         </a:solidFill>
@@ -640,7 +655,7 @@
         <a:sym typeface="Arial"/>
       </a:defRPr>
     </a:lvl6pPr>
-    <a:lvl7pPr lvl="6" marR="0" rtl="0" algn="l">
+    <a:lvl7pPr marR="0" lvl="6" algn="l" rtl="0">
       <a:lnSpc>
         <a:spcPct val="100000"/>
       </a:lnSpc>
@@ -654,7 +669,7 @@
         <a:srgbClr val="000000"/>
       </a:buClr>
       <a:buFont typeface="Arial"/>
-      <a:defRPr b="0" i="0" sz="1400" u="none" cap="none" strike="noStrike">
+      <a:defRPr sz="1400" b="0" i="0" u="none" strike="noStrike" cap="none">
         <a:solidFill>
           <a:srgbClr val="000000"/>
         </a:solidFill>
@@ -664,7 +679,7 @@
         <a:sym typeface="Arial"/>
       </a:defRPr>
     </a:lvl7pPr>
-    <a:lvl8pPr lvl="7" marR="0" rtl="0" algn="l">
+    <a:lvl8pPr marR="0" lvl="7" algn="l" rtl="0">
       <a:lnSpc>
         <a:spcPct val="100000"/>
       </a:lnSpc>
@@ -678,7 +693,7 @@
         <a:srgbClr val="000000"/>
       </a:buClr>
       <a:buFont typeface="Arial"/>
-      <a:defRPr b="0" i="0" sz="1400" u="none" cap="none" strike="noStrike">
+      <a:defRPr sz="1400" b="0" i="0" u="none" strike="noStrike" cap="none">
         <a:solidFill>
           <a:srgbClr val="000000"/>
         </a:solidFill>
@@ -688,7 +703,7 @@
         <a:sym typeface="Arial"/>
       </a:defRPr>
     </a:lvl8pPr>
-    <a:lvl9pPr lvl="8" marR="0" rtl="0" algn="l">
+    <a:lvl9pPr marR="0" lvl="8" algn="l" rtl="0">
       <a:lnSpc>
         <a:spcPct val="100000"/>
       </a:lnSpc>
@@ -702,7 +717,7 @@
         <a:srgbClr val="000000"/>
       </a:buClr>
       <a:buFont typeface="Arial"/>
-      <a:defRPr b="0" i="0" sz="1400" u="none" cap="none" strike="noStrike">
+      <a:defRPr sz="1400" b="0" i="0" u="none" strike="noStrike" cap="none">
         <a:solidFill>
           <a:srgbClr val="000000"/>
         </a:solidFill>
@@ -717,11 +732,11 @@
 </file>
 
 <file path=ppt/notesSlides/notesSlide1.xml><?xml version="1.0" encoding="utf-8"?>
-<p:notes xmlns:a="http://schemas.openxmlformats.org/drawingml/2006/main" xmlns:r="http://schemas.openxmlformats.org/officeDocument/2006/relationships" xmlns:mc="http://schemas.openxmlformats.org/markup-compatibility/2006" xmlns:mv="urn:schemas-microsoft-com:mac:vml" xmlns:p="http://schemas.openxmlformats.org/presentationml/2006/main" xmlns:c="http://schemas.openxmlformats.org/drawingml/2006/chart" xmlns:dgm="http://schemas.openxmlformats.org/drawingml/2006/diagram" xmlns:o="urn:schemas-microsoft-com:office:office" xmlns:v="urn:schemas-microsoft-com:vml" xmlns:pvml="urn:schemas-microsoft-com:office:powerpoint" xmlns:com="http://schemas.openxmlformats.org/drawingml/2006/compatibility" xmlns:p14="http://schemas.microsoft.com/office/powerpoint/2010/main" xmlns:p15="http://schemas.microsoft.com/office/powerpoint/2012/main" xmlns:ahyp="http://schemas.microsoft.com/office/drawing/2018/hyperlinkcolor" showMasterPhAnim="0" showMasterSp="0">
+<p:notes xmlns:a="http://schemas.openxmlformats.org/drawingml/2006/main" xmlns:r="http://schemas.openxmlformats.org/officeDocument/2006/relationships" xmlns:p="http://schemas.openxmlformats.org/presentationml/2006/main" showMasterSp="0" showMasterPhAnim="0">
   <p:cSld>
     <p:spTree>
       <p:nvGrpSpPr>
-        <p:cNvPr id="81" name="Shape 81"/>
+        <p:cNvPr id="1" name="Shape 81"/>
         <p:cNvGrpSpPr/>
         <p:nvPr/>
       </p:nvGrpSpPr>
@@ -736,9 +751,11 @@
       <p:sp>
         <p:nvSpPr>
           <p:cNvPr id="82" name="Google Shape;82;p:notes"/>
-          <p:cNvSpPr/>
+          <p:cNvSpPr>
+            <a:spLocks noGrp="1" noRot="1" noChangeAspect="1"/>
+          </p:cNvSpPr>
           <p:nvPr>
-            <p:ph idx="2" type="sldImg"/>
+            <p:ph type="sldImg" idx="2"/>
           </p:nvPr>
         </p:nvSpPr>
         <p:spPr>
@@ -747,9 +764,13 @@
             <a:ext cx="6096075" cy="3429000"/>
           </a:xfrm>
           <a:custGeom>
-            <a:rect b="b" l="l" r="r" t="t"/>
+            <a:avLst/>
+            <a:gdLst/>
+            <a:ahLst/>
+            <a:cxnLst/>
+            <a:rect l="l" t="t" r="r" b="b"/>
             <a:pathLst>
-              <a:path extrusionOk="0" h="120000" w="120000">
+              <a:path w="120000" h="120000" extrusionOk="0">
                 <a:moveTo>
                   <a:pt x="0" y="0"/>
                 </a:moveTo>
@@ -771,9 +792,11 @@
       <p:sp>
         <p:nvSpPr>
           <p:cNvPr id="83" name="Google Shape;83;p:notes"/>
-          <p:cNvSpPr txBox="1"/>
+          <p:cNvSpPr txBox="1">
+            <a:spLocks noGrp="1"/>
+          </p:cNvSpPr>
           <p:nvPr>
-            <p:ph idx="1" type="body"/>
+            <p:ph type="body" idx="1"/>
           </p:nvPr>
         </p:nvSpPr>
         <p:spPr>
@@ -786,23 +809,20 @@
           </a:prstGeom>
         </p:spPr>
         <p:txBody>
-          <a:bodyPr anchorCtr="0" anchor="t" bIns="91425" lIns="91425" spcFirstLastPara="1" rIns="91425" wrap="square" tIns="91425">
+          <a:bodyPr spcFirstLastPara="1" wrap="square" lIns="91425" tIns="91425" rIns="91425" bIns="91425" anchor="t" anchorCtr="0">
             <a:noAutofit/>
           </a:bodyPr>
           <a:lstStyle/>
           <a:p>
-            <a:pPr indent="0" lvl="0" marL="0" rtl="0" algn="l">
-              <a:spcBef>
-                <a:spcPts val="0"/>
-              </a:spcBef>
-              <a:spcAft>
-                <a:spcPts val="0"/>
-              </a:spcAft>
-              <a:buNone/>
-            </a:pPr>
-            <a:r>
-              <a:t/>
-            </a:r>
+            <a:pPr marL="0" lvl="0" indent="0" algn="l" rtl="0">
+              <a:spcBef>
+                <a:spcPts val="0"/>
+              </a:spcBef>
+              <a:spcAft>
+                <a:spcPts val="0"/>
+              </a:spcAft>
+              <a:buNone/>
+            </a:pPr>
             <a:endParaRPr/>
           </a:p>
         </p:txBody>
@@ -816,11 +836,11 @@
 </file>
 
 <file path=ppt/notesSlides/notesSlide10.xml><?xml version="1.0" encoding="utf-8"?>
-<p:notes xmlns:a="http://schemas.openxmlformats.org/drawingml/2006/main" xmlns:r="http://schemas.openxmlformats.org/officeDocument/2006/relationships" xmlns:mc="http://schemas.openxmlformats.org/markup-compatibility/2006" xmlns:mv="urn:schemas-microsoft-com:mac:vml" xmlns:p="http://schemas.openxmlformats.org/presentationml/2006/main" xmlns:c="http://schemas.openxmlformats.org/drawingml/2006/chart" xmlns:dgm="http://schemas.openxmlformats.org/drawingml/2006/diagram" xmlns:o="urn:schemas-microsoft-com:office:office" xmlns:v="urn:schemas-microsoft-com:vml" xmlns:pvml="urn:schemas-microsoft-com:office:powerpoint" xmlns:com="http://schemas.openxmlformats.org/drawingml/2006/compatibility" xmlns:p14="http://schemas.microsoft.com/office/powerpoint/2010/main" xmlns:p15="http://schemas.microsoft.com/office/powerpoint/2012/main" xmlns:ahyp="http://schemas.microsoft.com/office/drawing/2018/hyperlinkcolor" showMasterPhAnim="0" showMasterSp="0">
+<p:notes xmlns:a="http://schemas.openxmlformats.org/drawingml/2006/main" xmlns:r="http://schemas.openxmlformats.org/officeDocument/2006/relationships" xmlns:p="http://schemas.openxmlformats.org/presentationml/2006/main" showMasterSp="0" showMasterPhAnim="0">
   <p:cSld>
     <p:spTree>
       <p:nvGrpSpPr>
-        <p:cNvPr id="137" name="Shape 137"/>
+        <p:cNvPr id="1" name="Shape 137"/>
         <p:cNvGrpSpPr/>
         <p:nvPr/>
       </p:nvGrpSpPr>
@@ -835,9 +855,11 @@
       <p:sp>
         <p:nvSpPr>
           <p:cNvPr id="138" name="Google Shape;138;ge2b335bbe2_0_133:notes"/>
-          <p:cNvSpPr/>
+          <p:cNvSpPr>
+            <a:spLocks noGrp="1" noRot="1" noChangeAspect="1"/>
+          </p:cNvSpPr>
           <p:nvPr>
-            <p:ph idx="2" type="sldImg"/>
+            <p:ph type="sldImg" idx="2"/>
           </p:nvPr>
         </p:nvSpPr>
         <p:spPr>
@@ -846,9 +868,13 @@
             <a:ext cx="6096000" cy="3429000"/>
           </a:xfrm>
           <a:custGeom>
-            <a:rect b="b" l="l" r="r" t="t"/>
+            <a:avLst/>
+            <a:gdLst/>
+            <a:ahLst/>
+            <a:cxnLst/>
+            <a:rect l="l" t="t" r="r" b="b"/>
             <a:pathLst>
-              <a:path extrusionOk="0" h="120000" w="120000">
+              <a:path w="120000" h="120000" extrusionOk="0">
                 <a:moveTo>
                   <a:pt x="0" y="0"/>
                 </a:moveTo>
@@ -870,9 +896,11 @@
       <p:sp>
         <p:nvSpPr>
           <p:cNvPr id="139" name="Google Shape;139;ge2b335bbe2_0_133:notes"/>
-          <p:cNvSpPr txBox="1"/>
+          <p:cNvSpPr txBox="1">
+            <a:spLocks noGrp="1"/>
+          </p:cNvSpPr>
           <p:nvPr>
-            <p:ph idx="1" type="body"/>
+            <p:ph type="body" idx="1"/>
           </p:nvPr>
         </p:nvSpPr>
         <p:spPr>
@@ -885,23 +913,20 @@
           </a:prstGeom>
         </p:spPr>
         <p:txBody>
-          <a:bodyPr anchorCtr="0" anchor="t" bIns="91425" lIns="91425" spcFirstLastPara="1" rIns="91425" wrap="square" tIns="91425">
+          <a:bodyPr spcFirstLastPara="1" wrap="square" lIns="91425" tIns="91425" rIns="91425" bIns="91425" anchor="t" anchorCtr="0">
             <a:noAutofit/>
           </a:bodyPr>
           <a:lstStyle/>
           <a:p>
-            <a:pPr indent="0" lvl="0" marL="0" rtl="0" algn="l">
-              <a:spcBef>
-                <a:spcPts val="0"/>
-              </a:spcBef>
-              <a:spcAft>
-                <a:spcPts val="0"/>
-              </a:spcAft>
-              <a:buNone/>
-            </a:pPr>
-            <a:r>
-              <a:t/>
-            </a:r>
+            <a:pPr marL="0" lvl="0" indent="0" algn="l" rtl="0">
+              <a:spcBef>
+                <a:spcPts val="0"/>
+              </a:spcBef>
+              <a:spcAft>
+                <a:spcPts val="0"/>
+              </a:spcAft>
+              <a:buNone/>
+            </a:pPr>
             <a:endParaRPr/>
           </a:p>
         </p:txBody>
@@ -915,11 +940,11 @@
 </file>
 
 <file path=ppt/notesSlides/notesSlide11.xml><?xml version="1.0" encoding="utf-8"?>
-<p:notes xmlns:a="http://schemas.openxmlformats.org/drawingml/2006/main" xmlns:r="http://schemas.openxmlformats.org/officeDocument/2006/relationships" xmlns:mc="http://schemas.openxmlformats.org/markup-compatibility/2006" xmlns:mv="urn:schemas-microsoft-com:mac:vml" xmlns:p="http://schemas.openxmlformats.org/presentationml/2006/main" xmlns:c="http://schemas.openxmlformats.org/drawingml/2006/chart" xmlns:dgm="http://schemas.openxmlformats.org/drawingml/2006/diagram" xmlns:o="urn:schemas-microsoft-com:office:office" xmlns:v="urn:schemas-microsoft-com:vml" xmlns:pvml="urn:schemas-microsoft-com:office:powerpoint" xmlns:com="http://schemas.openxmlformats.org/drawingml/2006/compatibility" xmlns:p14="http://schemas.microsoft.com/office/powerpoint/2010/main" xmlns:p15="http://schemas.microsoft.com/office/powerpoint/2012/main" xmlns:ahyp="http://schemas.microsoft.com/office/drawing/2018/hyperlinkcolor" showMasterPhAnim="0" showMasterSp="0">
+<p:notes xmlns:a="http://schemas.openxmlformats.org/drawingml/2006/main" xmlns:r="http://schemas.openxmlformats.org/officeDocument/2006/relationships" xmlns:p="http://schemas.openxmlformats.org/presentationml/2006/main" showMasterSp="0" showMasterPhAnim="0">
   <p:cSld>
     <p:spTree>
       <p:nvGrpSpPr>
-        <p:cNvPr id="143" name="Shape 143"/>
+        <p:cNvPr id="1" name="Shape 143"/>
         <p:cNvGrpSpPr/>
         <p:nvPr/>
       </p:nvGrpSpPr>
@@ -934,9 +959,11 @@
       <p:sp>
         <p:nvSpPr>
           <p:cNvPr id="144" name="Google Shape;144;ge2b335bbe2_0_214:notes"/>
-          <p:cNvSpPr/>
+          <p:cNvSpPr>
+            <a:spLocks noGrp="1" noRot="1" noChangeAspect="1"/>
+          </p:cNvSpPr>
           <p:nvPr>
-            <p:ph idx="2" type="sldImg"/>
+            <p:ph type="sldImg" idx="2"/>
           </p:nvPr>
         </p:nvSpPr>
         <p:spPr>
@@ -945,9 +972,13 @@
             <a:ext cx="6096000" cy="3429000"/>
           </a:xfrm>
           <a:custGeom>
-            <a:rect b="b" l="l" r="r" t="t"/>
+            <a:avLst/>
+            <a:gdLst/>
+            <a:ahLst/>
+            <a:cxnLst/>
+            <a:rect l="l" t="t" r="r" b="b"/>
             <a:pathLst>
-              <a:path extrusionOk="0" h="120000" w="120000">
+              <a:path w="120000" h="120000" extrusionOk="0">
                 <a:moveTo>
                   <a:pt x="0" y="0"/>
                 </a:moveTo>
@@ -969,9 +1000,11 @@
       <p:sp>
         <p:nvSpPr>
           <p:cNvPr id="145" name="Google Shape;145;ge2b335bbe2_0_214:notes"/>
-          <p:cNvSpPr txBox="1"/>
+          <p:cNvSpPr txBox="1">
+            <a:spLocks noGrp="1"/>
+          </p:cNvSpPr>
           <p:nvPr>
-            <p:ph idx="1" type="body"/>
+            <p:ph type="body" idx="1"/>
           </p:nvPr>
         </p:nvSpPr>
         <p:spPr>
@@ -984,23 +1017,20 @@
           </a:prstGeom>
         </p:spPr>
         <p:txBody>
-          <a:bodyPr anchorCtr="0" anchor="t" bIns="91425" lIns="91425" spcFirstLastPara="1" rIns="91425" wrap="square" tIns="91425">
+          <a:bodyPr spcFirstLastPara="1" wrap="square" lIns="91425" tIns="91425" rIns="91425" bIns="91425" anchor="t" anchorCtr="0">
             <a:noAutofit/>
           </a:bodyPr>
           <a:lstStyle/>
           <a:p>
-            <a:pPr indent="0" lvl="0" marL="0" rtl="0" algn="l">
-              <a:spcBef>
-                <a:spcPts val="0"/>
-              </a:spcBef>
-              <a:spcAft>
-                <a:spcPts val="0"/>
-              </a:spcAft>
-              <a:buNone/>
-            </a:pPr>
-            <a:r>
-              <a:t/>
-            </a:r>
+            <a:pPr marL="0" lvl="0" indent="0" algn="l" rtl="0">
+              <a:spcBef>
+                <a:spcPts val="0"/>
+              </a:spcBef>
+              <a:spcAft>
+                <a:spcPts val="0"/>
+              </a:spcAft>
+              <a:buNone/>
+            </a:pPr>
             <a:endParaRPr/>
           </a:p>
         </p:txBody>
@@ -1014,11 +1044,11 @@
 </file>
 
 <file path=ppt/notesSlides/notesSlide12.xml><?xml version="1.0" encoding="utf-8"?>
-<p:notes xmlns:a="http://schemas.openxmlformats.org/drawingml/2006/main" xmlns:r="http://schemas.openxmlformats.org/officeDocument/2006/relationships" xmlns:mc="http://schemas.openxmlformats.org/markup-compatibility/2006" xmlns:mv="urn:schemas-microsoft-com:mac:vml" xmlns:p="http://schemas.openxmlformats.org/presentationml/2006/main" xmlns:c="http://schemas.openxmlformats.org/drawingml/2006/chart" xmlns:dgm="http://schemas.openxmlformats.org/drawingml/2006/diagram" xmlns:o="urn:schemas-microsoft-com:office:office" xmlns:v="urn:schemas-microsoft-com:vml" xmlns:pvml="urn:schemas-microsoft-com:office:powerpoint" xmlns:com="http://schemas.openxmlformats.org/drawingml/2006/compatibility" xmlns:p14="http://schemas.microsoft.com/office/powerpoint/2010/main" xmlns:p15="http://schemas.microsoft.com/office/powerpoint/2012/main" xmlns:ahyp="http://schemas.microsoft.com/office/drawing/2018/hyperlinkcolor" showMasterPhAnim="0" showMasterSp="0">
+<p:notes xmlns:a="http://schemas.openxmlformats.org/drawingml/2006/main" xmlns:r="http://schemas.openxmlformats.org/officeDocument/2006/relationships" xmlns:p="http://schemas.openxmlformats.org/presentationml/2006/main" showMasterSp="0" showMasterPhAnim="0">
   <p:cSld>
     <p:spTree>
       <p:nvGrpSpPr>
-        <p:cNvPr id="149" name="Shape 149"/>
+        <p:cNvPr id="1" name="Shape 149"/>
         <p:cNvGrpSpPr/>
         <p:nvPr/>
       </p:nvGrpSpPr>
@@ -1033,9 +1063,11 @@
       <p:sp>
         <p:nvSpPr>
           <p:cNvPr id="150" name="Google Shape;150;ge3e7493e71_0_0:notes"/>
-          <p:cNvSpPr/>
+          <p:cNvSpPr>
+            <a:spLocks noGrp="1" noRot="1" noChangeAspect="1"/>
+          </p:cNvSpPr>
           <p:nvPr>
-            <p:ph idx="2" type="sldImg"/>
+            <p:ph type="sldImg" idx="2"/>
           </p:nvPr>
         </p:nvSpPr>
         <p:spPr>
@@ -1044,9 +1076,13 @@
             <a:ext cx="6096000" cy="3429000"/>
           </a:xfrm>
           <a:custGeom>
-            <a:rect b="b" l="l" r="r" t="t"/>
+            <a:avLst/>
+            <a:gdLst/>
+            <a:ahLst/>
+            <a:cxnLst/>
+            <a:rect l="l" t="t" r="r" b="b"/>
             <a:pathLst>
-              <a:path extrusionOk="0" h="120000" w="120000">
+              <a:path w="120000" h="120000" extrusionOk="0">
                 <a:moveTo>
                   <a:pt x="0" y="0"/>
                 </a:moveTo>
@@ -1068,9 +1104,11 @@
       <p:sp>
         <p:nvSpPr>
           <p:cNvPr id="151" name="Google Shape;151;ge3e7493e71_0_0:notes"/>
-          <p:cNvSpPr txBox="1"/>
+          <p:cNvSpPr txBox="1">
+            <a:spLocks noGrp="1"/>
+          </p:cNvSpPr>
           <p:nvPr>
-            <p:ph idx="1" type="body"/>
+            <p:ph type="body" idx="1"/>
           </p:nvPr>
         </p:nvSpPr>
         <p:spPr>
@@ -1083,23 +1121,20 @@
           </a:prstGeom>
         </p:spPr>
         <p:txBody>
-          <a:bodyPr anchorCtr="0" anchor="t" bIns="91425" lIns="91425" spcFirstLastPara="1" rIns="91425" wrap="square" tIns="91425">
+          <a:bodyPr spcFirstLastPara="1" wrap="square" lIns="91425" tIns="91425" rIns="91425" bIns="91425" anchor="t" anchorCtr="0">
             <a:noAutofit/>
           </a:bodyPr>
           <a:lstStyle/>
           <a:p>
-            <a:pPr indent="0" lvl="0" marL="0" rtl="0" algn="l">
-              <a:spcBef>
-                <a:spcPts val="0"/>
-              </a:spcBef>
-              <a:spcAft>
-                <a:spcPts val="0"/>
-              </a:spcAft>
-              <a:buNone/>
-            </a:pPr>
-            <a:r>
-              <a:t/>
-            </a:r>
+            <a:pPr marL="0" lvl="0" indent="0" algn="l" rtl="0">
+              <a:spcBef>
+                <a:spcPts val="0"/>
+              </a:spcBef>
+              <a:spcAft>
+                <a:spcPts val="0"/>
+              </a:spcAft>
+              <a:buNone/>
+            </a:pPr>
             <a:endParaRPr/>
           </a:p>
         </p:txBody>
@@ -1113,11 +1148,11 @@
 </file>
 
 <file path=ppt/notesSlides/notesSlide13.xml><?xml version="1.0" encoding="utf-8"?>
-<p:notes xmlns:a="http://schemas.openxmlformats.org/drawingml/2006/main" xmlns:r="http://schemas.openxmlformats.org/officeDocument/2006/relationships" xmlns:mc="http://schemas.openxmlformats.org/markup-compatibility/2006" xmlns:mv="urn:schemas-microsoft-com:mac:vml" xmlns:p="http://schemas.openxmlformats.org/presentationml/2006/main" xmlns:c="http://schemas.openxmlformats.org/drawingml/2006/chart" xmlns:dgm="http://schemas.openxmlformats.org/drawingml/2006/diagram" xmlns:o="urn:schemas-microsoft-com:office:office" xmlns:v="urn:schemas-microsoft-com:vml" xmlns:pvml="urn:schemas-microsoft-com:office:powerpoint" xmlns:com="http://schemas.openxmlformats.org/drawingml/2006/compatibility" xmlns:p14="http://schemas.microsoft.com/office/powerpoint/2010/main" xmlns:p15="http://schemas.microsoft.com/office/powerpoint/2012/main" xmlns:ahyp="http://schemas.microsoft.com/office/drawing/2018/hyperlinkcolor" showMasterPhAnim="0" showMasterSp="0">
+<p:notes xmlns:a="http://schemas.openxmlformats.org/drawingml/2006/main" xmlns:r="http://schemas.openxmlformats.org/officeDocument/2006/relationships" xmlns:p="http://schemas.openxmlformats.org/presentationml/2006/main" showMasterSp="0" showMasterPhAnim="0">
   <p:cSld>
     <p:spTree>
       <p:nvGrpSpPr>
-        <p:cNvPr id="155" name="Shape 155"/>
+        <p:cNvPr id="1" name="Shape 155"/>
         <p:cNvGrpSpPr/>
         <p:nvPr/>
       </p:nvGrpSpPr>
@@ -1132,9 +1167,11 @@
       <p:sp>
         <p:nvSpPr>
           <p:cNvPr id="156" name="Google Shape;156;ge3e7493e71_0_13:notes"/>
-          <p:cNvSpPr/>
+          <p:cNvSpPr>
+            <a:spLocks noGrp="1" noRot="1" noChangeAspect="1"/>
+          </p:cNvSpPr>
           <p:nvPr>
-            <p:ph idx="2" type="sldImg"/>
+            <p:ph type="sldImg" idx="2"/>
           </p:nvPr>
         </p:nvSpPr>
         <p:spPr>
@@ -1143,9 +1180,13 @@
             <a:ext cx="6096000" cy="3429000"/>
           </a:xfrm>
           <a:custGeom>
-            <a:rect b="b" l="l" r="r" t="t"/>
+            <a:avLst/>
+            <a:gdLst/>
+            <a:ahLst/>
+            <a:cxnLst/>
+            <a:rect l="l" t="t" r="r" b="b"/>
             <a:pathLst>
-              <a:path extrusionOk="0" h="120000" w="120000">
+              <a:path w="120000" h="120000" extrusionOk="0">
                 <a:moveTo>
                   <a:pt x="0" y="0"/>
                 </a:moveTo>
@@ -1167,9 +1208,11 @@
       <p:sp>
         <p:nvSpPr>
           <p:cNvPr id="157" name="Google Shape;157;ge3e7493e71_0_13:notes"/>
-          <p:cNvSpPr txBox="1"/>
+          <p:cNvSpPr txBox="1">
+            <a:spLocks noGrp="1"/>
+          </p:cNvSpPr>
           <p:nvPr>
-            <p:ph idx="1" type="body"/>
+            <p:ph type="body" idx="1"/>
           </p:nvPr>
         </p:nvSpPr>
         <p:spPr>
@@ -1182,23 +1225,20 @@
           </a:prstGeom>
         </p:spPr>
         <p:txBody>
-          <a:bodyPr anchorCtr="0" anchor="t" bIns="91425" lIns="91425" spcFirstLastPara="1" rIns="91425" wrap="square" tIns="91425">
+          <a:bodyPr spcFirstLastPara="1" wrap="square" lIns="91425" tIns="91425" rIns="91425" bIns="91425" anchor="t" anchorCtr="0">
             <a:noAutofit/>
           </a:bodyPr>
           <a:lstStyle/>
           <a:p>
-            <a:pPr indent="0" lvl="0" marL="0" rtl="0" algn="l">
-              <a:spcBef>
-                <a:spcPts val="0"/>
-              </a:spcBef>
-              <a:spcAft>
-                <a:spcPts val="0"/>
-              </a:spcAft>
-              <a:buNone/>
-            </a:pPr>
-            <a:r>
-              <a:t/>
-            </a:r>
+            <a:pPr marL="0" lvl="0" indent="0" algn="l" rtl="0">
+              <a:spcBef>
+                <a:spcPts val="0"/>
+              </a:spcBef>
+              <a:spcAft>
+                <a:spcPts val="0"/>
+              </a:spcAft>
+              <a:buNone/>
+            </a:pPr>
             <a:endParaRPr/>
           </a:p>
         </p:txBody>
@@ -1212,11 +1252,11 @@
 </file>
 
 <file path=ppt/notesSlides/notesSlide14.xml><?xml version="1.0" encoding="utf-8"?>
-<p:notes xmlns:a="http://schemas.openxmlformats.org/drawingml/2006/main" xmlns:r="http://schemas.openxmlformats.org/officeDocument/2006/relationships" xmlns:mc="http://schemas.openxmlformats.org/markup-compatibility/2006" xmlns:mv="urn:schemas-microsoft-com:mac:vml" xmlns:p="http://schemas.openxmlformats.org/presentationml/2006/main" xmlns:c="http://schemas.openxmlformats.org/drawingml/2006/chart" xmlns:dgm="http://schemas.openxmlformats.org/drawingml/2006/diagram" xmlns:o="urn:schemas-microsoft-com:office:office" xmlns:v="urn:schemas-microsoft-com:vml" xmlns:pvml="urn:schemas-microsoft-com:office:powerpoint" xmlns:com="http://schemas.openxmlformats.org/drawingml/2006/compatibility" xmlns:p14="http://schemas.microsoft.com/office/powerpoint/2010/main" xmlns:p15="http://schemas.microsoft.com/office/powerpoint/2012/main" xmlns:ahyp="http://schemas.microsoft.com/office/drawing/2018/hyperlinkcolor" showMasterPhAnim="0" showMasterSp="0">
+<p:notes xmlns:a="http://schemas.openxmlformats.org/drawingml/2006/main" xmlns:r="http://schemas.openxmlformats.org/officeDocument/2006/relationships" xmlns:p="http://schemas.openxmlformats.org/presentationml/2006/main" showMasterSp="0" showMasterPhAnim="0">
   <p:cSld>
     <p:spTree>
       <p:nvGrpSpPr>
-        <p:cNvPr id="161" name="Shape 161"/>
+        <p:cNvPr id="1" name="Shape 161"/>
         <p:cNvGrpSpPr/>
         <p:nvPr/>
       </p:nvGrpSpPr>
@@ -1231,20 +1271,26 @@
       <p:sp>
         <p:nvSpPr>
           <p:cNvPr id="162" name="Google Shape;162;ge3e7493e71_0_19:notes"/>
-          <p:cNvSpPr/>
+          <p:cNvSpPr>
+            <a:spLocks noGrp="1" noRot="1" noChangeAspect="1"/>
+          </p:cNvSpPr>
           <p:nvPr>
-            <p:ph idx="2" type="sldImg"/>
+            <p:ph type="sldImg" idx="2"/>
           </p:nvPr>
         </p:nvSpPr>
         <p:spPr>
           <a:xfrm>
-            <a:off x="381300" y="685800"/>
+            <a:off x="381000" y="685800"/>
             <a:ext cx="6096000" cy="3429000"/>
           </a:xfrm>
           <a:custGeom>
-            <a:rect b="b" l="l" r="r" t="t"/>
+            <a:avLst/>
+            <a:gdLst/>
+            <a:ahLst/>
+            <a:cxnLst/>
+            <a:rect l="l" t="t" r="r" b="b"/>
             <a:pathLst>
-              <a:path extrusionOk="0" h="120000" w="120000">
+              <a:path w="120000" h="120000" extrusionOk="0">
                 <a:moveTo>
                   <a:pt x="0" y="0"/>
                 </a:moveTo>
@@ -1266,9 +1312,11 @@
       <p:sp>
         <p:nvSpPr>
           <p:cNvPr id="163" name="Google Shape;163;ge3e7493e71_0_19:notes"/>
-          <p:cNvSpPr txBox="1"/>
+          <p:cNvSpPr txBox="1">
+            <a:spLocks noGrp="1"/>
+          </p:cNvSpPr>
           <p:nvPr>
-            <p:ph idx="1" type="body"/>
+            <p:ph type="body" idx="1"/>
           </p:nvPr>
         </p:nvSpPr>
         <p:spPr>
@@ -1281,23 +1329,20 @@
           </a:prstGeom>
         </p:spPr>
         <p:txBody>
-          <a:bodyPr anchorCtr="0" anchor="t" bIns="91425" lIns="91425" spcFirstLastPara="1" rIns="91425" wrap="square" tIns="91425">
+          <a:bodyPr spcFirstLastPara="1" wrap="square" lIns="91425" tIns="91425" rIns="91425" bIns="91425" anchor="t" anchorCtr="0">
             <a:noAutofit/>
           </a:bodyPr>
           <a:lstStyle/>
           <a:p>
-            <a:pPr indent="0" lvl="0" marL="0" rtl="0" algn="l">
-              <a:spcBef>
-                <a:spcPts val="0"/>
-              </a:spcBef>
-              <a:spcAft>
-                <a:spcPts val="0"/>
-              </a:spcAft>
-              <a:buNone/>
-            </a:pPr>
-            <a:r>
-              <a:t/>
-            </a:r>
+            <a:pPr marL="0" lvl="0" indent="0" algn="l" rtl="0">
+              <a:spcBef>
+                <a:spcPts val="0"/>
+              </a:spcBef>
+              <a:spcAft>
+                <a:spcPts val="0"/>
+              </a:spcAft>
+              <a:buNone/>
+            </a:pPr>
             <a:endParaRPr/>
           </a:p>
         </p:txBody>
@@ -1311,11 +1356,11 @@
 </file>
 
 <file path=ppt/notesSlides/notesSlide15.xml><?xml version="1.0" encoding="utf-8"?>
-<p:notes xmlns:a="http://schemas.openxmlformats.org/drawingml/2006/main" xmlns:r="http://schemas.openxmlformats.org/officeDocument/2006/relationships" xmlns:mc="http://schemas.openxmlformats.org/markup-compatibility/2006" xmlns:mv="urn:schemas-microsoft-com:mac:vml" xmlns:p="http://schemas.openxmlformats.org/presentationml/2006/main" xmlns:c="http://schemas.openxmlformats.org/drawingml/2006/chart" xmlns:dgm="http://schemas.openxmlformats.org/drawingml/2006/diagram" xmlns:o="urn:schemas-microsoft-com:office:office" xmlns:v="urn:schemas-microsoft-com:vml" xmlns:pvml="urn:schemas-microsoft-com:office:powerpoint" xmlns:com="http://schemas.openxmlformats.org/drawingml/2006/compatibility" xmlns:p14="http://schemas.microsoft.com/office/powerpoint/2010/main" xmlns:p15="http://schemas.microsoft.com/office/powerpoint/2012/main" xmlns:ahyp="http://schemas.microsoft.com/office/drawing/2018/hyperlinkcolor" showMasterPhAnim="0" showMasterSp="0">
+<p:notes xmlns:a="http://schemas.openxmlformats.org/drawingml/2006/main" xmlns:r="http://schemas.openxmlformats.org/officeDocument/2006/relationships" xmlns:p="http://schemas.openxmlformats.org/presentationml/2006/main" showMasterSp="0" showMasterPhAnim="0">
   <p:cSld>
     <p:spTree>
       <p:nvGrpSpPr>
-        <p:cNvPr id="167" name="Shape 167"/>
+        <p:cNvPr id="1" name="Shape 167"/>
         <p:cNvGrpSpPr/>
         <p:nvPr/>
       </p:nvGrpSpPr>
@@ -1330,20 +1375,26 @@
       <p:sp>
         <p:nvSpPr>
           <p:cNvPr id="168" name="Google Shape;168;ge3e7493e71_0_25:notes"/>
-          <p:cNvSpPr/>
+          <p:cNvSpPr>
+            <a:spLocks noGrp="1" noRot="1" noChangeAspect="1"/>
+          </p:cNvSpPr>
           <p:nvPr>
-            <p:ph idx="2" type="sldImg"/>
+            <p:ph type="sldImg" idx="2"/>
           </p:nvPr>
         </p:nvSpPr>
         <p:spPr>
           <a:xfrm>
-            <a:off x="381300" y="685800"/>
+            <a:off x="381000" y="685800"/>
             <a:ext cx="6096000" cy="3429000"/>
           </a:xfrm>
           <a:custGeom>
-            <a:rect b="b" l="l" r="r" t="t"/>
+            <a:avLst/>
+            <a:gdLst/>
+            <a:ahLst/>
+            <a:cxnLst/>
+            <a:rect l="l" t="t" r="r" b="b"/>
             <a:pathLst>
-              <a:path extrusionOk="0" h="120000" w="120000">
+              <a:path w="120000" h="120000" extrusionOk="0">
                 <a:moveTo>
                   <a:pt x="0" y="0"/>
                 </a:moveTo>
@@ -1365,9 +1416,11 @@
       <p:sp>
         <p:nvSpPr>
           <p:cNvPr id="169" name="Google Shape;169;ge3e7493e71_0_25:notes"/>
-          <p:cNvSpPr txBox="1"/>
+          <p:cNvSpPr txBox="1">
+            <a:spLocks noGrp="1"/>
+          </p:cNvSpPr>
           <p:nvPr>
-            <p:ph idx="1" type="body"/>
+            <p:ph type="body" idx="1"/>
           </p:nvPr>
         </p:nvSpPr>
         <p:spPr>
@@ -1380,23 +1433,20 @@
           </a:prstGeom>
         </p:spPr>
         <p:txBody>
-          <a:bodyPr anchorCtr="0" anchor="t" bIns="91425" lIns="91425" spcFirstLastPara="1" rIns="91425" wrap="square" tIns="91425">
+          <a:bodyPr spcFirstLastPara="1" wrap="square" lIns="91425" tIns="91425" rIns="91425" bIns="91425" anchor="t" anchorCtr="0">
             <a:noAutofit/>
           </a:bodyPr>
           <a:lstStyle/>
           <a:p>
-            <a:pPr indent="0" lvl="0" marL="0" rtl="0" algn="l">
-              <a:spcBef>
-                <a:spcPts val="0"/>
-              </a:spcBef>
-              <a:spcAft>
-                <a:spcPts val="0"/>
-              </a:spcAft>
-              <a:buNone/>
-            </a:pPr>
-            <a:r>
-              <a:t/>
-            </a:r>
+            <a:pPr marL="0" lvl="0" indent="0" algn="l" rtl="0">
+              <a:spcBef>
+                <a:spcPts val="0"/>
+              </a:spcBef>
+              <a:spcAft>
+                <a:spcPts val="0"/>
+              </a:spcAft>
+              <a:buNone/>
+            </a:pPr>
             <a:endParaRPr/>
           </a:p>
         </p:txBody>
@@ -1410,11 +1460,11 @@
 </file>
 
 <file path=ppt/notesSlides/notesSlide16.xml><?xml version="1.0" encoding="utf-8"?>
-<p:notes xmlns:a="http://schemas.openxmlformats.org/drawingml/2006/main" xmlns:r="http://schemas.openxmlformats.org/officeDocument/2006/relationships" xmlns:mc="http://schemas.openxmlformats.org/markup-compatibility/2006" xmlns:mv="urn:schemas-microsoft-com:mac:vml" xmlns:p="http://schemas.openxmlformats.org/presentationml/2006/main" xmlns:c="http://schemas.openxmlformats.org/drawingml/2006/chart" xmlns:dgm="http://schemas.openxmlformats.org/drawingml/2006/diagram" xmlns:o="urn:schemas-microsoft-com:office:office" xmlns:v="urn:schemas-microsoft-com:vml" xmlns:pvml="urn:schemas-microsoft-com:office:powerpoint" xmlns:com="http://schemas.openxmlformats.org/drawingml/2006/compatibility" xmlns:p14="http://schemas.microsoft.com/office/powerpoint/2010/main" xmlns:p15="http://schemas.microsoft.com/office/powerpoint/2012/main" xmlns:ahyp="http://schemas.microsoft.com/office/drawing/2018/hyperlinkcolor" showMasterPhAnim="0" showMasterSp="0">
+<p:notes xmlns:a="http://schemas.openxmlformats.org/drawingml/2006/main" xmlns:r="http://schemas.openxmlformats.org/officeDocument/2006/relationships" xmlns:p="http://schemas.openxmlformats.org/presentationml/2006/main" showMasterSp="0" showMasterPhAnim="0">
   <p:cSld>
     <p:spTree>
       <p:nvGrpSpPr>
-        <p:cNvPr id="173" name="Shape 173"/>
+        <p:cNvPr id="1" name="Shape 173"/>
         <p:cNvGrpSpPr/>
         <p:nvPr/>
       </p:nvGrpSpPr>
@@ -1429,20 +1479,26 @@
       <p:sp>
         <p:nvSpPr>
           <p:cNvPr id="174" name="Google Shape;174;ge3e7493e71_0_35:notes"/>
-          <p:cNvSpPr/>
+          <p:cNvSpPr>
+            <a:spLocks noGrp="1" noRot="1" noChangeAspect="1"/>
+          </p:cNvSpPr>
           <p:nvPr>
-            <p:ph idx="2" type="sldImg"/>
+            <p:ph type="sldImg" idx="2"/>
           </p:nvPr>
         </p:nvSpPr>
         <p:spPr>
           <a:xfrm>
-            <a:off x="381300" y="685800"/>
+            <a:off x="381000" y="685800"/>
             <a:ext cx="6096000" cy="3429000"/>
           </a:xfrm>
           <a:custGeom>
-            <a:rect b="b" l="l" r="r" t="t"/>
+            <a:avLst/>
+            <a:gdLst/>
+            <a:ahLst/>
+            <a:cxnLst/>
+            <a:rect l="l" t="t" r="r" b="b"/>
             <a:pathLst>
-              <a:path extrusionOk="0" h="120000" w="120000">
+              <a:path w="120000" h="120000" extrusionOk="0">
                 <a:moveTo>
                   <a:pt x="0" y="0"/>
                 </a:moveTo>
@@ -1464,9 +1520,11 @@
       <p:sp>
         <p:nvSpPr>
           <p:cNvPr id="175" name="Google Shape;175;ge3e7493e71_0_35:notes"/>
-          <p:cNvSpPr txBox="1"/>
+          <p:cNvSpPr txBox="1">
+            <a:spLocks noGrp="1"/>
+          </p:cNvSpPr>
           <p:nvPr>
-            <p:ph idx="1" type="body"/>
+            <p:ph type="body" idx="1"/>
           </p:nvPr>
         </p:nvSpPr>
         <p:spPr>
@@ -1479,23 +1537,20 @@
           </a:prstGeom>
         </p:spPr>
         <p:txBody>
-          <a:bodyPr anchorCtr="0" anchor="t" bIns="91425" lIns="91425" spcFirstLastPara="1" rIns="91425" wrap="square" tIns="91425">
+          <a:bodyPr spcFirstLastPara="1" wrap="square" lIns="91425" tIns="91425" rIns="91425" bIns="91425" anchor="t" anchorCtr="0">
             <a:noAutofit/>
           </a:bodyPr>
           <a:lstStyle/>
           <a:p>
-            <a:pPr indent="0" lvl="0" marL="0" rtl="0" algn="l">
-              <a:spcBef>
-                <a:spcPts val="0"/>
-              </a:spcBef>
-              <a:spcAft>
-                <a:spcPts val="0"/>
-              </a:spcAft>
-              <a:buNone/>
-            </a:pPr>
-            <a:r>
-              <a:t/>
-            </a:r>
+            <a:pPr marL="0" lvl="0" indent="0" algn="l" rtl="0">
+              <a:spcBef>
+                <a:spcPts val="0"/>
+              </a:spcBef>
+              <a:spcAft>
+                <a:spcPts val="0"/>
+              </a:spcAft>
+              <a:buNone/>
+            </a:pPr>
             <a:endParaRPr/>
           </a:p>
         </p:txBody>
@@ -1509,11 +1564,11 @@
 </file>
 
 <file path=ppt/notesSlides/notesSlide17.xml><?xml version="1.0" encoding="utf-8"?>
-<p:notes xmlns:a="http://schemas.openxmlformats.org/drawingml/2006/main" xmlns:r="http://schemas.openxmlformats.org/officeDocument/2006/relationships" xmlns:mc="http://schemas.openxmlformats.org/markup-compatibility/2006" xmlns:mv="urn:schemas-microsoft-com:mac:vml" xmlns:p="http://schemas.openxmlformats.org/presentationml/2006/main" xmlns:c="http://schemas.openxmlformats.org/drawingml/2006/chart" xmlns:dgm="http://schemas.openxmlformats.org/drawingml/2006/diagram" xmlns:o="urn:schemas-microsoft-com:office:office" xmlns:v="urn:schemas-microsoft-com:vml" xmlns:pvml="urn:schemas-microsoft-com:office:powerpoint" xmlns:com="http://schemas.openxmlformats.org/drawingml/2006/compatibility" xmlns:p14="http://schemas.microsoft.com/office/powerpoint/2010/main" xmlns:p15="http://schemas.microsoft.com/office/powerpoint/2012/main" xmlns:ahyp="http://schemas.microsoft.com/office/drawing/2018/hyperlinkcolor" showMasterPhAnim="0" showMasterSp="0">
+<p:notes xmlns:a="http://schemas.openxmlformats.org/drawingml/2006/main" xmlns:r="http://schemas.openxmlformats.org/officeDocument/2006/relationships" xmlns:p="http://schemas.openxmlformats.org/presentationml/2006/main" showMasterSp="0" showMasterPhAnim="0">
   <p:cSld>
     <p:spTree>
       <p:nvGrpSpPr>
-        <p:cNvPr id="180" name="Shape 180"/>
+        <p:cNvPr id="1" name="Shape 180"/>
         <p:cNvGrpSpPr/>
         <p:nvPr/>
       </p:nvGrpSpPr>
@@ -1528,20 +1583,26 @@
       <p:sp>
         <p:nvSpPr>
           <p:cNvPr id="181" name="Google Shape;181;ge3e7493e71_0_6:notes"/>
-          <p:cNvSpPr/>
+          <p:cNvSpPr>
+            <a:spLocks noGrp="1" noRot="1" noChangeAspect="1"/>
+          </p:cNvSpPr>
           <p:nvPr>
-            <p:ph idx="2" type="sldImg"/>
+            <p:ph type="sldImg" idx="2"/>
           </p:nvPr>
         </p:nvSpPr>
         <p:spPr>
           <a:xfrm>
-            <a:off x="381300" y="685800"/>
+            <a:off x="381000" y="685800"/>
             <a:ext cx="6096000" cy="3429000"/>
           </a:xfrm>
           <a:custGeom>
-            <a:rect b="b" l="l" r="r" t="t"/>
+            <a:avLst/>
+            <a:gdLst/>
+            <a:ahLst/>
+            <a:cxnLst/>
+            <a:rect l="l" t="t" r="r" b="b"/>
             <a:pathLst>
-              <a:path extrusionOk="0" h="120000" w="120000">
+              <a:path w="120000" h="120000" extrusionOk="0">
                 <a:moveTo>
                   <a:pt x="0" y="0"/>
                 </a:moveTo>
@@ -1563,9 +1624,11 @@
       <p:sp>
         <p:nvSpPr>
           <p:cNvPr id="182" name="Google Shape;182;ge3e7493e71_0_6:notes"/>
-          <p:cNvSpPr txBox="1"/>
+          <p:cNvSpPr txBox="1">
+            <a:spLocks noGrp="1"/>
+          </p:cNvSpPr>
           <p:nvPr>
-            <p:ph idx="1" type="body"/>
+            <p:ph type="body" idx="1"/>
           </p:nvPr>
         </p:nvSpPr>
         <p:spPr>
@@ -1578,23 +1641,20 @@
           </a:prstGeom>
         </p:spPr>
         <p:txBody>
-          <a:bodyPr anchorCtr="0" anchor="t" bIns="91425" lIns="91425" spcFirstLastPara="1" rIns="91425" wrap="square" tIns="91425">
+          <a:bodyPr spcFirstLastPara="1" wrap="square" lIns="91425" tIns="91425" rIns="91425" bIns="91425" anchor="t" anchorCtr="0">
             <a:noAutofit/>
           </a:bodyPr>
           <a:lstStyle/>
           <a:p>
-            <a:pPr indent="0" lvl="0" marL="0" rtl="0" algn="l">
-              <a:spcBef>
-                <a:spcPts val="0"/>
-              </a:spcBef>
-              <a:spcAft>
-                <a:spcPts val="0"/>
-              </a:spcAft>
-              <a:buNone/>
-            </a:pPr>
-            <a:r>
-              <a:t/>
-            </a:r>
+            <a:pPr marL="0" lvl="0" indent="0" algn="l" rtl="0">
+              <a:spcBef>
+                <a:spcPts val="0"/>
+              </a:spcBef>
+              <a:spcAft>
+                <a:spcPts val="0"/>
+              </a:spcAft>
+              <a:buNone/>
+            </a:pPr>
             <a:endParaRPr/>
           </a:p>
         </p:txBody>
@@ -1608,11 +1668,11 @@
 </file>
 
 <file path=ppt/notesSlides/notesSlide18.xml><?xml version="1.0" encoding="utf-8"?>
-<p:notes xmlns:a="http://schemas.openxmlformats.org/drawingml/2006/main" xmlns:r="http://schemas.openxmlformats.org/officeDocument/2006/relationships" xmlns:mc="http://schemas.openxmlformats.org/markup-compatibility/2006" xmlns:mv="urn:schemas-microsoft-com:mac:vml" xmlns:p="http://schemas.openxmlformats.org/presentationml/2006/main" xmlns:c="http://schemas.openxmlformats.org/drawingml/2006/chart" xmlns:dgm="http://schemas.openxmlformats.org/drawingml/2006/diagram" xmlns:o="urn:schemas-microsoft-com:office:office" xmlns:v="urn:schemas-microsoft-com:vml" xmlns:pvml="urn:schemas-microsoft-com:office:powerpoint" xmlns:com="http://schemas.openxmlformats.org/drawingml/2006/compatibility" xmlns:p14="http://schemas.microsoft.com/office/powerpoint/2010/main" xmlns:p15="http://schemas.microsoft.com/office/powerpoint/2012/main" xmlns:ahyp="http://schemas.microsoft.com/office/drawing/2018/hyperlinkcolor" showMasterPhAnim="0" showMasterSp="0">
+<p:notes xmlns:a="http://schemas.openxmlformats.org/drawingml/2006/main" xmlns:r="http://schemas.openxmlformats.org/officeDocument/2006/relationships" xmlns:p="http://schemas.openxmlformats.org/presentationml/2006/main" showMasterSp="0" showMasterPhAnim="0">
   <p:cSld>
     <p:spTree>
       <p:nvGrpSpPr>
-        <p:cNvPr id="187" name="Shape 187"/>
+        <p:cNvPr id="1" name="Shape 187"/>
         <p:cNvGrpSpPr/>
         <p:nvPr/>
       </p:nvGrpSpPr>
@@ -1627,20 +1687,26 @@
       <p:sp>
         <p:nvSpPr>
           <p:cNvPr id="188" name="Google Shape;188;ge3e7493e71_0_46:notes"/>
-          <p:cNvSpPr/>
+          <p:cNvSpPr>
+            <a:spLocks noGrp="1" noRot="1" noChangeAspect="1"/>
+          </p:cNvSpPr>
           <p:nvPr>
-            <p:ph idx="2" type="sldImg"/>
+            <p:ph type="sldImg" idx="2"/>
           </p:nvPr>
         </p:nvSpPr>
         <p:spPr>
           <a:xfrm>
-            <a:off x="381300" y="685800"/>
+            <a:off x="381000" y="685800"/>
             <a:ext cx="6096000" cy="3429000"/>
           </a:xfrm>
           <a:custGeom>
-            <a:rect b="b" l="l" r="r" t="t"/>
+            <a:avLst/>
+            <a:gdLst/>
+            <a:ahLst/>
+            <a:cxnLst/>
+            <a:rect l="l" t="t" r="r" b="b"/>
             <a:pathLst>
-              <a:path extrusionOk="0" h="120000" w="120000">
+              <a:path w="120000" h="120000" extrusionOk="0">
                 <a:moveTo>
                   <a:pt x="0" y="0"/>
                 </a:moveTo>
@@ -1662,9 +1728,11 @@
       <p:sp>
         <p:nvSpPr>
           <p:cNvPr id="189" name="Google Shape;189;ge3e7493e71_0_46:notes"/>
-          <p:cNvSpPr txBox="1"/>
+          <p:cNvSpPr txBox="1">
+            <a:spLocks noGrp="1"/>
+          </p:cNvSpPr>
           <p:nvPr>
-            <p:ph idx="1" type="body"/>
+            <p:ph type="body" idx="1"/>
           </p:nvPr>
         </p:nvSpPr>
         <p:spPr>
@@ -1677,23 +1745,20 @@
           </a:prstGeom>
         </p:spPr>
         <p:txBody>
-          <a:bodyPr anchorCtr="0" anchor="t" bIns="91425" lIns="91425" spcFirstLastPara="1" rIns="91425" wrap="square" tIns="91425">
+          <a:bodyPr spcFirstLastPara="1" wrap="square" lIns="91425" tIns="91425" rIns="91425" bIns="91425" anchor="t" anchorCtr="0">
             <a:noAutofit/>
           </a:bodyPr>
           <a:lstStyle/>
           <a:p>
-            <a:pPr indent="0" lvl="0" marL="0" rtl="0" algn="l">
-              <a:spcBef>
-                <a:spcPts val="0"/>
-              </a:spcBef>
-              <a:spcAft>
-                <a:spcPts val="0"/>
-              </a:spcAft>
-              <a:buNone/>
-            </a:pPr>
-            <a:r>
-              <a:t/>
-            </a:r>
+            <a:pPr marL="0" lvl="0" indent="0" algn="l" rtl="0">
+              <a:spcBef>
+                <a:spcPts val="0"/>
+              </a:spcBef>
+              <a:spcAft>
+                <a:spcPts val="0"/>
+              </a:spcAft>
+              <a:buNone/>
+            </a:pPr>
             <a:endParaRPr/>
           </a:p>
         </p:txBody>
@@ -1707,11 +1772,11 @@
 </file>
 
 <file path=ppt/notesSlides/notesSlide19.xml><?xml version="1.0" encoding="utf-8"?>
-<p:notes xmlns:a="http://schemas.openxmlformats.org/drawingml/2006/main" xmlns:r="http://schemas.openxmlformats.org/officeDocument/2006/relationships" xmlns:mc="http://schemas.openxmlformats.org/markup-compatibility/2006" xmlns:mv="urn:schemas-microsoft-com:mac:vml" xmlns:p="http://schemas.openxmlformats.org/presentationml/2006/main" xmlns:c="http://schemas.openxmlformats.org/drawingml/2006/chart" xmlns:dgm="http://schemas.openxmlformats.org/drawingml/2006/diagram" xmlns:o="urn:schemas-microsoft-com:office:office" xmlns:v="urn:schemas-microsoft-com:vml" xmlns:pvml="urn:schemas-microsoft-com:office:powerpoint" xmlns:com="http://schemas.openxmlformats.org/drawingml/2006/compatibility" xmlns:p14="http://schemas.microsoft.com/office/powerpoint/2010/main" xmlns:p15="http://schemas.microsoft.com/office/powerpoint/2012/main" xmlns:ahyp="http://schemas.microsoft.com/office/drawing/2018/hyperlinkcolor" showMasterPhAnim="0" showMasterSp="0">
+<p:notes xmlns:a="http://schemas.openxmlformats.org/drawingml/2006/main" xmlns:r="http://schemas.openxmlformats.org/officeDocument/2006/relationships" xmlns:p="http://schemas.openxmlformats.org/presentationml/2006/main" showMasterSp="0" showMasterPhAnim="0">
   <p:cSld>
     <p:spTree>
       <p:nvGrpSpPr>
-        <p:cNvPr id="194" name="Shape 194"/>
+        <p:cNvPr id="1" name="Shape 194"/>
         <p:cNvGrpSpPr/>
         <p:nvPr/>
       </p:nvGrpSpPr>
@@ -1726,9 +1791,11 @@
       <p:sp>
         <p:nvSpPr>
           <p:cNvPr id="195" name="Google Shape;195;ge3e7493e71_0_60:notes"/>
-          <p:cNvSpPr/>
+          <p:cNvSpPr>
+            <a:spLocks noGrp="1" noRot="1" noChangeAspect="1"/>
+          </p:cNvSpPr>
           <p:nvPr>
-            <p:ph idx="2" type="sldImg"/>
+            <p:ph type="sldImg" idx="2"/>
           </p:nvPr>
         </p:nvSpPr>
         <p:spPr>
@@ -1737,9 +1804,13 @@
             <a:ext cx="6096000" cy="3429000"/>
           </a:xfrm>
           <a:custGeom>
-            <a:rect b="b" l="l" r="r" t="t"/>
+            <a:avLst/>
+            <a:gdLst/>
+            <a:ahLst/>
+            <a:cxnLst/>
+            <a:rect l="l" t="t" r="r" b="b"/>
             <a:pathLst>
-              <a:path extrusionOk="0" h="120000" w="120000">
+              <a:path w="120000" h="120000" extrusionOk="0">
                 <a:moveTo>
                   <a:pt x="0" y="0"/>
                 </a:moveTo>
@@ -1761,9 +1832,11 @@
       <p:sp>
         <p:nvSpPr>
           <p:cNvPr id="196" name="Google Shape;196;ge3e7493e71_0_60:notes"/>
-          <p:cNvSpPr txBox="1"/>
+          <p:cNvSpPr txBox="1">
+            <a:spLocks noGrp="1"/>
+          </p:cNvSpPr>
           <p:nvPr>
-            <p:ph idx="1" type="body"/>
+            <p:ph type="body" idx="1"/>
           </p:nvPr>
         </p:nvSpPr>
         <p:spPr>
@@ -1776,23 +1849,20 @@
           </a:prstGeom>
         </p:spPr>
         <p:txBody>
-          <a:bodyPr anchorCtr="0" anchor="t" bIns="91425" lIns="91425" spcFirstLastPara="1" rIns="91425" wrap="square" tIns="91425">
+          <a:bodyPr spcFirstLastPara="1" wrap="square" lIns="91425" tIns="91425" rIns="91425" bIns="91425" anchor="t" anchorCtr="0">
             <a:noAutofit/>
           </a:bodyPr>
           <a:lstStyle/>
           <a:p>
-            <a:pPr indent="0" lvl="0" marL="0" rtl="0" algn="l">
-              <a:spcBef>
-                <a:spcPts val="0"/>
-              </a:spcBef>
-              <a:spcAft>
-                <a:spcPts val="0"/>
-              </a:spcAft>
-              <a:buNone/>
-            </a:pPr>
-            <a:r>
-              <a:t/>
-            </a:r>
+            <a:pPr marL="0" lvl="0" indent="0" algn="l" rtl="0">
+              <a:spcBef>
+                <a:spcPts val="0"/>
+              </a:spcBef>
+              <a:spcAft>
+                <a:spcPts val="0"/>
+              </a:spcAft>
+              <a:buNone/>
+            </a:pPr>
             <a:endParaRPr/>
           </a:p>
         </p:txBody>
@@ -1806,11 +1876,11 @@
 </file>
 
 <file path=ppt/notesSlides/notesSlide2.xml><?xml version="1.0" encoding="utf-8"?>
-<p:notes xmlns:a="http://schemas.openxmlformats.org/drawingml/2006/main" xmlns:r="http://schemas.openxmlformats.org/officeDocument/2006/relationships" xmlns:mc="http://schemas.openxmlformats.org/markup-compatibility/2006" xmlns:mv="urn:schemas-microsoft-com:mac:vml" xmlns:p="http://schemas.openxmlformats.org/presentationml/2006/main" xmlns:c="http://schemas.openxmlformats.org/drawingml/2006/chart" xmlns:dgm="http://schemas.openxmlformats.org/drawingml/2006/diagram" xmlns:o="urn:schemas-microsoft-com:office:office" xmlns:v="urn:schemas-microsoft-com:vml" xmlns:pvml="urn:schemas-microsoft-com:office:powerpoint" xmlns:com="http://schemas.openxmlformats.org/drawingml/2006/compatibility" xmlns:p14="http://schemas.microsoft.com/office/powerpoint/2010/main" xmlns:p15="http://schemas.microsoft.com/office/powerpoint/2012/main" xmlns:ahyp="http://schemas.microsoft.com/office/drawing/2018/hyperlinkcolor" showMasterPhAnim="0" showMasterSp="0">
+<p:notes xmlns:a="http://schemas.openxmlformats.org/drawingml/2006/main" xmlns:r="http://schemas.openxmlformats.org/officeDocument/2006/relationships" xmlns:p="http://schemas.openxmlformats.org/presentationml/2006/main" showMasterSp="0" showMasterPhAnim="0">
   <p:cSld>
     <p:spTree>
       <p:nvGrpSpPr>
-        <p:cNvPr id="87" name="Shape 87"/>
+        <p:cNvPr id="1" name="Shape 87"/>
         <p:cNvGrpSpPr/>
         <p:nvPr/>
       </p:nvGrpSpPr>
@@ -1825,20 +1895,26 @@
       <p:sp>
         <p:nvSpPr>
           <p:cNvPr id="88" name="Google Shape;88;ge2b335bbe2_0_76:notes"/>
-          <p:cNvSpPr/>
+          <p:cNvSpPr>
+            <a:spLocks noGrp="1" noRot="1" noChangeAspect="1"/>
+          </p:cNvSpPr>
           <p:nvPr>
-            <p:ph idx="2" type="sldImg"/>
+            <p:ph type="sldImg" idx="2"/>
           </p:nvPr>
         </p:nvSpPr>
         <p:spPr>
           <a:xfrm>
-            <a:off x="381300" y="685800"/>
+            <a:off x="381000" y="685800"/>
             <a:ext cx="6096000" cy="3429000"/>
           </a:xfrm>
           <a:custGeom>
-            <a:rect b="b" l="l" r="r" t="t"/>
+            <a:avLst/>
+            <a:gdLst/>
+            <a:ahLst/>
+            <a:cxnLst/>
+            <a:rect l="l" t="t" r="r" b="b"/>
             <a:pathLst>
-              <a:path extrusionOk="0" h="120000" w="120000">
+              <a:path w="120000" h="120000" extrusionOk="0">
                 <a:moveTo>
                   <a:pt x="0" y="0"/>
                 </a:moveTo>
@@ -1860,9 +1936,11 @@
       <p:sp>
         <p:nvSpPr>
           <p:cNvPr id="89" name="Google Shape;89;ge2b335bbe2_0_76:notes"/>
-          <p:cNvSpPr txBox="1"/>
+          <p:cNvSpPr txBox="1">
+            <a:spLocks noGrp="1"/>
+          </p:cNvSpPr>
           <p:nvPr>
-            <p:ph idx="1" type="body"/>
+            <p:ph type="body" idx="1"/>
           </p:nvPr>
         </p:nvSpPr>
         <p:spPr>
@@ -1875,23 +1953,20 @@
           </a:prstGeom>
         </p:spPr>
         <p:txBody>
-          <a:bodyPr anchorCtr="0" anchor="t" bIns="91425" lIns="91425" spcFirstLastPara="1" rIns="91425" wrap="square" tIns="91425">
+          <a:bodyPr spcFirstLastPara="1" wrap="square" lIns="91425" tIns="91425" rIns="91425" bIns="91425" anchor="t" anchorCtr="0">
             <a:noAutofit/>
           </a:bodyPr>
           <a:lstStyle/>
           <a:p>
-            <a:pPr indent="0" lvl="0" marL="0" rtl="0" algn="l">
-              <a:spcBef>
-                <a:spcPts val="0"/>
-              </a:spcBef>
-              <a:spcAft>
-                <a:spcPts val="0"/>
-              </a:spcAft>
-              <a:buNone/>
-            </a:pPr>
-            <a:r>
-              <a:t/>
-            </a:r>
+            <a:pPr marL="0" lvl="0" indent="0" algn="l" rtl="0">
+              <a:spcBef>
+                <a:spcPts val="0"/>
+              </a:spcBef>
+              <a:spcAft>
+                <a:spcPts val="0"/>
+              </a:spcAft>
+              <a:buNone/>
+            </a:pPr>
             <a:endParaRPr/>
           </a:p>
         </p:txBody>
@@ -1905,11 +1980,11 @@
 </file>
 
 <file path=ppt/notesSlides/notesSlide20.xml><?xml version="1.0" encoding="utf-8"?>
-<p:notes xmlns:a="http://schemas.openxmlformats.org/drawingml/2006/main" xmlns:r="http://schemas.openxmlformats.org/officeDocument/2006/relationships" xmlns:mc="http://schemas.openxmlformats.org/markup-compatibility/2006" xmlns:mv="urn:schemas-microsoft-com:mac:vml" xmlns:p="http://schemas.openxmlformats.org/presentationml/2006/main" xmlns:c="http://schemas.openxmlformats.org/drawingml/2006/chart" xmlns:dgm="http://schemas.openxmlformats.org/drawingml/2006/diagram" xmlns:o="urn:schemas-microsoft-com:office:office" xmlns:v="urn:schemas-microsoft-com:vml" xmlns:pvml="urn:schemas-microsoft-com:office:powerpoint" xmlns:com="http://schemas.openxmlformats.org/drawingml/2006/compatibility" xmlns:p14="http://schemas.microsoft.com/office/powerpoint/2010/main" xmlns:p15="http://schemas.microsoft.com/office/powerpoint/2012/main" xmlns:ahyp="http://schemas.microsoft.com/office/drawing/2018/hyperlinkcolor" showMasterPhAnim="0" showMasterSp="0">
+<p:notes xmlns:a="http://schemas.openxmlformats.org/drawingml/2006/main" xmlns:r="http://schemas.openxmlformats.org/officeDocument/2006/relationships" xmlns:p="http://schemas.openxmlformats.org/presentationml/2006/main" showMasterSp="0" showMasterPhAnim="0">
   <p:cSld>
     <p:spTree>
       <p:nvGrpSpPr>
-        <p:cNvPr id="200" name="Shape 200"/>
+        <p:cNvPr id="1" name="Shape 200"/>
         <p:cNvGrpSpPr/>
         <p:nvPr/>
       </p:nvGrpSpPr>
@@ -1924,9 +1999,11 @@
       <p:sp>
         <p:nvSpPr>
           <p:cNvPr id="201" name="Google Shape;201;ge3e7493e71_0_67:notes"/>
-          <p:cNvSpPr/>
+          <p:cNvSpPr>
+            <a:spLocks noGrp="1" noRot="1" noChangeAspect="1"/>
+          </p:cNvSpPr>
           <p:nvPr>
-            <p:ph idx="2" type="sldImg"/>
+            <p:ph type="sldImg" idx="2"/>
           </p:nvPr>
         </p:nvSpPr>
         <p:spPr>
@@ -1935,9 +2012,13 @@
             <a:ext cx="6096000" cy="3429000"/>
           </a:xfrm>
           <a:custGeom>
-            <a:rect b="b" l="l" r="r" t="t"/>
+            <a:avLst/>
+            <a:gdLst/>
+            <a:ahLst/>
+            <a:cxnLst/>
+            <a:rect l="l" t="t" r="r" b="b"/>
             <a:pathLst>
-              <a:path extrusionOk="0" h="120000" w="120000">
+              <a:path w="120000" h="120000" extrusionOk="0">
                 <a:moveTo>
                   <a:pt x="0" y="0"/>
                 </a:moveTo>
@@ -1959,9 +2040,11 @@
       <p:sp>
         <p:nvSpPr>
           <p:cNvPr id="202" name="Google Shape;202;ge3e7493e71_0_67:notes"/>
-          <p:cNvSpPr txBox="1"/>
+          <p:cNvSpPr txBox="1">
+            <a:spLocks noGrp="1"/>
+          </p:cNvSpPr>
           <p:nvPr>
-            <p:ph idx="1" type="body"/>
+            <p:ph type="body" idx="1"/>
           </p:nvPr>
         </p:nvSpPr>
         <p:spPr>
@@ -1974,23 +2057,20 @@
           </a:prstGeom>
         </p:spPr>
         <p:txBody>
-          <a:bodyPr anchorCtr="0" anchor="t" bIns="91425" lIns="91425" spcFirstLastPara="1" rIns="91425" wrap="square" tIns="91425">
+          <a:bodyPr spcFirstLastPara="1" wrap="square" lIns="91425" tIns="91425" rIns="91425" bIns="91425" anchor="t" anchorCtr="0">
             <a:noAutofit/>
           </a:bodyPr>
           <a:lstStyle/>
           <a:p>
-            <a:pPr indent="0" lvl="0" marL="0" rtl="0" algn="l">
-              <a:spcBef>
-                <a:spcPts val="0"/>
-              </a:spcBef>
-              <a:spcAft>
-                <a:spcPts val="0"/>
-              </a:spcAft>
-              <a:buNone/>
-            </a:pPr>
-            <a:r>
-              <a:t/>
-            </a:r>
+            <a:pPr marL="0" lvl="0" indent="0" algn="l" rtl="0">
+              <a:spcBef>
+                <a:spcPts val="0"/>
+              </a:spcBef>
+              <a:spcAft>
+                <a:spcPts val="0"/>
+              </a:spcAft>
+              <a:buNone/>
+            </a:pPr>
             <a:endParaRPr/>
           </a:p>
         </p:txBody>
@@ -2004,11 +2084,11 @@
 </file>
 
 <file path=ppt/notesSlides/notesSlide21.xml><?xml version="1.0" encoding="utf-8"?>
-<p:notes xmlns:a="http://schemas.openxmlformats.org/drawingml/2006/main" xmlns:r="http://schemas.openxmlformats.org/officeDocument/2006/relationships" xmlns:mc="http://schemas.openxmlformats.org/markup-compatibility/2006" xmlns:mv="urn:schemas-microsoft-com:mac:vml" xmlns:p="http://schemas.openxmlformats.org/presentationml/2006/main" xmlns:c="http://schemas.openxmlformats.org/drawingml/2006/chart" xmlns:dgm="http://schemas.openxmlformats.org/drawingml/2006/diagram" xmlns:o="urn:schemas-microsoft-com:office:office" xmlns:v="urn:schemas-microsoft-com:vml" xmlns:pvml="urn:schemas-microsoft-com:office:powerpoint" xmlns:com="http://schemas.openxmlformats.org/drawingml/2006/compatibility" xmlns:p14="http://schemas.microsoft.com/office/powerpoint/2010/main" xmlns:p15="http://schemas.microsoft.com/office/powerpoint/2012/main" xmlns:ahyp="http://schemas.microsoft.com/office/drawing/2018/hyperlinkcolor" showMasterPhAnim="0" showMasterSp="0">
+<p:notes xmlns:a="http://schemas.openxmlformats.org/drawingml/2006/main" xmlns:r="http://schemas.openxmlformats.org/officeDocument/2006/relationships" xmlns:p="http://schemas.openxmlformats.org/presentationml/2006/main" showMasterSp="0" showMasterPhAnim="0">
   <p:cSld>
     <p:spTree>
       <p:nvGrpSpPr>
-        <p:cNvPr id="207" name="Shape 207"/>
+        <p:cNvPr id="1" name="Shape 207"/>
         <p:cNvGrpSpPr/>
         <p:nvPr/>
       </p:nvGrpSpPr>
@@ -2023,20 +2103,26 @@
       <p:sp>
         <p:nvSpPr>
           <p:cNvPr id="208" name="Google Shape;208;ge4a0f7c3b9_0_0:notes"/>
-          <p:cNvSpPr/>
+          <p:cNvSpPr>
+            <a:spLocks noGrp="1" noRot="1" noChangeAspect="1"/>
+          </p:cNvSpPr>
           <p:nvPr>
-            <p:ph idx="2" type="sldImg"/>
+            <p:ph type="sldImg" idx="2"/>
           </p:nvPr>
         </p:nvSpPr>
         <p:spPr>
           <a:xfrm>
-            <a:off x="381300" y="685800"/>
+            <a:off x="381000" y="685800"/>
             <a:ext cx="6096000" cy="3429000"/>
           </a:xfrm>
           <a:custGeom>
-            <a:rect b="b" l="l" r="r" t="t"/>
+            <a:avLst/>
+            <a:gdLst/>
+            <a:ahLst/>
+            <a:cxnLst/>
+            <a:rect l="l" t="t" r="r" b="b"/>
             <a:pathLst>
-              <a:path extrusionOk="0" h="120000" w="120000">
+              <a:path w="120000" h="120000" extrusionOk="0">
                 <a:moveTo>
                   <a:pt x="0" y="0"/>
                 </a:moveTo>
@@ -2058,9 +2144,11 @@
       <p:sp>
         <p:nvSpPr>
           <p:cNvPr id="209" name="Google Shape;209;ge4a0f7c3b9_0_0:notes"/>
-          <p:cNvSpPr txBox="1"/>
+          <p:cNvSpPr txBox="1">
+            <a:spLocks noGrp="1"/>
+          </p:cNvSpPr>
           <p:nvPr>
-            <p:ph idx="1" type="body"/>
+            <p:ph type="body" idx="1"/>
           </p:nvPr>
         </p:nvSpPr>
         <p:spPr>
@@ -2073,23 +2161,20 @@
           </a:prstGeom>
         </p:spPr>
         <p:txBody>
-          <a:bodyPr anchorCtr="0" anchor="t" bIns="91425" lIns="91425" spcFirstLastPara="1" rIns="91425" wrap="square" tIns="91425">
+          <a:bodyPr spcFirstLastPara="1" wrap="square" lIns="91425" tIns="91425" rIns="91425" bIns="91425" anchor="t" anchorCtr="0">
             <a:noAutofit/>
           </a:bodyPr>
           <a:lstStyle/>
           <a:p>
-            <a:pPr indent="0" lvl="0" marL="0" rtl="0" algn="l">
-              <a:spcBef>
-                <a:spcPts val="0"/>
-              </a:spcBef>
-              <a:spcAft>
-                <a:spcPts val="0"/>
-              </a:spcAft>
-              <a:buNone/>
-            </a:pPr>
-            <a:r>
-              <a:t/>
-            </a:r>
+            <a:pPr marL="0" lvl="0" indent="0" algn="l" rtl="0">
+              <a:spcBef>
+                <a:spcPts val="0"/>
+              </a:spcBef>
+              <a:spcAft>
+                <a:spcPts val="0"/>
+              </a:spcAft>
+              <a:buNone/>
+            </a:pPr>
             <a:endParaRPr/>
           </a:p>
         </p:txBody>
@@ -2103,11 +2188,11 @@
 </file>
 
 <file path=ppt/notesSlides/notesSlide22.xml><?xml version="1.0" encoding="utf-8"?>
-<p:notes xmlns:a="http://schemas.openxmlformats.org/drawingml/2006/main" xmlns:r="http://schemas.openxmlformats.org/officeDocument/2006/relationships" xmlns:mc="http://schemas.openxmlformats.org/markup-compatibility/2006" xmlns:mv="urn:schemas-microsoft-com:mac:vml" xmlns:p="http://schemas.openxmlformats.org/presentationml/2006/main" xmlns:c="http://schemas.openxmlformats.org/drawingml/2006/chart" xmlns:dgm="http://schemas.openxmlformats.org/drawingml/2006/diagram" xmlns:o="urn:schemas-microsoft-com:office:office" xmlns:v="urn:schemas-microsoft-com:vml" xmlns:pvml="urn:schemas-microsoft-com:office:powerpoint" xmlns:com="http://schemas.openxmlformats.org/drawingml/2006/compatibility" xmlns:p14="http://schemas.microsoft.com/office/powerpoint/2010/main" xmlns:p15="http://schemas.microsoft.com/office/powerpoint/2012/main" xmlns:ahyp="http://schemas.microsoft.com/office/drawing/2018/hyperlinkcolor" showMasterPhAnim="0" showMasterSp="0">
+<p:notes xmlns:a="http://schemas.openxmlformats.org/drawingml/2006/main" xmlns:r="http://schemas.openxmlformats.org/officeDocument/2006/relationships" xmlns:p="http://schemas.openxmlformats.org/presentationml/2006/main" showMasterSp="0" showMasterPhAnim="0">
   <p:cSld>
     <p:spTree>
       <p:nvGrpSpPr>
-        <p:cNvPr id="214" name="Shape 214"/>
+        <p:cNvPr id="1" name="Shape 214"/>
         <p:cNvGrpSpPr/>
         <p:nvPr/>
       </p:nvGrpSpPr>
@@ -2122,9 +2207,11 @@
       <p:sp>
         <p:nvSpPr>
           <p:cNvPr id="215" name="Google Shape;215;ge3e7493e71_0_53:notes"/>
-          <p:cNvSpPr/>
+          <p:cNvSpPr>
+            <a:spLocks noGrp="1" noRot="1" noChangeAspect="1"/>
+          </p:cNvSpPr>
           <p:nvPr>
-            <p:ph idx="2" type="sldImg"/>
+            <p:ph type="sldImg" idx="2"/>
           </p:nvPr>
         </p:nvSpPr>
         <p:spPr>
@@ -2133,9 +2220,13 @@
             <a:ext cx="6096000" cy="3429000"/>
           </a:xfrm>
           <a:custGeom>
-            <a:rect b="b" l="l" r="r" t="t"/>
+            <a:avLst/>
+            <a:gdLst/>
+            <a:ahLst/>
+            <a:cxnLst/>
+            <a:rect l="l" t="t" r="r" b="b"/>
             <a:pathLst>
-              <a:path extrusionOk="0" h="120000" w="120000">
+              <a:path w="120000" h="120000" extrusionOk="0">
                 <a:moveTo>
                   <a:pt x="0" y="0"/>
                 </a:moveTo>
@@ -2157,9 +2248,11 @@
       <p:sp>
         <p:nvSpPr>
           <p:cNvPr id="216" name="Google Shape;216;ge3e7493e71_0_53:notes"/>
-          <p:cNvSpPr txBox="1"/>
+          <p:cNvSpPr txBox="1">
+            <a:spLocks noGrp="1"/>
+          </p:cNvSpPr>
           <p:nvPr>
-            <p:ph idx="1" type="body"/>
+            <p:ph type="body" idx="1"/>
           </p:nvPr>
         </p:nvSpPr>
         <p:spPr>
@@ -2172,23 +2265,20 @@
           </a:prstGeom>
         </p:spPr>
         <p:txBody>
-          <a:bodyPr anchorCtr="0" anchor="t" bIns="91425" lIns="91425" spcFirstLastPara="1" rIns="91425" wrap="square" tIns="91425">
+          <a:bodyPr spcFirstLastPara="1" wrap="square" lIns="91425" tIns="91425" rIns="91425" bIns="91425" anchor="t" anchorCtr="0">
             <a:noAutofit/>
           </a:bodyPr>
           <a:lstStyle/>
           <a:p>
-            <a:pPr indent="0" lvl="0" marL="0" rtl="0" algn="l">
-              <a:spcBef>
-                <a:spcPts val="0"/>
-              </a:spcBef>
-              <a:spcAft>
-                <a:spcPts val="0"/>
-              </a:spcAft>
-              <a:buNone/>
-            </a:pPr>
-            <a:r>
-              <a:t/>
-            </a:r>
+            <a:pPr marL="0" lvl="0" indent="0" algn="l" rtl="0">
+              <a:spcBef>
+                <a:spcPts val="0"/>
+              </a:spcBef>
+              <a:spcAft>
+                <a:spcPts val="0"/>
+              </a:spcAft>
+              <a:buNone/>
+            </a:pPr>
             <a:endParaRPr/>
           </a:p>
         </p:txBody>
@@ -2202,11 +2292,11 @@
 </file>
 
 <file path=ppt/notesSlides/notesSlide3.xml><?xml version="1.0" encoding="utf-8"?>
-<p:notes xmlns:a="http://schemas.openxmlformats.org/drawingml/2006/main" xmlns:r="http://schemas.openxmlformats.org/officeDocument/2006/relationships" xmlns:mc="http://schemas.openxmlformats.org/markup-compatibility/2006" xmlns:mv="urn:schemas-microsoft-com:mac:vml" xmlns:p="http://schemas.openxmlformats.org/presentationml/2006/main" xmlns:c="http://schemas.openxmlformats.org/drawingml/2006/chart" xmlns:dgm="http://schemas.openxmlformats.org/drawingml/2006/diagram" xmlns:o="urn:schemas-microsoft-com:office:office" xmlns:v="urn:schemas-microsoft-com:vml" xmlns:pvml="urn:schemas-microsoft-com:office:powerpoint" xmlns:com="http://schemas.openxmlformats.org/drawingml/2006/compatibility" xmlns:p14="http://schemas.microsoft.com/office/powerpoint/2010/main" xmlns:p15="http://schemas.microsoft.com/office/powerpoint/2012/main" xmlns:ahyp="http://schemas.microsoft.com/office/drawing/2018/hyperlinkcolor" showMasterPhAnim="0" showMasterSp="0">
+<p:notes xmlns:a="http://schemas.openxmlformats.org/drawingml/2006/main" xmlns:r="http://schemas.openxmlformats.org/officeDocument/2006/relationships" xmlns:p="http://schemas.openxmlformats.org/presentationml/2006/main" showMasterSp="0" showMasterPhAnim="0">
   <p:cSld>
     <p:spTree>
       <p:nvGrpSpPr>
-        <p:cNvPr id="93" name="Shape 93"/>
+        <p:cNvPr id="1" name="Shape 93"/>
         <p:cNvGrpSpPr/>
         <p:nvPr/>
       </p:nvGrpSpPr>
@@ -2221,9 +2311,11 @@
       <p:sp>
         <p:nvSpPr>
           <p:cNvPr id="94" name="Google Shape;94;ge2b335bbe2_0_82:notes"/>
-          <p:cNvSpPr/>
+          <p:cNvSpPr>
+            <a:spLocks noGrp="1" noRot="1" noChangeAspect="1"/>
+          </p:cNvSpPr>
           <p:nvPr>
-            <p:ph idx="2" type="sldImg"/>
+            <p:ph type="sldImg" idx="2"/>
           </p:nvPr>
         </p:nvSpPr>
         <p:spPr>
@@ -2232,9 +2324,13 @@
             <a:ext cx="6096000" cy="3429000"/>
           </a:xfrm>
           <a:custGeom>
-            <a:rect b="b" l="l" r="r" t="t"/>
+            <a:avLst/>
+            <a:gdLst/>
+            <a:ahLst/>
+            <a:cxnLst/>
+            <a:rect l="l" t="t" r="r" b="b"/>
             <a:pathLst>
-              <a:path extrusionOk="0" h="120000" w="120000">
+              <a:path w="120000" h="120000" extrusionOk="0">
                 <a:moveTo>
                   <a:pt x="0" y="0"/>
                 </a:moveTo>
@@ -2256,9 +2352,11 @@
       <p:sp>
         <p:nvSpPr>
           <p:cNvPr id="95" name="Google Shape;95;ge2b335bbe2_0_82:notes"/>
-          <p:cNvSpPr txBox="1"/>
+          <p:cNvSpPr txBox="1">
+            <a:spLocks noGrp="1"/>
+          </p:cNvSpPr>
           <p:nvPr>
-            <p:ph idx="1" type="body"/>
+            <p:ph type="body" idx="1"/>
           </p:nvPr>
         </p:nvSpPr>
         <p:spPr>
@@ -2271,23 +2369,20 @@
           </a:prstGeom>
         </p:spPr>
         <p:txBody>
-          <a:bodyPr anchorCtr="0" anchor="t" bIns="91425" lIns="91425" spcFirstLastPara="1" rIns="91425" wrap="square" tIns="91425">
+          <a:bodyPr spcFirstLastPara="1" wrap="square" lIns="91425" tIns="91425" rIns="91425" bIns="91425" anchor="t" anchorCtr="0">
             <a:noAutofit/>
           </a:bodyPr>
           <a:lstStyle/>
           <a:p>
-            <a:pPr indent="0" lvl="0" marL="0" rtl="0" algn="l">
-              <a:spcBef>
-                <a:spcPts val="0"/>
-              </a:spcBef>
-              <a:spcAft>
-                <a:spcPts val="0"/>
-              </a:spcAft>
-              <a:buNone/>
-            </a:pPr>
-            <a:r>
-              <a:t/>
-            </a:r>
+            <a:pPr marL="0" lvl="0" indent="0" algn="l" rtl="0">
+              <a:spcBef>
+                <a:spcPts val="0"/>
+              </a:spcBef>
+              <a:spcAft>
+                <a:spcPts val="0"/>
+              </a:spcAft>
+              <a:buNone/>
+            </a:pPr>
             <a:endParaRPr/>
           </a:p>
         </p:txBody>
@@ -2301,11 +2396,11 @@
 </file>
 
 <file path=ppt/notesSlides/notesSlide4.xml><?xml version="1.0" encoding="utf-8"?>
-<p:notes xmlns:a="http://schemas.openxmlformats.org/drawingml/2006/main" xmlns:r="http://schemas.openxmlformats.org/officeDocument/2006/relationships" xmlns:mc="http://schemas.openxmlformats.org/markup-compatibility/2006" xmlns:mv="urn:schemas-microsoft-com:mac:vml" xmlns:p="http://schemas.openxmlformats.org/presentationml/2006/main" xmlns:c="http://schemas.openxmlformats.org/drawingml/2006/chart" xmlns:dgm="http://schemas.openxmlformats.org/drawingml/2006/diagram" xmlns:o="urn:schemas-microsoft-com:office:office" xmlns:v="urn:schemas-microsoft-com:vml" xmlns:pvml="urn:schemas-microsoft-com:office:powerpoint" xmlns:com="http://schemas.openxmlformats.org/drawingml/2006/compatibility" xmlns:p14="http://schemas.microsoft.com/office/powerpoint/2010/main" xmlns:p15="http://schemas.microsoft.com/office/powerpoint/2012/main" xmlns:ahyp="http://schemas.microsoft.com/office/drawing/2018/hyperlinkcolor" showMasterPhAnim="0" showMasterSp="0">
+<p:notes xmlns:a="http://schemas.openxmlformats.org/drawingml/2006/main" xmlns:r="http://schemas.openxmlformats.org/officeDocument/2006/relationships" xmlns:p="http://schemas.openxmlformats.org/presentationml/2006/main" showMasterSp="0" showMasterPhAnim="0">
   <p:cSld>
     <p:spTree>
       <p:nvGrpSpPr>
-        <p:cNvPr id="99" name="Shape 99"/>
+        <p:cNvPr id="1" name="Shape 99"/>
         <p:cNvGrpSpPr/>
         <p:nvPr/>
       </p:nvGrpSpPr>
@@ -2320,9 +2415,11 @@
       <p:sp>
         <p:nvSpPr>
           <p:cNvPr id="100" name="Google Shape;100;ge2b335bbe2_0_88:notes"/>
-          <p:cNvSpPr/>
+          <p:cNvSpPr>
+            <a:spLocks noGrp="1" noRot="1" noChangeAspect="1"/>
+          </p:cNvSpPr>
           <p:nvPr>
-            <p:ph idx="2" type="sldImg"/>
+            <p:ph type="sldImg" idx="2"/>
           </p:nvPr>
         </p:nvSpPr>
         <p:spPr>
@@ -2331,9 +2428,13 @@
             <a:ext cx="6096000" cy="3429000"/>
           </a:xfrm>
           <a:custGeom>
-            <a:rect b="b" l="l" r="r" t="t"/>
+            <a:avLst/>
+            <a:gdLst/>
+            <a:ahLst/>
+            <a:cxnLst/>
+            <a:rect l="l" t="t" r="r" b="b"/>
             <a:pathLst>
-              <a:path extrusionOk="0" h="120000" w="120000">
+              <a:path w="120000" h="120000" extrusionOk="0">
                 <a:moveTo>
                   <a:pt x="0" y="0"/>
                 </a:moveTo>
@@ -2355,9 +2456,11 @@
       <p:sp>
         <p:nvSpPr>
           <p:cNvPr id="101" name="Google Shape;101;ge2b335bbe2_0_88:notes"/>
-          <p:cNvSpPr txBox="1"/>
+          <p:cNvSpPr txBox="1">
+            <a:spLocks noGrp="1"/>
+          </p:cNvSpPr>
           <p:nvPr>
-            <p:ph idx="1" type="body"/>
+            <p:ph type="body" idx="1"/>
           </p:nvPr>
         </p:nvSpPr>
         <p:spPr>
@@ -2370,23 +2473,20 @@
           </a:prstGeom>
         </p:spPr>
         <p:txBody>
-          <a:bodyPr anchorCtr="0" anchor="t" bIns="91425" lIns="91425" spcFirstLastPara="1" rIns="91425" wrap="square" tIns="91425">
+          <a:bodyPr spcFirstLastPara="1" wrap="square" lIns="91425" tIns="91425" rIns="91425" bIns="91425" anchor="t" anchorCtr="0">
             <a:noAutofit/>
           </a:bodyPr>
           <a:lstStyle/>
           <a:p>
-            <a:pPr indent="0" lvl="0" marL="0" rtl="0" algn="l">
-              <a:spcBef>
-                <a:spcPts val="0"/>
-              </a:spcBef>
-              <a:spcAft>
-                <a:spcPts val="0"/>
-              </a:spcAft>
-              <a:buNone/>
-            </a:pPr>
-            <a:r>
-              <a:t/>
-            </a:r>
+            <a:pPr marL="0" lvl="0" indent="0" algn="l" rtl="0">
+              <a:spcBef>
+                <a:spcPts val="0"/>
+              </a:spcBef>
+              <a:spcAft>
+                <a:spcPts val="0"/>
+              </a:spcAft>
+              <a:buNone/>
+            </a:pPr>
             <a:endParaRPr/>
           </a:p>
         </p:txBody>
@@ -2400,11 +2500,11 @@
 </file>
 
 <file path=ppt/notesSlides/notesSlide5.xml><?xml version="1.0" encoding="utf-8"?>
-<p:notes xmlns:a="http://schemas.openxmlformats.org/drawingml/2006/main" xmlns:r="http://schemas.openxmlformats.org/officeDocument/2006/relationships" xmlns:mc="http://schemas.openxmlformats.org/markup-compatibility/2006" xmlns:mv="urn:schemas-microsoft-com:mac:vml" xmlns:p="http://schemas.openxmlformats.org/presentationml/2006/main" xmlns:c="http://schemas.openxmlformats.org/drawingml/2006/chart" xmlns:dgm="http://schemas.openxmlformats.org/drawingml/2006/diagram" xmlns:o="urn:schemas-microsoft-com:office:office" xmlns:v="urn:schemas-microsoft-com:vml" xmlns:pvml="urn:schemas-microsoft-com:office:powerpoint" xmlns:com="http://schemas.openxmlformats.org/drawingml/2006/compatibility" xmlns:p14="http://schemas.microsoft.com/office/powerpoint/2010/main" xmlns:p15="http://schemas.microsoft.com/office/powerpoint/2012/main" xmlns:ahyp="http://schemas.microsoft.com/office/drawing/2018/hyperlinkcolor" showMasterPhAnim="0" showMasterSp="0">
+<p:notes xmlns:a="http://schemas.openxmlformats.org/drawingml/2006/main" xmlns:r="http://schemas.openxmlformats.org/officeDocument/2006/relationships" xmlns:p="http://schemas.openxmlformats.org/presentationml/2006/main" showMasterSp="0" showMasterPhAnim="0">
   <p:cSld>
     <p:spTree>
       <p:nvGrpSpPr>
-        <p:cNvPr id="105" name="Shape 105"/>
+        <p:cNvPr id="1" name="Shape 105"/>
         <p:cNvGrpSpPr/>
         <p:nvPr/>
       </p:nvGrpSpPr>
@@ -2419,9 +2519,11 @@
       <p:sp>
         <p:nvSpPr>
           <p:cNvPr id="106" name="Google Shape;106;ge2b335bbe2_0_93:notes"/>
-          <p:cNvSpPr/>
+          <p:cNvSpPr>
+            <a:spLocks noGrp="1" noRot="1" noChangeAspect="1"/>
+          </p:cNvSpPr>
           <p:nvPr>
-            <p:ph idx="2" type="sldImg"/>
+            <p:ph type="sldImg" idx="2"/>
           </p:nvPr>
         </p:nvSpPr>
         <p:spPr>
@@ -2430,9 +2532,13 @@
             <a:ext cx="6096000" cy="3429000"/>
           </a:xfrm>
           <a:custGeom>
-            <a:rect b="b" l="l" r="r" t="t"/>
+            <a:avLst/>
+            <a:gdLst/>
+            <a:ahLst/>
+            <a:cxnLst/>
+            <a:rect l="l" t="t" r="r" b="b"/>
             <a:pathLst>
-              <a:path extrusionOk="0" h="120000" w="120000">
+              <a:path w="120000" h="120000" extrusionOk="0">
                 <a:moveTo>
                   <a:pt x="0" y="0"/>
                 </a:moveTo>
@@ -2454,9 +2560,11 @@
       <p:sp>
         <p:nvSpPr>
           <p:cNvPr id="107" name="Google Shape;107;ge2b335bbe2_0_93:notes"/>
-          <p:cNvSpPr txBox="1"/>
+          <p:cNvSpPr txBox="1">
+            <a:spLocks noGrp="1"/>
+          </p:cNvSpPr>
           <p:nvPr>
-            <p:ph idx="1" type="body"/>
+            <p:ph type="body" idx="1"/>
           </p:nvPr>
         </p:nvSpPr>
         <p:spPr>
@@ -2469,23 +2577,20 @@
           </a:prstGeom>
         </p:spPr>
         <p:txBody>
-          <a:bodyPr anchorCtr="0" anchor="t" bIns="91425" lIns="91425" spcFirstLastPara="1" rIns="91425" wrap="square" tIns="91425">
+          <a:bodyPr spcFirstLastPara="1" wrap="square" lIns="91425" tIns="91425" rIns="91425" bIns="91425" anchor="t" anchorCtr="0">
             <a:noAutofit/>
           </a:bodyPr>
           <a:lstStyle/>
           <a:p>
-            <a:pPr indent="0" lvl="0" marL="0" rtl="0" algn="l">
-              <a:spcBef>
-                <a:spcPts val="0"/>
-              </a:spcBef>
-              <a:spcAft>
-                <a:spcPts val="0"/>
-              </a:spcAft>
-              <a:buNone/>
-            </a:pPr>
-            <a:r>
-              <a:t/>
-            </a:r>
+            <a:pPr marL="0" lvl="0" indent="0" algn="l" rtl="0">
+              <a:spcBef>
+                <a:spcPts val="0"/>
+              </a:spcBef>
+              <a:spcAft>
+                <a:spcPts val="0"/>
+              </a:spcAft>
+              <a:buNone/>
+            </a:pPr>
             <a:endParaRPr/>
           </a:p>
         </p:txBody>
@@ -2499,11 +2604,11 @@
 </file>
 
 <file path=ppt/notesSlides/notesSlide6.xml><?xml version="1.0" encoding="utf-8"?>
-<p:notes xmlns:a="http://schemas.openxmlformats.org/drawingml/2006/main" xmlns:r="http://schemas.openxmlformats.org/officeDocument/2006/relationships" xmlns:mc="http://schemas.openxmlformats.org/markup-compatibility/2006" xmlns:mv="urn:schemas-microsoft-com:mac:vml" xmlns:p="http://schemas.openxmlformats.org/presentationml/2006/main" xmlns:c="http://schemas.openxmlformats.org/drawingml/2006/chart" xmlns:dgm="http://schemas.openxmlformats.org/drawingml/2006/diagram" xmlns:o="urn:schemas-microsoft-com:office:office" xmlns:v="urn:schemas-microsoft-com:vml" xmlns:pvml="urn:schemas-microsoft-com:office:powerpoint" xmlns:com="http://schemas.openxmlformats.org/drawingml/2006/compatibility" xmlns:p14="http://schemas.microsoft.com/office/powerpoint/2010/main" xmlns:p15="http://schemas.microsoft.com/office/powerpoint/2012/main" xmlns:ahyp="http://schemas.microsoft.com/office/drawing/2018/hyperlinkcolor" showMasterPhAnim="0" showMasterSp="0">
+<p:notes xmlns:a="http://schemas.openxmlformats.org/drawingml/2006/main" xmlns:r="http://schemas.openxmlformats.org/officeDocument/2006/relationships" xmlns:p="http://schemas.openxmlformats.org/presentationml/2006/main" showMasterSp="0" showMasterPhAnim="0">
   <p:cSld>
     <p:spTree>
       <p:nvGrpSpPr>
-        <p:cNvPr id="112" name="Shape 112"/>
+        <p:cNvPr id="1" name="Shape 112"/>
         <p:cNvGrpSpPr/>
         <p:nvPr/>
       </p:nvGrpSpPr>
@@ -2518,20 +2623,26 @@
       <p:sp>
         <p:nvSpPr>
           <p:cNvPr id="113" name="Google Shape;113;ge2b335bbe2_0_101:notes"/>
-          <p:cNvSpPr/>
+          <p:cNvSpPr>
+            <a:spLocks noGrp="1" noRot="1" noChangeAspect="1"/>
+          </p:cNvSpPr>
           <p:nvPr>
-            <p:ph idx="2" type="sldImg"/>
+            <p:ph type="sldImg" idx="2"/>
           </p:nvPr>
         </p:nvSpPr>
         <p:spPr>
           <a:xfrm>
-            <a:off x="381300" y="685800"/>
+            <a:off x="381000" y="685800"/>
             <a:ext cx="6096000" cy="3429000"/>
           </a:xfrm>
           <a:custGeom>
-            <a:rect b="b" l="l" r="r" t="t"/>
+            <a:avLst/>
+            <a:gdLst/>
+            <a:ahLst/>
+            <a:cxnLst/>
+            <a:rect l="l" t="t" r="r" b="b"/>
             <a:pathLst>
-              <a:path extrusionOk="0" h="120000" w="120000">
+              <a:path w="120000" h="120000" extrusionOk="0">
                 <a:moveTo>
                   <a:pt x="0" y="0"/>
                 </a:moveTo>
@@ -2553,9 +2664,11 @@
       <p:sp>
         <p:nvSpPr>
           <p:cNvPr id="114" name="Google Shape;114;ge2b335bbe2_0_101:notes"/>
-          <p:cNvSpPr txBox="1"/>
+          <p:cNvSpPr txBox="1">
+            <a:spLocks noGrp="1"/>
+          </p:cNvSpPr>
           <p:nvPr>
-            <p:ph idx="1" type="body"/>
+            <p:ph type="body" idx="1"/>
           </p:nvPr>
         </p:nvSpPr>
         <p:spPr>
@@ -2568,23 +2681,20 @@
           </a:prstGeom>
         </p:spPr>
         <p:txBody>
-          <a:bodyPr anchorCtr="0" anchor="t" bIns="91425" lIns="91425" spcFirstLastPara="1" rIns="91425" wrap="square" tIns="91425">
+          <a:bodyPr spcFirstLastPara="1" wrap="square" lIns="91425" tIns="91425" rIns="91425" bIns="91425" anchor="t" anchorCtr="0">
             <a:noAutofit/>
           </a:bodyPr>
           <a:lstStyle/>
           <a:p>
-            <a:pPr indent="0" lvl="0" marL="0" rtl="0" algn="l">
-              <a:spcBef>
-                <a:spcPts val="0"/>
-              </a:spcBef>
-              <a:spcAft>
-                <a:spcPts val="0"/>
-              </a:spcAft>
-              <a:buNone/>
-            </a:pPr>
-            <a:r>
-              <a:t/>
-            </a:r>
+            <a:pPr marL="0" lvl="0" indent="0" algn="l" rtl="0">
+              <a:spcBef>
+                <a:spcPts val="0"/>
+              </a:spcBef>
+              <a:spcAft>
+                <a:spcPts val="0"/>
+              </a:spcAft>
+              <a:buNone/>
+            </a:pPr>
             <a:endParaRPr/>
           </a:p>
         </p:txBody>
@@ -2598,11 +2708,11 @@
 </file>
 
 <file path=ppt/notesSlides/notesSlide7.xml><?xml version="1.0" encoding="utf-8"?>
-<p:notes xmlns:a="http://schemas.openxmlformats.org/drawingml/2006/main" xmlns:r="http://schemas.openxmlformats.org/officeDocument/2006/relationships" xmlns:mc="http://schemas.openxmlformats.org/markup-compatibility/2006" xmlns:mv="urn:schemas-microsoft-com:mac:vml" xmlns:p="http://schemas.openxmlformats.org/presentationml/2006/main" xmlns:c="http://schemas.openxmlformats.org/drawingml/2006/chart" xmlns:dgm="http://schemas.openxmlformats.org/drawingml/2006/diagram" xmlns:o="urn:schemas-microsoft-com:office:office" xmlns:v="urn:schemas-microsoft-com:vml" xmlns:pvml="urn:schemas-microsoft-com:office:powerpoint" xmlns:com="http://schemas.openxmlformats.org/drawingml/2006/compatibility" xmlns:p14="http://schemas.microsoft.com/office/powerpoint/2010/main" xmlns:p15="http://schemas.microsoft.com/office/powerpoint/2012/main" xmlns:ahyp="http://schemas.microsoft.com/office/drawing/2018/hyperlinkcolor" showMasterPhAnim="0" showMasterSp="0">
+<p:notes xmlns:a="http://schemas.openxmlformats.org/drawingml/2006/main" xmlns:r="http://schemas.openxmlformats.org/officeDocument/2006/relationships" xmlns:p="http://schemas.openxmlformats.org/presentationml/2006/main" showMasterSp="0" showMasterPhAnim="0">
   <p:cSld>
     <p:spTree>
       <p:nvGrpSpPr>
-        <p:cNvPr id="119" name="Shape 119"/>
+        <p:cNvPr id="1" name="Shape 119"/>
         <p:cNvGrpSpPr/>
         <p:nvPr/>
       </p:nvGrpSpPr>
@@ -2617,9 +2727,11 @@
       <p:sp>
         <p:nvSpPr>
           <p:cNvPr id="120" name="Google Shape;120;ge2b335bbe2_0_118:notes"/>
-          <p:cNvSpPr/>
+          <p:cNvSpPr>
+            <a:spLocks noGrp="1" noRot="1" noChangeAspect="1"/>
+          </p:cNvSpPr>
           <p:nvPr>
-            <p:ph idx="2" type="sldImg"/>
+            <p:ph type="sldImg" idx="2"/>
           </p:nvPr>
         </p:nvSpPr>
         <p:spPr>
@@ -2628,9 +2740,13 @@
             <a:ext cx="6096000" cy="3429000"/>
           </a:xfrm>
           <a:custGeom>
-            <a:rect b="b" l="l" r="r" t="t"/>
+            <a:avLst/>
+            <a:gdLst/>
+            <a:ahLst/>
+            <a:cxnLst/>
+            <a:rect l="l" t="t" r="r" b="b"/>
             <a:pathLst>
-              <a:path extrusionOk="0" h="120000" w="120000">
+              <a:path w="120000" h="120000" extrusionOk="0">
                 <a:moveTo>
                   <a:pt x="0" y="0"/>
                 </a:moveTo>
@@ -2652,9 +2768,11 @@
       <p:sp>
         <p:nvSpPr>
           <p:cNvPr id="121" name="Google Shape;121;ge2b335bbe2_0_118:notes"/>
-          <p:cNvSpPr txBox="1"/>
+          <p:cNvSpPr txBox="1">
+            <a:spLocks noGrp="1"/>
+          </p:cNvSpPr>
           <p:nvPr>
-            <p:ph idx="1" type="body"/>
+            <p:ph type="body" idx="1"/>
           </p:nvPr>
         </p:nvSpPr>
         <p:spPr>
@@ -2667,23 +2785,20 @@
           </a:prstGeom>
         </p:spPr>
         <p:txBody>
-          <a:bodyPr anchorCtr="0" anchor="t" bIns="91425" lIns="91425" spcFirstLastPara="1" rIns="91425" wrap="square" tIns="91425">
+          <a:bodyPr spcFirstLastPara="1" wrap="square" lIns="91425" tIns="91425" rIns="91425" bIns="91425" anchor="t" anchorCtr="0">
             <a:noAutofit/>
           </a:bodyPr>
           <a:lstStyle/>
           <a:p>
-            <a:pPr indent="0" lvl="0" marL="0" rtl="0" algn="l">
-              <a:spcBef>
-                <a:spcPts val="0"/>
-              </a:spcBef>
-              <a:spcAft>
-                <a:spcPts val="0"/>
-              </a:spcAft>
-              <a:buNone/>
-            </a:pPr>
-            <a:r>
-              <a:t/>
-            </a:r>
+            <a:pPr marL="0" lvl="0" indent="0" algn="l" rtl="0">
+              <a:spcBef>
+                <a:spcPts val="0"/>
+              </a:spcBef>
+              <a:spcAft>
+                <a:spcPts val="0"/>
+              </a:spcAft>
+              <a:buNone/>
+            </a:pPr>
             <a:endParaRPr/>
           </a:p>
         </p:txBody>
@@ -2697,11 +2812,11 @@
 </file>
 
 <file path=ppt/notesSlides/notesSlide8.xml><?xml version="1.0" encoding="utf-8"?>
-<p:notes xmlns:a="http://schemas.openxmlformats.org/drawingml/2006/main" xmlns:r="http://schemas.openxmlformats.org/officeDocument/2006/relationships" xmlns:mc="http://schemas.openxmlformats.org/markup-compatibility/2006" xmlns:mv="urn:schemas-microsoft-com:mac:vml" xmlns:p="http://schemas.openxmlformats.org/presentationml/2006/main" xmlns:c="http://schemas.openxmlformats.org/drawingml/2006/chart" xmlns:dgm="http://schemas.openxmlformats.org/drawingml/2006/diagram" xmlns:o="urn:schemas-microsoft-com:office:office" xmlns:v="urn:schemas-microsoft-com:vml" xmlns:pvml="urn:schemas-microsoft-com:office:powerpoint" xmlns:com="http://schemas.openxmlformats.org/drawingml/2006/compatibility" xmlns:p14="http://schemas.microsoft.com/office/powerpoint/2010/main" xmlns:p15="http://schemas.microsoft.com/office/powerpoint/2012/main" xmlns:ahyp="http://schemas.microsoft.com/office/drawing/2018/hyperlinkcolor" showMasterPhAnim="0" showMasterSp="0">
+<p:notes xmlns:a="http://schemas.openxmlformats.org/drawingml/2006/main" xmlns:r="http://schemas.openxmlformats.org/officeDocument/2006/relationships" xmlns:p="http://schemas.openxmlformats.org/presentationml/2006/main" showMasterSp="0" showMasterPhAnim="0">
   <p:cSld>
     <p:spTree>
       <p:nvGrpSpPr>
-        <p:cNvPr id="125" name="Shape 125"/>
+        <p:cNvPr id="1" name="Shape 125"/>
         <p:cNvGrpSpPr/>
         <p:nvPr/>
       </p:nvGrpSpPr>
@@ -2716,9 +2831,11 @@
       <p:sp>
         <p:nvSpPr>
           <p:cNvPr id="126" name="Google Shape;126;ge2b335bbe2_0_123:notes"/>
-          <p:cNvSpPr/>
+          <p:cNvSpPr>
+            <a:spLocks noGrp="1" noRot="1" noChangeAspect="1"/>
+          </p:cNvSpPr>
           <p:nvPr>
-            <p:ph idx="2" type="sldImg"/>
+            <p:ph type="sldImg" idx="2"/>
           </p:nvPr>
         </p:nvSpPr>
         <p:spPr>
@@ -2727,9 +2844,13 @@
             <a:ext cx="6096000" cy="3429000"/>
           </a:xfrm>
           <a:custGeom>
-            <a:rect b="b" l="l" r="r" t="t"/>
+            <a:avLst/>
+            <a:gdLst/>
+            <a:ahLst/>
+            <a:cxnLst/>
+            <a:rect l="l" t="t" r="r" b="b"/>
             <a:pathLst>
-              <a:path extrusionOk="0" h="120000" w="120000">
+              <a:path w="120000" h="120000" extrusionOk="0">
                 <a:moveTo>
                   <a:pt x="0" y="0"/>
                 </a:moveTo>
@@ -2751,9 +2872,11 @@
       <p:sp>
         <p:nvSpPr>
           <p:cNvPr id="127" name="Google Shape;127;ge2b335bbe2_0_123:notes"/>
-          <p:cNvSpPr txBox="1"/>
+          <p:cNvSpPr txBox="1">
+            <a:spLocks noGrp="1"/>
+          </p:cNvSpPr>
           <p:nvPr>
-            <p:ph idx="1" type="body"/>
+            <p:ph type="body" idx="1"/>
           </p:nvPr>
         </p:nvSpPr>
         <p:spPr>
@@ -2766,23 +2889,20 @@
           </a:prstGeom>
         </p:spPr>
         <p:txBody>
-          <a:bodyPr anchorCtr="0" anchor="t" bIns="91425" lIns="91425" spcFirstLastPara="1" rIns="91425" wrap="square" tIns="91425">
+          <a:bodyPr spcFirstLastPara="1" wrap="square" lIns="91425" tIns="91425" rIns="91425" bIns="91425" anchor="t" anchorCtr="0">
             <a:noAutofit/>
           </a:bodyPr>
           <a:lstStyle/>
           <a:p>
-            <a:pPr indent="0" lvl="0" marL="0" rtl="0" algn="l">
-              <a:spcBef>
-                <a:spcPts val="0"/>
-              </a:spcBef>
-              <a:spcAft>
-                <a:spcPts val="0"/>
-              </a:spcAft>
-              <a:buNone/>
-            </a:pPr>
-            <a:r>
-              <a:t/>
-            </a:r>
+            <a:pPr marL="0" lvl="0" indent="0" algn="l" rtl="0">
+              <a:spcBef>
+                <a:spcPts val="0"/>
+              </a:spcBef>
+              <a:spcAft>
+                <a:spcPts val="0"/>
+              </a:spcAft>
+              <a:buNone/>
+            </a:pPr>
             <a:endParaRPr/>
           </a:p>
         </p:txBody>
@@ -2796,11 +2916,11 @@
 </file>
 
 <file path=ppt/notesSlides/notesSlide9.xml><?xml version="1.0" encoding="utf-8"?>
-<p:notes xmlns:a="http://schemas.openxmlformats.org/drawingml/2006/main" xmlns:r="http://schemas.openxmlformats.org/officeDocument/2006/relationships" xmlns:mc="http://schemas.openxmlformats.org/markup-compatibility/2006" xmlns:mv="urn:schemas-microsoft-com:mac:vml" xmlns:p="http://schemas.openxmlformats.org/presentationml/2006/main" xmlns:c="http://schemas.openxmlformats.org/drawingml/2006/chart" xmlns:dgm="http://schemas.openxmlformats.org/drawingml/2006/diagram" xmlns:o="urn:schemas-microsoft-com:office:office" xmlns:v="urn:schemas-microsoft-com:vml" xmlns:pvml="urn:schemas-microsoft-com:office:powerpoint" xmlns:com="http://schemas.openxmlformats.org/drawingml/2006/compatibility" xmlns:p14="http://schemas.microsoft.com/office/powerpoint/2010/main" xmlns:p15="http://schemas.microsoft.com/office/powerpoint/2012/main" xmlns:ahyp="http://schemas.microsoft.com/office/drawing/2018/hyperlinkcolor" showMasterPhAnim="0" showMasterSp="0">
+<p:notes xmlns:a="http://schemas.openxmlformats.org/drawingml/2006/main" xmlns:r="http://schemas.openxmlformats.org/officeDocument/2006/relationships" xmlns:p="http://schemas.openxmlformats.org/presentationml/2006/main" showMasterSp="0" showMasterPhAnim="0">
   <p:cSld>
     <p:spTree>
       <p:nvGrpSpPr>
-        <p:cNvPr id="131" name="Shape 131"/>
+        <p:cNvPr id="1" name="Shape 131"/>
         <p:cNvGrpSpPr/>
         <p:nvPr/>
       </p:nvGrpSpPr>
@@ -2815,9 +2935,11 @@
       <p:sp>
         <p:nvSpPr>
           <p:cNvPr id="132" name="Google Shape;132;ge2b335bbe2_0_128:notes"/>
-          <p:cNvSpPr/>
+          <p:cNvSpPr>
+            <a:spLocks noGrp="1" noRot="1" noChangeAspect="1"/>
+          </p:cNvSpPr>
           <p:nvPr>
-            <p:ph idx="2" type="sldImg"/>
+            <p:ph type="sldImg" idx="2"/>
           </p:nvPr>
         </p:nvSpPr>
         <p:spPr>
@@ -2826,9 +2948,13 @@
             <a:ext cx="6096000" cy="3429000"/>
           </a:xfrm>
           <a:custGeom>
-            <a:rect b="b" l="l" r="r" t="t"/>
+            <a:avLst/>
+            <a:gdLst/>
+            <a:ahLst/>
+            <a:cxnLst/>
+            <a:rect l="l" t="t" r="r" b="b"/>
             <a:pathLst>
-              <a:path extrusionOk="0" h="120000" w="120000">
+              <a:path w="120000" h="120000" extrusionOk="0">
                 <a:moveTo>
                   <a:pt x="0" y="0"/>
                 </a:moveTo>
@@ -2850,9 +2976,11 @@
       <p:sp>
         <p:nvSpPr>
           <p:cNvPr id="133" name="Google Shape;133;ge2b335bbe2_0_128:notes"/>
-          <p:cNvSpPr txBox="1"/>
+          <p:cNvSpPr txBox="1">
+            <a:spLocks noGrp="1"/>
+          </p:cNvSpPr>
           <p:nvPr>
-            <p:ph idx="1" type="body"/>
+            <p:ph type="body" idx="1"/>
           </p:nvPr>
         </p:nvSpPr>
         <p:spPr>
@@ -2865,23 +2993,20 @@
           </a:prstGeom>
         </p:spPr>
         <p:txBody>
-          <a:bodyPr anchorCtr="0" anchor="t" bIns="91425" lIns="91425" spcFirstLastPara="1" rIns="91425" wrap="square" tIns="91425">
+          <a:bodyPr spcFirstLastPara="1" wrap="square" lIns="91425" tIns="91425" rIns="91425" bIns="91425" anchor="t" anchorCtr="0">
             <a:noAutofit/>
           </a:bodyPr>
           <a:lstStyle/>
           <a:p>
-            <a:pPr indent="0" lvl="0" marL="0" rtl="0" algn="l">
-              <a:spcBef>
-                <a:spcPts val="0"/>
-              </a:spcBef>
-              <a:spcAft>
-                <a:spcPts val="0"/>
-              </a:spcAft>
-              <a:buNone/>
-            </a:pPr>
-            <a:r>
-              <a:t/>
-            </a:r>
+            <a:pPr marL="0" lvl="0" indent="0" algn="l" rtl="0">
+              <a:spcBef>
+                <a:spcPts val="0"/>
+              </a:spcBef>
+              <a:spcAft>
+                <a:spcPts val="0"/>
+              </a:spcAft>
+              <a:buNone/>
+            </a:pPr>
             <a:endParaRPr/>
           </a:p>
         </p:txBody>
@@ -2895,18 +3020,19 @@
 </file>
 
 <file path=ppt/slideLayouts/slideLayout1.xml><?xml version="1.0" encoding="utf-8"?>
-<p:sldLayout xmlns:a="http://schemas.openxmlformats.org/drawingml/2006/main" xmlns:r="http://schemas.openxmlformats.org/officeDocument/2006/relationships" xmlns:mc="http://schemas.openxmlformats.org/markup-compatibility/2006" xmlns:mv="urn:schemas-microsoft-com:mac:vml" xmlns:p="http://schemas.openxmlformats.org/presentationml/2006/main" xmlns:c="http://schemas.openxmlformats.org/drawingml/2006/chart" xmlns:dgm="http://schemas.openxmlformats.org/drawingml/2006/diagram" xmlns:o="urn:schemas-microsoft-com:office:office" xmlns:v="urn:schemas-microsoft-com:vml" xmlns:pvml="urn:schemas-microsoft-com:office:powerpoint" xmlns:com="http://schemas.openxmlformats.org/drawingml/2006/compatibility" xmlns:p14="http://schemas.microsoft.com/office/powerpoint/2010/main" xmlns:p15="http://schemas.microsoft.com/office/powerpoint/2012/main" xmlns:ahyp="http://schemas.microsoft.com/office/drawing/2018/hyperlinkcolor" matchingName="Title slide" type="title">
+<p:sldLayout xmlns:a="http://schemas.openxmlformats.org/drawingml/2006/main" xmlns:r="http://schemas.openxmlformats.org/officeDocument/2006/relationships" xmlns:p="http://schemas.openxmlformats.org/presentationml/2006/main" matchingName="Title slide" type="title">
   <p:cSld name="TITLE">
     <p:bg>
       <p:bgPr>
         <a:solidFill>
           <a:schemeClr val="dk1"/>
         </a:solidFill>
+        <a:effectLst/>
       </p:bgPr>
     </p:bg>
     <p:spTree>
       <p:nvGrpSpPr>
-        <p:cNvPr id="9" name="Shape 9"/>
+        <p:cNvPr id="1" name="Shape 9"/>
         <p:cNvGrpSpPr/>
         <p:nvPr/>
       </p:nvGrpSpPr>
@@ -2954,12 +3080,12 @@
             </a:ln>
           </p:spPr>
           <p:txBody>
-            <a:bodyPr anchorCtr="0" anchor="ctr" bIns="91425" lIns="91425" spcFirstLastPara="1" rIns="91425" wrap="square" tIns="91425">
+            <a:bodyPr spcFirstLastPara="1" wrap="square" lIns="91425" tIns="91425" rIns="91425" bIns="91425" anchor="ctr" anchorCtr="0">
               <a:noAutofit/>
             </a:bodyPr>
             <a:lstStyle/>
             <a:p>
-              <a:pPr indent="0" lvl="0" marL="0" rtl="0" algn="l">
+              <a:pPr marL="0" lvl="0" indent="0" algn="l" rtl="0">
                 <a:spcBef>
                   <a:spcPts val="0"/>
                 </a:spcBef>
@@ -2968,9 +3094,6 @@
                 </a:spcAft>
                 <a:buNone/>
               </a:pPr>
-              <a:r>
-                <a:t/>
-              </a:r>
               <a:endParaRPr/>
             </a:p>
           </p:txBody>
@@ -2997,12 +3120,12 @@
             </a:ln>
           </p:spPr>
           <p:txBody>
-            <a:bodyPr anchorCtr="0" anchor="ctr" bIns="91425" lIns="91425" spcFirstLastPara="1" rIns="91425" wrap="square" tIns="91425">
+            <a:bodyPr spcFirstLastPara="1" wrap="square" lIns="91425" tIns="91425" rIns="91425" bIns="91425" anchor="ctr" anchorCtr="0">
               <a:noAutofit/>
             </a:bodyPr>
             <a:lstStyle/>
             <a:p>
-              <a:pPr indent="0" lvl="0" marL="0" rtl="0" algn="l">
+              <a:pPr marL="0" lvl="0" indent="0" algn="l" rtl="0">
                 <a:spcBef>
                   <a:spcPts val="0"/>
                 </a:spcBef>
@@ -3011,9 +3134,6 @@
                 </a:spcAft>
                 <a:buNone/>
               </a:pPr>
-              <a:r>
-                <a:t/>
-              </a:r>
               <a:endParaRPr/>
             </a:p>
           </p:txBody>
@@ -3025,7 +3145,7 @@
             <p:nvPr/>
           </p:nvSpPr>
           <p:spPr>
-            <a:xfrm flipH="1" rot="10800000">
+            <a:xfrm rot="10800000" flipH="1">
               <a:off x="7113588" y="107"/>
               <a:ext cx="1015200" cy="1015200"/>
             </a:xfrm>
@@ -3040,12 +3160,12 @@
             </a:ln>
           </p:spPr>
           <p:txBody>
-            <a:bodyPr anchorCtr="0" anchor="ctr" bIns="91425" lIns="91425" spcFirstLastPara="1" rIns="91425" wrap="square" tIns="91425">
+            <a:bodyPr spcFirstLastPara="1" wrap="square" lIns="91425" tIns="91425" rIns="91425" bIns="91425" anchor="ctr" anchorCtr="0">
               <a:noAutofit/>
             </a:bodyPr>
             <a:lstStyle/>
             <a:p>
-              <a:pPr indent="0" lvl="0" marL="0" rtl="0" algn="l">
+              <a:pPr marL="0" lvl="0" indent="0" algn="l" rtl="0">
                 <a:spcBef>
                   <a:spcPts val="0"/>
                 </a:spcBef>
@@ -3054,9 +3174,6 @@
                 </a:spcAft>
                 <a:buNone/>
               </a:pPr>
-              <a:r>
-                <a:t/>
-              </a:r>
               <a:endParaRPr/>
             </a:p>
           </p:txBody>
@@ -3083,12 +3200,12 @@
             </a:ln>
           </p:spPr>
           <p:txBody>
-            <a:bodyPr anchorCtr="0" anchor="ctr" bIns="91425" lIns="91425" spcFirstLastPara="1" rIns="91425" wrap="square" tIns="91425">
+            <a:bodyPr spcFirstLastPara="1" wrap="square" lIns="91425" tIns="91425" rIns="91425" bIns="91425" anchor="ctr" anchorCtr="0">
               <a:noAutofit/>
             </a:bodyPr>
             <a:lstStyle/>
             <a:p>
-              <a:pPr indent="0" lvl="0" marL="0" rtl="0" algn="l">
+              <a:pPr marL="0" lvl="0" indent="0" algn="l" rtl="0">
                 <a:spcBef>
                   <a:spcPts val="0"/>
                 </a:spcBef>
@@ -3097,9 +3214,6 @@
                 </a:spcAft>
                 <a:buNone/>
               </a:pPr>
-              <a:r>
-                <a:t/>
-              </a:r>
               <a:endParaRPr/>
             </a:p>
           </p:txBody>
@@ -3126,12 +3240,12 @@
             </a:ln>
           </p:spPr>
           <p:txBody>
-            <a:bodyPr anchorCtr="0" anchor="ctr" bIns="91425" lIns="91425" spcFirstLastPara="1" rIns="91425" wrap="square" tIns="91425">
+            <a:bodyPr spcFirstLastPara="1" wrap="square" lIns="91425" tIns="91425" rIns="91425" bIns="91425" anchor="ctr" anchorCtr="0">
               <a:noAutofit/>
             </a:bodyPr>
             <a:lstStyle/>
             <a:p>
-              <a:pPr indent="0" lvl="0" marL="0" rtl="0" algn="l">
+              <a:pPr marL="0" lvl="0" indent="0" algn="l" rtl="0">
                 <a:spcBef>
                   <a:spcPts val="0"/>
                 </a:spcBef>
@@ -3140,9 +3254,6 @@
                 </a:spcAft>
                 <a:buNone/>
               </a:pPr>
-              <a:r>
-                <a:t/>
-              </a:r>
               <a:endParaRPr/>
             </a:p>
           </p:txBody>
@@ -3151,7 +3262,9 @@
       <p:sp>
         <p:nvSpPr>
           <p:cNvPr id="16" name="Google Shape;16;p2"/>
-          <p:cNvSpPr txBox="1"/>
+          <p:cNvSpPr txBox="1">
+            <a:spLocks noGrp="1"/>
+          </p:cNvSpPr>
           <p:nvPr>
             <p:ph type="ctrTitle"/>
           </p:nvPr>
@@ -3166,7 +3279,7 @@
           </a:prstGeom>
         </p:spPr>
         <p:txBody>
-          <a:bodyPr anchorCtr="0" anchor="b" bIns="91425" lIns="91425" spcFirstLastPara="1" rIns="91425" wrap="square" tIns="91425">
+          <a:bodyPr spcFirstLastPara="1" wrap="square" lIns="91425" tIns="91425" rIns="91425" bIns="91425" anchor="b" anchorCtr="0">
             <a:normAutofit/>
           </a:bodyPr>
           <a:lstStyle>
@@ -3333,15 +3446,19 @@
               </a:defRPr>
             </a:lvl9pPr>
           </a:lstStyle>
-          <a:p/>
+          <a:p>
+            <a:endParaRPr/>
+          </a:p>
         </p:txBody>
       </p:sp>
       <p:sp>
         <p:nvSpPr>
           <p:cNvPr id="17" name="Google Shape;17;p2"/>
-          <p:cNvSpPr txBox="1"/>
+          <p:cNvSpPr txBox="1">
+            <a:spLocks noGrp="1"/>
+          </p:cNvSpPr>
           <p:nvPr>
-            <p:ph idx="1" type="subTitle"/>
+            <p:ph type="subTitle" idx="1"/>
           </p:nvPr>
         </p:nvSpPr>
         <p:spPr>
@@ -3354,7 +3471,7 @@
           </a:prstGeom>
         </p:spPr>
         <p:txBody>
-          <a:bodyPr anchorCtr="0" anchor="t" bIns="91425" lIns="91425" spcFirstLastPara="1" rIns="91425" wrap="square" tIns="91425">
+          <a:bodyPr spcFirstLastPara="1" wrap="square" lIns="91425" tIns="91425" rIns="91425" bIns="91425" anchor="t" anchorCtr="0">
             <a:normAutofit/>
           </a:bodyPr>
           <a:lstStyle>
@@ -3548,15 +3665,19 @@
               </a:defRPr>
             </a:lvl9pPr>
           </a:lstStyle>
-          <a:p/>
+          <a:p>
+            <a:endParaRPr/>
+          </a:p>
         </p:txBody>
       </p:sp>
       <p:sp>
         <p:nvSpPr>
           <p:cNvPr id="18" name="Google Shape;18;p2"/>
-          <p:cNvSpPr txBox="1"/>
+          <p:cNvSpPr txBox="1">
+            <a:spLocks noGrp="1"/>
+          </p:cNvSpPr>
           <p:nvPr>
-            <p:ph idx="12" type="sldNum"/>
+            <p:ph type="sldNum" idx="12"/>
           </p:nvPr>
         </p:nvSpPr>
         <p:spPr>
@@ -3569,7 +3690,7 @@
           </a:prstGeom>
         </p:spPr>
         <p:txBody>
-          <a:bodyPr anchorCtr="0" anchor="ctr" bIns="91425" lIns="91425" spcFirstLastPara="1" rIns="91425" wrap="square" tIns="91425">
+          <a:bodyPr spcFirstLastPara="1" wrap="square" lIns="91425" tIns="91425" rIns="91425" bIns="91425" anchor="ctr" anchorCtr="0">
             <a:normAutofit/>
           </a:bodyPr>
           <a:lstStyle>
@@ -3611,7 +3732,7 @@
             </a:lvl9pPr>
           </a:lstStyle>
           <a:p>
-            <a:pPr indent="0" lvl="0" marL="0" rtl="0" algn="r">
+            <a:pPr marL="0" lvl="0" indent="0" algn="r" rtl="0">
               <a:spcBef>
                 <a:spcPts val="0"/>
               </a:spcBef>
@@ -3622,7 +3743,7 @@
             </a:pPr>
             <a:fld id="{00000000-1234-1234-1234-123412341234}" type="slidenum">
               <a:rPr lang="fr"/>
-              <a:t>‹#›</a:t>
+              <a:t>‹N°›</a:t>
             </a:fld>
             <a:endParaRPr/>
           </a:p>
@@ -3637,18 +3758,19 @@
 </file>
 
 <file path=ppt/slideLayouts/slideLayout10.xml><?xml version="1.0" encoding="utf-8"?>
-<p:sldLayout xmlns:a="http://schemas.openxmlformats.org/drawingml/2006/main" xmlns:r="http://schemas.openxmlformats.org/officeDocument/2006/relationships" xmlns:mc="http://schemas.openxmlformats.org/markup-compatibility/2006" xmlns:mv="urn:schemas-microsoft-com:mac:vml" xmlns:p="http://schemas.openxmlformats.org/presentationml/2006/main" xmlns:c="http://schemas.openxmlformats.org/drawingml/2006/chart" xmlns:dgm="http://schemas.openxmlformats.org/drawingml/2006/diagram" xmlns:o="urn:schemas-microsoft-com:office:office" xmlns:v="urn:schemas-microsoft-com:vml" xmlns:pvml="urn:schemas-microsoft-com:office:powerpoint" xmlns:com="http://schemas.openxmlformats.org/drawingml/2006/compatibility" xmlns:p14="http://schemas.microsoft.com/office/powerpoint/2010/main" xmlns:p15="http://schemas.microsoft.com/office/powerpoint/2012/main" xmlns:ahyp="http://schemas.microsoft.com/office/drawing/2018/hyperlinkcolor" matchingName="Big number">
+<p:sldLayout xmlns:a="http://schemas.openxmlformats.org/drawingml/2006/main" xmlns:r="http://schemas.openxmlformats.org/officeDocument/2006/relationships" xmlns:p="http://schemas.openxmlformats.org/presentationml/2006/main" matchingName="Big number">
   <p:cSld name="BIG_NUMBER">
     <p:bg>
       <p:bgPr>
         <a:solidFill>
           <a:schemeClr val="dk1"/>
         </a:solidFill>
+        <a:effectLst/>
       </p:bgPr>
     </p:bg>
     <p:spTree>
       <p:nvGrpSpPr>
-        <p:cNvPr id="69" name="Shape 69"/>
+        <p:cNvPr id="1" name="Shape 69"/>
         <p:cNvGrpSpPr/>
         <p:nvPr/>
       </p:nvGrpSpPr>
@@ -3696,12 +3818,12 @@
             </a:ln>
           </p:spPr>
           <p:txBody>
-            <a:bodyPr anchorCtr="0" anchor="ctr" bIns="91425" lIns="91425" spcFirstLastPara="1" rIns="91425" wrap="square" tIns="91425">
+            <a:bodyPr spcFirstLastPara="1" wrap="square" lIns="91425" tIns="91425" rIns="91425" bIns="91425" anchor="ctr" anchorCtr="0">
               <a:noAutofit/>
             </a:bodyPr>
             <a:lstStyle/>
             <a:p>
-              <a:pPr indent="0" lvl="0" marL="0" rtl="0" algn="l">
+              <a:pPr marL="0" lvl="0" indent="0" algn="l" rtl="0">
                 <a:spcBef>
                   <a:spcPts val="0"/>
                 </a:spcBef>
@@ -3710,9 +3832,6 @@
                 </a:spcAft>
                 <a:buNone/>
               </a:pPr>
-              <a:r>
-                <a:t/>
-              </a:r>
               <a:endParaRPr/>
             </a:p>
           </p:txBody>
@@ -3739,12 +3858,12 @@
             </a:ln>
           </p:spPr>
           <p:txBody>
-            <a:bodyPr anchorCtr="0" anchor="ctr" bIns="91425" lIns="91425" spcFirstLastPara="1" rIns="91425" wrap="square" tIns="91425">
+            <a:bodyPr spcFirstLastPara="1" wrap="square" lIns="91425" tIns="91425" rIns="91425" bIns="91425" anchor="ctr" anchorCtr="0">
               <a:noAutofit/>
             </a:bodyPr>
             <a:lstStyle/>
             <a:p>
-              <a:pPr indent="0" lvl="0" marL="0" rtl="0" algn="l">
+              <a:pPr marL="0" lvl="0" indent="0" algn="l" rtl="0">
                 <a:spcBef>
                   <a:spcPts val="0"/>
                 </a:spcBef>
@@ -3753,9 +3872,6 @@
                 </a:spcAft>
                 <a:buNone/>
               </a:pPr>
-              <a:r>
-                <a:t/>
-              </a:r>
               <a:endParaRPr/>
             </a:p>
           </p:txBody>
@@ -3767,7 +3883,7 @@
             <p:nvPr/>
           </p:nvSpPr>
           <p:spPr>
-            <a:xfrm flipH="1" rot="10800000">
+            <a:xfrm rot="10800000" flipH="1">
               <a:off x="7113588" y="107"/>
               <a:ext cx="1015200" cy="1015200"/>
             </a:xfrm>
@@ -3782,12 +3898,12 @@
             </a:ln>
           </p:spPr>
           <p:txBody>
-            <a:bodyPr anchorCtr="0" anchor="ctr" bIns="91425" lIns="91425" spcFirstLastPara="1" rIns="91425" wrap="square" tIns="91425">
+            <a:bodyPr spcFirstLastPara="1" wrap="square" lIns="91425" tIns="91425" rIns="91425" bIns="91425" anchor="ctr" anchorCtr="0">
               <a:noAutofit/>
             </a:bodyPr>
             <a:lstStyle/>
             <a:p>
-              <a:pPr indent="0" lvl="0" marL="0" rtl="0" algn="l">
+              <a:pPr marL="0" lvl="0" indent="0" algn="l" rtl="0">
                 <a:spcBef>
                   <a:spcPts val="0"/>
                 </a:spcBef>
@@ -3796,9 +3912,6 @@
                 </a:spcAft>
                 <a:buNone/>
               </a:pPr>
-              <a:r>
-                <a:t/>
-              </a:r>
               <a:endParaRPr/>
             </a:p>
           </p:txBody>
@@ -3825,12 +3938,12 @@
             </a:ln>
           </p:spPr>
           <p:txBody>
-            <a:bodyPr anchorCtr="0" anchor="ctr" bIns="91425" lIns="91425" spcFirstLastPara="1" rIns="91425" wrap="square" tIns="91425">
+            <a:bodyPr spcFirstLastPara="1" wrap="square" lIns="91425" tIns="91425" rIns="91425" bIns="91425" anchor="ctr" anchorCtr="0">
               <a:noAutofit/>
             </a:bodyPr>
             <a:lstStyle/>
             <a:p>
-              <a:pPr indent="0" lvl="0" marL="0" rtl="0" algn="l">
+              <a:pPr marL="0" lvl="0" indent="0" algn="l" rtl="0">
                 <a:spcBef>
                   <a:spcPts val="0"/>
                 </a:spcBef>
@@ -3839,9 +3952,6 @@
                 </a:spcAft>
                 <a:buNone/>
               </a:pPr>
-              <a:r>
-                <a:t/>
-              </a:r>
               <a:endParaRPr/>
             </a:p>
           </p:txBody>
@@ -3868,12 +3978,12 @@
             </a:ln>
           </p:spPr>
           <p:txBody>
-            <a:bodyPr anchorCtr="0" anchor="ctr" bIns="91425" lIns="91425" spcFirstLastPara="1" rIns="91425" wrap="square" tIns="91425">
+            <a:bodyPr spcFirstLastPara="1" wrap="square" lIns="91425" tIns="91425" rIns="91425" bIns="91425" anchor="ctr" anchorCtr="0">
               <a:noAutofit/>
             </a:bodyPr>
             <a:lstStyle/>
             <a:p>
-              <a:pPr indent="0" lvl="0" marL="0" rtl="0" algn="l">
+              <a:pPr marL="0" lvl="0" indent="0" algn="l" rtl="0">
                 <a:spcBef>
                   <a:spcPts val="0"/>
                 </a:spcBef>
@@ -3882,9 +3992,6 @@
                 </a:spcAft>
                 <a:buNone/>
               </a:pPr>
-              <a:r>
-                <a:t/>
-              </a:r>
               <a:endParaRPr/>
             </a:p>
           </p:txBody>
@@ -3893,9 +4000,11 @@
       <p:sp>
         <p:nvSpPr>
           <p:cNvPr id="76" name="Google Shape;76;p11"/>
-          <p:cNvSpPr txBox="1"/>
+          <p:cNvSpPr txBox="1">
+            <a:spLocks noGrp="1"/>
+          </p:cNvSpPr>
           <p:nvPr>
-            <p:ph hasCustomPrompt="1" type="title"/>
+            <p:ph type="title" hasCustomPrompt="1"/>
           </p:nvPr>
         </p:nvSpPr>
         <p:spPr>
@@ -3908,7 +4017,7 @@
           </a:prstGeom>
         </p:spPr>
         <p:txBody>
-          <a:bodyPr anchorCtr="0" anchor="b" bIns="91425" lIns="91425" spcFirstLastPara="1" rIns="91425" wrap="square" tIns="91425">
+          <a:bodyPr spcFirstLastPara="1" wrap="square" lIns="91425" tIns="91425" rIns="91425" bIns="91425" anchor="b" anchorCtr="0">
             <a:normAutofit/>
           </a:bodyPr>
           <a:lstStyle>
@@ -4085,9 +4194,11 @@
       <p:sp>
         <p:nvSpPr>
           <p:cNvPr id="77" name="Google Shape;77;p11"/>
-          <p:cNvSpPr txBox="1"/>
+          <p:cNvSpPr txBox="1">
+            <a:spLocks noGrp="1"/>
+          </p:cNvSpPr>
           <p:nvPr>
-            <p:ph idx="1" type="body"/>
+            <p:ph type="body" idx="1"/>
           </p:nvPr>
         </p:nvSpPr>
         <p:spPr>
@@ -4100,11 +4211,11 @@
           </a:prstGeom>
         </p:spPr>
         <p:txBody>
-          <a:bodyPr anchorCtr="0" anchor="t" bIns="91425" lIns="91425" spcFirstLastPara="1" rIns="91425" wrap="square" tIns="91425">
+          <a:bodyPr spcFirstLastPara="1" wrap="square" lIns="91425" tIns="91425" rIns="91425" bIns="91425" anchor="t" anchorCtr="0">
             <a:normAutofit/>
           </a:bodyPr>
           <a:lstStyle>
-            <a:lvl1pPr indent="-342900" lvl="0" marL="457200" algn="ctr">
+            <a:lvl1pPr marL="457200" lvl="0" indent="-342900" algn="ctr">
               <a:spcBef>
                 <a:spcPts val="0"/>
               </a:spcBef>
@@ -4122,7 +4233,7 @@
                 </a:solidFill>
               </a:defRPr>
             </a:lvl1pPr>
-            <a:lvl2pPr indent="-317500" lvl="1" marL="914400" algn="ctr">
+            <a:lvl2pPr marL="914400" lvl="1" indent="-317500" algn="ctr">
               <a:spcBef>
                 <a:spcPts val="0"/>
               </a:spcBef>
@@ -4140,7 +4251,7 @@
                 </a:solidFill>
               </a:defRPr>
             </a:lvl2pPr>
-            <a:lvl3pPr indent="-317500" lvl="2" marL="1371600" algn="ctr">
+            <a:lvl3pPr marL="1371600" lvl="2" indent="-317500" algn="ctr">
               <a:spcBef>
                 <a:spcPts val="0"/>
               </a:spcBef>
@@ -4158,7 +4269,7 @@
                 </a:solidFill>
               </a:defRPr>
             </a:lvl3pPr>
-            <a:lvl4pPr indent="-317500" lvl="3" marL="1828800" algn="ctr">
+            <a:lvl4pPr marL="1828800" lvl="3" indent="-317500" algn="ctr">
               <a:spcBef>
                 <a:spcPts val="0"/>
               </a:spcBef>
@@ -4176,7 +4287,7 @@
                 </a:solidFill>
               </a:defRPr>
             </a:lvl4pPr>
-            <a:lvl5pPr indent="-317500" lvl="4" marL="2286000" algn="ctr">
+            <a:lvl5pPr marL="2286000" lvl="4" indent="-317500" algn="ctr">
               <a:spcBef>
                 <a:spcPts val="0"/>
               </a:spcBef>
@@ -4194,7 +4305,7 @@
                 </a:solidFill>
               </a:defRPr>
             </a:lvl5pPr>
-            <a:lvl6pPr indent="-317500" lvl="5" marL="2743200" algn="ctr">
+            <a:lvl6pPr marL="2743200" lvl="5" indent="-317500" algn="ctr">
               <a:spcBef>
                 <a:spcPts val="0"/>
               </a:spcBef>
@@ -4212,7 +4323,7 @@
                 </a:solidFill>
               </a:defRPr>
             </a:lvl6pPr>
-            <a:lvl7pPr indent="-317500" lvl="6" marL="3200400" algn="ctr">
+            <a:lvl7pPr marL="3200400" lvl="6" indent="-317500" algn="ctr">
               <a:spcBef>
                 <a:spcPts val="0"/>
               </a:spcBef>
@@ -4230,7 +4341,7 @@
                 </a:solidFill>
               </a:defRPr>
             </a:lvl7pPr>
-            <a:lvl8pPr indent="-317500" lvl="7" marL="3657600" algn="ctr">
+            <a:lvl8pPr marL="3657600" lvl="7" indent="-317500" algn="ctr">
               <a:spcBef>
                 <a:spcPts val="0"/>
               </a:spcBef>
@@ -4248,7 +4359,7 @@
                 </a:solidFill>
               </a:defRPr>
             </a:lvl8pPr>
-            <a:lvl9pPr indent="-317500" lvl="8" marL="4114800" algn="ctr">
+            <a:lvl9pPr marL="4114800" lvl="8" indent="-317500" algn="ctr">
               <a:spcBef>
                 <a:spcPts val="0"/>
               </a:spcBef>
@@ -4267,15 +4378,19 @@
               </a:defRPr>
             </a:lvl9pPr>
           </a:lstStyle>
-          <a:p/>
+          <a:p>
+            <a:endParaRPr/>
+          </a:p>
         </p:txBody>
       </p:sp>
       <p:sp>
         <p:nvSpPr>
           <p:cNvPr id="78" name="Google Shape;78;p11"/>
-          <p:cNvSpPr txBox="1"/>
+          <p:cNvSpPr txBox="1">
+            <a:spLocks noGrp="1"/>
+          </p:cNvSpPr>
           <p:nvPr>
-            <p:ph idx="12" type="sldNum"/>
+            <p:ph type="sldNum" idx="12"/>
           </p:nvPr>
         </p:nvSpPr>
         <p:spPr>
@@ -4288,7 +4403,7 @@
           </a:prstGeom>
         </p:spPr>
         <p:txBody>
-          <a:bodyPr anchorCtr="0" anchor="ctr" bIns="91425" lIns="91425" spcFirstLastPara="1" rIns="91425" wrap="square" tIns="91425">
+          <a:bodyPr spcFirstLastPara="1" wrap="square" lIns="91425" tIns="91425" rIns="91425" bIns="91425" anchor="ctr" anchorCtr="0">
             <a:normAutofit/>
           </a:bodyPr>
           <a:lstStyle>
@@ -4330,7 +4445,7 @@
             </a:lvl9pPr>
           </a:lstStyle>
           <a:p>
-            <a:pPr indent="0" lvl="0" marL="0" rtl="0" algn="r">
+            <a:pPr marL="0" lvl="0" indent="0" algn="r" rtl="0">
               <a:spcBef>
                 <a:spcPts val="0"/>
               </a:spcBef>
@@ -4341,7 +4456,7 @@
             </a:pPr>
             <a:fld id="{00000000-1234-1234-1234-123412341234}" type="slidenum">
               <a:rPr lang="fr"/>
-              <a:t>‹#›</a:t>
+              <a:t>‹N°›</a:t>
             </a:fld>
             <a:endParaRPr/>
           </a:p>
@@ -4356,11 +4471,11 @@
 </file>
 
 <file path=ppt/slideLayouts/slideLayout11.xml><?xml version="1.0" encoding="utf-8"?>
-<p:sldLayout xmlns:a="http://schemas.openxmlformats.org/drawingml/2006/main" xmlns:r="http://schemas.openxmlformats.org/officeDocument/2006/relationships" xmlns:mc="http://schemas.openxmlformats.org/markup-compatibility/2006" xmlns:mv="urn:schemas-microsoft-com:mac:vml" xmlns:p="http://schemas.openxmlformats.org/presentationml/2006/main" xmlns:c="http://schemas.openxmlformats.org/drawingml/2006/chart" xmlns:dgm="http://schemas.openxmlformats.org/drawingml/2006/diagram" xmlns:o="urn:schemas-microsoft-com:office:office" xmlns:v="urn:schemas-microsoft-com:vml" xmlns:pvml="urn:schemas-microsoft-com:office:powerpoint" xmlns:com="http://schemas.openxmlformats.org/drawingml/2006/compatibility" xmlns:p14="http://schemas.microsoft.com/office/powerpoint/2010/main" xmlns:p15="http://schemas.microsoft.com/office/powerpoint/2012/main" xmlns:ahyp="http://schemas.microsoft.com/office/drawing/2018/hyperlinkcolor" matchingName="Blank" type="blank">
+<p:sldLayout xmlns:a="http://schemas.openxmlformats.org/drawingml/2006/main" xmlns:r="http://schemas.openxmlformats.org/officeDocument/2006/relationships" xmlns:p="http://schemas.openxmlformats.org/presentationml/2006/main" matchingName="Blank" type="blank">
   <p:cSld name="BLANK">
     <p:spTree>
       <p:nvGrpSpPr>
-        <p:cNvPr id="79" name="Shape 79"/>
+        <p:cNvPr id="1" name="Shape 79"/>
         <p:cNvGrpSpPr/>
         <p:nvPr/>
       </p:nvGrpSpPr>
@@ -4375,9 +4490,11 @@
       <p:sp>
         <p:nvSpPr>
           <p:cNvPr id="80" name="Google Shape;80;p12"/>
-          <p:cNvSpPr txBox="1"/>
+          <p:cNvSpPr txBox="1">
+            <a:spLocks noGrp="1"/>
+          </p:cNvSpPr>
           <p:nvPr>
-            <p:ph idx="12" type="sldNum"/>
+            <p:ph type="sldNum" idx="12"/>
           </p:nvPr>
         </p:nvSpPr>
         <p:spPr>
@@ -4390,7 +4507,7 @@
           </a:prstGeom>
         </p:spPr>
         <p:txBody>
-          <a:bodyPr anchorCtr="0" anchor="ctr" bIns="91425" lIns="91425" spcFirstLastPara="1" rIns="91425" wrap="square" tIns="91425">
+          <a:bodyPr spcFirstLastPara="1" wrap="square" lIns="91425" tIns="91425" rIns="91425" bIns="91425" anchor="ctr" anchorCtr="0">
             <a:normAutofit/>
           </a:bodyPr>
           <a:lstStyle>
@@ -4468,7 +4585,7 @@
             </a:lvl9pPr>
           </a:lstStyle>
           <a:p>
-            <a:pPr indent="0" lvl="0" marL="0" rtl="0" algn="r">
+            <a:pPr marL="0" lvl="0" indent="0" algn="r" rtl="0">
               <a:spcBef>
                 <a:spcPts val="0"/>
               </a:spcBef>
@@ -4479,7 +4596,7 @@
             </a:pPr>
             <a:fld id="{00000000-1234-1234-1234-123412341234}" type="slidenum">
               <a:rPr lang="fr"/>
-              <a:t>‹#›</a:t>
+              <a:t>‹N°›</a:t>
             </a:fld>
             <a:endParaRPr/>
           </a:p>
@@ -4494,18 +4611,19 @@
 </file>
 
 <file path=ppt/slideLayouts/slideLayout2.xml><?xml version="1.0" encoding="utf-8"?>
-<p:sldLayout xmlns:a="http://schemas.openxmlformats.org/drawingml/2006/main" xmlns:r="http://schemas.openxmlformats.org/officeDocument/2006/relationships" xmlns:mc="http://schemas.openxmlformats.org/markup-compatibility/2006" xmlns:mv="urn:schemas-microsoft-com:mac:vml" xmlns:p="http://schemas.openxmlformats.org/presentationml/2006/main" xmlns:c="http://schemas.openxmlformats.org/drawingml/2006/chart" xmlns:dgm="http://schemas.openxmlformats.org/drawingml/2006/diagram" xmlns:o="urn:schemas-microsoft-com:office:office" xmlns:v="urn:schemas-microsoft-com:vml" xmlns:pvml="urn:schemas-microsoft-com:office:powerpoint" xmlns:com="http://schemas.openxmlformats.org/drawingml/2006/compatibility" xmlns:p14="http://schemas.microsoft.com/office/powerpoint/2010/main" xmlns:p15="http://schemas.microsoft.com/office/powerpoint/2012/main" xmlns:ahyp="http://schemas.microsoft.com/office/drawing/2018/hyperlinkcolor" matchingName="Section header" type="secHead">
+<p:sldLayout xmlns:a="http://schemas.openxmlformats.org/drawingml/2006/main" xmlns:r="http://schemas.openxmlformats.org/officeDocument/2006/relationships" xmlns:p="http://schemas.openxmlformats.org/presentationml/2006/main" matchingName="Section header" type="secHead">
   <p:cSld name="SECTION_HEADER">
     <p:bg>
       <p:bgPr>
         <a:solidFill>
           <a:schemeClr val="dk1"/>
         </a:solidFill>
+        <a:effectLst/>
       </p:bgPr>
     </p:bg>
     <p:spTree>
       <p:nvGrpSpPr>
-        <p:cNvPr id="19" name="Shape 19"/>
+        <p:cNvPr id="1" name="Shape 19"/>
         <p:cNvGrpSpPr/>
         <p:nvPr/>
       </p:nvGrpSpPr>
@@ -4553,12 +4671,12 @@
             </a:ln>
           </p:spPr>
           <p:txBody>
-            <a:bodyPr anchorCtr="0" anchor="ctr" bIns="91425" lIns="91425" spcFirstLastPara="1" rIns="91425" wrap="square" tIns="91425">
+            <a:bodyPr spcFirstLastPara="1" wrap="square" lIns="91425" tIns="91425" rIns="91425" bIns="91425" anchor="ctr" anchorCtr="0">
               <a:noAutofit/>
             </a:bodyPr>
             <a:lstStyle/>
             <a:p>
-              <a:pPr indent="0" lvl="0" marL="0" rtl="0" algn="l">
+              <a:pPr marL="0" lvl="0" indent="0" algn="l" rtl="0">
                 <a:spcBef>
                   <a:spcPts val="0"/>
                 </a:spcBef>
@@ -4567,9 +4685,6 @@
                 </a:spcAft>
                 <a:buNone/>
               </a:pPr>
-              <a:r>
-                <a:t/>
-              </a:r>
               <a:endParaRPr/>
             </a:p>
           </p:txBody>
@@ -4596,12 +4711,12 @@
             </a:ln>
           </p:spPr>
           <p:txBody>
-            <a:bodyPr anchorCtr="0" anchor="ctr" bIns="91425" lIns="91425" spcFirstLastPara="1" rIns="91425" wrap="square" tIns="91425">
+            <a:bodyPr spcFirstLastPara="1" wrap="square" lIns="91425" tIns="91425" rIns="91425" bIns="91425" anchor="ctr" anchorCtr="0">
               <a:noAutofit/>
             </a:bodyPr>
             <a:lstStyle/>
             <a:p>
-              <a:pPr indent="0" lvl="0" marL="0" rtl="0" algn="l">
+              <a:pPr marL="0" lvl="0" indent="0" algn="l" rtl="0">
                 <a:spcBef>
                   <a:spcPts val="0"/>
                 </a:spcBef>
@@ -4610,9 +4725,6 @@
                 </a:spcAft>
                 <a:buNone/>
               </a:pPr>
-              <a:r>
-                <a:t/>
-              </a:r>
               <a:endParaRPr/>
             </a:p>
           </p:txBody>
@@ -4624,7 +4736,7 @@
             <p:nvPr/>
           </p:nvSpPr>
           <p:spPr>
-            <a:xfrm flipH="1" rot="10800000">
+            <a:xfrm rot="10800000" flipH="1">
               <a:off x="7113588" y="107"/>
               <a:ext cx="1015200" cy="1015200"/>
             </a:xfrm>
@@ -4639,12 +4751,12 @@
             </a:ln>
           </p:spPr>
           <p:txBody>
-            <a:bodyPr anchorCtr="0" anchor="ctr" bIns="91425" lIns="91425" spcFirstLastPara="1" rIns="91425" wrap="square" tIns="91425">
+            <a:bodyPr spcFirstLastPara="1" wrap="square" lIns="91425" tIns="91425" rIns="91425" bIns="91425" anchor="ctr" anchorCtr="0">
               <a:noAutofit/>
             </a:bodyPr>
             <a:lstStyle/>
             <a:p>
-              <a:pPr indent="0" lvl="0" marL="0" rtl="0" algn="l">
+              <a:pPr marL="0" lvl="0" indent="0" algn="l" rtl="0">
                 <a:spcBef>
                   <a:spcPts val="0"/>
                 </a:spcBef>
@@ -4653,9 +4765,6 @@
                 </a:spcAft>
                 <a:buNone/>
               </a:pPr>
-              <a:r>
-                <a:t/>
-              </a:r>
               <a:endParaRPr/>
             </a:p>
           </p:txBody>
@@ -4682,12 +4791,12 @@
             </a:ln>
           </p:spPr>
           <p:txBody>
-            <a:bodyPr anchorCtr="0" anchor="ctr" bIns="91425" lIns="91425" spcFirstLastPara="1" rIns="91425" wrap="square" tIns="91425">
+            <a:bodyPr spcFirstLastPara="1" wrap="square" lIns="91425" tIns="91425" rIns="91425" bIns="91425" anchor="ctr" anchorCtr="0">
               <a:noAutofit/>
             </a:bodyPr>
             <a:lstStyle/>
             <a:p>
-              <a:pPr indent="0" lvl="0" marL="0" rtl="0" algn="l">
+              <a:pPr marL="0" lvl="0" indent="0" algn="l" rtl="0">
                 <a:spcBef>
                   <a:spcPts val="0"/>
                 </a:spcBef>
@@ -4696,9 +4805,6 @@
                 </a:spcAft>
                 <a:buNone/>
               </a:pPr>
-              <a:r>
-                <a:t/>
-              </a:r>
               <a:endParaRPr/>
             </a:p>
           </p:txBody>
@@ -4725,12 +4831,12 @@
             </a:ln>
           </p:spPr>
           <p:txBody>
-            <a:bodyPr anchorCtr="0" anchor="ctr" bIns="91425" lIns="91425" spcFirstLastPara="1" rIns="91425" wrap="square" tIns="91425">
+            <a:bodyPr spcFirstLastPara="1" wrap="square" lIns="91425" tIns="91425" rIns="91425" bIns="91425" anchor="ctr" anchorCtr="0">
               <a:noAutofit/>
             </a:bodyPr>
             <a:lstStyle/>
             <a:p>
-              <a:pPr indent="0" lvl="0" marL="0" rtl="0" algn="l">
+              <a:pPr marL="0" lvl="0" indent="0" algn="l" rtl="0">
                 <a:spcBef>
                   <a:spcPts val="0"/>
                 </a:spcBef>
@@ -4739,9 +4845,6 @@
                 </a:spcAft>
                 <a:buNone/>
               </a:pPr>
-              <a:r>
-                <a:t/>
-              </a:r>
               <a:endParaRPr/>
             </a:p>
           </p:txBody>
@@ -4750,7 +4853,9 @@
       <p:sp>
         <p:nvSpPr>
           <p:cNvPr id="26" name="Google Shape;26;p3"/>
-          <p:cNvSpPr txBox="1"/>
+          <p:cNvSpPr txBox="1">
+            <a:spLocks noGrp="1"/>
+          </p:cNvSpPr>
           <p:nvPr>
             <p:ph type="title"/>
           </p:nvPr>
@@ -4765,7 +4870,7 @@
           </a:prstGeom>
         </p:spPr>
         <p:txBody>
-          <a:bodyPr anchorCtr="0" anchor="ctr" bIns="91425" lIns="91425" spcFirstLastPara="1" rIns="91425" wrap="square" tIns="91425">
+          <a:bodyPr spcFirstLastPara="1" wrap="square" lIns="91425" tIns="91425" rIns="91425" bIns="91425" anchor="ctr" anchorCtr="0">
             <a:normAutofit/>
           </a:bodyPr>
           <a:lstStyle>
@@ -4932,15 +5037,19 @@
               </a:defRPr>
             </a:lvl9pPr>
           </a:lstStyle>
-          <a:p/>
+          <a:p>
+            <a:endParaRPr/>
+          </a:p>
         </p:txBody>
       </p:sp>
       <p:sp>
         <p:nvSpPr>
           <p:cNvPr id="27" name="Google Shape;27;p3"/>
-          <p:cNvSpPr txBox="1"/>
+          <p:cNvSpPr txBox="1">
+            <a:spLocks noGrp="1"/>
+          </p:cNvSpPr>
           <p:nvPr>
-            <p:ph idx="12" type="sldNum"/>
+            <p:ph type="sldNum" idx="12"/>
           </p:nvPr>
         </p:nvSpPr>
         <p:spPr>
@@ -4953,7 +5062,7 @@
           </a:prstGeom>
         </p:spPr>
         <p:txBody>
-          <a:bodyPr anchorCtr="0" anchor="ctr" bIns="91425" lIns="91425" spcFirstLastPara="1" rIns="91425" wrap="square" tIns="91425">
+          <a:bodyPr spcFirstLastPara="1" wrap="square" lIns="91425" tIns="91425" rIns="91425" bIns="91425" anchor="ctr" anchorCtr="0">
             <a:normAutofit/>
           </a:bodyPr>
           <a:lstStyle>
@@ -4995,7 +5104,7 @@
             </a:lvl9pPr>
           </a:lstStyle>
           <a:p>
-            <a:pPr indent="0" lvl="0" marL="0" rtl="0" algn="r">
+            <a:pPr marL="0" lvl="0" indent="0" algn="r" rtl="0">
               <a:spcBef>
                 <a:spcPts val="0"/>
               </a:spcBef>
@@ -5006,7 +5115,7 @@
             </a:pPr>
             <a:fld id="{00000000-1234-1234-1234-123412341234}" type="slidenum">
               <a:rPr lang="fr"/>
-              <a:t>‹#›</a:t>
+              <a:t>‹N°›</a:t>
             </a:fld>
             <a:endParaRPr/>
           </a:p>
@@ -5021,11 +5130,11 @@
 </file>
 
 <file path=ppt/slideLayouts/slideLayout3.xml><?xml version="1.0" encoding="utf-8"?>
-<p:sldLayout xmlns:a="http://schemas.openxmlformats.org/drawingml/2006/main" xmlns:r="http://schemas.openxmlformats.org/officeDocument/2006/relationships" xmlns:mc="http://schemas.openxmlformats.org/markup-compatibility/2006" xmlns:mv="urn:schemas-microsoft-com:mac:vml" xmlns:p="http://schemas.openxmlformats.org/presentationml/2006/main" xmlns:c="http://schemas.openxmlformats.org/drawingml/2006/chart" xmlns:dgm="http://schemas.openxmlformats.org/drawingml/2006/diagram" xmlns:o="urn:schemas-microsoft-com:office:office" xmlns:v="urn:schemas-microsoft-com:vml" xmlns:pvml="urn:schemas-microsoft-com:office:powerpoint" xmlns:com="http://schemas.openxmlformats.org/drawingml/2006/compatibility" xmlns:p14="http://schemas.microsoft.com/office/powerpoint/2010/main" xmlns:p15="http://schemas.microsoft.com/office/powerpoint/2012/main" xmlns:ahyp="http://schemas.microsoft.com/office/drawing/2018/hyperlinkcolor" matchingName="Title and body" type="tx">
+<p:sldLayout xmlns:a="http://schemas.openxmlformats.org/drawingml/2006/main" xmlns:r="http://schemas.openxmlformats.org/officeDocument/2006/relationships" xmlns:p="http://schemas.openxmlformats.org/presentationml/2006/main" matchingName="Title and body" type="tx">
   <p:cSld name="TITLE_AND_BODY">
     <p:spTree>
       <p:nvGrpSpPr>
-        <p:cNvPr id="28" name="Shape 28"/>
+        <p:cNvPr id="1" name="Shape 28"/>
         <p:cNvGrpSpPr/>
         <p:nvPr/>
       </p:nvGrpSpPr>
@@ -5073,12 +5182,12 @@
             </a:ln>
           </p:spPr>
           <p:txBody>
-            <a:bodyPr anchorCtr="0" anchor="ctr" bIns="91425" lIns="91425" spcFirstLastPara="1" rIns="91425" wrap="square" tIns="91425">
+            <a:bodyPr spcFirstLastPara="1" wrap="square" lIns="91425" tIns="91425" rIns="91425" bIns="91425" anchor="ctr" anchorCtr="0">
               <a:noAutofit/>
             </a:bodyPr>
             <a:lstStyle/>
             <a:p>
-              <a:pPr indent="0" lvl="0" marL="0" rtl="0" algn="l">
+              <a:pPr marL="0" lvl="0" indent="0" algn="l" rtl="0">
                 <a:spcBef>
                   <a:spcPts val="0"/>
                 </a:spcBef>
@@ -5087,9 +5196,6 @@
                 </a:spcAft>
                 <a:buNone/>
               </a:pPr>
-              <a:r>
-                <a:t/>
-              </a:r>
               <a:endParaRPr/>
             </a:p>
           </p:txBody>
@@ -5116,12 +5222,12 @@
             </a:ln>
           </p:spPr>
           <p:txBody>
-            <a:bodyPr anchorCtr="0" anchor="ctr" bIns="91425" lIns="91425" spcFirstLastPara="1" rIns="91425" wrap="square" tIns="91425">
+            <a:bodyPr spcFirstLastPara="1" wrap="square" lIns="91425" tIns="91425" rIns="91425" bIns="91425" anchor="ctr" anchorCtr="0">
               <a:noAutofit/>
             </a:bodyPr>
             <a:lstStyle/>
             <a:p>
-              <a:pPr indent="0" lvl="0" marL="0" rtl="0" algn="l">
+              <a:pPr marL="0" lvl="0" indent="0" algn="l" rtl="0">
                 <a:spcBef>
                   <a:spcPts val="0"/>
                 </a:spcBef>
@@ -5130,9 +5236,6 @@
                 </a:spcAft>
                 <a:buNone/>
               </a:pPr>
-              <a:r>
-                <a:t/>
-              </a:r>
               <a:endParaRPr/>
             </a:p>
           </p:txBody>
@@ -5159,12 +5262,12 @@
             </a:ln>
           </p:spPr>
           <p:txBody>
-            <a:bodyPr anchorCtr="0" anchor="ctr" bIns="91425" lIns="91425" spcFirstLastPara="1" rIns="91425" wrap="square" tIns="91425">
+            <a:bodyPr spcFirstLastPara="1" wrap="square" lIns="91425" tIns="91425" rIns="91425" bIns="91425" anchor="ctr" anchorCtr="0">
               <a:noAutofit/>
             </a:bodyPr>
             <a:lstStyle/>
             <a:p>
-              <a:pPr indent="0" lvl="0" marL="0" rtl="0" algn="l">
+              <a:pPr marL="0" lvl="0" indent="0" algn="l" rtl="0">
                 <a:spcBef>
                   <a:spcPts val="0"/>
                 </a:spcBef>
@@ -5173,9 +5276,6 @@
                 </a:spcAft>
                 <a:buNone/>
               </a:pPr>
-              <a:r>
-                <a:t/>
-              </a:r>
               <a:endParaRPr/>
             </a:p>
           </p:txBody>
@@ -5202,12 +5302,12 @@
             </a:ln>
           </p:spPr>
           <p:txBody>
-            <a:bodyPr anchorCtr="0" anchor="ctr" bIns="91425" lIns="91425" spcFirstLastPara="1" rIns="91425" wrap="square" tIns="91425">
+            <a:bodyPr spcFirstLastPara="1" wrap="square" lIns="91425" tIns="91425" rIns="91425" bIns="91425" anchor="ctr" anchorCtr="0">
               <a:noAutofit/>
             </a:bodyPr>
             <a:lstStyle/>
             <a:p>
-              <a:pPr indent="0" lvl="0" marL="0" rtl="0" algn="l">
+              <a:pPr marL="0" lvl="0" indent="0" algn="l" rtl="0">
                 <a:spcBef>
                   <a:spcPts val="0"/>
                 </a:spcBef>
@@ -5216,9 +5316,6 @@
                 </a:spcAft>
                 <a:buNone/>
               </a:pPr>
-              <a:r>
-                <a:t/>
-              </a:r>
               <a:endParaRPr/>
             </a:p>
           </p:txBody>
@@ -5245,12 +5342,12 @@
             </a:ln>
           </p:spPr>
           <p:txBody>
-            <a:bodyPr anchorCtr="0" anchor="ctr" bIns="91425" lIns="91425" spcFirstLastPara="1" rIns="91425" wrap="square" tIns="91425">
+            <a:bodyPr spcFirstLastPara="1" wrap="square" lIns="91425" tIns="91425" rIns="91425" bIns="91425" anchor="ctr" anchorCtr="0">
               <a:noAutofit/>
             </a:bodyPr>
             <a:lstStyle/>
             <a:p>
-              <a:pPr indent="0" lvl="0" marL="0" rtl="0" algn="l">
+              <a:pPr marL="0" lvl="0" indent="0" algn="l" rtl="0">
                 <a:spcBef>
                   <a:spcPts val="0"/>
                 </a:spcBef>
@@ -5259,9 +5356,6 @@
                 </a:spcAft>
                 <a:buNone/>
               </a:pPr>
-              <a:r>
-                <a:t/>
-              </a:r>
               <a:endParaRPr/>
             </a:p>
           </p:txBody>
@@ -5270,7 +5364,9 @@
       <p:sp>
         <p:nvSpPr>
           <p:cNvPr id="35" name="Google Shape;35;p4"/>
-          <p:cNvSpPr txBox="1"/>
+          <p:cNvSpPr txBox="1">
+            <a:spLocks noGrp="1"/>
+          </p:cNvSpPr>
           <p:nvPr>
             <p:ph type="title"/>
           </p:nvPr>
@@ -5285,7 +5381,7 @@
           </a:prstGeom>
         </p:spPr>
         <p:txBody>
-          <a:bodyPr anchorCtr="0" anchor="t" bIns="91425" lIns="91425" spcFirstLastPara="1" rIns="91425" wrap="square" tIns="91425">
+          <a:bodyPr spcFirstLastPara="1" wrap="square" lIns="91425" tIns="91425" rIns="91425" bIns="91425" anchor="t" anchorCtr="0">
             <a:normAutofit/>
           </a:bodyPr>
           <a:lstStyle>
@@ -5389,15 +5485,19 @@
               <a:defRPr/>
             </a:lvl9pPr>
           </a:lstStyle>
-          <a:p/>
+          <a:p>
+            <a:endParaRPr/>
+          </a:p>
         </p:txBody>
       </p:sp>
       <p:sp>
         <p:nvSpPr>
           <p:cNvPr id="36" name="Google Shape;36;p4"/>
-          <p:cNvSpPr txBox="1"/>
+          <p:cNvSpPr txBox="1">
+            <a:spLocks noGrp="1"/>
+          </p:cNvSpPr>
           <p:nvPr>
-            <p:ph idx="1" type="body"/>
+            <p:ph type="body" idx="1"/>
           </p:nvPr>
         </p:nvSpPr>
         <p:spPr>
@@ -5410,11 +5510,11 @@
           </a:prstGeom>
         </p:spPr>
         <p:txBody>
-          <a:bodyPr anchorCtr="0" anchor="t" bIns="91425" lIns="91425" spcFirstLastPara="1" rIns="91425" wrap="square" tIns="91425">
+          <a:bodyPr spcFirstLastPara="1" wrap="square" lIns="91425" tIns="91425" rIns="91425" bIns="91425" anchor="t" anchorCtr="0">
             <a:normAutofit/>
           </a:bodyPr>
           <a:lstStyle>
-            <a:lvl1pPr indent="-342900" lvl="0" marL="457200">
+            <a:lvl1pPr marL="457200" lvl="0" indent="-342900">
               <a:spcBef>
                 <a:spcPts val="0"/>
               </a:spcBef>
@@ -5425,7 +5525,7 @@
               <a:buChar char="●"/>
               <a:defRPr/>
             </a:lvl1pPr>
-            <a:lvl2pPr indent="-317500" lvl="1" marL="914400">
+            <a:lvl2pPr marL="914400" lvl="1" indent="-317500">
               <a:spcBef>
                 <a:spcPts val="0"/>
               </a:spcBef>
@@ -5436,7 +5536,7 @@
               <a:buChar char="○"/>
               <a:defRPr/>
             </a:lvl2pPr>
-            <a:lvl3pPr indent="-317500" lvl="2" marL="1371600">
+            <a:lvl3pPr marL="1371600" lvl="2" indent="-317500">
               <a:spcBef>
                 <a:spcPts val="0"/>
               </a:spcBef>
@@ -5447,7 +5547,7 @@
               <a:buChar char="■"/>
               <a:defRPr/>
             </a:lvl3pPr>
-            <a:lvl4pPr indent="-317500" lvl="3" marL="1828800">
+            <a:lvl4pPr marL="1828800" lvl="3" indent="-317500">
               <a:spcBef>
                 <a:spcPts val="0"/>
               </a:spcBef>
@@ -5458,7 +5558,7 @@
               <a:buChar char="●"/>
               <a:defRPr/>
             </a:lvl4pPr>
-            <a:lvl5pPr indent="-317500" lvl="4" marL="2286000">
+            <a:lvl5pPr marL="2286000" lvl="4" indent="-317500">
               <a:spcBef>
                 <a:spcPts val="0"/>
               </a:spcBef>
@@ -5469,7 +5569,7 @@
               <a:buChar char="○"/>
               <a:defRPr/>
             </a:lvl5pPr>
-            <a:lvl6pPr indent="-317500" lvl="5" marL="2743200">
+            <a:lvl6pPr marL="2743200" lvl="5" indent="-317500">
               <a:spcBef>
                 <a:spcPts val="0"/>
               </a:spcBef>
@@ -5480,7 +5580,7 @@
               <a:buChar char="■"/>
               <a:defRPr/>
             </a:lvl6pPr>
-            <a:lvl7pPr indent="-317500" lvl="6" marL="3200400">
+            <a:lvl7pPr marL="3200400" lvl="6" indent="-317500">
               <a:spcBef>
                 <a:spcPts val="0"/>
               </a:spcBef>
@@ -5491,7 +5591,7 @@
               <a:buChar char="●"/>
               <a:defRPr/>
             </a:lvl7pPr>
-            <a:lvl8pPr indent="-317500" lvl="7" marL="3657600">
+            <a:lvl8pPr marL="3657600" lvl="7" indent="-317500">
               <a:spcBef>
                 <a:spcPts val="0"/>
               </a:spcBef>
@@ -5502,7 +5602,7 @@
               <a:buChar char="○"/>
               <a:defRPr/>
             </a:lvl8pPr>
-            <a:lvl9pPr indent="-317500" lvl="8" marL="4114800">
+            <a:lvl9pPr marL="4114800" lvl="8" indent="-317500">
               <a:spcBef>
                 <a:spcPts val="0"/>
               </a:spcBef>
@@ -5514,15 +5614,19 @@
               <a:defRPr/>
             </a:lvl9pPr>
           </a:lstStyle>
-          <a:p/>
+          <a:p>
+            <a:endParaRPr/>
+          </a:p>
         </p:txBody>
       </p:sp>
       <p:sp>
         <p:nvSpPr>
           <p:cNvPr id="37" name="Google Shape;37;p4"/>
-          <p:cNvSpPr txBox="1"/>
+          <p:cNvSpPr txBox="1">
+            <a:spLocks noGrp="1"/>
+          </p:cNvSpPr>
           <p:nvPr>
-            <p:ph idx="12" type="sldNum"/>
+            <p:ph type="sldNum" idx="12"/>
           </p:nvPr>
         </p:nvSpPr>
         <p:spPr>
@@ -5535,7 +5639,7 @@
           </a:prstGeom>
         </p:spPr>
         <p:txBody>
-          <a:bodyPr anchorCtr="0" anchor="ctr" bIns="91425" lIns="91425" spcFirstLastPara="1" rIns="91425" wrap="square" tIns="91425">
+          <a:bodyPr spcFirstLastPara="1" wrap="square" lIns="91425" tIns="91425" rIns="91425" bIns="91425" anchor="ctr" anchorCtr="0">
             <a:normAutofit/>
           </a:bodyPr>
           <a:lstStyle>
@@ -5577,7 +5681,7 @@
             </a:lvl9pPr>
           </a:lstStyle>
           <a:p>
-            <a:pPr indent="0" lvl="0" marL="0" rtl="0" algn="r">
+            <a:pPr marL="0" lvl="0" indent="0" algn="r" rtl="0">
               <a:spcBef>
                 <a:spcPts val="0"/>
               </a:spcBef>
@@ -5588,7 +5692,7 @@
             </a:pPr>
             <a:fld id="{00000000-1234-1234-1234-123412341234}" type="slidenum">
               <a:rPr lang="fr"/>
-              <a:t>‹#›</a:t>
+              <a:t>‹N°›</a:t>
             </a:fld>
             <a:endParaRPr/>
           </a:p>
@@ -5603,11 +5707,11 @@
 </file>
 
 <file path=ppt/slideLayouts/slideLayout4.xml><?xml version="1.0" encoding="utf-8"?>
-<p:sldLayout xmlns:a="http://schemas.openxmlformats.org/drawingml/2006/main" xmlns:r="http://schemas.openxmlformats.org/officeDocument/2006/relationships" xmlns:mc="http://schemas.openxmlformats.org/markup-compatibility/2006" xmlns:mv="urn:schemas-microsoft-com:mac:vml" xmlns:p="http://schemas.openxmlformats.org/presentationml/2006/main" xmlns:c="http://schemas.openxmlformats.org/drawingml/2006/chart" xmlns:dgm="http://schemas.openxmlformats.org/drawingml/2006/diagram" xmlns:o="urn:schemas-microsoft-com:office:office" xmlns:v="urn:schemas-microsoft-com:vml" xmlns:pvml="urn:schemas-microsoft-com:office:powerpoint" xmlns:com="http://schemas.openxmlformats.org/drawingml/2006/compatibility" xmlns:p14="http://schemas.microsoft.com/office/powerpoint/2010/main" xmlns:p15="http://schemas.microsoft.com/office/powerpoint/2012/main" xmlns:ahyp="http://schemas.microsoft.com/office/drawing/2018/hyperlinkcolor" matchingName="Title and two columns" type="twoColTx">
+<p:sldLayout xmlns:a="http://schemas.openxmlformats.org/drawingml/2006/main" xmlns:r="http://schemas.openxmlformats.org/officeDocument/2006/relationships" xmlns:p="http://schemas.openxmlformats.org/presentationml/2006/main" matchingName="Title and two columns" type="twoColTx">
   <p:cSld name="TITLE_AND_TWO_COLUMNS">
     <p:spTree>
       <p:nvGrpSpPr>
-        <p:cNvPr id="38" name="Shape 38"/>
+        <p:cNvPr id="1" name="Shape 38"/>
         <p:cNvGrpSpPr/>
         <p:nvPr/>
       </p:nvGrpSpPr>
@@ -5622,7 +5726,9 @@
       <p:sp>
         <p:nvSpPr>
           <p:cNvPr id="39" name="Google Shape;39;p5"/>
-          <p:cNvSpPr txBox="1"/>
+          <p:cNvSpPr txBox="1">
+            <a:spLocks noGrp="1"/>
+          </p:cNvSpPr>
           <p:nvPr>
             <p:ph type="title"/>
           </p:nvPr>
@@ -5637,7 +5743,7 @@
           </a:prstGeom>
         </p:spPr>
         <p:txBody>
-          <a:bodyPr anchorCtr="0" anchor="t" bIns="91425" lIns="91425" spcFirstLastPara="1" rIns="91425" wrap="square" tIns="91425">
+          <a:bodyPr spcFirstLastPara="1" wrap="square" lIns="91425" tIns="91425" rIns="91425" bIns="91425" anchor="t" anchorCtr="0">
             <a:normAutofit/>
           </a:bodyPr>
           <a:lstStyle>
@@ -5741,15 +5847,19 @@
               <a:defRPr/>
             </a:lvl9pPr>
           </a:lstStyle>
-          <a:p/>
+          <a:p>
+            <a:endParaRPr/>
+          </a:p>
         </p:txBody>
       </p:sp>
       <p:sp>
         <p:nvSpPr>
           <p:cNvPr id="40" name="Google Shape;40;p5"/>
-          <p:cNvSpPr txBox="1"/>
+          <p:cNvSpPr txBox="1">
+            <a:spLocks noGrp="1"/>
+          </p:cNvSpPr>
           <p:nvPr>
-            <p:ph idx="1" type="body"/>
+            <p:ph type="body" idx="1"/>
           </p:nvPr>
         </p:nvSpPr>
         <p:spPr>
@@ -5762,11 +5872,11 @@
           </a:prstGeom>
         </p:spPr>
         <p:txBody>
-          <a:bodyPr anchorCtr="0" anchor="t" bIns="91425" lIns="91425" spcFirstLastPara="1" rIns="91425" wrap="square" tIns="91425">
+          <a:bodyPr spcFirstLastPara="1" wrap="square" lIns="91425" tIns="91425" rIns="91425" bIns="91425" anchor="t" anchorCtr="0">
             <a:normAutofit/>
           </a:bodyPr>
           <a:lstStyle>
-            <a:lvl1pPr indent="-317500" lvl="0" marL="457200">
+            <a:lvl1pPr marL="457200" lvl="0" indent="-317500">
               <a:spcBef>
                 <a:spcPts val="0"/>
               </a:spcBef>
@@ -5777,7 +5887,7 @@
               <a:buChar char="●"/>
               <a:defRPr sz="1400"/>
             </a:lvl1pPr>
-            <a:lvl2pPr indent="-304800" lvl="1" marL="914400">
+            <a:lvl2pPr marL="914400" lvl="1" indent="-304800">
               <a:spcBef>
                 <a:spcPts val="0"/>
               </a:spcBef>
@@ -5788,7 +5898,7 @@
               <a:buChar char="○"/>
               <a:defRPr sz="1200"/>
             </a:lvl2pPr>
-            <a:lvl3pPr indent="-304800" lvl="2" marL="1371600">
+            <a:lvl3pPr marL="1371600" lvl="2" indent="-304800">
               <a:spcBef>
                 <a:spcPts val="0"/>
               </a:spcBef>
@@ -5799,7 +5909,7 @@
               <a:buChar char="■"/>
               <a:defRPr sz="1200"/>
             </a:lvl3pPr>
-            <a:lvl4pPr indent="-304800" lvl="3" marL="1828800">
+            <a:lvl4pPr marL="1828800" lvl="3" indent="-304800">
               <a:spcBef>
                 <a:spcPts val="0"/>
               </a:spcBef>
@@ -5810,7 +5920,7 @@
               <a:buChar char="●"/>
               <a:defRPr sz="1200"/>
             </a:lvl4pPr>
-            <a:lvl5pPr indent="-304800" lvl="4" marL="2286000">
+            <a:lvl5pPr marL="2286000" lvl="4" indent="-304800">
               <a:spcBef>
                 <a:spcPts val="0"/>
               </a:spcBef>
@@ -5821,7 +5931,7 @@
               <a:buChar char="○"/>
               <a:defRPr sz="1200"/>
             </a:lvl5pPr>
-            <a:lvl6pPr indent="-304800" lvl="5" marL="2743200">
+            <a:lvl6pPr marL="2743200" lvl="5" indent="-304800">
               <a:spcBef>
                 <a:spcPts val="0"/>
               </a:spcBef>
@@ -5832,7 +5942,7 @@
               <a:buChar char="■"/>
               <a:defRPr sz="1200"/>
             </a:lvl6pPr>
-            <a:lvl7pPr indent="-304800" lvl="6" marL="3200400">
+            <a:lvl7pPr marL="3200400" lvl="6" indent="-304800">
               <a:spcBef>
                 <a:spcPts val="0"/>
               </a:spcBef>
@@ -5843,7 +5953,7 @@
               <a:buChar char="●"/>
               <a:defRPr sz="1200"/>
             </a:lvl7pPr>
-            <a:lvl8pPr indent="-304800" lvl="7" marL="3657600">
+            <a:lvl8pPr marL="3657600" lvl="7" indent="-304800">
               <a:spcBef>
                 <a:spcPts val="0"/>
               </a:spcBef>
@@ -5854,7 +5964,7 @@
               <a:buChar char="○"/>
               <a:defRPr sz="1200"/>
             </a:lvl8pPr>
-            <a:lvl9pPr indent="-304800" lvl="8" marL="4114800">
+            <a:lvl9pPr marL="4114800" lvl="8" indent="-304800">
               <a:spcBef>
                 <a:spcPts val="0"/>
               </a:spcBef>
@@ -5866,15 +5976,19 @@
               <a:defRPr sz="1200"/>
             </a:lvl9pPr>
           </a:lstStyle>
-          <a:p/>
+          <a:p>
+            <a:endParaRPr/>
+          </a:p>
         </p:txBody>
       </p:sp>
       <p:sp>
         <p:nvSpPr>
           <p:cNvPr id="41" name="Google Shape;41;p5"/>
-          <p:cNvSpPr txBox="1"/>
+          <p:cNvSpPr txBox="1">
+            <a:spLocks noGrp="1"/>
+          </p:cNvSpPr>
           <p:nvPr>
-            <p:ph idx="2" type="body"/>
+            <p:ph type="body" idx="2"/>
           </p:nvPr>
         </p:nvSpPr>
         <p:spPr>
@@ -5887,11 +6001,11 @@
           </a:prstGeom>
         </p:spPr>
         <p:txBody>
-          <a:bodyPr anchorCtr="0" anchor="t" bIns="91425" lIns="91425" spcFirstLastPara="1" rIns="91425" wrap="square" tIns="91425">
+          <a:bodyPr spcFirstLastPara="1" wrap="square" lIns="91425" tIns="91425" rIns="91425" bIns="91425" anchor="t" anchorCtr="0">
             <a:normAutofit/>
           </a:bodyPr>
           <a:lstStyle>
-            <a:lvl1pPr indent="-317500" lvl="0" marL="457200">
+            <a:lvl1pPr marL="457200" lvl="0" indent="-317500">
               <a:spcBef>
                 <a:spcPts val="0"/>
               </a:spcBef>
@@ -5902,7 +6016,7 @@
               <a:buChar char="●"/>
               <a:defRPr sz="1400"/>
             </a:lvl1pPr>
-            <a:lvl2pPr indent="-304800" lvl="1" marL="914400">
+            <a:lvl2pPr marL="914400" lvl="1" indent="-304800">
               <a:spcBef>
                 <a:spcPts val="0"/>
               </a:spcBef>
@@ -5913,7 +6027,7 @@
               <a:buChar char="○"/>
               <a:defRPr sz="1200"/>
             </a:lvl2pPr>
-            <a:lvl3pPr indent="-304800" lvl="2" marL="1371600">
+            <a:lvl3pPr marL="1371600" lvl="2" indent="-304800">
               <a:spcBef>
                 <a:spcPts val="0"/>
               </a:spcBef>
@@ -5924,7 +6038,7 @@
               <a:buChar char="■"/>
               <a:defRPr sz="1200"/>
             </a:lvl3pPr>
-            <a:lvl4pPr indent="-304800" lvl="3" marL="1828800">
+            <a:lvl4pPr marL="1828800" lvl="3" indent="-304800">
               <a:spcBef>
                 <a:spcPts val="0"/>
               </a:spcBef>
@@ -5935,7 +6049,7 @@
               <a:buChar char="●"/>
               <a:defRPr sz="1200"/>
             </a:lvl4pPr>
-            <a:lvl5pPr indent="-304800" lvl="4" marL="2286000">
+            <a:lvl5pPr marL="2286000" lvl="4" indent="-304800">
               <a:spcBef>
                 <a:spcPts val="0"/>
               </a:spcBef>
@@ -5946,7 +6060,7 @@
               <a:buChar char="○"/>
               <a:defRPr sz="1200"/>
             </a:lvl5pPr>
-            <a:lvl6pPr indent="-304800" lvl="5" marL="2743200">
+            <a:lvl6pPr marL="2743200" lvl="5" indent="-304800">
               <a:spcBef>
                 <a:spcPts val="0"/>
               </a:spcBef>
@@ -5957,7 +6071,7 @@
               <a:buChar char="■"/>
               <a:defRPr sz="1200"/>
             </a:lvl6pPr>
-            <a:lvl7pPr indent="-304800" lvl="6" marL="3200400">
+            <a:lvl7pPr marL="3200400" lvl="6" indent="-304800">
               <a:spcBef>
                 <a:spcPts val="0"/>
               </a:spcBef>
@@ -5968,7 +6082,7 @@
               <a:buChar char="●"/>
               <a:defRPr sz="1200"/>
             </a:lvl7pPr>
-            <a:lvl8pPr indent="-304800" lvl="7" marL="3657600">
+            <a:lvl8pPr marL="3657600" lvl="7" indent="-304800">
               <a:spcBef>
                 <a:spcPts val="0"/>
               </a:spcBef>
@@ -5979,7 +6093,7 @@
               <a:buChar char="○"/>
               <a:defRPr sz="1200"/>
             </a:lvl8pPr>
-            <a:lvl9pPr indent="-304800" lvl="8" marL="4114800">
+            <a:lvl9pPr marL="4114800" lvl="8" indent="-304800">
               <a:spcBef>
                 <a:spcPts val="0"/>
               </a:spcBef>
@@ -5991,15 +6105,19 @@
               <a:defRPr sz="1200"/>
             </a:lvl9pPr>
           </a:lstStyle>
-          <a:p/>
+          <a:p>
+            <a:endParaRPr/>
+          </a:p>
         </p:txBody>
       </p:sp>
       <p:sp>
         <p:nvSpPr>
           <p:cNvPr id="42" name="Google Shape;42;p5"/>
-          <p:cNvSpPr txBox="1"/>
+          <p:cNvSpPr txBox="1">
+            <a:spLocks noGrp="1"/>
+          </p:cNvSpPr>
           <p:nvPr>
-            <p:ph idx="12" type="sldNum"/>
+            <p:ph type="sldNum" idx="12"/>
           </p:nvPr>
         </p:nvSpPr>
         <p:spPr>
@@ -6012,7 +6130,7 @@
           </a:prstGeom>
         </p:spPr>
         <p:txBody>
-          <a:bodyPr anchorCtr="0" anchor="ctr" bIns="91425" lIns="91425" spcFirstLastPara="1" rIns="91425" wrap="square" tIns="91425">
+          <a:bodyPr spcFirstLastPara="1" wrap="square" lIns="91425" tIns="91425" rIns="91425" bIns="91425" anchor="ctr" anchorCtr="0">
             <a:normAutofit/>
           </a:bodyPr>
           <a:lstStyle>
@@ -6090,7 +6208,7 @@
             </a:lvl9pPr>
           </a:lstStyle>
           <a:p>
-            <a:pPr indent="0" lvl="0" marL="0" rtl="0" algn="r">
+            <a:pPr marL="0" lvl="0" indent="0" algn="r" rtl="0">
               <a:spcBef>
                 <a:spcPts val="0"/>
               </a:spcBef>
@@ -6101,7 +6219,7 @@
             </a:pPr>
             <a:fld id="{00000000-1234-1234-1234-123412341234}" type="slidenum">
               <a:rPr lang="fr"/>
-              <a:t>‹#›</a:t>
+              <a:t>‹N°›</a:t>
             </a:fld>
             <a:endParaRPr/>
           </a:p>
@@ -6116,11 +6234,11 @@
 </file>
 
 <file path=ppt/slideLayouts/slideLayout5.xml><?xml version="1.0" encoding="utf-8"?>
-<p:sldLayout xmlns:a="http://schemas.openxmlformats.org/drawingml/2006/main" xmlns:r="http://schemas.openxmlformats.org/officeDocument/2006/relationships" xmlns:mc="http://schemas.openxmlformats.org/markup-compatibility/2006" xmlns:mv="urn:schemas-microsoft-com:mac:vml" xmlns:p="http://schemas.openxmlformats.org/presentationml/2006/main" xmlns:c="http://schemas.openxmlformats.org/drawingml/2006/chart" xmlns:dgm="http://schemas.openxmlformats.org/drawingml/2006/diagram" xmlns:o="urn:schemas-microsoft-com:office:office" xmlns:v="urn:schemas-microsoft-com:vml" xmlns:pvml="urn:schemas-microsoft-com:office:powerpoint" xmlns:com="http://schemas.openxmlformats.org/drawingml/2006/compatibility" xmlns:p14="http://schemas.microsoft.com/office/powerpoint/2010/main" xmlns:p15="http://schemas.microsoft.com/office/powerpoint/2012/main" xmlns:ahyp="http://schemas.microsoft.com/office/drawing/2018/hyperlinkcolor" matchingName="Title only" type="titleOnly">
+<p:sldLayout xmlns:a="http://schemas.openxmlformats.org/drawingml/2006/main" xmlns:r="http://schemas.openxmlformats.org/officeDocument/2006/relationships" xmlns:p="http://schemas.openxmlformats.org/presentationml/2006/main" matchingName="Title only" type="titleOnly">
   <p:cSld name="TITLE_ONLY">
     <p:spTree>
       <p:nvGrpSpPr>
-        <p:cNvPr id="43" name="Shape 43"/>
+        <p:cNvPr id="1" name="Shape 43"/>
         <p:cNvGrpSpPr/>
         <p:nvPr/>
       </p:nvGrpSpPr>
@@ -6135,7 +6253,9 @@
       <p:sp>
         <p:nvSpPr>
           <p:cNvPr id="44" name="Google Shape;44;p6"/>
-          <p:cNvSpPr txBox="1"/>
+          <p:cNvSpPr txBox="1">
+            <a:spLocks noGrp="1"/>
+          </p:cNvSpPr>
           <p:nvPr>
             <p:ph type="title"/>
           </p:nvPr>
@@ -6150,7 +6270,7 @@
           </a:prstGeom>
         </p:spPr>
         <p:txBody>
-          <a:bodyPr anchorCtr="0" anchor="t" bIns="91425" lIns="91425" spcFirstLastPara="1" rIns="91425" wrap="square" tIns="91425">
+          <a:bodyPr spcFirstLastPara="1" wrap="square" lIns="91425" tIns="91425" rIns="91425" bIns="91425" anchor="t" anchorCtr="0">
             <a:normAutofit/>
           </a:bodyPr>
           <a:lstStyle>
@@ -6254,15 +6374,19 @@
               <a:defRPr/>
             </a:lvl9pPr>
           </a:lstStyle>
-          <a:p/>
+          <a:p>
+            <a:endParaRPr/>
+          </a:p>
         </p:txBody>
       </p:sp>
       <p:sp>
         <p:nvSpPr>
           <p:cNvPr id="45" name="Google Shape;45;p6"/>
-          <p:cNvSpPr txBox="1"/>
+          <p:cNvSpPr txBox="1">
+            <a:spLocks noGrp="1"/>
+          </p:cNvSpPr>
           <p:nvPr>
-            <p:ph idx="12" type="sldNum"/>
+            <p:ph type="sldNum" idx="12"/>
           </p:nvPr>
         </p:nvSpPr>
         <p:spPr>
@@ -6275,7 +6399,7 @@
           </a:prstGeom>
         </p:spPr>
         <p:txBody>
-          <a:bodyPr anchorCtr="0" anchor="ctr" bIns="91425" lIns="91425" spcFirstLastPara="1" rIns="91425" wrap="square" tIns="91425">
+          <a:bodyPr spcFirstLastPara="1" wrap="square" lIns="91425" tIns="91425" rIns="91425" bIns="91425" anchor="ctr" anchorCtr="0">
             <a:normAutofit/>
           </a:bodyPr>
           <a:lstStyle>
@@ -6353,7 +6477,7 @@
             </a:lvl9pPr>
           </a:lstStyle>
           <a:p>
-            <a:pPr indent="0" lvl="0" marL="0" rtl="0" algn="r">
+            <a:pPr marL="0" lvl="0" indent="0" algn="r" rtl="0">
               <a:spcBef>
                 <a:spcPts val="0"/>
               </a:spcBef>
@@ -6364,7 +6488,7 @@
             </a:pPr>
             <a:fld id="{00000000-1234-1234-1234-123412341234}" type="slidenum">
               <a:rPr lang="fr"/>
-              <a:t>‹#›</a:t>
+              <a:t>‹N°›</a:t>
             </a:fld>
             <a:endParaRPr/>
           </a:p>
@@ -6379,11 +6503,11 @@
 </file>
 
 <file path=ppt/slideLayouts/slideLayout6.xml><?xml version="1.0" encoding="utf-8"?>
-<p:sldLayout xmlns:a="http://schemas.openxmlformats.org/drawingml/2006/main" xmlns:r="http://schemas.openxmlformats.org/officeDocument/2006/relationships" xmlns:mc="http://schemas.openxmlformats.org/markup-compatibility/2006" xmlns:mv="urn:schemas-microsoft-com:mac:vml" xmlns:p="http://schemas.openxmlformats.org/presentationml/2006/main" xmlns:c="http://schemas.openxmlformats.org/drawingml/2006/chart" xmlns:dgm="http://schemas.openxmlformats.org/drawingml/2006/diagram" xmlns:o="urn:schemas-microsoft-com:office:office" xmlns:v="urn:schemas-microsoft-com:vml" xmlns:pvml="urn:schemas-microsoft-com:office:powerpoint" xmlns:com="http://schemas.openxmlformats.org/drawingml/2006/compatibility" xmlns:p14="http://schemas.microsoft.com/office/powerpoint/2010/main" xmlns:p15="http://schemas.microsoft.com/office/powerpoint/2012/main" xmlns:ahyp="http://schemas.microsoft.com/office/drawing/2018/hyperlinkcolor" matchingName="One column text">
+<p:sldLayout xmlns:a="http://schemas.openxmlformats.org/drawingml/2006/main" xmlns:r="http://schemas.openxmlformats.org/officeDocument/2006/relationships" xmlns:p="http://schemas.openxmlformats.org/presentationml/2006/main" matchingName="One column text">
   <p:cSld name="ONE_COLUMN_TEXT">
     <p:spTree>
       <p:nvGrpSpPr>
-        <p:cNvPr id="46" name="Shape 46"/>
+        <p:cNvPr id="1" name="Shape 46"/>
         <p:cNvGrpSpPr/>
         <p:nvPr/>
       </p:nvGrpSpPr>
@@ -6398,7 +6522,9 @@
       <p:sp>
         <p:nvSpPr>
           <p:cNvPr id="47" name="Google Shape;47;p7"/>
-          <p:cNvSpPr txBox="1"/>
+          <p:cNvSpPr txBox="1">
+            <a:spLocks noGrp="1"/>
+          </p:cNvSpPr>
           <p:nvPr>
             <p:ph type="title"/>
           </p:nvPr>
@@ -6413,7 +6539,7 @@
           </a:prstGeom>
         </p:spPr>
         <p:txBody>
-          <a:bodyPr anchorCtr="0" anchor="b" bIns="91425" lIns="91425" spcFirstLastPara="1" rIns="91425" wrap="square" tIns="91425">
+          <a:bodyPr spcFirstLastPara="1" wrap="square" lIns="91425" tIns="91425" rIns="91425" bIns="91425" anchor="b" anchorCtr="0">
             <a:normAutofit/>
           </a:bodyPr>
           <a:lstStyle>
@@ -6517,15 +6643,19 @@
               <a:defRPr sz="2400"/>
             </a:lvl9pPr>
           </a:lstStyle>
-          <a:p/>
+          <a:p>
+            <a:endParaRPr/>
+          </a:p>
         </p:txBody>
       </p:sp>
       <p:sp>
         <p:nvSpPr>
           <p:cNvPr id="48" name="Google Shape;48;p7"/>
-          <p:cNvSpPr txBox="1"/>
+          <p:cNvSpPr txBox="1">
+            <a:spLocks noGrp="1"/>
+          </p:cNvSpPr>
           <p:nvPr>
-            <p:ph idx="1" type="body"/>
+            <p:ph type="body" idx="1"/>
           </p:nvPr>
         </p:nvSpPr>
         <p:spPr>
@@ -6538,11 +6668,11 @@
           </a:prstGeom>
         </p:spPr>
         <p:txBody>
-          <a:bodyPr anchorCtr="0" anchor="t" bIns="91425" lIns="91425" spcFirstLastPara="1" rIns="91425" wrap="square" tIns="91425">
+          <a:bodyPr spcFirstLastPara="1" wrap="square" lIns="91425" tIns="91425" rIns="91425" bIns="91425" anchor="t" anchorCtr="0">
             <a:normAutofit/>
           </a:bodyPr>
           <a:lstStyle>
-            <a:lvl1pPr indent="-304800" lvl="0" marL="457200">
+            <a:lvl1pPr marL="457200" lvl="0" indent="-304800">
               <a:spcBef>
                 <a:spcPts val="0"/>
               </a:spcBef>
@@ -6553,7 +6683,7 @@
               <a:buChar char="●"/>
               <a:defRPr sz="1200"/>
             </a:lvl1pPr>
-            <a:lvl2pPr indent="-304800" lvl="1" marL="914400">
+            <a:lvl2pPr marL="914400" lvl="1" indent="-304800">
               <a:spcBef>
                 <a:spcPts val="0"/>
               </a:spcBef>
@@ -6564,7 +6694,7 @@
               <a:buChar char="○"/>
               <a:defRPr sz="1200"/>
             </a:lvl2pPr>
-            <a:lvl3pPr indent="-304800" lvl="2" marL="1371600">
+            <a:lvl3pPr marL="1371600" lvl="2" indent="-304800">
               <a:spcBef>
                 <a:spcPts val="0"/>
               </a:spcBef>
@@ -6575,7 +6705,7 @@
               <a:buChar char="■"/>
               <a:defRPr sz="1200"/>
             </a:lvl3pPr>
-            <a:lvl4pPr indent="-304800" lvl="3" marL="1828800">
+            <a:lvl4pPr marL="1828800" lvl="3" indent="-304800">
               <a:spcBef>
                 <a:spcPts val="0"/>
               </a:spcBef>
@@ -6586,7 +6716,7 @@
               <a:buChar char="●"/>
               <a:defRPr sz="1200"/>
             </a:lvl4pPr>
-            <a:lvl5pPr indent="-304800" lvl="4" marL="2286000">
+            <a:lvl5pPr marL="2286000" lvl="4" indent="-304800">
               <a:spcBef>
                 <a:spcPts val="0"/>
               </a:spcBef>
@@ -6597,7 +6727,7 @@
               <a:buChar char="○"/>
               <a:defRPr sz="1200"/>
             </a:lvl5pPr>
-            <a:lvl6pPr indent="-304800" lvl="5" marL="2743200">
+            <a:lvl6pPr marL="2743200" lvl="5" indent="-304800">
               <a:spcBef>
                 <a:spcPts val="0"/>
               </a:spcBef>
@@ -6608,7 +6738,7 @@
               <a:buChar char="■"/>
               <a:defRPr sz="1200"/>
             </a:lvl6pPr>
-            <a:lvl7pPr indent="-304800" lvl="6" marL="3200400">
+            <a:lvl7pPr marL="3200400" lvl="6" indent="-304800">
               <a:spcBef>
                 <a:spcPts val="0"/>
               </a:spcBef>
@@ -6619,7 +6749,7 @@
               <a:buChar char="●"/>
               <a:defRPr sz="1200"/>
             </a:lvl7pPr>
-            <a:lvl8pPr indent="-304800" lvl="7" marL="3657600">
+            <a:lvl8pPr marL="3657600" lvl="7" indent="-304800">
               <a:spcBef>
                 <a:spcPts val="0"/>
               </a:spcBef>
@@ -6630,7 +6760,7 @@
               <a:buChar char="○"/>
               <a:defRPr sz="1200"/>
             </a:lvl8pPr>
-            <a:lvl9pPr indent="-304800" lvl="8" marL="4114800">
+            <a:lvl9pPr marL="4114800" lvl="8" indent="-304800">
               <a:spcBef>
                 <a:spcPts val="0"/>
               </a:spcBef>
@@ -6642,15 +6772,19 @@
               <a:defRPr sz="1200"/>
             </a:lvl9pPr>
           </a:lstStyle>
-          <a:p/>
+          <a:p>
+            <a:endParaRPr/>
+          </a:p>
         </p:txBody>
       </p:sp>
       <p:sp>
         <p:nvSpPr>
           <p:cNvPr id="49" name="Google Shape;49;p7"/>
-          <p:cNvSpPr txBox="1"/>
+          <p:cNvSpPr txBox="1">
+            <a:spLocks noGrp="1"/>
+          </p:cNvSpPr>
           <p:nvPr>
-            <p:ph idx="12" type="sldNum"/>
+            <p:ph type="sldNum" idx="12"/>
           </p:nvPr>
         </p:nvSpPr>
         <p:spPr>
@@ -6663,7 +6797,7 @@
           </a:prstGeom>
         </p:spPr>
         <p:txBody>
-          <a:bodyPr anchorCtr="0" anchor="ctr" bIns="91425" lIns="91425" spcFirstLastPara="1" rIns="91425" wrap="square" tIns="91425">
+          <a:bodyPr spcFirstLastPara="1" wrap="square" lIns="91425" tIns="91425" rIns="91425" bIns="91425" anchor="ctr" anchorCtr="0">
             <a:normAutofit/>
           </a:bodyPr>
           <a:lstStyle>
@@ -6741,7 +6875,7 @@
             </a:lvl9pPr>
           </a:lstStyle>
           <a:p>
-            <a:pPr indent="0" lvl="0" marL="0" rtl="0" algn="r">
+            <a:pPr marL="0" lvl="0" indent="0" algn="r" rtl="0">
               <a:spcBef>
                 <a:spcPts val="0"/>
               </a:spcBef>
@@ -6752,7 +6886,7 @@
             </a:pPr>
             <a:fld id="{00000000-1234-1234-1234-123412341234}" type="slidenum">
               <a:rPr lang="fr"/>
-              <a:t>‹#›</a:t>
+              <a:t>‹N°›</a:t>
             </a:fld>
             <a:endParaRPr/>
           </a:p>
@@ -6767,18 +6901,19 @@
 </file>
 
 <file path=ppt/slideLayouts/slideLayout7.xml><?xml version="1.0" encoding="utf-8"?>
-<p:sldLayout xmlns:a="http://schemas.openxmlformats.org/drawingml/2006/main" xmlns:r="http://schemas.openxmlformats.org/officeDocument/2006/relationships" xmlns:mc="http://schemas.openxmlformats.org/markup-compatibility/2006" xmlns:mv="urn:schemas-microsoft-com:mac:vml" xmlns:p="http://schemas.openxmlformats.org/presentationml/2006/main" xmlns:c="http://schemas.openxmlformats.org/drawingml/2006/chart" xmlns:dgm="http://schemas.openxmlformats.org/drawingml/2006/diagram" xmlns:o="urn:schemas-microsoft-com:office:office" xmlns:v="urn:schemas-microsoft-com:vml" xmlns:pvml="urn:schemas-microsoft-com:office:powerpoint" xmlns:com="http://schemas.openxmlformats.org/drawingml/2006/compatibility" xmlns:p14="http://schemas.microsoft.com/office/powerpoint/2010/main" xmlns:p15="http://schemas.microsoft.com/office/powerpoint/2012/main" xmlns:ahyp="http://schemas.microsoft.com/office/drawing/2018/hyperlinkcolor" matchingName="Main point">
+<p:sldLayout xmlns:a="http://schemas.openxmlformats.org/drawingml/2006/main" xmlns:r="http://schemas.openxmlformats.org/officeDocument/2006/relationships" xmlns:p="http://schemas.openxmlformats.org/presentationml/2006/main" matchingName="Main point">
   <p:cSld name="MAIN_POINT">
     <p:bg>
       <p:bgPr>
         <a:solidFill>
           <a:schemeClr val="accent4"/>
         </a:solidFill>
+        <a:effectLst/>
       </p:bgPr>
     </p:bg>
     <p:spTree>
       <p:nvGrpSpPr>
-        <p:cNvPr id="50" name="Shape 50"/>
+        <p:cNvPr id="1" name="Shape 50"/>
         <p:cNvGrpSpPr/>
         <p:nvPr/>
       </p:nvGrpSpPr>
@@ -6826,12 +6961,12 @@
             </a:ln>
           </p:spPr>
           <p:txBody>
-            <a:bodyPr anchorCtr="0" anchor="ctr" bIns="91425" lIns="91425" spcFirstLastPara="1" rIns="91425" wrap="square" tIns="91425">
+            <a:bodyPr spcFirstLastPara="1" wrap="square" lIns="91425" tIns="91425" rIns="91425" bIns="91425" anchor="ctr" anchorCtr="0">
               <a:noAutofit/>
             </a:bodyPr>
             <a:lstStyle/>
             <a:p>
-              <a:pPr indent="0" lvl="0" marL="0" rtl="0" algn="l">
+              <a:pPr marL="0" lvl="0" indent="0" algn="l" rtl="0">
                 <a:spcBef>
                   <a:spcPts val="0"/>
                 </a:spcBef>
@@ -6840,9 +6975,6 @@
                 </a:spcAft>
                 <a:buNone/>
               </a:pPr>
-              <a:r>
-                <a:t/>
-              </a:r>
               <a:endParaRPr/>
             </a:p>
           </p:txBody>
@@ -6869,12 +7001,12 @@
             </a:ln>
           </p:spPr>
           <p:txBody>
-            <a:bodyPr anchorCtr="0" anchor="ctr" bIns="91425" lIns="91425" spcFirstLastPara="1" rIns="91425" wrap="square" tIns="91425">
+            <a:bodyPr spcFirstLastPara="1" wrap="square" lIns="91425" tIns="91425" rIns="91425" bIns="91425" anchor="ctr" anchorCtr="0">
               <a:noAutofit/>
             </a:bodyPr>
             <a:lstStyle/>
             <a:p>
-              <a:pPr indent="0" lvl="0" marL="0" rtl="0" algn="l">
+              <a:pPr marL="0" lvl="0" indent="0" algn="l" rtl="0">
                 <a:spcBef>
                   <a:spcPts val="0"/>
                 </a:spcBef>
@@ -6883,9 +7015,6 @@
                 </a:spcAft>
                 <a:buNone/>
               </a:pPr>
-              <a:r>
-                <a:t/>
-              </a:r>
               <a:endParaRPr/>
             </a:p>
           </p:txBody>
@@ -6897,7 +7026,7 @@
             <p:nvPr/>
           </p:nvSpPr>
           <p:spPr>
-            <a:xfrm flipH="1" rot="10800000">
+            <a:xfrm rot="10800000" flipH="1">
               <a:off x="7113588" y="107"/>
               <a:ext cx="1015200" cy="1015200"/>
             </a:xfrm>
@@ -6912,12 +7041,12 @@
             </a:ln>
           </p:spPr>
           <p:txBody>
-            <a:bodyPr anchorCtr="0" anchor="ctr" bIns="91425" lIns="91425" spcFirstLastPara="1" rIns="91425" wrap="square" tIns="91425">
+            <a:bodyPr spcFirstLastPara="1" wrap="square" lIns="91425" tIns="91425" rIns="91425" bIns="91425" anchor="ctr" anchorCtr="0">
               <a:noAutofit/>
             </a:bodyPr>
             <a:lstStyle/>
             <a:p>
-              <a:pPr indent="0" lvl="0" marL="0" rtl="0" algn="l">
+              <a:pPr marL="0" lvl="0" indent="0" algn="l" rtl="0">
                 <a:spcBef>
                   <a:spcPts val="0"/>
                 </a:spcBef>
@@ -6926,9 +7055,6 @@
                 </a:spcAft>
                 <a:buNone/>
               </a:pPr>
-              <a:r>
-                <a:t/>
-              </a:r>
               <a:endParaRPr/>
             </a:p>
           </p:txBody>
@@ -6955,12 +7081,12 @@
             </a:ln>
           </p:spPr>
           <p:txBody>
-            <a:bodyPr anchorCtr="0" anchor="ctr" bIns="91425" lIns="91425" spcFirstLastPara="1" rIns="91425" wrap="square" tIns="91425">
+            <a:bodyPr spcFirstLastPara="1" wrap="square" lIns="91425" tIns="91425" rIns="91425" bIns="91425" anchor="ctr" anchorCtr="0">
               <a:noAutofit/>
             </a:bodyPr>
             <a:lstStyle/>
             <a:p>
-              <a:pPr indent="0" lvl="0" marL="0" rtl="0" algn="l">
+              <a:pPr marL="0" lvl="0" indent="0" algn="l" rtl="0">
                 <a:spcBef>
                   <a:spcPts val="0"/>
                 </a:spcBef>
@@ -6969,9 +7095,6 @@
                 </a:spcAft>
                 <a:buNone/>
               </a:pPr>
-              <a:r>
-                <a:t/>
-              </a:r>
               <a:endParaRPr/>
             </a:p>
           </p:txBody>
@@ -6998,12 +7121,12 @@
             </a:ln>
           </p:spPr>
           <p:txBody>
-            <a:bodyPr anchorCtr="0" anchor="ctr" bIns="91425" lIns="91425" spcFirstLastPara="1" rIns="91425" wrap="square" tIns="91425">
+            <a:bodyPr spcFirstLastPara="1" wrap="square" lIns="91425" tIns="91425" rIns="91425" bIns="91425" anchor="ctr" anchorCtr="0">
               <a:noAutofit/>
             </a:bodyPr>
             <a:lstStyle/>
             <a:p>
-              <a:pPr indent="0" lvl="0" marL="0" rtl="0" algn="l">
+              <a:pPr marL="0" lvl="0" indent="0" algn="l" rtl="0">
                 <a:spcBef>
                   <a:spcPts val="0"/>
                 </a:spcBef>
@@ -7012,9 +7135,6 @@
                 </a:spcAft>
                 <a:buNone/>
               </a:pPr>
-              <a:r>
-                <a:t/>
-              </a:r>
               <a:endParaRPr/>
             </a:p>
           </p:txBody>
@@ -7023,7 +7143,9 @@
       <p:sp>
         <p:nvSpPr>
           <p:cNvPr id="57" name="Google Shape;57;p8"/>
-          <p:cNvSpPr txBox="1"/>
+          <p:cNvSpPr txBox="1">
+            <a:spLocks noGrp="1"/>
+          </p:cNvSpPr>
           <p:nvPr>
             <p:ph type="title"/>
           </p:nvPr>
@@ -7038,7 +7160,7 @@
           </a:prstGeom>
         </p:spPr>
         <p:txBody>
-          <a:bodyPr anchorCtr="0" anchor="ctr" bIns="91425" lIns="91425" spcFirstLastPara="1" rIns="91425" wrap="square" tIns="91425">
+          <a:bodyPr spcFirstLastPara="1" wrap="square" lIns="91425" tIns="91425" rIns="91425" bIns="91425" anchor="ctr" anchorCtr="0">
             <a:normAutofit/>
           </a:bodyPr>
           <a:lstStyle>
@@ -7205,15 +7327,19 @@
               </a:defRPr>
             </a:lvl9pPr>
           </a:lstStyle>
-          <a:p/>
+          <a:p>
+            <a:endParaRPr/>
+          </a:p>
         </p:txBody>
       </p:sp>
       <p:sp>
         <p:nvSpPr>
           <p:cNvPr id="58" name="Google Shape;58;p8"/>
-          <p:cNvSpPr txBox="1"/>
+          <p:cNvSpPr txBox="1">
+            <a:spLocks noGrp="1"/>
+          </p:cNvSpPr>
           <p:nvPr>
-            <p:ph idx="12" type="sldNum"/>
+            <p:ph type="sldNum" idx="12"/>
           </p:nvPr>
         </p:nvSpPr>
         <p:spPr>
@@ -7226,7 +7352,7 @@
           </a:prstGeom>
         </p:spPr>
         <p:txBody>
-          <a:bodyPr anchorCtr="0" anchor="ctr" bIns="91425" lIns="91425" spcFirstLastPara="1" rIns="91425" wrap="square" tIns="91425">
+          <a:bodyPr spcFirstLastPara="1" wrap="square" lIns="91425" tIns="91425" rIns="91425" bIns="91425" anchor="ctr" anchorCtr="0">
             <a:normAutofit/>
           </a:bodyPr>
           <a:lstStyle>
@@ -7268,7 +7394,7 @@
             </a:lvl9pPr>
           </a:lstStyle>
           <a:p>
-            <a:pPr indent="0" lvl="0" marL="0" rtl="0" algn="r">
+            <a:pPr marL="0" lvl="0" indent="0" algn="r" rtl="0">
               <a:spcBef>
                 <a:spcPts val="0"/>
               </a:spcBef>
@@ -7279,7 +7405,7 @@
             </a:pPr>
             <a:fld id="{00000000-1234-1234-1234-123412341234}" type="slidenum">
               <a:rPr lang="fr"/>
-              <a:t>‹#›</a:t>
+              <a:t>‹N°›</a:t>
             </a:fld>
             <a:endParaRPr/>
           </a:p>
@@ -7294,11 +7420,11 @@
 </file>
 
 <file path=ppt/slideLayouts/slideLayout8.xml><?xml version="1.0" encoding="utf-8"?>
-<p:sldLayout xmlns:a="http://schemas.openxmlformats.org/drawingml/2006/main" xmlns:r="http://schemas.openxmlformats.org/officeDocument/2006/relationships" xmlns:mc="http://schemas.openxmlformats.org/markup-compatibility/2006" xmlns:mv="urn:schemas-microsoft-com:mac:vml" xmlns:p="http://schemas.openxmlformats.org/presentationml/2006/main" xmlns:c="http://schemas.openxmlformats.org/drawingml/2006/chart" xmlns:dgm="http://schemas.openxmlformats.org/drawingml/2006/diagram" xmlns:o="urn:schemas-microsoft-com:office:office" xmlns:v="urn:schemas-microsoft-com:vml" xmlns:pvml="urn:schemas-microsoft-com:office:powerpoint" xmlns:com="http://schemas.openxmlformats.org/drawingml/2006/compatibility" xmlns:p14="http://schemas.microsoft.com/office/powerpoint/2010/main" xmlns:p15="http://schemas.microsoft.com/office/powerpoint/2012/main" xmlns:ahyp="http://schemas.microsoft.com/office/drawing/2018/hyperlinkcolor" matchingName="Section title and description">
+<p:sldLayout xmlns:a="http://schemas.openxmlformats.org/drawingml/2006/main" xmlns:r="http://schemas.openxmlformats.org/officeDocument/2006/relationships" xmlns:p="http://schemas.openxmlformats.org/presentationml/2006/main" matchingName="Section title and description">
   <p:cSld name="SECTION_TITLE_AND_DESCRIPTION">
     <p:spTree>
       <p:nvGrpSpPr>
-        <p:cNvPr id="59" name="Shape 59"/>
+        <p:cNvPr id="1" name="Shape 59"/>
         <p:cNvGrpSpPr/>
         <p:nvPr/>
       </p:nvGrpSpPr>
@@ -7332,23 +7458,20 @@
           </a:ln>
         </p:spPr>
         <p:txBody>
-          <a:bodyPr anchorCtr="0" anchor="ctr" bIns="91425" lIns="91425" spcFirstLastPara="1" rIns="91425" wrap="square" tIns="91425">
+          <a:bodyPr spcFirstLastPara="1" wrap="square" lIns="91425" tIns="91425" rIns="91425" bIns="91425" anchor="ctr" anchorCtr="0">
             <a:noAutofit/>
           </a:bodyPr>
           <a:lstStyle/>
           <a:p>
-            <a:pPr indent="0" lvl="0" marL="0" rtl="0" algn="l">
-              <a:spcBef>
-                <a:spcPts val="0"/>
-              </a:spcBef>
-              <a:spcAft>
-                <a:spcPts val="0"/>
-              </a:spcAft>
-              <a:buNone/>
-            </a:pPr>
-            <a:r>
-              <a:t/>
-            </a:r>
+            <a:pPr marL="0" lvl="0" indent="0" algn="l" rtl="0">
+              <a:spcBef>
+                <a:spcPts val="0"/>
+              </a:spcBef>
+              <a:spcAft>
+                <a:spcPts val="0"/>
+              </a:spcAft>
+              <a:buNone/>
+            </a:pPr>
             <a:endParaRPr/>
           </a:p>
         </p:txBody>
@@ -7368,21 +7491,23 @@
             <a:avLst/>
           </a:prstGeom>
           <a:noFill/>
-          <a:ln cap="flat" cmpd="sng" w="19050">
+          <a:ln w="19050" cap="flat" cmpd="sng">
             <a:solidFill>
               <a:schemeClr val="lt1"/>
             </a:solidFill>
             <a:prstDash val="solid"/>
             <a:round/>
-            <a:headEnd len="sm" w="sm" type="none"/>
-            <a:tailEnd len="sm" w="sm" type="none"/>
+            <a:headEnd type="none" w="sm" len="sm"/>
+            <a:tailEnd type="none" w="sm" len="sm"/>
           </a:ln>
         </p:spPr>
       </p:cxnSp>
       <p:sp>
         <p:nvSpPr>
           <p:cNvPr id="62" name="Google Shape;62;p9"/>
-          <p:cNvSpPr txBox="1"/>
+          <p:cNvSpPr txBox="1">
+            <a:spLocks noGrp="1"/>
+          </p:cNvSpPr>
           <p:nvPr>
             <p:ph type="title"/>
           </p:nvPr>
@@ -7397,7 +7522,7 @@
           </a:prstGeom>
         </p:spPr>
         <p:txBody>
-          <a:bodyPr anchorCtr="0" anchor="b" bIns="91425" lIns="91425" spcFirstLastPara="1" rIns="91425" wrap="square" tIns="91425">
+          <a:bodyPr spcFirstLastPara="1" wrap="square" lIns="91425" tIns="91425" rIns="91425" bIns="91425" anchor="b" anchorCtr="0">
             <a:normAutofit/>
           </a:bodyPr>
           <a:lstStyle>
@@ -7501,15 +7626,19 @@
               <a:defRPr sz="4200"/>
             </a:lvl9pPr>
           </a:lstStyle>
-          <a:p/>
+          <a:p>
+            <a:endParaRPr/>
+          </a:p>
         </p:txBody>
       </p:sp>
       <p:sp>
         <p:nvSpPr>
           <p:cNvPr id="63" name="Google Shape;63;p9"/>
-          <p:cNvSpPr txBox="1"/>
+          <p:cNvSpPr txBox="1">
+            <a:spLocks noGrp="1"/>
+          </p:cNvSpPr>
           <p:nvPr>
-            <p:ph idx="1" type="subTitle"/>
+            <p:ph type="subTitle" idx="1"/>
           </p:nvPr>
         </p:nvSpPr>
         <p:spPr>
@@ -7522,7 +7651,7 @@
           </a:prstGeom>
         </p:spPr>
         <p:txBody>
-          <a:bodyPr anchorCtr="0" anchor="t" bIns="91425" lIns="91425" spcFirstLastPara="1" rIns="91425" wrap="square" tIns="91425">
+          <a:bodyPr spcFirstLastPara="1" wrap="square" lIns="91425" tIns="91425" rIns="91425" bIns="91425" anchor="t" anchorCtr="0">
             <a:normAutofit/>
           </a:bodyPr>
           <a:lstStyle>
@@ -7653,15 +7782,19 @@
               <a:defRPr sz="2100"/>
             </a:lvl9pPr>
           </a:lstStyle>
-          <a:p/>
+          <a:p>
+            <a:endParaRPr/>
+          </a:p>
         </p:txBody>
       </p:sp>
       <p:sp>
         <p:nvSpPr>
           <p:cNvPr id="64" name="Google Shape;64;p9"/>
-          <p:cNvSpPr txBox="1"/>
+          <p:cNvSpPr txBox="1">
+            <a:spLocks noGrp="1"/>
+          </p:cNvSpPr>
           <p:nvPr>
-            <p:ph idx="2" type="body"/>
+            <p:ph type="body" idx="2"/>
           </p:nvPr>
         </p:nvSpPr>
         <p:spPr>
@@ -7674,11 +7807,11 @@
           </a:prstGeom>
         </p:spPr>
         <p:txBody>
-          <a:bodyPr anchorCtr="0" anchor="ctr" bIns="91425" lIns="91425" spcFirstLastPara="1" rIns="91425" wrap="square" tIns="91425">
+          <a:bodyPr spcFirstLastPara="1" wrap="square" lIns="91425" tIns="91425" rIns="91425" bIns="91425" anchor="ctr" anchorCtr="0">
             <a:normAutofit/>
           </a:bodyPr>
           <a:lstStyle>
-            <a:lvl1pPr indent="-342900" lvl="0" marL="457200">
+            <a:lvl1pPr marL="457200" lvl="0" indent="-342900">
               <a:spcBef>
                 <a:spcPts val="0"/>
               </a:spcBef>
@@ -7696,7 +7829,7 @@
                 </a:solidFill>
               </a:defRPr>
             </a:lvl1pPr>
-            <a:lvl2pPr indent="-317500" lvl="1" marL="914400">
+            <a:lvl2pPr marL="914400" lvl="1" indent="-317500">
               <a:spcBef>
                 <a:spcPts val="0"/>
               </a:spcBef>
@@ -7714,7 +7847,7 @@
                 </a:solidFill>
               </a:defRPr>
             </a:lvl2pPr>
-            <a:lvl3pPr indent="-317500" lvl="2" marL="1371600">
+            <a:lvl3pPr marL="1371600" lvl="2" indent="-317500">
               <a:spcBef>
                 <a:spcPts val="0"/>
               </a:spcBef>
@@ -7732,7 +7865,7 @@
                 </a:solidFill>
               </a:defRPr>
             </a:lvl3pPr>
-            <a:lvl4pPr indent="-317500" lvl="3" marL="1828800">
+            <a:lvl4pPr marL="1828800" lvl="3" indent="-317500">
               <a:spcBef>
                 <a:spcPts val="0"/>
               </a:spcBef>
@@ -7750,7 +7883,7 @@
                 </a:solidFill>
               </a:defRPr>
             </a:lvl4pPr>
-            <a:lvl5pPr indent="-317500" lvl="4" marL="2286000">
+            <a:lvl5pPr marL="2286000" lvl="4" indent="-317500">
               <a:spcBef>
                 <a:spcPts val="0"/>
               </a:spcBef>
@@ -7768,7 +7901,7 @@
                 </a:solidFill>
               </a:defRPr>
             </a:lvl5pPr>
-            <a:lvl6pPr indent="-317500" lvl="5" marL="2743200">
+            <a:lvl6pPr marL="2743200" lvl="5" indent="-317500">
               <a:spcBef>
                 <a:spcPts val="0"/>
               </a:spcBef>
@@ -7786,7 +7919,7 @@
                 </a:solidFill>
               </a:defRPr>
             </a:lvl6pPr>
-            <a:lvl7pPr indent="-317500" lvl="6" marL="3200400">
+            <a:lvl7pPr marL="3200400" lvl="6" indent="-317500">
               <a:spcBef>
                 <a:spcPts val="0"/>
               </a:spcBef>
@@ -7804,7 +7937,7 @@
                 </a:solidFill>
               </a:defRPr>
             </a:lvl7pPr>
-            <a:lvl8pPr indent="-317500" lvl="7" marL="3657600">
+            <a:lvl8pPr marL="3657600" lvl="7" indent="-317500">
               <a:spcBef>
                 <a:spcPts val="0"/>
               </a:spcBef>
@@ -7822,7 +7955,7 @@
                 </a:solidFill>
               </a:defRPr>
             </a:lvl8pPr>
-            <a:lvl9pPr indent="-317500" lvl="8" marL="4114800">
+            <a:lvl9pPr marL="4114800" lvl="8" indent="-317500">
               <a:spcBef>
                 <a:spcPts val="0"/>
               </a:spcBef>
@@ -7841,15 +7974,19 @@
               </a:defRPr>
             </a:lvl9pPr>
           </a:lstStyle>
-          <a:p/>
+          <a:p>
+            <a:endParaRPr/>
+          </a:p>
         </p:txBody>
       </p:sp>
       <p:sp>
         <p:nvSpPr>
           <p:cNvPr id="65" name="Google Shape;65;p9"/>
-          <p:cNvSpPr txBox="1"/>
+          <p:cNvSpPr txBox="1">
+            <a:spLocks noGrp="1"/>
+          </p:cNvSpPr>
           <p:nvPr>
-            <p:ph idx="12" type="sldNum"/>
+            <p:ph type="sldNum" idx="12"/>
           </p:nvPr>
         </p:nvSpPr>
         <p:spPr>
@@ -7862,7 +7999,7 @@
           </a:prstGeom>
         </p:spPr>
         <p:txBody>
-          <a:bodyPr anchorCtr="0" anchor="ctr" bIns="91425" lIns="91425" spcFirstLastPara="1" rIns="91425" wrap="square" tIns="91425">
+          <a:bodyPr spcFirstLastPara="1" wrap="square" lIns="91425" tIns="91425" rIns="91425" bIns="91425" anchor="ctr" anchorCtr="0">
             <a:normAutofit/>
           </a:bodyPr>
           <a:lstStyle>
@@ -7904,7 +8041,7 @@
             </a:lvl9pPr>
           </a:lstStyle>
           <a:p>
-            <a:pPr indent="0" lvl="0" marL="0" rtl="0" algn="r">
+            <a:pPr marL="0" lvl="0" indent="0" algn="r" rtl="0">
               <a:spcBef>
                 <a:spcPts val="0"/>
               </a:spcBef>
@@ -7915,7 +8052,7 @@
             </a:pPr>
             <a:fld id="{00000000-1234-1234-1234-123412341234}" type="slidenum">
               <a:rPr lang="fr"/>
-              <a:t>‹#›</a:t>
+              <a:t>‹N°›</a:t>
             </a:fld>
             <a:endParaRPr/>
           </a:p>
@@ -7930,11 +8067,11 @@
 </file>
 
 <file path=ppt/slideLayouts/slideLayout9.xml><?xml version="1.0" encoding="utf-8"?>
-<p:sldLayout xmlns:a="http://schemas.openxmlformats.org/drawingml/2006/main" xmlns:r="http://schemas.openxmlformats.org/officeDocument/2006/relationships" xmlns:mc="http://schemas.openxmlformats.org/markup-compatibility/2006" xmlns:mv="urn:schemas-microsoft-com:mac:vml" xmlns:p="http://schemas.openxmlformats.org/presentationml/2006/main" xmlns:c="http://schemas.openxmlformats.org/drawingml/2006/chart" xmlns:dgm="http://schemas.openxmlformats.org/drawingml/2006/diagram" xmlns:o="urn:schemas-microsoft-com:office:office" xmlns:v="urn:schemas-microsoft-com:vml" xmlns:pvml="urn:schemas-microsoft-com:office:powerpoint" xmlns:com="http://schemas.openxmlformats.org/drawingml/2006/compatibility" xmlns:p14="http://schemas.microsoft.com/office/powerpoint/2010/main" xmlns:p15="http://schemas.microsoft.com/office/powerpoint/2012/main" xmlns:ahyp="http://schemas.microsoft.com/office/drawing/2018/hyperlinkcolor" matchingName="Caption">
+<p:sldLayout xmlns:a="http://schemas.openxmlformats.org/drawingml/2006/main" xmlns:r="http://schemas.openxmlformats.org/officeDocument/2006/relationships" xmlns:p="http://schemas.openxmlformats.org/presentationml/2006/main" matchingName="Caption">
   <p:cSld name="CAPTION_ONLY">
     <p:spTree>
       <p:nvGrpSpPr>
-        <p:cNvPr id="66" name="Shape 66"/>
+        <p:cNvPr id="1" name="Shape 66"/>
         <p:cNvGrpSpPr/>
         <p:nvPr/>
       </p:nvGrpSpPr>
@@ -7949,9 +8086,11 @@
       <p:sp>
         <p:nvSpPr>
           <p:cNvPr id="67" name="Google Shape;67;p10"/>
-          <p:cNvSpPr txBox="1"/>
+          <p:cNvSpPr txBox="1">
+            <a:spLocks noGrp="1"/>
+          </p:cNvSpPr>
           <p:nvPr>
-            <p:ph idx="1" type="body"/>
+            <p:ph type="body" idx="1"/>
           </p:nvPr>
         </p:nvSpPr>
         <p:spPr>
@@ -7964,11 +8103,11 @@
           </a:prstGeom>
         </p:spPr>
         <p:txBody>
-          <a:bodyPr anchorCtr="0" anchor="ctr" bIns="91425" lIns="91425" spcFirstLastPara="1" rIns="91425" wrap="square" tIns="91425">
+          <a:bodyPr spcFirstLastPara="1" wrap="square" lIns="91425" tIns="91425" rIns="91425" bIns="91425" anchor="ctr" anchorCtr="0">
             <a:normAutofit/>
           </a:bodyPr>
           <a:lstStyle>
-            <a:lvl1pPr indent="-228600" lvl="0" marL="457200">
+            <a:lvl1pPr marL="457200" lvl="0" indent="-228600">
               <a:lnSpc>
                 <a:spcPct val="100000"/>
               </a:lnSpc>
@@ -7983,15 +8122,19 @@
               <a:defRPr/>
             </a:lvl1pPr>
           </a:lstStyle>
-          <a:p/>
+          <a:p>
+            <a:endParaRPr/>
+          </a:p>
         </p:txBody>
       </p:sp>
       <p:sp>
         <p:nvSpPr>
           <p:cNvPr id="68" name="Google Shape;68;p10"/>
-          <p:cNvSpPr txBox="1"/>
+          <p:cNvSpPr txBox="1">
+            <a:spLocks noGrp="1"/>
+          </p:cNvSpPr>
           <p:nvPr>
-            <p:ph idx="12" type="sldNum"/>
+            <p:ph type="sldNum" idx="12"/>
           </p:nvPr>
         </p:nvSpPr>
         <p:spPr>
@@ -8004,7 +8147,7 @@
           </a:prstGeom>
         </p:spPr>
         <p:txBody>
-          <a:bodyPr anchorCtr="0" anchor="ctr" bIns="91425" lIns="91425" spcFirstLastPara="1" rIns="91425" wrap="square" tIns="91425">
+          <a:bodyPr spcFirstLastPara="1" wrap="square" lIns="91425" tIns="91425" rIns="91425" bIns="91425" anchor="ctr" anchorCtr="0">
             <a:normAutofit/>
           </a:bodyPr>
           <a:lstStyle>
@@ -8082,7 +8225,7 @@
             </a:lvl9pPr>
           </a:lstStyle>
           <a:p>
-            <a:pPr indent="0" lvl="0" marL="0" rtl="0" algn="r">
+            <a:pPr marL="0" lvl="0" indent="0" algn="r" rtl="0">
               <a:spcBef>
                 <a:spcPts val="0"/>
               </a:spcBef>
@@ -8093,7 +8236,7 @@
             </a:pPr>
             <a:fld id="{00000000-1234-1234-1234-123412341234}" type="slidenum">
               <a:rPr lang="fr"/>
-              <a:t>‹#›</a:t>
+              <a:t>‹N°›</a:t>
             </a:fld>
             <a:endParaRPr/>
           </a:p>
@@ -8108,18 +8251,19 @@
 </file>
 
 <file path=ppt/slideMasters/slideMaster1.xml><?xml version="1.0" encoding="utf-8"?>
-<p:sldMaster xmlns:a="http://schemas.openxmlformats.org/drawingml/2006/main" xmlns:r="http://schemas.openxmlformats.org/officeDocument/2006/relationships" xmlns:mc="http://schemas.openxmlformats.org/markup-compatibility/2006" xmlns:mv="urn:schemas-microsoft-com:mac:vml" xmlns:p="http://schemas.openxmlformats.org/presentationml/2006/main" xmlns:c="http://schemas.openxmlformats.org/drawingml/2006/chart" xmlns:dgm="http://schemas.openxmlformats.org/drawingml/2006/diagram" xmlns:o="urn:schemas-microsoft-com:office:office" xmlns:v="urn:schemas-microsoft-com:vml" xmlns:pvml="urn:schemas-microsoft-com:office:powerpoint" xmlns:com="http://schemas.openxmlformats.org/drawingml/2006/compatibility" xmlns:p14="http://schemas.microsoft.com/office/powerpoint/2010/main" xmlns:p15="http://schemas.microsoft.com/office/powerpoint/2012/main" xmlns:ahyp="http://schemas.microsoft.com/office/drawing/2018/hyperlinkcolor">
+<p:sldMaster xmlns:a="http://schemas.openxmlformats.org/drawingml/2006/main" xmlns:r="http://schemas.openxmlformats.org/officeDocument/2006/relationships" xmlns:p="http://schemas.openxmlformats.org/presentationml/2006/main">
   <p:cSld name="geometric">
     <p:bg>
       <p:bgPr>
         <a:solidFill>
           <a:schemeClr val="lt1"/>
         </a:solidFill>
+        <a:effectLst/>
       </p:bgPr>
     </p:bg>
     <p:spTree>
       <p:nvGrpSpPr>
-        <p:cNvPr id="5" name="Shape 5"/>
+        <p:cNvPr id="1" name="Shape 5"/>
         <p:cNvGrpSpPr/>
         <p:nvPr/>
       </p:nvGrpSpPr>
@@ -8134,7 +8278,9 @@
       <p:sp>
         <p:nvSpPr>
           <p:cNvPr id="6" name="Google Shape;6;p1"/>
-          <p:cNvSpPr txBox="1"/>
+          <p:cNvSpPr txBox="1">
+            <a:spLocks noGrp="1"/>
+          </p:cNvSpPr>
           <p:nvPr>
             <p:ph type="title"/>
           </p:nvPr>
@@ -8153,7 +8299,7 @@
           </a:ln>
         </p:spPr>
         <p:txBody>
-          <a:bodyPr anchorCtr="0" anchor="t" bIns="91425" lIns="91425" spcFirstLastPara="1" rIns="91425" wrap="square" tIns="91425">
+          <a:bodyPr spcFirstLastPara="1" wrap="square" lIns="91425" tIns="91425" rIns="91425" bIns="91425" anchor="t" anchorCtr="0">
             <a:normAutofit/>
           </a:bodyPr>
           <a:lstStyle>
@@ -8365,15 +8511,19 @@
               </a:defRPr>
             </a:lvl9pPr>
           </a:lstStyle>
-          <a:p/>
+          <a:p>
+            <a:endParaRPr/>
+          </a:p>
         </p:txBody>
       </p:sp>
       <p:sp>
         <p:nvSpPr>
           <p:cNvPr id="7" name="Google Shape;7;p1"/>
-          <p:cNvSpPr txBox="1"/>
+          <p:cNvSpPr txBox="1">
+            <a:spLocks noGrp="1"/>
+          </p:cNvSpPr>
           <p:nvPr>
-            <p:ph idx="1" type="body"/>
+            <p:ph type="body" idx="1"/>
           </p:nvPr>
         </p:nvSpPr>
         <p:spPr>
@@ -8390,11 +8540,11 @@
           </a:ln>
         </p:spPr>
         <p:txBody>
-          <a:bodyPr anchorCtr="0" anchor="t" bIns="91425" lIns="91425" spcFirstLastPara="1" rIns="91425" wrap="square" tIns="91425">
+          <a:bodyPr spcFirstLastPara="1" wrap="square" lIns="91425" tIns="91425" rIns="91425" bIns="91425" anchor="t" anchorCtr="0">
             <a:normAutofit/>
           </a:bodyPr>
           <a:lstStyle>
-            <a:lvl1pPr indent="-342900" lvl="0" marL="457200">
+            <a:lvl1pPr marL="457200" lvl="0" indent="-342900">
               <a:lnSpc>
                 <a:spcPct val="115000"/>
               </a:lnSpc>
@@ -8420,7 +8570,7 @@
                 <a:sym typeface="Roboto"/>
               </a:defRPr>
             </a:lvl1pPr>
-            <a:lvl2pPr indent="-317500" lvl="1" marL="914400">
+            <a:lvl2pPr marL="914400" lvl="1" indent="-317500">
               <a:lnSpc>
                 <a:spcPct val="115000"/>
               </a:lnSpc>
@@ -8446,7 +8596,7 @@
                 <a:sym typeface="Roboto"/>
               </a:defRPr>
             </a:lvl2pPr>
-            <a:lvl3pPr indent="-317500" lvl="2" marL="1371600">
+            <a:lvl3pPr marL="1371600" lvl="2" indent="-317500">
               <a:lnSpc>
                 <a:spcPct val="115000"/>
               </a:lnSpc>
@@ -8472,7 +8622,7 @@
                 <a:sym typeface="Roboto"/>
               </a:defRPr>
             </a:lvl3pPr>
-            <a:lvl4pPr indent="-317500" lvl="3" marL="1828800">
+            <a:lvl4pPr marL="1828800" lvl="3" indent="-317500">
               <a:lnSpc>
                 <a:spcPct val="115000"/>
               </a:lnSpc>
@@ -8498,7 +8648,7 @@
                 <a:sym typeface="Roboto"/>
               </a:defRPr>
             </a:lvl4pPr>
-            <a:lvl5pPr indent="-317500" lvl="4" marL="2286000">
+            <a:lvl5pPr marL="2286000" lvl="4" indent="-317500">
               <a:lnSpc>
                 <a:spcPct val="115000"/>
               </a:lnSpc>
@@ -8524,7 +8674,7 @@
                 <a:sym typeface="Roboto"/>
               </a:defRPr>
             </a:lvl5pPr>
-            <a:lvl6pPr indent="-317500" lvl="5" marL="2743200">
+            <a:lvl6pPr marL="2743200" lvl="5" indent="-317500">
               <a:lnSpc>
                 <a:spcPct val="115000"/>
               </a:lnSpc>
@@ -8550,7 +8700,7 @@
                 <a:sym typeface="Roboto"/>
               </a:defRPr>
             </a:lvl6pPr>
-            <a:lvl7pPr indent="-317500" lvl="6" marL="3200400">
+            <a:lvl7pPr marL="3200400" lvl="6" indent="-317500">
               <a:lnSpc>
                 <a:spcPct val="115000"/>
               </a:lnSpc>
@@ -8576,7 +8726,7 @@
                 <a:sym typeface="Roboto"/>
               </a:defRPr>
             </a:lvl7pPr>
-            <a:lvl8pPr indent="-317500" lvl="7" marL="3657600">
+            <a:lvl8pPr marL="3657600" lvl="7" indent="-317500">
               <a:lnSpc>
                 <a:spcPct val="115000"/>
               </a:lnSpc>
@@ -8602,7 +8752,7 @@
                 <a:sym typeface="Roboto"/>
               </a:defRPr>
             </a:lvl8pPr>
-            <a:lvl9pPr indent="-317500" lvl="8" marL="4114800">
+            <a:lvl9pPr marL="4114800" lvl="8" indent="-317500">
               <a:lnSpc>
                 <a:spcPct val="115000"/>
               </a:lnSpc>
@@ -8629,15 +8779,19 @@
               </a:defRPr>
             </a:lvl9pPr>
           </a:lstStyle>
-          <a:p/>
+          <a:p>
+            <a:endParaRPr/>
+          </a:p>
         </p:txBody>
       </p:sp>
       <p:sp>
         <p:nvSpPr>
           <p:cNvPr id="8" name="Google Shape;8;p1"/>
-          <p:cNvSpPr txBox="1"/>
+          <p:cNvSpPr txBox="1">
+            <a:spLocks noGrp="1"/>
+          </p:cNvSpPr>
           <p:nvPr>
-            <p:ph idx="12" type="sldNum"/>
+            <p:ph type="sldNum" idx="12"/>
           </p:nvPr>
         </p:nvSpPr>
         <p:spPr>
@@ -8654,7 +8808,7 @@
           </a:ln>
         </p:spPr>
         <p:txBody>
-          <a:bodyPr anchorCtr="0" anchor="ctr" bIns="91425" lIns="91425" spcFirstLastPara="1" rIns="91425" wrap="square" tIns="91425">
+          <a:bodyPr spcFirstLastPara="1" wrap="square" lIns="91425" tIns="91425" rIns="91425" bIns="91425" anchor="ctr" anchorCtr="0">
             <a:normAutofit/>
           </a:bodyPr>
           <a:lstStyle>
@@ -8768,7 +8922,7 @@
             </a:lvl9pPr>
           </a:lstStyle>
           <a:p>
-            <a:pPr indent="0" lvl="0" marL="0" rtl="0" algn="r">
+            <a:pPr marL="0" lvl="0" indent="0" algn="r" rtl="0">
               <a:spcBef>
                 <a:spcPts val="0"/>
               </a:spcBef>
@@ -8779,7 +8933,7 @@
             </a:pPr>
             <a:fld id="{00000000-1234-1234-1234-123412341234}" type="slidenum">
               <a:rPr lang="fr"/>
-              <a:t>‹#›</a:t>
+              <a:t>‹N°›</a:t>
             </a:fld>
             <a:endParaRPr/>
           </a:p>
@@ -8787,7 +8941,7 @@
       </p:sp>
     </p:spTree>
   </p:cSld>
-  <p:clrMap accent1="accent1" accent2="accent2" accent3="accent3" accent4="accent4" accent5="accent5" accent6="accent6" bg1="lt1" bg2="dk2" tx1="dk1" tx2="lt2" folHlink="folHlink" hlink="hlink"/>
+  <p:clrMap bg1="lt1" tx1="dk1" bg2="dk2" tx2="lt2" accent1="accent1" accent2="accent2" accent3="accent3" accent4="accent4" accent5="accent5" accent6="accent6" hlink="hlink" folHlink="folHlink"/>
   <p:sldLayoutIdLst>
     <p:sldLayoutId id="2147483648" r:id="rId1"/>
     <p:sldLayoutId id="2147483649" r:id="rId2"/>
@@ -8801,10 +8955,10 @@
     <p:sldLayoutId id="2147483657" r:id="rId10"/>
     <p:sldLayoutId id="2147483658" r:id="rId11"/>
   </p:sldLayoutIdLst>
-  <p:hf dt="0" ftr="0" hdr="0" sldNum="0"/>
+  <p:hf sldNum="0" hdr="0" ftr="0" dt="0"/>
   <p:txStyles>
     <p:titleStyle>
-      <a:defPPr lvl="0" marR="0" rtl="0" algn="l">
+      <a:defPPr marR="0" lvl="0" algn="l" rtl="0">
         <a:lnSpc>
           <a:spcPct val="100000"/>
         </a:lnSpc>
@@ -8815,7 +8969,7 @@
           <a:spcPts val="0"/>
         </a:spcAft>
       </a:defPPr>
-      <a:lvl1pPr lvl="0" marR="0" rtl="0" algn="l">
+      <a:lvl1pPr marR="0" lvl="0" algn="l" rtl="0">
         <a:lnSpc>
           <a:spcPct val="100000"/>
         </a:lnSpc>
@@ -8829,7 +8983,7 @@
           <a:srgbClr val="000000"/>
         </a:buClr>
         <a:buFont typeface="Arial"/>
-        <a:defRPr b="0" i="0" sz="1400" u="none" cap="none" strike="noStrike">
+        <a:defRPr sz="1400" b="0" i="0" u="none" strike="noStrike" cap="none">
           <a:solidFill>
             <a:srgbClr val="000000"/>
           </a:solidFill>
@@ -8839,7 +8993,7 @@
           <a:sym typeface="Arial"/>
         </a:defRPr>
       </a:lvl1pPr>
-      <a:lvl2pPr lvl="1" marR="0" rtl="0" algn="l">
+      <a:lvl2pPr marR="0" lvl="1" algn="l" rtl="0">
         <a:lnSpc>
           <a:spcPct val="100000"/>
         </a:lnSpc>
@@ -8853,7 +9007,7 @@
           <a:srgbClr val="000000"/>
         </a:buClr>
         <a:buFont typeface="Arial"/>
-        <a:defRPr b="0" i="0" sz="1400" u="none" cap="none" strike="noStrike">
+        <a:defRPr sz="1400" b="0" i="0" u="none" strike="noStrike" cap="none">
           <a:solidFill>
             <a:srgbClr val="000000"/>
           </a:solidFill>
@@ -8863,7 +9017,7 @@
           <a:sym typeface="Arial"/>
         </a:defRPr>
       </a:lvl2pPr>
-      <a:lvl3pPr lvl="2" marR="0" rtl="0" algn="l">
+      <a:lvl3pPr marR="0" lvl="2" algn="l" rtl="0">
         <a:lnSpc>
           <a:spcPct val="100000"/>
         </a:lnSpc>
@@ -8877,7 +9031,7 @@
           <a:srgbClr val="000000"/>
         </a:buClr>
         <a:buFont typeface="Arial"/>
-        <a:defRPr b="0" i="0" sz="1400" u="none" cap="none" strike="noStrike">
+        <a:defRPr sz="1400" b="0" i="0" u="none" strike="noStrike" cap="none">
           <a:solidFill>
             <a:srgbClr val="000000"/>
           </a:solidFill>
@@ -8887,7 +9041,7 @@
           <a:sym typeface="Arial"/>
         </a:defRPr>
       </a:lvl3pPr>
-      <a:lvl4pPr lvl="3" marR="0" rtl="0" algn="l">
+      <a:lvl4pPr marR="0" lvl="3" algn="l" rtl="0">
         <a:lnSpc>
           <a:spcPct val="100000"/>
         </a:lnSpc>
@@ -8901,7 +9055,7 @@
           <a:srgbClr val="000000"/>
         </a:buClr>
         <a:buFont typeface="Arial"/>
-        <a:defRPr b="0" i="0" sz="1400" u="none" cap="none" strike="noStrike">
+        <a:defRPr sz="1400" b="0" i="0" u="none" strike="noStrike" cap="none">
           <a:solidFill>
             <a:srgbClr val="000000"/>
           </a:solidFill>
@@ -8911,7 +9065,7 @@
           <a:sym typeface="Arial"/>
         </a:defRPr>
       </a:lvl4pPr>
-      <a:lvl5pPr lvl="4" marR="0" rtl="0" algn="l">
+      <a:lvl5pPr marR="0" lvl="4" algn="l" rtl="0">
         <a:lnSpc>
           <a:spcPct val="100000"/>
         </a:lnSpc>
@@ -8925,7 +9079,7 @@
           <a:srgbClr val="000000"/>
         </a:buClr>
         <a:buFont typeface="Arial"/>
-        <a:defRPr b="0" i="0" sz="1400" u="none" cap="none" strike="noStrike">
+        <a:defRPr sz="1400" b="0" i="0" u="none" strike="noStrike" cap="none">
           <a:solidFill>
             <a:srgbClr val="000000"/>
           </a:solidFill>
@@ -8935,7 +9089,7 @@
           <a:sym typeface="Arial"/>
         </a:defRPr>
       </a:lvl5pPr>
-      <a:lvl6pPr lvl="5" marR="0" rtl="0" algn="l">
+      <a:lvl6pPr marR="0" lvl="5" algn="l" rtl="0">
         <a:lnSpc>
           <a:spcPct val="100000"/>
         </a:lnSpc>
@@ -8949,7 +9103,7 @@
           <a:srgbClr val="000000"/>
         </a:buClr>
         <a:buFont typeface="Arial"/>
-        <a:defRPr b="0" i="0" sz="1400" u="none" cap="none" strike="noStrike">
+        <a:defRPr sz="1400" b="0" i="0" u="none" strike="noStrike" cap="none">
           <a:solidFill>
             <a:srgbClr val="000000"/>
           </a:solidFill>
@@ -8959,7 +9113,7 @@
           <a:sym typeface="Arial"/>
         </a:defRPr>
       </a:lvl6pPr>
-      <a:lvl7pPr lvl="6" marR="0" rtl="0" algn="l">
+      <a:lvl7pPr marR="0" lvl="6" algn="l" rtl="0">
         <a:lnSpc>
           <a:spcPct val="100000"/>
         </a:lnSpc>
@@ -8973,7 +9127,7 @@
           <a:srgbClr val="000000"/>
         </a:buClr>
         <a:buFont typeface="Arial"/>
-        <a:defRPr b="0" i="0" sz="1400" u="none" cap="none" strike="noStrike">
+        <a:defRPr sz="1400" b="0" i="0" u="none" strike="noStrike" cap="none">
           <a:solidFill>
             <a:srgbClr val="000000"/>
           </a:solidFill>
@@ -8983,7 +9137,7 @@
           <a:sym typeface="Arial"/>
         </a:defRPr>
       </a:lvl7pPr>
-      <a:lvl8pPr lvl="7" marR="0" rtl="0" algn="l">
+      <a:lvl8pPr marR="0" lvl="7" algn="l" rtl="0">
         <a:lnSpc>
           <a:spcPct val="100000"/>
         </a:lnSpc>
@@ -8997,7 +9151,7 @@
           <a:srgbClr val="000000"/>
         </a:buClr>
         <a:buFont typeface="Arial"/>
-        <a:defRPr b="0" i="0" sz="1400" u="none" cap="none" strike="noStrike">
+        <a:defRPr sz="1400" b="0" i="0" u="none" strike="noStrike" cap="none">
           <a:solidFill>
             <a:srgbClr val="000000"/>
           </a:solidFill>
@@ -9007,7 +9161,7 @@
           <a:sym typeface="Arial"/>
         </a:defRPr>
       </a:lvl8pPr>
-      <a:lvl9pPr lvl="8" marR="0" rtl="0" algn="l">
+      <a:lvl9pPr marR="0" lvl="8" algn="l" rtl="0">
         <a:lnSpc>
           <a:spcPct val="100000"/>
         </a:lnSpc>
@@ -9021,7 +9175,7 @@
           <a:srgbClr val="000000"/>
         </a:buClr>
         <a:buFont typeface="Arial"/>
-        <a:defRPr b="0" i="0" sz="1400" u="none" cap="none" strike="noStrike">
+        <a:defRPr sz="1400" b="0" i="0" u="none" strike="noStrike" cap="none">
           <a:solidFill>
             <a:srgbClr val="000000"/>
           </a:solidFill>
@@ -9033,7 +9187,7 @@
       </a:lvl9pPr>
     </p:titleStyle>
     <p:bodyStyle>
-      <a:defPPr lvl="0" marR="0" rtl="0" algn="l">
+      <a:defPPr marR="0" lvl="0" algn="l" rtl="0">
         <a:lnSpc>
           <a:spcPct val="100000"/>
         </a:lnSpc>
@@ -9044,7 +9198,7 @@
           <a:spcPts val="0"/>
         </a:spcAft>
       </a:defPPr>
-      <a:lvl1pPr lvl="0" marR="0" rtl="0" algn="l">
+      <a:lvl1pPr marR="0" lvl="0" algn="l" rtl="0">
         <a:lnSpc>
           <a:spcPct val="100000"/>
         </a:lnSpc>
@@ -9058,7 +9212,7 @@
           <a:srgbClr val="000000"/>
         </a:buClr>
         <a:buFont typeface="Arial"/>
-        <a:defRPr b="0" i="0" sz="1400" u="none" cap="none" strike="noStrike">
+        <a:defRPr sz="1400" b="0" i="0" u="none" strike="noStrike" cap="none">
           <a:solidFill>
             <a:srgbClr val="000000"/>
           </a:solidFill>
@@ -9068,7 +9222,7 @@
           <a:sym typeface="Arial"/>
         </a:defRPr>
       </a:lvl1pPr>
-      <a:lvl2pPr lvl="1" marR="0" rtl="0" algn="l">
+      <a:lvl2pPr marR="0" lvl="1" algn="l" rtl="0">
         <a:lnSpc>
           <a:spcPct val="100000"/>
         </a:lnSpc>
@@ -9082,7 +9236,7 @@
           <a:srgbClr val="000000"/>
         </a:buClr>
         <a:buFont typeface="Arial"/>
-        <a:defRPr b="0" i="0" sz="1400" u="none" cap="none" strike="noStrike">
+        <a:defRPr sz="1400" b="0" i="0" u="none" strike="noStrike" cap="none">
           <a:solidFill>
             <a:srgbClr val="000000"/>
           </a:solidFill>
@@ -9092,7 +9246,7 @@
           <a:sym typeface="Arial"/>
         </a:defRPr>
       </a:lvl2pPr>
-      <a:lvl3pPr lvl="2" marR="0" rtl="0" algn="l">
+      <a:lvl3pPr marR="0" lvl="2" algn="l" rtl="0">
         <a:lnSpc>
           <a:spcPct val="100000"/>
         </a:lnSpc>
@@ -9106,7 +9260,7 @@
           <a:srgbClr val="000000"/>
         </a:buClr>
         <a:buFont typeface="Arial"/>
-        <a:defRPr b="0" i="0" sz="1400" u="none" cap="none" strike="noStrike">
+        <a:defRPr sz="1400" b="0" i="0" u="none" strike="noStrike" cap="none">
           <a:solidFill>
             <a:srgbClr val="000000"/>
           </a:solidFill>
@@ -9116,7 +9270,7 @@
           <a:sym typeface="Arial"/>
         </a:defRPr>
       </a:lvl3pPr>
-      <a:lvl4pPr lvl="3" marR="0" rtl="0" algn="l">
+      <a:lvl4pPr marR="0" lvl="3" algn="l" rtl="0">
         <a:lnSpc>
           <a:spcPct val="100000"/>
         </a:lnSpc>
@@ -9130,7 +9284,7 @@
           <a:srgbClr val="000000"/>
         </a:buClr>
         <a:buFont typeface="Arial"/>
-        <a:defRPr b="0" i="0" sz="1400" u="none" cap="none" strike="noStrike">
+        <a:defRPr sz="1400" b="0" i="0" u="none" strike="noStrike" cap="none">
           <a:solidFill>
             <a:srgbClr val="000000"/>
           </a:solidFill>
@@ -9140,7 +9294,7 @@
           <a:sym typeface="Arial"/>
         </a:defRPr>
       </a:lvl4pPr>
-      <a:lvl5pPr lvl="4" marR="0" rtl="0" algn="l">
+      <a:lvl5pPr marR="0" lvl="4" algn="l" rtl="0">
         <a:lnSpc>
           <a:spcPct val="100000"/>
         </a:lnSpc>
@@ -9154,7 +9308,7 @@
           <a:srgbClr val="000000"/>
         </a:buClr>
         <a:buFont typeface="Arial"/>
-        <a:defRPr b="0" i="0" sz="1400" u="none" cap="none" strike="noStrike">
+        <a:defRPr sz="1400" b="0" i="0" u="none" strike="noStrike" cap="none">
           <a:solidFill>
             <a:srgbClr val="000000"/>
           </a:solidFill>
@@ -9164,7 +9318,7 @@
           <a:sym typeface="Arial"/>
         </a:defRPr>
       </a:lvl5pPr>
-      <a:lvl6pPr lvl="5" marR="0" rtl="0" algn="l">
+      <a:lvl6pPr marR="0" lvl="5" algn="l" rtl="0">
         <a:lnSpc>
           <a:spcPct val="100000"/>
         </a:lnSpc>
@@ -9178,7 +9332,7 @@
           <a:srgbClr val="000000"/>
         </a:buClr>
         <a:buFont typeface="Arial"/>
-        <a:defRPr b="0" i="0" sz="1400" u="none" cap="none" strike="noStrike">
+        <a:defRPr sz="1400" b="0" i="0" u="none" strike="noStrike" cap="none">
           <a:solidFill>
             <a:srgbClr val="000000"/>
           </a:solidFill>
@@ -9188,7 +9342,7 @@
           <a:sym typeface="Arial"/>
         </a:defRPr>
       </a:lvl6pPr>
-      <a:lvl7pPr lvl="6" marR="0" rtl="0" algn="l">
+      <a:lvl7pPr marR="0" lvl="6" algn="l" rtl="0">
         <a:lnSpc>
           <a:spcPct val="100000"/>
         </a:lnSpc>
@@ -9202,7 +9356,7 @@
           <a:srgbClr val="000000"/>
         </a:buClr>
         <a:buFont typeface="Arial"/>
-        <a:defRPr b="0" i="0" sz="1400" u="none" cap="none" strike="noStrike">
+        <a:defRPr sz="1400" b="0" i="0" u="none" strike="noStrike" cap="none">
           <a:solidFill>
             <a:srgbClr val="000000"/>
           </a:solidFill>
@@ -9212,7 +9366,7 @@
           <a:sym typeface="Arial"/>
         </a:defRPr>
       </a:lvl7pPr>
-      <a:lvl8pPr lvl="7" marR="0" rtl="0" algn="l">
+      <a:lvl8pPr marR="0" lvl="7" algn="l" rtl="0">
         <a:lnSpc>
           <a:spcPct val="100000"/>
         </a:lnSpc>
@@ -9226,7 +9380,7 @@
           <a:srgbClr val="000000"/>
         </a:buClr>
         <a:buFont typeface="Arial"/>
-        <a:defRPr b="0" i="0" sz="1400" u="none" cap="none" strike="noStrike">
+        <a:defRPr sz="1400" b="0" i="0" u="none" strike="noStrike" cap="none">
           <a:solidFill>
             <a:srgbClr val="000000"/>
           </a:solidFill>
@@ -9236,7 +9390,7 @@
           <a:sym typeface="Arial"/>
         </a:defRPr>
       </a:lvl8pPr>
-      <a:lvl9pPr lvl="8" marR="0" rtl="0" algn="l">
+      <a:lvl9pPr marR="0" lvl="8" algn="l" rtl="0">
         <a:lnSpc>
           <a:spcPct val="100000"/>
         </a:lnSpc>
@@ -9250,7 +9404,7 @@
           <a:srgbClr val="000000"/>
         </a:buClr>
         <a:buFont typeface="Arial"/>
-        <a:defRPr b="0" i="0" sz="1400" u="none" cap="none" strike="noStrike">
+        <a:defRPr sz="1400" b="0" i="0" u="none" strike="noStrike" cap="none">
           <a:solidFill>
             <a:srgbClr val="000000"/>
           </a:solidFill>
@@ -9262,7 +9416,7 @@
       </a:lvl9pPr>
     </p:bodyStyle>
     <p:otherStyle>
-      <a:defPPr lvl="0" marR="0" rtl="0" algn="l">
+      <a:defPPr marR="0" lvl="0" algn="l" rtl="0">
         <a:lnSpc>
           <a:spcPct val="100000"/>
         </a:lnSpc>
@@ -9273,7 +9427,7 @@
           <a:spcPts val="0"/>
         </a:spcAft>
       </a:defPPr>
-      <a:lvl1pPr lvl="0" marR="0" rtl="0" algn="l">
+      <a:lvl1pPr marR="0" lvl="0" algn="l" rtl="0">
         <a:lnSpc>
           <a:spcPct val="100000"/>
         </a:lnSpc>
@@ -9287,7 +9441,7 @@
           <a:srgbClr val="000000"/>
         </a:buClr>
         <a:buFont typeface="Arial"/>
-        <a:defRPr b="0" i="0" sz="1400" u="none" cap="none" strike="noStrike">
+        <a:defRPr sz="1400" b="0" i="0" u="none" strike="noStrike" cap="none">
           <a:solidFill>
             <a:srgbClr val="000000"/>
           </a:solidFill>
@@ -9297,7 +9451,7 @@
           <a:sym typeface="Arial"/>
         </a:defRPr>
       </a:lvl1pPr>
-      <a:lvl2pPr lvl="1" marR="0" rtl="0" algn="l">
+      <a:lvl2pPr marR="0" lvl="1" algn="l" rtl="0">
         <a:lnSpc>
           <a:spcPct val="100000"/>
         </a:lnSpc>
@@ -9311,7 +9465,7 @@
           <a:srgbClr val="000000"/>
         </a:buClr>
         <a:buFont typeface="Arial"/>
-        <a:defRPr b="0" i="0" sz="1400" u="none" cap="none" strike="noStrike">
+        <a:defRPr sz="1400" b="0" i="0" u="none" strike="noStrike" cap="none">
           <a:solidFill>
             <a:srgbClr val="000000"/>
           </a:solidFill>
@@ -9321,7 +9475,7 @@
           <a:sym typeface="Arial"/>
         </a:defRPr>
       </a:lvl2pPr>
-      <a:lvl3pPr lvl="2" marR="0" rtl="0" algn="l">
+      <a:lvl3pPr marR="0" lvl="2" algn="l" rtl="0">
         <a:lnSpc>
           <a:spcPct val="100000"/>
         </a:lnSpc>
@@ -9335,7 +9489,7 @@
           <a:srgbClr val="000000"/>
         </a:buClr>
         <a:buFont typeface="Arial"/>
-        <a:defRPr b="0" i="0" sz="1400" u="none" cap="none" strike="noStrike">
+        <a:defRPr sz="1400" b="0" i="0" u="none" strike="noStrike" cap="none">
           <a:solidFill>
             <a:srgbClr val="000000"/>
           </a:solidFill>
@@ -9345,7 +9499,7 @@
           <a:sym typeface="Arial"/>
         </a:defRPr>
       </a:lvl3pPr>
-      <a:lvl4pPr lvl="3" marR="0" rtl="0" algn="l">
+      <a:lvl4pPr marR="0" lvl="3" algn="l" rtl="0">
         <a:lnSpc>
           <a:spcPct val="100000"/>
         </a:lnSpc>
@@ -9359,7 +9513,7 @@
           <a:srgbClr val="000000"/>
         </a:buClr>
         <a:buFont typeface="Arial"/>
-        <a:defRPr b="0" i="0" sz="1400" u="none" cap="none" strike="noStrike">
+        <a:defRPr sz="1400" b="0" i="0" u="none" strike="noStrike" cap="none">
           <a:solidFill>
             <a:srgbClr val="000000"/>
           </a:solidFill>
@@ -9369,7 +9523,7 @@
           <a:sym typeface="Arial"/>
         </a:defRPr>
       </a:lvl4pPr>
-      <a:lvl5pPr lvl="4" marR="0" rtl="0" algn="l">
+      <a:lvl5pPr marR="0" lvl="4" algn="l" rtl="0">
         <a:lnSpc>
           <a:spcPct val="100000"/>
         </a:lnSpc>
@@ -9383,7 +9537,7 @@
           <a:srgbClr val="000000"/>
         </a:buClr>
         <a:buFont typeface="Arial"/>
-        <a:defRPr b="0" i="0" sz="1400" u="none" cap="none" strike="noStrike">
+        <a:defRPr sz="1400" b="0" i="0" u="none" strike="noStrike" cap="none">
           <a:solidFill>
             <a:srgbClr val="000000"/>
           </a:solidFill>
@@ -9393,7 +9547,7 @@
           <a:sym typeface="Arial"/>
         </a:defRPr>
       </a:lvl5pPr>
-      <a:lvl6pPr lvl="5" marR="0" rtl="0" algn="l">
+      <a:lvl6pPr marR="0" lvl="5" algn="l" rtl="0">
         <a:lnSpc>
           <a:spcPct val="100000"/>
         </a:lnSpc>
@@ -9407,7 +9561,7 @@
           <a:srgbClr val="000000"/>
         </a:buClr>
         <a:buFont typeface="Arial"/>
-        <a:defRPr b="0" i="0" sz="1400" u="none" cap="none" strike="noStrike">
+        <a:defRPr sz="1400" b="0" i="0" u="none" strike="noStrike" cap="none">
           <a:solidFill>
             <a:srgbClr val="000000"/>
           </a:solidFill>
@@ -9417,7 +9571,7 @@
           <a:sym typeface="Arial"/>
         </a:defRPr>
       </a:lvl6pPr>
-      <a:lvl7pPr lvl="6" marR="0" rtl="0" algn="l">
+      <a:lvl7pPr marR="0" lvl="6" algn="l" rtl="0">
         <a:lnSpc>
           <a:spcPct val="100000"/>
         </a:lnSpc>
@@ -9431,7 +9585,7 @@
           <a:srgbClr val="000000"/>
         </a:buClr>
         <a:buFont typeface="Arial"/>
-        <a:defRPr b="0" i="0" sz="1400" u="none" cap="none" strike="noStrike">
+        <a:defRPr sz="1400" b="0" i="0" u="none" strike="noStrike" cap="none">
           <a:solidFill>
             <a:srgbClr val="000000"/>
           </a:solidFill>
@@ -9441,7 +9595,7 @@
           <a:sym typeface="Arial"/>
         </a:defRPr>
       </a:lvl7pPr>
-      <a:lvl8pPr lvl="7" marR="0" rtl="0" algn="l">
+      <a:lvl8pPr marR="0" lvl="7" algn="l" rtl="0">
         <a:lnSpc>
           <a:spcPct val="100000"/>
         </a:lnSpc>
@@ -9455,7 +9609,7 @@
           <a:srgbClr val="000000"/>
         </a:buClr>
         <a:buFont typeface="Arial"/>
-        <a:defRPr b="0" i="0" sz="1400" u="none" cap="none" strike="noStrike">
+        <a:defRPr sz="1400" b="0" i="0" u="none" strike="noStrike" cap="none">
           <a:solidFill>
             <a:srgbClr val="000000"/>
           </a:solidFill>
@@ -9465,7 +9619,7 @@
           <a:sym typeface="Arial"/>
         </a:defRPr>
       </a:lvl8pPr>
-      <a:lvl9pPr lvl="8" marR="0" rtl="0" algn="l">
+      <a:lvl9pPr marR="0" lvl="8" algn="l" rtl="0">
         <a:lnSpc>
           <a:spcPct val="100000"/>
         </a:lnSpc>
@@ -9479,7 +9633,7 @@
           <a:srgbClr val="000000"/>
         </a:buClr>
         <a:buFont typeface="Arial"/>
-        <a:defRPr b="0" i="0" sz="1400" u="none" cap="none" strike="noStrike">
+        <a:defRPr sz="1400" b="0" i="0" u="none" strike="noStrike" cap="none">
           <a:solidFill>
             <a:srgbClr val="000000"/>
           </a:solidFill>
@@ -9495,11 +9649,11 @@
 </file>
 
 <file path=ppt/slides/slide1.xml><?xml version="1.0" encoding="utf-8"?>
-<p:sld xmlns:a="http://schemas.openxmlformats.org/drawingml/2006/main" xmlns:r="http://schemas.openxmlformats.org/officeDocument/2006/relationships" xmlns:mc="http://schemas.openxmlformats.org/markup-compatibility/2006" xmlns:mv="urn:schemas-microsoft-com:mac:vml" xmlns:p="http://schemas.openxmlformats.org/presentationml/2006/main" xmlns:c="http://schemas.openxmlformats.org/drawingml/2006/chart" xmlns:dgm="http://schemas.openxmlformats.org/drawingml/2006/diagram" xmlns:o="urn:schemas-microsoft-com:office:office" xmlns:v="urn:schemas-microsoft-com:vml" xmlns:pvml="urn:schemas-microsoft-com:office:powerpoint" xmlns:com="http://schemas.openxmlformats.org/drawingml/2006/compatibility" xmlns:p14="http://schemas.microsoft.com/office/powerpoint/2010/main" xmlns:p15="http://schemas.microsoft.com/office/powerpoint/2012/main" xmlns:ahyp="http://schemas.microsoft.com/office/drawing/2018/hyperlinkcolor">
+<p:sld xmlns:a="http://schemas.openxmlformats.org/drawingml/2006/main" xmlns:r="http://schemas.openxmlformats.org/officeDocument/2006/relationships" xmlns:p="http://schemas.openxmlformats.org/presentationml/2006/main">
   <p:cSld>
     <p:spTree>
       <p:nvGrpSpPr>
-        <p:cNvPr id="84" name="Shape 84"/>
+        <p:cNvPr id="1" name="Shape 84"/>
         <p:cNvGrpSpPr/>
         <p:nvPr/>
       </p:nvGrpSpPr>
@@ -9514,7 +9668,9 @@
       <p:sp>
         <p:nvSpPr>
           <p:cNvPr id="85" name="Google Shape;85;p13"/>
-          <p:cNvSpPr txBox="1"/>
+          <p:cNvSpPr txBox="1">
+            <a:spLocks noGrp="1"/>
+          </p:cNvSpPr>
           <p:nvPr>
             <p:ph type="ctrTitle"/>
           </p:nvPr>
@@ -9529,12 +9685,12 @@
           </a:prstGeom>
         </p:spPr>
         <p:txBody>
-          <a:bodyPr anchorCtr="0" anchor="b" bIns="91425" lIns="91425" spcFirstLastPara="1" rIns="91425" wrap="square" tIns="91425">
+          <a:bodyPr spcFirstLastPara="1" wrap="square" lIns="91425" tIns="91425" rIns="91425" bIns="91425" anchor="b" anchorCtr="0">
             <a:normAutofit/>
           </a:bodyPr>
           <a:lstStyle/>
           <a:p>
-            <a:pPr indent="0" lvl="0" marL="0" rtl="0" algn="l">
+            <a:pPr marL="0" lvl="0" indent="0" algn="l" rtl="0">
               <a:spcBef>
                 <a:spcPts val="0"/>
               </a:spcBef>
@@ -9554,9 +9710,11 @@
       <p:sp>
         <p:nvSpPr>
           <p:cNvPr id="86" name="Google Shape;86;p13"/>
-          <p:cNvSpPr txBox="1"/>
+          <p:cNvSpPr txBox="1">
+            <a:spLocks noGrp="1"/>
+          </p:cNvSpPr>
           <p:nvPr>
-            <p:ph idx="1" type="subTitle"/>
+            <p:ph type="subTitle" idx="1"/>
           </p:nvPr>
         </p:nvSpPr>
         <p:spPr>
@@ -9569,12 +9727,12 @@
           </a:prstGeom>
         </p:spPr>
         <p:txBody>
-          <a:bodyPr anchorCtr="0" anchor="t" bIns="91425" lIns="91425" spcFirstLastPara="1" rIns="91425" wrap="square" tIns="91425">
+          <a:bodyPr spcFirstLastPara="1" wrap="square" lIns="91425" tIns="91425" rIns="91425" bIns="91425" anchor="t" anchorCtr="0">
             <a:normAutofit fontScale="92500" lnSpcReduction="20000"/>
           </a:bodyPr>
           <a:lstStyle/>
           <a:p>
-            <a:pPr indent="0" lvl="0" marL="0" rtl="0" algn="l">
+            <a:pPr marL="0" lvl="0" indent="0" algn="l" rtl="0">
               <a:spcBef>
                 <a:spcPts val="0"/>
               </a:spcBef>
@@ -9600,18 +9758,19 @@
 </file>
 
 <file path=ppt/slides/slide10.xml><?xml version="1.0" encoding="utf-8"?>
-<p:sld xmlns:a="http://schemas.openxmlformats.org/drawingml/2006/main" xmlns:r="http://schemas.openxmlformats.org/officeDocument/2006/relationships" xmlns:mc="http://schemas.openxmlformats.org/markup-compatibility/2006" xmlns:mv="urn:schemas-microsoft-com:mac:vml" xmlns:p="http://schemas.openxmlformats.org/presentationml/2006/main" xmlns:c="http://schemas.openxmlformats.org/drawingml/2006/chart" xmlns:dgm="http://schemas.openxmlformats.org/drawingml/2006/diagram" xmlns:o="urn:schemas-microsoft-com:office:office" xmlns:v="urn:schemas-microsoft-com:vml" xmlns:pvml="urn:schemas-microsoft-com:office:powerpoint" xmlns:com="http://schemas.openxmlformats.org/drawingml/2006/compatibility" xmlns:p14="http://schemas.microsoft.com/office/powerpoint/2010/main" xmlns:p15="http://schemas.microsoft.com/office/powerpoint/2012/main" xmlns:ahyp="http://schemas.microsoft.com/office/drawing/2018/hyperlinkcolor">
+<p:sld xmlns:a="http://schemas.openxmlformats.org/drawingml/2006/main" xmlns:r="http://schemas.openxmlformats.org/officeDocument/2006/relationships" xmlns:p="http://schemas.openxmlformats.org/presentationml/2006/main">
   <p:cSld>
     <p:bg>
       <p:bgPr>
         <a:solidFill>
           <a:srgbClr val="D9D9D9"/>
         </a:solidFill>
+        <a:effectLst/>
       </p:bgPr>
     </p:bg>
     <p:spTree>
       <p:nvGrpSpPr>
-        <p:cNvPr id="140" name="Shape 140"/>
+        <p:cNvPr id="1" name="Shape 140"/>
         <p:cNvGrpSpPr/>
         <p:nvPr/>
       </p:nvGrpSpPr>
@@ -9626,7 +9785,9 @@
       <p:sp>
         <p:nvSpPr>
           <p:cNvPr id="141" name="Google Shape;141;p22"/>
-          <p:cNvSpPr txBox="1"/>
+          <p:cNvSpPr txBox="1">
+            <a:spLocks noGrp="1"/>
+          </p:cNvSpPr>
           <p:nvPr>
             <p:ph type="title"/>
           </p:nvPr>
@@ -9641,12 +9802,12 @@
           </a:prstGeom>
         </p:spPr>
         <p:txBody>
-          <a:bodyPr anchorCtr="0" anchor="t" bIns="91425" lIns="91425" spcFirstLastPara="1" rIns="91425" wrap="square" tIns="91425">
+          <a:bodyPr spcFirstLastPara="1" wrap="square" lIns="91425" tIns="91425" rIns="91425" bIns="91425" anchor="t" anchorCtr="0">
             <a:normAutofit fontScale="90000"/>
           </a:bodyPr>
           <a:lstStyle/>
           <a:p>
-            <a:pPr indent="0" lvl="0" marL="0" rtl="0" algn="l">
+            <a:pPr marL="0" lvl="0" indent="0" algn="l" rtl="0">
               <a:spcBef>
                 <a:spcPts val="0"/>
               </a:spcBef>
@@ -9666,9 +9827,11 @@
       <p:sp>
         <p:nvSpPr>
           <p:cNvPr id="142" name="Google Shape;142;p22"/>
-          <p:cNvSpPr txBox="1"/>
+          <p:cNvSpPr txBox="1">
+            <a:spLocks noGrp="1"/>
+          </p:cNvSpPr>
           <p:nvPr>
-            <p:ph idx="1" type="body"/>
+            <p:ph type="body" idx="1"/>
           </p:nvPr>
         </p:nvSpPr>
         <p:spPr>
@@ -9681,12 +9844,12 @@
           </a:prstGeom>
         </p:spPr>
         <p:txBody>
-          <a:bodyPr anchorCtr="0" anchor="t" bIns="91425" lIns="91425" spcFirstLastPara="1" rIns="91425" wrap="square" tIns="91425">
+          <a:bodyPr spcFirstLastPara="1" wrap="square" lIns="91425" tIns="91425" rIns="91425" bIns="91425" anchor="t" anchorCtr="0">
             <a:normAutofit/>
           </a:bodyPr>
           <a:lstStyle/>
           <a:p>
-            <a:pPr indent="0" lvl="0" marL="0" rtl="0" algn="l">
+            <a:pPr marL="0" lvl="0" indent="0" algn="l" rtl="0">
               <a:spcBef>
                 <a:spcPts val="0"/>
               </a:spcBef>
@@ -9702,7 +9865,7 @@
             <a:endParaRPr/>
           </a:p>
           <a:p>
-            <a:pPr indent="-342900" lvl="0" marL="457200" rtl="0" algn="l">
+            <a:pPr marL="457200" lvl="0" indent="-342900" algn="l" rtl="0">
               <a:spcBef>
                 <a:spcPts val="1200"/>
               </a:spcBef>
@@ -9719,7 +9882,7 @@
             <a:endParaRPr/>
           </a:p>
           <a:p>
-            <a:pPr indent="-342900" lvl="0" marL="457200" rtl="0" algn="l">
+            <a:pPr marL="457200" lvl="0" indent="-342900" algn="l" rtl="0">
               <a:spcBef>
                 <a:spcPts val="0"/>
               </a:spcBef>
@@ -9736,7 +9899,7 @@
             <a:endParaRPr/>
           </a:p>
           <a:p>
-            <a:pPr indent="-317500" lvl="1" marL="914400" rtl="0" algn="l">
+            <a:pPr marL="914400" lvl="1" indent="-317500" algn="l" rtl="0">
               <a:spcBef>
                 <a:spcPts val="0"/>
               </a:spcBef>
@@ -9753,7 +9916,7 @@
             <a:endParaRPr/>
           </a:p>
           <a:p>
-            <a:pPr indent="-317500" lvl="1" marL="914400" rtl="0" algn="l">
+            <a:pPr marL="914400" lvl="1" indent="-317500" algn="l" rtl="0">
               <a:spcBef>
                 <a:spcPts val="0"/>
               </a:spcBef>
@@ -9770,7 +9933,7 @@
             <a:endParaRPr/>
           </a:p>
           <a:p>
-            <a:pPr indent="-342900" lvl="0" marL="457200" rtl="0" algn="l">
+            <a:pPr marL="457200" lvl="0" indent="-342900" algn="l" rtl="0">
               <a:spcBef>
                 <a:spcPts val="0"/>
               </a:spcBef>
@@ -9787,7 +9950,7 @@
             <a:endParaRPr i="1"/>
           </a:p>
           <a:p>
-            <a:pPr indent="0" lvl="0" marL="0" rtl="0" algn="l">
+            <a:pPr marL="0" lvl="0" indent="0" algn="l" rtl="0">
               <a:spcBef>
                 <a:spcPts val="1200"/>
               </a:spcBef>
@@ -9796,9 +9959,6 @@
               </a:spcAft>
               <a:buNone/>
             </a:pPr>
-            <a:r>
-              <a:t/>
-            </a:r>
             <a:endParaRPr/>
           </a:p>
         </p:txBody>
@@ -9812,18 +9972,19 @@
 </file>
 
 <file path=ppt/slides/slide11.xml><?xml version="1.0" encoding="utf-8"?>
-<p:sld xmlns:a="http://schemas.openxmlformats.org/drawingml/2006/main" xmlns:r="http://schemas.openxmlformats.org/officeDocument/2006/relationships" xmlns:mc="http://schemas.openxmlformats.org/markup-compatibility/2006" xmlns:mv="urn:schemas-microsoft-com:mac:vml" xmlns:p="http://schemas.openxmlformats.org/presentationml/2006/main" xmlns:c="http://schemas.openxmlformats.org/drawingml/2006/chart" xmlns:dgm="http://schemas.openxmlformats.org/drawingml/2006/diagram" xmlns:o="urn:schemas-microsoft-com:office:office" xmlns:v="urn:schemas-microsoft-com:vml" xmlns:pvml="urn:schemas-microsoft-com:office:powerpoint" xmlns:com="http://schemas.openxmlformats.org/drawingml/2006/compatibility" xmlns:p14="http://schemas.microsoft.com/office/powerpoint/2010/main" xmlns:p15="http://schemas.microsoft.com/office/powerpoint/2012/main" xmlns:ahyp="http://schemas.microsoft.com/office/drawing/2018/hyperlinkcolor">
+<p:sld xmlns:a="http://schemas.openxmlformats.org/drawingml/2006/main" xmlns:r="http://schemas.openxmlformats.org/officeDocument/2006/relationships" xmlns:p="http://schemas.openxmlformats.org/presentationml/2006/main">
   <p:cSld>
     <p:bg>
       <p:bgPr>
         <a:solidFill>
           <a:srgbClr val="D9D9D9"/>
         </a:solidFill>
+        <a:effectLst/>
       </p:bgPr>
     </p:bg>
     <p:spTree>
       <p:nvGrpSpPr>
-        <p:cNvPr id="146" name="Shape 146"/>
+        <p:cNvPr id="1" name="Shape 146"/>
         <p:cNvGrpSpPr/>
         <p:nvPr/>
       </p:nvGrpSpPr>
@@ -9838,7 +9999,9 @@
       <p:sp>
         <p:nvSpPr>
           <p:cNvPr id="147" name="Google Shape;147;p23"/>
-          <p:cNvSpPr txBox="1"/>
+          <p:cNvSpPr txBox="1">
+            <a:spLocks noGrp="1"/>
+          </p:cNvSpPr>
           <p:nvPr>
             <p:ph type="title"/>
           </p:nvPr>
@@ -9853,12 +10016,12 @@
           </a:prstGeom>
         </p:spPr>
         <p:txBody>
-          <a:bodyPr anchorCtr="0" anchor="t" bIns="91425" lIns="91425" spcFirstLastPara="1" rIns="91425" wrap="square" tIns="91425">
+          <a:bodyPr spcFirstLastPara="1" wrap="square" lIns="91425" tIns="91425" rIns="91425" bIns="91425" anchor="t" anchorCtr="0">
             <a:normAutofit fontScale="90000"/>
           </a:bodyPr>
           <a:lstStyle/>
           <a:p>
-            <a:pPr indent="0" lvl="0" marL="0" rtl="0" algn="l">
+            <a:pPr marL="0" lvl="0" indent="0" algn="l" rtl="0">
               <a:spcBef>
                 <a:spcPts val="0"/>
               </a:spcBef>
@@ -9878,9 +10041,11 @@
       <p:sp>
         <p:nvSpPr>
           <p:cNvPr id="148" name="Google Shape;148;p23"/>
-          <p:cNvSpPr txBox="1"/>
+          <p:cNvSpPr txBox="1">
+            <a:spLocks noGrp="1"/>
+          </p:cNvSpPr>
           <p:nvPr>
-            <p:ph idx="1" type="body"/>
+            <p:ph type="body" idx="1"/>
           </p:nvPr>
         </p:nvSpPr>
         <p:spPr>
@@ -9893,12 +10058,12 @@
           </a:prstGeom>
         </p:spPr>
         <p:txBody>
-          <a:bodyPr anchorCtr="0" anchor="t" bIns="91425" lIns="91425" spcFirstLastPara="1" rIns="91425" wrap="square" tIns="91425">
+          <a:bodyPr spcFirstLastPara="1" wrap="square" lIns="91425" tIns="91425" rIns="91425" bIns="91425" anchor="t" anchorCtr="0">
             <a:normAutofit/>
           </a:bodyPr>
           <a:lstStyle/>
           <a:p>
-            <a:pPr indent="0" lvl="0" marL="0" rtl="0" algn="l">
+            <a:pPr marL="0" lvl="0" indent="0" algn="l" rtl="0">
               <a:spcBef>
                 <a:spcPts val="0"/>
               </a:spcBef>
@@ -9914,7 +10079,7 @@
             <a:endParaRPr/>
           </a:p>
           <a:p>
-            <a:pPr indent="-342900" lvl="0" marL="457200" rtl="0" algn="l">
+            <a:pPr marL="457200" lvl="0" indent="-342900" algn="l" rtl="0">
               <a:spcBef>
                 <a:spcPts val="1200"/>
               </a:spcBef>
@@ -9931,7 +10096,7 @@
             <a:endParaRPr/>
           </a:p>
           <a:p>
-            <a:pPr indent="-342900" lvl="0" marL="457200" rtl="0" algn="l">
+            <a:pPr marL="457200" lvl="0" indent="-342900" algn="l" rtl="0">
               <a:spcBef>
                 <a:spcPts val="0"/>
               </a:spcBef>
@@ -9948,7 +10113,7 @@
             <a:endParaRPr/>
           </a:p>
           <a:p>
-            <a:pPr indent="-342900" lvl="0" marL="457200" rtl="0" algn="l">
+            <a:pPr marL="457200" lvl="0" indent="-342900" algn="l" rtl="0">
               <a:spcBef>
                 <a:spcPts val="0"/>
               </a:spcBef>
@@ -9965,7 +10130,7 @@
             <a:endParaRPr/>
           </a:p>
           <a:p>
-            <a:pPr indent="0" lvl="0" marL="0" rtl="0" algn="l">
+            <a:pPr marL="0" lvl="0" indent="0" algn="l" rtl="0">
               <a:spcBef>
                 <a:spcPts val="1200"/>
               </a:spcBef>
@@ -9981,7 +10146,7 @@
             <a:endParaRPr/>
           </a:p>
           <a:p>
-            <a:pPr indent="0" lvl="0" marL="0" rtl="0" algn="l">
+            <a:pPr marL="0" lvl="0" indent="0" algn="l" rtl="0">
               <a:spcBef>
                 <a:spcPts val="1200"/>
               </a:spcBef>
@@ -10007,11 +10172,11 @@
 </file>
 
 <file path=ppt/slides/slide12.xml><?xml version="1.0" encoding="utf-8"?>
-<p:sld xmlns:a="http://schemas.openxmlformats.org/drawingml/2006/main" xmlns:r="http://schemas.openxmlformats.org/officeDocument/2006/relationships" xmlns:mc="http://schemas.openxmlformats.org/markup-compatibility/2006" xmlns:mv="urn:schemas-microsoft-com:mac:vml" xmlns:p="http://schemas.openxmlformats.org/presentationml/2006/main" xmlns:c="http://schemas.openxmlformats.org/drawingml/2006/chart" xmlns:dgm="http://schemas.openxmlformats.org/drawingml/2006/diagram" xmlns:o="urn:schemas-microsoft-com:office:office" xmlns:v="urn:schemas-microsoft-com:vml" xmlns:pvml="urn:schemas-microsoft-com:office:powerpoint" xmlns:com="http://schemas.openxmlformats.org/drawingml/2006/compatibility" xmlns:p14="http://schemas.microsoft.com/office/powerpoint/2010/main" xmlns:p15="http://schemas.microsoft.com/office/powerpoint/2012/main" xmlns:ahyp="http://schemas.microsoft.com/office/drawing/2018/hyperlinkcolor">
+<p:sld xmlns:a="http://schemas.openxmlformats.org/drawingml/2006/main" xmlns:r="http://schemas.openxmlformats.org/officeDocument/2006/relationships" xmlns:p="http://schemas.openxmlformats.org/presentationml/2006/main">
   <p:cSld>
     <p:spTree>
       <p:nvGrpSpPr>
-        <p:cNvPr id="152" name="Shape 152"/>
+        <p:cNvPr id="1" name="Shape 152"/>
         <p:cNvGrpSpPr/>
         <p:nvPr/>
       </p:nvGrpSpPr>
@@ -10026,7 +10191,9 @@
       <p:sp>
         <p:nvSpPr>
           <p:cNvPr id="153" name="Google Shape;153;p24"/>
-          <p:cNvSpPr txBox="1"/>
+          <p:cNvSpPr txBox="1">
+            <a:spLocks noGrp="1"/>
+          </p:cNvSpPr>
           <p:nvPr>
             <p:ph type="title"/>
           </p:nvPr>
@@ -10041,12 +10208,12 @@
           </a:prstGeom>
         </p:spPr>
         <p:txBody>
-          <a:bodyPr anchorCtr="0" anchor="t" bIns="91425" lIns="91425" spcFirstLastPara="1" rIns="91425" wrap="square" tIns="91425">
+          <a:bodyPr spcFirstLastPara="1" wrap="square" lIns="91425" tIns="91425" rIns="91425" bIns="91425" anchor="t" anchorCtr="0">
             <a:normAutofit fontScale="90000"/>
           </a:bodyPr>
           <a:lstStyle/>
           <a:p>
-            <a:pPr indent="0" lvl="0" marL="0" rtl="0" algn="l">
+            <a:pPr marL="0" lvl="0" indent="0" algn="l" rtl="0">
               <a:spcBef>
                 <a:spcPts val="0"/>
               </a:spcBef>
@@ -10066,9 +10233,11 @@
       <p:sp>
         <p:nvSpPr>
           <p:cNvPr id="154" name="Google Shape;154;p24"/>
-          <p:cNvSpPr txBox="1"/>
+          <p:cNvSpPr txBox="1">
+            <a:spLocks noGrp="1"/>
+          </p:cNvSpPr>
           <p:nvPr>
-            <p:ph idx="1" type="body"/>
+            <p:ph type="body" idx="1"/>
           </p:nvPr>
         </p:nvSpPr>
         <p:spPr>
@@ -10081,12 +10250,12 @@
           </a:prstGeom>
         </p:spPr>
         <p:txBody>
-          <a:bodyPr anchorCtr="0" anchor="t" bIns="91425" lIns="91425" spcFirstLastPara="1" rIns="91425" wrap="square" tIns="91425">
+          <a:bodyPr spcFirstLastPara="1" wrap="square" lIns="91425" tIns="91425" rIns="91425" bIns="91425" anchor="t" anchorCtr="0">
             <a:normAutofit/>
           </a:bodyPr>
           <a:lstStyle/>
           <a:p>
-            <a:pPr indent="0" lvl="0" marL="0" rtl="0" algn="l">
+            <a:pPr marL="0" lvl="0" indent="0" algn="l" rtl="0">
               <a:spcBef>
                 <a:spcPts val="0"/>
               </a:spcBef>
@@ -10102,7 +10271,7 @@
             <a:endParaRPr/>
           </a:p>
           <a:p>
-            <a:pPr indent="-342900" lvl="0" marL="457200" rtl="0" algn="l">
+            <a:pPr marL="457200" lvl="0" indent="-342900" algn="l" rtl="0">
               <a:spcBef>
                 <a:spcPts val="1200"/>
               </a:spcBef>
@@ -10114,16 +10283,12 @@
             </a:pPr>
             <a:r>
               <a:rPr lang="fr"/>
-              <a:t>i</a:t>
-            </a:r>
-            <a:r>
-              <a:rPr lang="fr"/>
-              <a:t>nclude</a:t>
-            </a:r>
-            <a:endParaRPr/>
-          </a:p>
-          <a:p>
-            <a:pPr indent="-342900" lvl="0" marL="457200" rtl="0" algn="l">
+              <a:t>include</a:t>
+            </a:r>
+            <a:endParaRPr/>
+          </a:p>
+          <a:p>
+            <a:pPr marL="457200" lvl="0" indent="-342900" algn="l" rtl="0">
               <a:spcBef>
                 <a:spcPts val="0"/>
               </a:spcBef>
@@ -10140,7 +10305,7 @@
             <a:endParaRPr/>
           </a:p>
           <a:p>
-            <a:pPr indent="-342900" lvl="0" marL="457200" rtl="0" algn="l">
+            <a:pPr marL="457200" lvl="0" indent="-342900" algn="l" rtl="0">
               <a:spcBef>
                 <a:spcPts val="0"/>
               </a:spcBef>
@@ -10157,7 +10322,7 @@
             <a:endParaRPr/>
           </a:p>
           <a:p>
-            <a:pPr indent="-342900" lvl="0" marL="457200" rtl="0" algn="l">
+            <a:pPr marL="457200" lvl="0" indent="-342900" algn="l" rtl="0">
               <a:spcBef>
                 <a:spcPts val="0"/>
               </a:spcBef>
@@ -10174,7 +10339,7 @@
             <a:endParaRPr/>
           </a:p>
           <a:p>
-            <a:pPr indent="0" lvl="0" marL="0" rtl="0" algn="l">
+            <a:pPr marL="0" lvl="0" indent="0" algn="l" rtl="0">
               <a:spcBef>
                 <a:spcPts val="1200"/>
               </a:spcBef>
@@ -10190,7 +10355,7 @@
             <a:endParaRPr/>
           </a:p>
           <a:p>
-            <a:pPr indent="-342900" lvl="0" marL="457200" rtl="0" algn="l">
+            <a:pPr marL="457200" lvl="0" indent="-342900" algn="l" rtl="0">
               <a:spcBef>
                 <a:spcPts val="1200"/>
               </a:spcBef>
@@ -10207,7 +10372,7 @@
             <a:endParaRPr/>
           </a:p>
           <a:p>
-            <a:pPr indent="-342900" lvl="0" marL="457200" rtl="0" algn="l">
+            <a:pPr marL="457200" lvl="0" indent="-342900" algn="l" rtl="0">
               <a:spcBef>
                 <a:spcPts val="0"/>
               </a:spcBef>
@@ -10234,11 +10399,11 @@
 </file>
 
 <file path=ppt/slides/slide13.xml><?xml version="1.0" encoding="utf-8"?>
-<p:sld xmlns:a="http://schemas.openxmlformats.org/drawingml/2006/main" xmlns:r="http://schemas.openxmlformats.org/officeDocument/2006/relationships" xmlns:mc="http://schemas.openxmlformats.org/markup-compatibility/2006" xmlns:mv="urn:schemas-microsoft-com:mac:vml" xmlns:p="http://schemas.openxmlformats.org/presentationml/2006/main" xmlns:c="http://schemas.openxmlformats.org/drawingml/2006/chart" xmlns:dgm="http://schemas.openxmlformats.org/drawingml/2006/diagram" xmlns:o="urn:schemas-microsoft-com:office:office" xmlns:v="urn:schemas-microsoft-com:vml" xmlns:pvml="urn:schemas-microsoft-com:office:powerpoint" xmlns:com="http://schemas.openxmlformats.org/drawingml/2006/compatibility" xmlns:p14="http://schemas.microsoft.com/office/powerpoint/2010/main" xmlns:p15="http://schemas.microsoft.com/office/powerpoint/2012/main" xmlns:ahyp="http://schemas.microsoft.com/office/drawing/2018/hyperlinkcolor">
+<p:sld xmlns:a="http://schemas.openxmlformats.org/drawingml/2006/main" xmlns:r="http://schemas.openxmlformats.org/officeDocument/2006/relationships" xmlns:p="http://schemas.openxmlformats.org/presentationml/2006/main">
   <p:cSld>
     <p:spTree>
       <p:nvGrpSpPr>
-        <p:cNvPr id="158" name="Shape 158"/>
+        <p:cNvPr id="1" name="Shape 158"/>
         <p:cNvGrpSpPr/>
         <p:nvPr/>
       </p:nvGrpSpPr>
@@ -10253,7 +10418,9 @@
       <p:sp>
         <p:nvSpPr>
           <p:cNvPr id="159" name="Google Shape;159;p25"/>
-          <p:cNvSpPr txBox="1"/>
+          <p:cNvSpPr txBox="1">
+            <a:spLocks noGrp="1"/>
+          </p:cNvSpPr>
           <p:nvPr>
             <p:ph type="title"/>
           </p:nvPr>
@@ -10268,12 +10435,12 @@
           </a:prstGeom>
         </p:spPr>
         <p:txBody>
-          <a:bodyPr anchorCtr="0" anchor="t" bIns="91425" lIns="91425" spcFirstLastPara="1" rIns="91425" wrap="square" tIns="91425">
+          <a:bodyPr spcFirstLastPara="1" wrap="square" lIns="91425" tIns="91425" rIns="91425" bIns="91425" anchor="t" anchorCtr="0">
             <a:normAutofit fontScale="90000"/>
           </a:bodyPr>
           <a:lstStyle/>
           <a:p>
-            <a:pPr indent="0" lvl="0" marL="0" rtl="0" algn="l">
+            <a:pPr marL="0" lvl="0" indent="0" algn="l" rtl="0">
               <a:spcBef>
                 <a:spcPts val="0"/>
               </a:spcBef>
@@ -10293,9 +10460,11 @@
       <p:sp>
         <p:nvSpPr>
           <p:cNvPr id="160" name="Google Shape;160;p25"/>
-          <p:cNvSpPr txBox="1"/>
+          <p:cNvSpPr txBox="1">
+            <a:spLocks noGrp="1"/>
+          </p:cNvSpPr>
           <p:nvPr>
-            <p:ph idx="1" type="body"/>
+            <p:ph type="body" idx="1"/>
           </p:nvPr>
         </p:nvSpPr>
         <p:spPr>
@@ -10308,12 +10477,12 @@
           </a:prstGeom>
         </p:spPr>
         <p:txBody>
-          <a:bodyPr anchorCtr="0" anchor="t" bIns="91425" lIns="91425" spcFirstLastPara="1" rIns="91425" wrap="square" tIns="91425">
+          <a:bodyPr spcFirstLastPara="1" wrap="square" lIns="91425" tIns="91425" rIns="91425" bIns="91425" anchor="t" anchorCtr="0">
             <a:normAutofit/>
           </a:bodyPr>
           <a:lstStyle/>
           <a:p>
-            <a:pPr indent="0" lvl="0" marL="0" rtl="0" algn="l">
+            <a:pPr marL="0" lvl="0" indent="0" algn="l" rtl="0">
               <a:spcBef>
                 <a:spcPts val="0"/>
               </a:spcBef>
@@ -10329,7 +10498,7 @@
             <a:endParaRPr/>
           </a:p>
           <a:p>
-            <a:pPr indent="-342900" lvl="0" marL="457200" rtl="0" algn="l">
+            <a:pPr marL="457200" lvl="0" indent="-342900" algn="l" rtl="0">
               <a:spcBef>
                 <a:spcPts val="1200"/>
               </a:spcBef>
@@ -10346,7 +10515,7 @@
             <a:endParaRPr/>
           </a:p>
           <a:p>
-            <a:pPr indent="-342900" lvl="0" marL="457200" rtl="0" algn="l">
+            <a:pPr marL="457200" lvl="0" indent="-342900" algn="l" rtl="0">
               <a:spcBef>
                 <a:spcPts val="0"/>
               </a:spcBef>
@@ -10363,7 +10532,7 @@
             <a:endParaRPr/>
           </a:p>
           <a:p>
-            <a:pPr indent="-342900" lvl="0" marL="457200" rtl="0" algn="l">
+            <a:pPr marL="457200" lvl="0" indent="-342900" algn="l" rtl="0">
               <a:spcBef>
                 <a:spcPts val="0"/>
               </a:spcBef>
@@ -10380,7 +10549,7 @@
             <a:endParaRPr/>
           </a:p>
           <a:p>
-            <a:pPr indent="0" lvl="0" marL="0" rtl="0" algn="l">
+            <a:pPr marL="0" lvl="0" indent="0" algn="l" rtl="0">
               <a:spcBef>
                 <a:spcPts val="1200"/>
               </a:spcBef>
@@ -10389,13 +10558,10 @@
               </a:spcAft>
               <a:buNone/>
             </a:pPr>
-            <a:r>
-              <a:t/>
-            </a:r>
-            <a:endParaRPr/>
-          </a:p>
-          <a:p>
-            <a:pPr indent="0" lvl="0" marL="0" rtl="0" algn="l">
+            <a:endParaRPr/>
+          </a:p>
+          <a:p>
+            <a:pPr marL="0" lvl="0" indent="0" algn="l" rtl="0">
               <a:spcBef>
                 <a:spcPts val="1200"/>
               </a:spcBef>
@@ -10404,9 +10570,6 @@
               </a:spcAft>
               <a:buNone/>
             </a:pPr>
-            <a:r>
-              <a:t/>
-            </a:r>
             <a:endParaRPr/>
           </a:p>
         </p:txBody>
@@ -10420,11 +10583,11 @@
 </file>
 
 <file path=ppt/slides/slide14.xml><?xml version="1.0" encoding="utf-8"?>
-<p:sld xmlns:a="http://schemas.openxmlformats.org/drawingml/2006/main" xmlns:r="http://schemas.openxmlformats.org/officeDocument/2006/relationships" xmlns:mc="http://schemas.openxmlformats.org/markup-compatibility/2006" xmlns:mv="urn:schemas-microsoft-com:mac:vml" xmlns:p="http://schemas.openxmlformats.org/presentationml/2006/main" xmlns:c="http://schemas.openxmlformats.org/drawingml/2006/chart" xmlns:dgm="http://schemas.openxmlformats.org/drawingml/2006/diagram" xmlns:o="urn:schemas-microsoft-com:office:office" xmlns:v="urn:schemas-microsoft-com:vml" xmlns:pvml="urn:schemas-microsoft-com:office:powerpoint" xmlns:com="http://schemas.openxmlformats.org/drawingml/2006/compatibility" xmlns:p14="http://schemas.microsoft.com/office/powerpoint/2010/main" xmlns:p15="http://schemas.microsoft.com/office/powerpoint/2012/main" xmlns:ahyp="http://schemas.microsoft.com/office/drawing/2018/hyperlinkcolor">
+<p:sld xmlns:a="http://schemas.openxmlformats.org/drawingml/2006/main" xmlns:r="http://schemas.openxmlformats.org/officeDocument/2006/relationships" xmlns:p="http://schemas.openxmlformats.org/presentationml/2006/main">
   <p:cSld>
     <p:spTree>
       <p:nvGrpSpPr>
-        <p:cNvPr id="164" name="Shape 164"/>
+        <p:cNvPr id="1" name="Shape 164"/>
         <p:cNvGrpSpPr/>
         <p:nvPr/>
       </p:nvGrpSpPr>
@@ -10439,7 +10602,9 @@
       <p:sp>
         <p:nvSpPr>
           <p:cNvPr id="165" name="Google Shape;165;p26"/>
-          <p:cNvSpPr txBox="1"/>
+          <p:cNvSpPr txBox="1">
+            <a:spLocks noGrp="1"/>
+          </p:cNvSpPr>
           <p:nvPr>
             <p:ph type="title"/>
           </p:nvPr>
@@ -10454,12 +10619,12 @@
           </a:prstGeom>
         </p:spPr>
         <p:txBody>
-          <a:bodyPr anchorCtr="0" anchor="t" bIns="91425" lIns="91425" spcFirstLastPara="1" rIns="91425" wrap="square" tIns="91425">
+          <a:bodyPr spcFirstLastPara="1" wrap="square" lIns="91425" tIns="91425" rIns="91425" bIns="91425" anchor="t" anchorCtr="0">
             <a:normAutofit fontScale="90000"/>
           </a:bodyPr>
           <a:lstStyle/>
           <a:p>
-            <a:pPr indent="0" lvl="0" marL="0" rtl="0" algn="l">
+            <a:pPr marL="0" lvl="0" indent="0" algn="l" rtl="0">
               <a:spcBef>
                 <a:spcPts val="0"/>
               </a:spcBef>
@@ -10479,9 +10644,11 @@
       <p:sp>
         <p:nvSpPr>
           <p:cNvPr id="166" name="Google Shape;166;p26"/>
-          <p:cNvSpPr txBox="1"/>
+          <p:cNvSpPr txBox="1">
+            <a:spLocks noGrp="1"/>
+          </p:cNvSpPr>
           <p:nvPr>
-            <p:ph idx="1" type="body"/>
+            <p:ph type="body" idx="1"/>
           </p:nvPr>
         </p:nvSpPr>
         <p:spPr>
@@ -10494,32 +10661,28 @@
           </a:prstGeom>
         </p:spPr>
         <p:txBody>
-          <a:bodyPr anchorCtr="0" anchor="t" bIns="91425" lIns="91425" spcFirstLastPara="1" rIns="91425" wrap="square" tIns="91425">
-            <a:normAutofit lnSpcReduction="20000"/>
+          <a:bodyPr spcFirstLastPara="1" wrap="square" lIns="91425" tIns="91425" rIns="91425" bIns="91425" anchor="t" anchorCtr="0">
+            <a:normAutofit/>
           </a:bodyPr>
           <a:lstStyle/>
           <a:p>
-            <a:pPr indent="0" lvl="0" marL="0" rtl="0" algn="l">
-              <a:spcBef>
-                <a:spcPts val="0"/>
-              </a:spcBef>
-              <a:spcAft>
-                <a:spcPts val="0"/>
-              </a:spcAft>
-              <a:buNone/>
-            </a:pPr>
-            <a:r>
-              <a:rPr lang="fr"/>
-              <a:t> 	</a:t>
-            </a:r>
-            <a:r>
-              <a:rPr lang="fr"/>
-              <a:t>$prenoms = array(‘Thierry’, ‘Logan’, ‘Justine’,’Jessy’);</a:t>
-            </a:r>
-            <a:endParaRPr/>
-          </a:p>
-          <a:p>
-            <a:pPr indent="457200" lvl="0" marL="0" rtl="0" algn="l">
+            <a:pPr marL="0" lvl="0" indent="0" algn="l" rtl="0">
+              <a:spcBef>
+                <a:spcPts val="0"/>
+              </a:spcBef>
+              <a:spcAft>
+                <a:spcPts val="0"/>
+              </a:spcAft>
+              <a:buNone/>
+            </a:pPr>
+            <a:r>
+              <a:rPr lang="fr" dirty="0"/>
+              <a:t> 	$prenoms = array(‘Thierry’, ‘Logan’, ‘Justine’,’Jessy’);</a:t>
+            </a:r>
+            <a:endParaRPr dirty="0"/>
+          </a:p>
+          <a:p>
+            <a:pPr marL="0" lvl="0" indent="457200" algn="l" rtl="0">
               <a:spcBef>
                 <a:spcPts val="1200"/>
               </a:spcBef>
@@ -10529,13 +10692,13 @@
               <a:buNone/>
             </a:pPr>
             <a:r>
-              <a:rPr lang="fr"/>
+              <a:rPr lang="fr" dirty="0"/>
               <a:t>$ages = [27, 29, 21, 29];</a:t>
             </a:r>
-            <a:endParaRPr/>
-          </a:p>
-          <a:p>
-            <a:pPr indent="457200" lvl="0" marL="0" rtl="0" algn="l">
+            <a:endParaRPr dirty="0"/>
+          </a:p>
+          <a:p>
+            <a:pPr marL="0" lvl="0" indent="457200" algn="l" rtl="0">
               <a:spcBef>
                 <a:spcPts val="1200"/>
               </a:spcBef>
@@ -10545,13 +10708,13 @@
               <a:buNone/>
             </a:pPr>
             <a:r>
-              <a:rPr lang="fr"/>
+              <a:rPr lang="fr" dirty="0"/>
               <a:t>foreach($prenoms as $prenom)</a:t>
             </a:r>
-            <a:endParaRPr/>
-          </a:p>
-          <a:p>
-            <a:pPr indent="457200" lvl="0" marL="0" rtl="0" algn="l">
+            <a:endParaRPr dirty="0"/>
+          </a:p>
+          <a:p>
+            <a:pPr marL="0" lvl="0" indent="457200" algn="l" rtl="0">
               <a:spcBef>
                 <a:spcPts val="1200"/>
               </a:spcBef>
@@ -10561,13 +10724,13 @@
               <a:buNone/>
             </a:pPr>
             <a:r>
-              <a:rPr lang="fr"/>
+              <a:rPr lang="fr" dirty="0"/>
               <a:t>{</a:t>
             </a:r>
-            <a:endParaRPr/>
-          </a:p>
-          <a:p>
-            <a:pPr indent="457200" lvl="0" marL="457200" rtl="0" algn="l">
+            <a:endParaRPr dirty="0"/>
+          </a:p>
+          <a:p>
+            <a:pPr marL="457200" lvl="0" indent="457200" algn="l" rtl="0">
               <a:spcBef>
                 <a:spcPts val="1200"/>
               </a:spcBef>
@@ -10577,13 +10740,13 @@
               <a:buNone/>
             </a:pPr>
             <a:r>
-              <a:rPr lang="fr"/>
+              <a:rPr lang="fr" dirty="0"/>
               <a:t>echo $prenom;</a:t>
             </a:r>
-            <a:endParaRPr/>
-          </a:p>
-          <a:p>
-            <a:pPr indent="457200" lvl="0" marL="0" rtl="0" algn="l">
+            <a:endParaRPr dirty="0"/>
+          </a:p>
+          <a:p>
+            <a:pPr marL="0" lvl="0" indent="457200" algn="l" rtl="0">
               <a:spcBef>
                 <a:spcPts val="1200"/>
               </a:spcBef>
@@ -10593,13 +10756,13 @@
               <a:buNone/>
             </a:pPr>
             <a:r>
-              <a:rPr lang="fr"/>
+              <a:rPr lang="fr" dirty="0"/>
               <a:t>}</a:t>
             </a:r>
-            <a:endParaRPr/>
-          </a:p>
-          <a:p>
-            <a:pPr indent="457200" lvl="0" marL="0" rtl="0" algn="l">
+            <a:endParaRPr dirty="0"/>
+          </a:p>
+          <a:p>
+            <a:pPr marL="0" lvl="0" indent="457200" algn="l" rtl="0">
               <a:spcBef>
                 <a:spcPts val="1200"/>
               </a:spcBef>
@@ -10609,13 +10772,13 @@
               <a:buNone/>
             </a:pPr>
             <a:r>
-              <a:rPr lang="fr"/>
+              <a:rPr lang="fr" dirty="0"/>
               <a:t>echo $ages[0];</a:t>
             </a:r>
-            <a:endParaRPr/>
-          </a:p>
-          <a:p>
-            <a:pPr indent="0" lvl="0" marL="0" rtl="0" algn="l">
+            <a:endParaRPr dirty="0"/>
+          </a:p>
+          <a:p>
+            <a:pPr marL="0" lvl="0" indent="0" algn="l" rtl="0">
               <a:spcBef>
                 <a:spcPts val="1200"/>
               </a:spcBef>
@@ -10624,10 +10787,7 @@
               </a:spcAft>
               <a:buNone/>
             </a:pPr>
-            <a:r>
-              <a:t/>
-            </a:r>
-            <a:endParaRPr/>
+            <a:endParaRPr dirty="0"/>
           </a:p>
         </p:txBody>
       </p:sp>
@@ -10640,11 +10800,11 @@
 </file>
 
 <file path=ppt/slides/slide15.xml><?xml version="1.0" encoding="utf-8"?>
-<p:sld xmlns:a="http://schemas.openxmlformats.org/drawingml/2006/main" xmlns:r="http://schemas.openxmlformats.org/officeDocument/2006/relationships" xmlns:mc="http://schemas.openxmlformats.org/markup-compatibility/2006" xmlns:mv="urn:schemas-microsoft-com:mac:vml" xmlns:p="http://schemas.openxmlformats.org/presentationml/2006/main" xmlns:c="http://schemas.openxmlformats.org/drawingml/2006/chart" xmlns:dgm="http://schemas.openxmlformats.org/drawingml/2006/diagram" xmlns:o="urn:schemas-microsoft-com:office:office" xmlns:v="urn:schemas-microsoft-com:vml" xmlns:pvml="urn:schemas-microsoft-com:office:powerpoint" xmlns:com="http://schemas.openxmlformats.org/drawingml/2006/compatibility" xmlns:p14="http://schemas.microsoft.com/office/powerpoint/2010/main" xmlns:p15="http://schemas.microsoft.com/office/powerpoint/2012/main" xmlns:ahyp="http://schemas.microsoft.com/office/drawing/2018/hyperlinkcolor">
+<p:sld xmlns:a="http://schemas.openxmlformats.org/drawingml/2006/main" xmlns:r="http://schemas.openxmlformats.org/officeDocument/2006/relationships" xmlns:p="http://schemas.openxmlformats.org/presentationml/2006/main">
   <p:cSld>
     <p:spTree>
       <p:nvGrpSpPr>
-        <p:cNvPr id="170" name="Shape 170"/>
+        <p:cNvPr id="1" name="Shape 170"/>
         <p:cNvGrpSpPr/>
         <p:nvPr/>
       </p:nvGrpSpPr>
@@ -10659,7 +10819,9 @@
       <p:sp>
         <p:nvSpPr>
           <p:cNvPr id="171" name="Google Shape;171;p27"/>
-          <p:cNvSpPr txBox="1"/>
+          <p:cNvSpPr txBox="1">
+            <a:spLocks noGrp="1"/>
+          </p:cNvSpPr>
           <p:nvPr>
             <p:ph type="title"/>
           </p:nvPr>
@@ -10674,12 +10836,12 @@
           </a:prstGeom>
         </p:spPr>
         <p:txBody>
-          <a:bodyPr anchorCtr="0" anchor="t" bIns="91425" lIns="91425" spcFirstLastPara="1" rIns="91425" wrap="square" tIns="91425">
+          <a:bodyPr spcFirstLastPara="1" wrap="square" lIns="91425" tIns="91425" rIns="91425" bIns="91425" anchor="t" anchorCtr="0">
             <a:normAutofit fontScale="90000"/>
           </a:bodyPr>
           <a:lstStyle/>
           <a:p>
-            <a:pPr indent="0" lvl="0" marL="0" rtl="0" algn="l">
+            <a:pPr marL="0" lvl="0" indent="0" algn="l" rtl="0">
               <a:spcBef>
                 <a:spcPts val="0"/>
               </a:spcBef>
@@ -10699,9 +10861,11 @@
       <p:sp>
         <p:nvSpPr>
           <p:cNvPr id="172" name="Google Shape;172;p27"/>
-          <p:cNvSpPr txBox="1"/>
+          <p:cNvSpPr txBox="1">
+            <a:spLocks noGrp="1"/>
+          </p:cNvSpPr>
           <p:nvPr>
-            <p:ph idx="1" type="body"/>
+            <p:ph type="body" idx="1"/>
           </p:nvPr>
         </p:nvSpPr>
         <p:spPr>
@@ -10714,28 +10878,28 @@
           </a:prstGeom>
         </p:spPr>
         <p:txBody>
-          <a:bodyPr anchorCtr="0" anchor="t" bIns="91425" lIns="91425" spcFirstLastPara="1" rIns="91425" wrap="square" tIns="91425">
-            <a:normAutofit/>
+          <a:bodyPr spcFirstLastPara="1" wrap="square" lIns="91425" tIns="91425" rIns="91425" bIns="91425" anchor="t" anchorCtr="0">
+            <a:normAutofit lnSpcReduction="10000"/>
           </a:bodyPr>
           <a:lstStyle/>
           <a:p>
-            <a:pPr indent="0" lvl="0" marL="0" rtl="0" algn="l">
-              <a:spcBef>
-                <a:spcPts val="0"/>
-              </a:spcBef>
-              <a:spcAft>
-                <a:spcPts val="0"/>
-              </a:spcAft>
-              <a:buNone/>
-            </a:pPr>
-            <a:r>
-              <a:rPr lang="fr"/>
+            <a:pPr marL="0" lvl="0" indent="0" algn="l" rtl="0">
+              <a:spcBef>
+                <a:spcPts val="0"/>
+              </a:spcBef>
+              <a:spcAft>
+                <a:spcPts val="0"/>
+              </a:spcAft>
+              <a:buNone/>
+            </a:pPr>
+            <a:r>
+              <a:rPr lang="fr" dirty="0"/>
               <a:t>Stockages d’une clé /  valeur</a:t>
             </a:r>
-            <a:endParaRPr/>
-          </a:p>
-          <a:p>
-            <a:pPr indent="-342900" lvl="0" marL="457200" rtl="0" algn="l">
+            <a:endParaRPr dirty="0"/>
+          </a:p>
+          <a:p>
+            <a:pPr marL="457200" lvl="0" indent="-342900" algn="l" rtl="0">
               <a:spcBef>
                 <a:spcPts val="1200"/>
               </a:spcBef>
@@ -10746,13 +10910,13 @@
               <a:buChar char="●"/>
             </a:pPr>
             <a:r>
-              <a:rPr lang="fr"/>
+              <a:rPr lang="fr" dirty="0"/>
               <a:t>$ages = [‘Justine’ =&gt; 27, 'Thierry' =&gt; 29, 'Jessy' =&gt; 21];</a:t>
             </a:r>
-            <a:endParaRPr/>
-          </a:p>
-          <a:p>
-            <a:pPr indent="-342900" lvl="0" marL="457200" rtl="0" algn="l">
+            <a:endParaRPr dirty="0"/>
+          </a:p>
+          <a:p>
+            <a:pPr marL="457200" lvl="0" indent="-342900" algn="l" rtl="0">
               <a:spcBef>
                 <a:spcPts val="0"/>
               </a:spcBef>
@@ -10763,19 +10927,11 @@
               <a:buChar char="●"/>
             </a:pPr>
             <a:r>
-              <a:rPr lang="fr"/>
-              <a:t>$mails[</a:t>
-            </a:r>
-            <a:r>
-              <a:rPr lang="fr"/>
-              <a:t>‘Justine’</a:t>
-            </a:r>
-            <a:r>
-              <a:rPr lang="fr"/>
-              <a:t>] = '</a:t>
-            </a:r>
-            <a:r>
-              <a:rPr lang="fr" u="sng">
+              <a:rPr lang="fr" dirty="0"/>
+              <a:t>$mails[‘Justine’] = '</a:t>
+            </a:r>
+            <a:r>
+              <a:rPr lang="fr" u="sng" dirty="0">
                 <a:solidFill>
                   <a:schemeClr val="hlink"/>
                 </a:solidFill>
@@ -10784,13 +10940,13 @@
               <a:t>jujudu18@gmail.com</a:t>
             </a:r>
             <a:r>
-              <a:rPr lang="fr"/>
+              <a:rPr lang="fr" dirty="0"/>
               <a:t>';</a:t>
             </a:r>
-            <a:endParaRPr/>
-          </a:p>
-          <a:p>
-            <a:pPr indent="-342900" lvl="0" marL="457200" rtl="0" algn="l">
+            <a:endParaRPr dirty="0"/>
+          </a:p>
+          <a:p>
+            <a:pPr marL="457200" lvl="0" indent="-342900" algn="l" rtl="0">
               <a:spcBef>
                 <a:spcPts val="0"/>
               </a:spcBef>
@@ -10801,19 +10957,11 @@
               <a:buChar char="●"/>
             </a:pPr>
             <a:r>
-              <a:rPr lang="fr"/>
-              <a:t>$mails[</a:t>
-            </a:r>
-            <a:r>
-              <a:rPr lang="fr"/>
-              <a:t>'Thierry' </a:t>
-            </a:r>
-            <a:r>
-              <a:rPr lang="fr"/>
-              <a:t>] = '</a:t>
-            </a:r>
-            <a:r>
-              <a:rPr lang="fr" u="sng">
+              <a:rPr lang="fr" dirty="0"/>
+              <a:t>$mails['Thierry' ] = '</a:t>
+            </a:r>
+            <a:r>
+              <a:rPr lang="fr" u="sng" dirty="0">
                 <a:solidFill>
                   <a:schemeClr val="hlink"/>
                 </a:solidFill>
@@ -10822,13 +10970,13 @@
               <a:t>thierry.bru@viaformation.fr</a:t>
             </a:r>
             <a:r>
-              <a:rPr lang="fr"/>
+              <a:rPr lang="fr" dirty="0"/>
               <a:t>';</a:t>
             </a:r>
-            <a:endParaRPr/>
-          </a:p>
-          <a:p>
-            <a:pPr indent="-342900" lvl="0" marL="457200" rtl="0" algn="l">
+            <a:endParaRPr dirty="0"/>
+          </a:p>
+          <a:p>
+            <a:pPr marL="457200" lvl="0" indent="-342900" algn="l" rtl="0">
               <a:spcBef>
                 <a:spcPts val="0"/>
               </a:spcBef>
@@ -10839,34 +10987,30 @@
               <a:buChar char="●"/>
             </a:pPr>
             <a:r>
-              <a:rPr lang="fr"/>
-              <a:t>$mails[</a:t>
-            </a:r>
-            <a:r>
-              <a:rPr lang="fr"/>
-              <a:t>'Jessy' </a:t>
-            </a:r>
-            <a:r>
-              <a:rPr lang="fr"/>
-              <a:t>] = '</a:t>
-            </a:r>
-            <a:r>
-              <a:rPr lang="fr" u="sng">
+              <a:rPr lang="fr" dirty="0"/>
+              <a:t>$mails['Jessy' ] = </a:t>
+            </a:r>
+            <a:r>
+              <a:rPr lang="fr" dirty="0" smtClean="0"/>
+              <a:t>'</a:t>
+            </a:r>
+            <a:r>
+              <a:rPr lang="fr" u="sng" dirty="0" smtClean="0">
                 <a:solidFill>
                   <a:schemeClr val="hlink"/>
                 </a:solidFill>
                 <a:hlinkClick r:id="rId5"/>
               </a:rPr>
-              <a:t>jessy13@yahoo.fr</a:t>
-            </a:r>
-            <a:r>
-              <a:rPr lang="fr"/>
+              <a:t>jessy13@yahoo.f r</a:t>
+            </a:r>
+            <a:r>
+              <a:rPr lang="fr" dirty="0"/>
               <a:t>';</a:t>
             </a:r>
-            <a:endParaRPr/>
-          </a:p>
-          <a:p>
-            <a:pPr indent="0" lvl="0" marL="0" rtl="0" algn="l">
+            <a:endParaRPr dirty="0"/>
+          </a:p>
+          <a:p>
+            <a:pPr marL="0" lvl="0" indent="0" algn="l" rtl="0">
               <a:spcBef>
                 <a:spcPts val="1200"/>
               </a:spcBef>
@@ -10876,13 +11020,13 @@
               <a:buNone/>
             </a:pPr>
             <a:r>
-              <a:rPr lang="fr"/>
+              <a:rPr lang="fr" dirty="0"/>
               <a:t> foreach($ages as $clef =&gt; $valeur){</a:t>
             </a:r>
-            <a:endParaRPr/>
-          </a:p>
-          <a:p>
-            <a:pPr indent="0" lvl="0" marL="0" rtl="0" algn="l">
+            <a:endParaRPr dirty="0"/>
+          </a:p>
+          <a:p>
+            <a:pPr marL="0" lvl="0" indent="0" algn="l" rtl="0">
               <a:spcBef>
                 <a:spcPts val="1200"/>
               </a:spcBef>
@@ -10892,13 +11036,13 @@
               <a:buNone/>
             </a:pPr>
             <a:r>
-              <a:rPr lang="fr"/>
+              <a:rPr lang="fr" dirty="0"/>
               <a:t>                echo $clef. ' a ' .$valeur. ' ans&lt;br&gt;';</a:t>
             </a:r>
-            <a:endParaRPr/>
-          </a:p>
-          <a:p>
-            <a:pPr indent="0" lvl="0" marL="0" rtl="0" algn="l">
+            <a:endParaRPr dirty="0"/>
+          </a:p>
+          <a:p>
+            <a:pPr marL="0" lvl="0" indent="0" algn="l" rtl="0">
               <a:spcBef>
                 <a:spcPts val="1200"/>
               </a:spcBef>
@@ -10908,10 +11052,10 @@
               <a:buNone/>
             </a:pPr>
             <a:r>
-              <a:rPr lang="fr"/>
+              <a:rPr lang="fr" dirty="0"/>
               <a:t>            }</a:t>
             </a:r>
-            <a:endParaRPr/>
+            <a:endParaRPr dirty="0"/>
           </a:p>
         </p:txBody>
       </p:sp>
@@ -10924,11 +11068,11 @@
 </file>
 
 <file path=ppt/slides/slide16.xml><?xml version="1.0" encoding="utf-8"?>
-<p:sld xmlns:a="http://schemas.openxmlformats.org/drawingml/2006/main" xmlns:r="http://schemas.openxmlformats.org/officeDocument/2006/relationships" xmlns:mc="http://schemas.openxmlformats.org/markup-compatibility/2006" xmlns:mv="urn:schemas-microsoft-com:mac:vml" xmlns:p="http://schemas.openxmlformats.org/presentationml/2006/main" xmlns:c="http://schemas.openxmlformats.org/drawingml/2006/chart" xmlns:dgm="http://schemas.openxmlformats.org/drawingml/2006/diagram" xmlns:o="urn:schemas-microsoft-com:office:office" xmlns:v="urn:schemas-microsoft-com:vml" xmlns:pvml="urn:schemas-microsoft-com:office:powerpoint" xmlns:com="http://schemas.openxmlformats.org/drawingml/2006/compatibility" xmlns:p14="http://schemas.microsoft.com/office/powerpoint/2010/main" xmlns:p15="http://schemas.microsoft.com/office/powerpoint/2012/main" xmlns:ahyp="http://schemas.microsoft.com/office/drawing/2018/hyperlinkcolor">
+<p:sld xmlns:a="http://schemas.openxmlformats.org/drawingml/2006/main" xmlns:r="http://schemas.openxmlformats.org/officeDocument/2006/relationships" xmlns:p="http://schemas.openxmlformats.org/presentationml/2006/main">
   <p:cSld>
     <p:spTree>
       <p:nvGrpSpPr>
-        <p:cNvPr id="176" name="Shape 176"/>
+        <p:cNvPr id="1" name="Shape 176"/>
         <p:cNvGrpSpPr/>
         <p:nvPr/>
       </p:nvGrpSpPr>
@@ -10943,7 +11087,9 @@
       <p:sp>
         <p:nvSpPr>
           <p:cNvPr id="177" name="Google Shape;177;p28"/>
-          <p:cNvSpPr txBox="1"/>
+          <p:cNvSpPr txBox="1">
+            <a:spLocks noGrp="1"/>
+          </p:cNvSpPr>
           <p:nvPr>
             <p:ph type="title"/>
           </p:nvPr>
@@ -10958,12 +11104,12 @@
           </a:prstGeom>
         </p:spPr>
         <p:txBody>
-          <a:bodyPr anchorCtr="0" anchor="t" bIns="91425" lIns="91425" spcFirstLastPara="1" rIns="91425" wrap="square" tIns="91425">
+          <a:bodyPr spcFirstLastPara="1" wrap="square" lIns="91425" tIns="91425" rIns="91425" bIns="91425" anchor="t" anchorCtr="0">
             <a:normAutofit fontScale="90000"/>
           </a:bodyPr>
           <a:lstStyle/>
           <a:p>
-            <a:pPr indent="0" lvl="0" marL="0" rtl="0" algn="l">
+            <a:pPr marL="0" lvl="0" indent="0" algn="l" rtl="0">
               <a:spcBef>
                 <a:spcPts val="0"/>
               </a:spcBef>
@@ -10983,9 +11129,11 @@
       <p:sp>
         <p:nvSpPr>
           <p:cNvPr id="178" name="Google Shape;178;p28"/>
-          <p:cNvSpPr txBox="1"/>
+          <p:cNvSpPr txBox="1">
+            <a:spLocks noGrp="1"/>
+          </p:cNvSpPr>
           <p:nvPr>
-            <p:ph idx="1" type="body"/>
+            <p:ph type="body" idx="1"/>
           </p:nvPr>
         </p:nvSpPr>
         <p:spPr>
@@ -10998,12 +11146,12 @@
           </a:prstGeom>
         </p:spPr>
         <p:txBody>
-          <a:bodyPr anchorCtr="0" anchor="t" bIns="91425" lIns="91425" spcFirstLastPara="1" rIns="91425" wrap="square" tIns="91425">
-            <a:normAutofit fontScale="92500" lnSpcReduction="10000"/>
+          <a:bodyPr spcFirstLastPara="1" wrap="square" lIns="91425" tIns="91425" rIns="91425" bIns="91425" anchor="t" anchorCtr="0">
+            <a:normAutofit fontScale="85000" lnSpcReduction="10000"/>
           </a:bodyPr>
           <a:lstStyle/>
           <a:p>
-            <a:pPr indent="0" lvl="0" marL="0" rtl="0" algn="l">
+            <a:pPr marL="0" lvl="0" indent="0" algn="l" rtl="0">
               <a:spcBef>
                 <a:spcPts val="0"/>
               </a:spcBef>
@@ -11019,7 +11167,7 @@
             <a:endParaRPr/>
           </a:p>
           <a:p>
-            <a:pPr indent="0" lvl="0" marL="0" rtl="0" algn="l">
+            <a:pPr marL="0" lvl="0" indent="0" algn="l" rtl="0">
               <a:spcBef>
                 <a:spcPts val="1200"/>
               </a:spcBef>
@@ -11035,7 +11183,7 @@
             <a:endParaRPr/>
           </a:p>
           <a:p>
-            <a:pPr indent="0" lvl="0" marL="0" rtl="0" algn="l">
+            <a:pPr marL="0" lvl="0" indent="0" algn="l" rtl="0">
               <a:spcBef>
                 <a:spcPts val="1200"/>
               </a:spcBef>
@@ -11051,7 +11199,7 @@
             <a:endParaRPr/>
           </a:p>
           <a:p>
-            <a:pPr indent="0" lvl="0" marL="0" rtl="0" algn="l">
+            <a:pPr marL="0" lvl="0" indent="0" algn="l" rtl="0">
               <a:spcBef>
                 <a:spcPts val="1200"/>
               </a:spcBef>
@@ -11080,7 +11228,7 @@
             <a:endParaRPr/>
           </a:p>
           <a:p>
-            <a:pPr indent="0" lvl="0" marL="0" rtl="0" algn="l">
+            <a:pPr marL="0" lvl="0" indent="0" algn="l" rtl="0">
               <a:spcBef>
                 <a:spcPts val="1200"/>
               </a:spcBef>
@@ -11096,7 +11244,7 @@
             <a:endParaRPr/>
           </a:p>
           <a:p>
-            <a:pPr indent="0" lvl="0" marL="1371600" rtl="0" algn="l">
+            <a:pPr marL="1371600" lvl="0" indent="0" algn="l" rtl="0">
               <a:spcBef>
                 <a:spcPts val="1200"/>
               </a:spcBef>
@@ -11112,7 +11260,7 @@
             <a:endParaRPr/>
           </a:p>
           <a:p>
-            <a:pPr indent="0" lvl="0" marL="0" rtl="0" algn="l">
+            <a:pPr marL="0" lvl="0" indent="0" algn="l" rtl="0">
               <a:spcBef>
                 <a:spcPts val="1200"/>
               </a:spcBef>
@@ -11149,12 +11297,12 @@
           </a:ln>
         </p:spPr>
         <p:txBody>
-          <a:bodyPr anchorCtr="0" anchor="t" bIns="91425" lIns="91425" spcFirstLastPara="1" rIns="91425" wrap="square" tIns="91425">
+          <a:bodyPr spcFirstLastPara="1" wrap="square" lIns="91425" tIns="91425" rIns="91425" bIns="91425" anchor="t" anchorCtr="0">
             <a:spAutoFit/>
           </a:bodyPr>
           <a:lstStyle/>
           <a:p>
-            <a:pPr indent="0" lvl="0" marL="0" rtl="0" algn="l">
+            <a:pPr marL="0" lvl="0" indent="0" algn="l" rtl="0">
               <a:lnSpc>
                 <a:spcPct val="115000"/>
               </a:lnSpc>
@@ -11189,7 +11337,7 @@
             </a:endParaRPr>
           </a:p>
           <a:p>
-            <a:pPr indent="0" lvl="0" marL="0" rtl="0" algn="l">
+            <a:pPr marL="0" lvl="0" indent="0" algn="l" rtl="0">
               <a:lnSpc>
                 <a:spcPct val="115000"/>
               </a:lnSpc>
@@ -11224,7 +11372,7 @@
             </a:endParaRPr>
           </a:p>
           <a:p>
-            <a:pPr indent="0" lvl="0" marL="0" rtl="0" algn="l">
+            <a:pPr marL="0" lvl="0" indent="0" algn="l" rtl="0">
               <a:lnSpc>
                 <a:spcPct val="115000"/>
               </a:lnSpc>
@@ -11259,7 +11407,7 @@
             </a:endParaRPr>
           </a:p>
           <a:p>
-            <a:pPr indent="0" lvl="0" marL="0" rtl="0" algn="l">
+            <a:pPr marL="0" lvl="0" indent="0" algn="l" rtl="0">
               <a:lnSpc>
                 <a:spcPct val="115000"/>
               </a:lnSpc>
@@ -11301,11 +11449,11 @@
 </file>
 
 <file path=ppt/slides/slide17.xml><?xml version="1.0" encoding="utf-8"?>
-<p:sld xmlns:a="http://schemas.openxmlformats.org/drawingml/2006/main" xmlns:r="http://schemas.openxmlformats.org/officeDocument/2006/relationships" xmlns:mc="http://schemas.openxmlformats.org/markup-compatibility/2006" xmlns:mv="urn:schemas-microsoft-com:mac:vml" xmlns:p="http://schemas.openxmlformats.org/presentationml/2006/main" xmlns:c="http://schemas.openxmlformats.org/drawingml/2006/chart" xmlns:dgm="http://schemas.openxmlformats.org/drawingml/2006/diagram" xmlns:o="urn:schemas-microsoft-com:office:office" xmlns:v="urn:schemas-microsoft-com:vml" xmlns:pvml="urn:schemas-microsoft-com:office:powerpoint" xmlns:com="http://schemas.openxmlformats.org/drawingml/2006/compatibility" xmlns:p14="http://schemas.microsoft.com/office/powerpoint/2010/main" xmlns:p15="http://schemas.microsoft.com/office/powerpoint/2012/main" xmlns:ahyp="http://schemas.microsoft.com/office/drawing/2018/hyperlinkcolor">
+<p:sld xmlns:a="http://schemas.openxmlformats.org/drawingml/2006/main" xmlns:r="http://schemas.openxmlformats.org/officeDocument/2006/relationships" xmlns:p="http://schemas.openxmlformats.org/presentationml/2006/main">
   <p:cSld>
     <p:spTree>
       <p:nvGrpSpPr>
-        <p:cNvPr id="183" name="Shape 183"/>
+        <p:cNvPr id="1" name="Shape 183"/>
         <p:cNvGrpSpPr/>
         <p:nvPr/>
       </p:nvGrpSpPr>
@@ -11320,7 +11468,9 @@
       <p:sp>
         <p:nvSpPr>
           <p:cNvPr id="184" name="Google Shape;184;p29"/>
-          <p:cNvSpPr txBox="1"/>
+          <p:cNvSpPr txBox="1">
+            <a:spLocks noGrp="1"/>
+          </p:cNvSpPr>
           <p:nvPr>
             <p:ph type="title"/>
           </p:nvPr>
@@ -11335,12 +11485,12 @@
           </a:prstGeom>
         </p:spPr>
         <p:txBody>
-          <a:bodyPr anchorCtr="0" anchor="t" bIns="91425" lIns="91425" spcFirstLastPara="1" rIns="91425" wrap="square" tIns="91425">
+          <a:bodyPr spcFirstLastPara="1" wrap="square" lIns="91425" tIns="91425" rIns="91425" bIns="91425" anchor="t" anchorCtr="0">
             <a:normAutofit fontScale="90000"/>
           </a:bodyPr>
           <a:lstStyle/>
           <a:p>
-            <a:pPr indent="0" lvl="0" marL="0" rtl="0" algn="l">
+            <a:pPr marL="0" lvl="0" indent="0" algn="l" rtl="0">
               <a:spcBef>
                 <a:spcPts val="0"/>
               </a:spcBef>
@@ -11360,9 +11510,11 @@
       <p:sp>
         <p:nvSpPr>
           <p:cNvPr id="185" name="Google Shape;185;p29"/>
-          <p:cNvSpPr txBox="1"/>
+          <p:cNvSpPr txBox="1">
+            <a:spLocks noGrp="1"/>
+          </p:cNvSpPr>
           <p:nvPr>
-            <p:ph idx="1" type="body"/>
+            <p:ph type="body" idx="1"/>
           </p:nvPr>
         </p:nvSpPr>
         <p:spPr>
@@ -11375,12 +11527,12 @@
           </a:prstGeom>
         </p:spPr>
         <p:txBody>
-          <a:bodyPr anchorCtr="0" anchor="t" bIns="91425" lIns="91425" spcFirstLastPara="1" rIns="91425" wrap="square" tIns="91425">
-            <a:normAutofit lnSpcReduction="10000"/>
+          <a:bodyPr spcFirstLastPara="1" wrap="square" lIns="91425" tIns="91425" rIns="91425" bIns="91425" anchor="t" anchorCtr="0">
+            <a:normAutofit fontScale="92500" lnSpcReduction="10000"/>
           </a:bodyPr>
           <a:lstStyle/>
           <a:p>
-            <a:pPr indent="0" lvl="0" marL="0" rtl="0" algn="l">
+            <a:pPr marL="0" lvl="0" indent="0" algn="l" rtl="0">
               <a:spcBef>
                 <a:spcPts val="0"/>
               </a:spcBef>
@@ -11396,7 +11548,7 @@
             <a:endParaRPr/>
           </a:p>
           <a:p>
-            <a:pPr indent="0" lvl="0" marL="0" rtl="0" algn="l">
+            <a:pPr marL="0" lvl="0" indent="0" algn="l" rtl="0">
               <a:spcBef>
                 <a:spcPts val="0"/>
               </a:spcBef>
@@ -11412,7 +11564,7 @@
             <a:endParaRPr/>
           </a:p>
           <a:p>
-            <a:pPr indent="0" lvl="0" marL="0" rtl="0" algn="l">
+            <a:pPr marL="0" lvl="0" indent="0" algn="l" rtl="0">
               <a:spcBef>
                 <a:spcPts val="0"/>
               </a:spcBef>
@@ -11428,7 +11580,7 @@
             <a:endParaRPr/>
           </a:p>
           <a:p>
-            <a:pPr indent="0" lvl="0" marL="0" rtl="0" algn="l">
+            <a:pPr marL="0" lvl="0" indent="0" algn="l" rtl="0">
               <a:spcBef>
                 <a:spcPts val="0"/>
               </a:spcBef>
@@ -11444,7 +11596,7 @@
             <a:endParaRPr/>
           </a:p>
           <a:p>
-            <a:pPr indent="0" lvl="0" marL="0" rtl="0" algn="l">
+            <a:pPr marL="0" lvl="0" indent="0" algn="l" rtl="0">
               <a:spcBef>
                 <a:spcPts val="0"/>
               </a:spcBef>
@@ -11460,7 +11612,7 @@
             <a:endParaRPr/>
           </a:p>
           <a:p>
-            <a:pPr indent="0" lvl="0" marL="0" rtl="0" algn="l">
+            <a:pPr marL="0" lvl="0" indent="0" algn="l" rtl="0">
               <a:spcBef>
                 <a:spcPts val="0"/>
               </a:spcBef>
@@ -11476,7 +11628,7 @@
             <a:endParaRPr/>
           </a:p>
           <a:p>
-            <a:pPr indent="0" lvl="0" marL="0" rtl="0" algn="l">
+            <a:pPr marL="0" lvl="0" indent="0" algn="l" rtl="0">
               <a:spcBef>
                 <a:spcPts val="0"/>
               </a:spcBef>
@@ -11492,7 +11644,7 @@
             <a:endParaRPr/>
           </a:p>
           <a:p>
-            <a:pPr indent="0" lvl="0" marL="0" rtl="0" algn="l">
+            <a:pPr marL="0" lvl="0" indent="0" algn="l" rtl="0">
               <a:spcBef>
                 <a:spcPts val="0"/>
               </a:spcBef>
@@ -11508,7 +11660,7 @@
             <a:endParaRPr/>
           </a:p>
           <a:p>
-            <a:pPr indent="0" lvl="0" marL="0" rtl="0" algn="l">
+            <a:pPr marL="0" lvl="0" indent="0" algn="l" rtl="0">
               <a:spcBef>
                 <a:spcPts val="0"/>
               </a:spcBef>
@@ -11545,12 +11697,12 @@
           </a:ln>
         </p:spPr>
         <p:txBody>
-          <a:bodyPr anchorCtr="0" anchor="t" bIns="91425" lIns="91425" spcFirstLastPara="1" rIns="91425" wrap="square" tIns="91425">
+          <a:bodyPr spcFirstLastPara="1" wrap="square" lIns="91425" tIns="91425" rIns="91425" bIns="91425" anchor="t" anchorCtr="0">
             <a:spAutoFit/>
           </a:bodyPr>
           <a:lstStyle/>
           <a:p>
-            <a:pPr indent="0" lvl="0" marL="0" rtl="0" algn="l">
+            <a:pPr marL="0" lvl="0" indent="0" algn="l" rtl="0">
               <a:spcBef>
                 <a:spcPts val="0"/>
               </a:spcBef>
@@ -11576,7 +11728,7 @@
             </a:endParaRPr>
           </a:p>
           <a:p>
-            <a:pPr indent="-342900" lvl="0" marL="457200" rtl="0" algn="l">
+            <a:pPr marL="457200" lvl="0" indent="-342900" algn="l" rtl="0">
               <a:spcBef>
                 <a:spcPts val="0"/>
               </a:spcBef>
@@ -11594,16 +11746,7 @@
                 <a:cs typeface="Roboto"/>
                 <a:sym typeface="Roboto"/>
               </a:rPr>
-              <a:t>crée</a:t>
-            </a:r>
-            <a:r>
-              <a:rPr lang="fr" sz="1800">
-                <a:latin typeface="Roboto"/>
-                <a:ea typeface="Roboto"/>
-                <a:cs typeface="Roboto"/>
-                <a:sym typeface="Roboto"/>
-              </a:rPr>
-              <a:t> une variable locale à la fonction</a:t>
+              <a:t>crée une variable locale à la fonction</a:t>
             </a:r>
             <a:endParaRPr sz="1800">
               <a:latin typeface="Roboto"/>
@@ -11613,7 +11756,7 @@
             </a:endParaRPr>
           </a:p>
           <a:p>
-            <a:pPr indent="-342900" lvl="0" marL="457200" rtl="0" algn="l">
+            <a:pPr marL="457200" lvl="0" indent="-342900" algn="l" rtl="0">
               <a:spcBef>
                 <a:spcPts val="0"/>
               </a:spcBef>
@@ -11641,7 +11784,7 @@
             </a:endParaRPr>
           </a:p>
           <a:p>
-            <a:pPr indent="-342900" lvl="0" marL="457200" rtl="0" algn="l">
+            <a:pPr marL="457200" lvl="0" indent="-342900" algn="l" rtl="0">
               <a:spcBef>
                 <a:spcPts val="0"/>
               </a:spcBef>
@@ -11659,25 +11802,7 @@
                 <a:cs typeface="Roboto"/>
                 <a:sym typeface="Roboto"/>
               </a:rPr>
-              <a:t>variable passée en </a:t>
-            </a:r>
-            <a:r>
-              <a:rPr lang="fr" sz="1800">
-                <a:latin typeface="Roboto"/>
-                <a:ea typeface="Roboto"/>
-                <a:cs typeface="Roboto"/>
-                <a:sym typeface="Roboto"/>
-              </a:rPr>
-              <a:t>paramètre</a:t>
-            </a:r>
-            <a:r>
-              <a:rPr lang="fr" sz="1800">
-                <a:latin typeface="Roboto"/>
-                <a:ea typeface="Roboto"/>
-                <a:cs typeface="Roboto"/>
-                <a:sym typeface="Roboto"/>
-              </a:rPr>
-              <a:t> non affectée</a:t>
+              <a:t>variable passée en paramètre non affectée</a:t>
             </a:r>
             <a:endParaRPr sz="1800">
               <a:latin typeface="Roboto"/>
@@ -11687,7 +11812,7 @@
             </a:endParaRPr>
           </a:p>
           <a:p>
-            <a:pPr indent="0" lvl="0" marL="0" rtl="0" algn="l">
+            <a:pPr marL="0" lvl="0" indent="0" algn="l" rtl="0">
               <a:spcBef>
                 <a:spcPts val="0"/>
               </a:spcBef>
@@ -11713,7 +11838,7 @@
             </a:endParaRPr>
           </a:p>
           <a:p>
-            <a:pPr indent="0" lvl="0" marL="0" rtl="0" algn="l">
+            <a:pPr marL="0" lvl="0" indent="0" algn="l" rtl="0">
               <a:spcBef>
                 <a:spcPts val="0"/>
               </a:spcBef>
@@ -11732,7 +11857,7 @@
               <a:t>… mais à </a:t>
             </a:r>
             <a:r>
-              <a:rPr b="1" lang="fr" sz="1800">
+              <a:rPr lang="fr" sz="1800" b="1">
                 <a:latin typeface="Roboto"/>
                 <a:ea typeface="Roboto"/>
                 <a:cs typeface="Roboto"/>
@@ -11740,7 +11865,7 @@
               </a:rPr>
               <a:t>PROSCRIRE</a:t>
             </a:r>
-            <a:endParaRPr b="1" sz="1800">
+            <a:endParaRPr sz="1800" b="1">
               <a:latin typeface="Roboto"/>
               <a:ea typeface="Roboto"/>
               <a:cs typeface="Roboto"/>
@@ -11758,18 +11883,19 @@
 </file>
 
 <file path=ppt/slides/slide18.xml><?xml version="1.0" encoding="utf-8"?>
-<p:sld xmlns:a="http://schemas.openxmlformats.org/drawingml/2006/main" xmlns:r="http://schemas.openxmlformats.org/officeDocument/2006/relationships" xmlns:mc="http://schemas.openxmlformats.org/markup-compatibility/2006" xmlns:mv="urn:schemas-microsoft-com:mac:vml" xmlns:p="http://schemas.openxmlformats.org/presentationml/2006/main" xmlns:c="http://schemas.openxmlformats.org/drawingml/2006/chart" xmlns:dgm="http://schemas.openxmlformats.org/drawingml/2006/diagram" xmlns:o="urn:schemas-microsoft-com:office:office" xmlns:v="urn:schemas-microsoft-com:vml" xmlns:pvml="urn:schemas-microsoft-com:office:powerpoint" xmlns:com="http://schemas.openxmlformats.org/drawingml/2006/compatibility" xmlns:p14="http://schemas.microsoft.com/office/powerpoint/2010/main" xmlns:p15="http://schemas.microsoft.com/office/powerpoint/2012/main" xmlns:ahyp="http://schemas.microsoft.com/office/drawing/2018/hyperlinkcolor">
+<p:sld xmlns:a="http://schemas.openxmlformats.org/drawingml/2006/main" xmlns:r="http://schemas.openxmlformats.org/officeDocument/2006/relationships" xmlns:p="http://schemas.openxmlformats.org/presentationml/2006/main">
   <p:cSld>
     <p:bg>
       <p:bgPr>
         <a:solidFill>
           <a:srgbClr val="CCCCCC"/>
         </a:solidFill>
+        <a:effectLst/>
       </p:bgPr>
     </p:bg>
     <p:spTree>
       <p:nvGrpSpPr>
-        <p:cNvPr id="190" name="Shape 190"/>
+        <p:cNvPr id="1" name="Shape 190"/>
         <p:cNvGrpSpPr/>
         <p:nvPr/>
       </p:nvGrpSpPr>
@@ -11784,7 +11910,9 @@
       <p:sp>
         <p:nvSpPr>
           <p:cNvPr id="191" name="Google Shape;191;p30"/>
-          <p:cNvSpPr txBox="1"/>
+          <p:cNvSpPr txBox="1">
+            <a:spLocks noGrp="1"/>
+          </p:cNvSpPr>
           <p:nvPr>
             <p:ph type="title"/>
           </p:nvPr>
@@ -11799,12 +11927,12 @@
           </a:prstGeom>
         </p:spPr>
         <p:txBody>
-          <a:bodyPr anchorCtr="0" anchor="t" bIns="91425" lIns="91425" spcFirstLastPara="1" rIns="91425" wrap="square" tIns="91425">
+          <a:bodyPr spcFirstLastPara="1" wrap="square" lIns="91425" tIns="91425" rIns="91425" bIns="91425" anchor="t" anchorCtr="0">
             <a:normAutofit fontScale="90000"/>
           </a:bodyPr>
           <a:lstStyle/>
           <a:p>
-            <a:pPr indent="0" lvl="0" marL="0" rtl="0" algn="l">
+            <a:pPr marL="0" lvl="0" indent="0" algn="l" rtl="0">
               <a:spcBef>
                 <a:spcPts val="0"/>
               </a:spcBef>
@@ -11824,9 +11952,11 @@
       <p:sp>
         <p:nvSpPr>
           <p:cNvPr id="192" name="Google Shape;192;p30"/>
-          <p:cNvSpPr txBox="1"/>
+          <p:cNvSpPr txBox="1">
+            <a:spLocks noGrp="1"/>
+          </p:cNvSpPr>
           <p:nvPr>
-            <p:ph idx="1" type="body"/>
+            <p:ph type="body" idx="1"/>
           </p:nvPr>
         </p:nvSpPr>
         <p:spPr>
@@ -11839,12 +11969,12 @@
           </a:prstGeom>
         </p:spPr>
         <p:txBody>
-          <a:bodyPr anchorCtr="0" anchor="t" bIns="91425" lIns="91425" spcFirstLastPara="1" rIns="91425" wrap="square" tIns="91425">
-            <a:normAutofit fontScale="62500"/>
+          <a:bodyPr spcFirstLastPara="1" wrap="square" lIns="91425" tIns="91425" rIns="91425" bIns="91425" anchor="t" anchorCtr="0">
+            <a:normAutofit fontScale="70000" lnSpcReduction="10000"/>
           </a:bodyPr>
           <a:lstStyle/>
           <a:p>
-            <a:pPr indent="0" lvl="0" marL="0" rtl="0" algn="l">
+            <a:pPr marL="0" lvl="0" indent="0" algn="l" rtl="0">
               <a:spcBef>
                 <a:spcPts val="0"/>
               </a:spcBef>
@@ -11860,7 +11990,7 @@
             <a:endParaRPr/>
           </a:p>
           <a:p>
-            <a:pPr indent="0" lvl="0" marL="0" rtl="0" algn="l">
+            <a:pPr marL="0" lvl="0" indent="0" algn="l" rtl="0">
               <a:spcBef>
                 <a:spcPts val="1200"/>
               </a:spcBef>
@@ -11876,7 +12006,7 @@
             <a:endParaRPr/>
           </a:p>
           <a:p>
-            <a:pPr indent="0" lvl="0" marL="0" rtl="0" algn="l">
+            <a:pPr marL="0" lvl="0" indent="0" algn="l" rtl="0">
               <a:spcBef>
                 <a:spcPts val="1200"/>
               </a:spcBef>
@@ -11886,7 +12016,7 @@
               <a:buNone/>
             </a:pPr>
             <a:r>
-              <a:rPr b="1" lang="fr"/>
+              <a:rPr lang="fr" b="1"/>
               <a:t>Etape 1</a:t>
             </a:r>
             <a:r>
@@ -11896,7 +12026,7 @@
             <a:endParaRPr/>
           </a:p>
           <a:p>
-            <a:pPr indent="0" lvl="0" marL="0" rtl="0" algn="l">
+            <a:pPr marL="0" lvl="0" indent="0" algn="l" rtl="0">
               <a:spcBef>
                 <a:spcPts val="1200"/>
               </a:spcBef>
@@ -11912,7 +12042,7 @@
             <a:endParaRPr/>
           </a:p>
           <a:p>
-            <a:pPr indent="0" lvl="0" marL="0" rtl="0" algn="l">
+            <a:pPr marL="0" lvl="0" indent="0" algn="l" rtl="0">
               <a:spcBef>
                 <a:spcPts val="1200"/>
               </a:spcBef>
@@ -11928,7 +12058,7 @@
             <a:endParaRPr/>
           </a:p>
           <a:p>
-            <a:pPr indent="0" lvl="0" marL="0" rtl="0" algn="l">
+            <a:pPr marL="0" lvl="0" indent="0" algn="l" rtl="0">
               <a:spcBef>
                 <a:spcPts val="1200"/>
               </a:spcBef>
@@ -11938,7 +12068,7 @@
               <a:buNone/>
             </a:pPr>
             <a:r>
-              <a:rPr b="1" lang="fr"/>
+              <a:rPr lang="fr" b="1"/>
               <a:t>Etape 2</a:t>
             </a:r>
             <a:r>
@@ -11948,7 +12078,7 @@
             <a:endParaRPr/>
           </a:p>
           <a:p>
-            <a:pPr indent="0" lvl="0" marL="0" rtl="0" algn="l">
+            <a:pPr marL="0" lvl="0" indent="0" algn="l" rtl="0">
               <a:spcBef>
                 <a:spcPts val="1200"/>
               </a:spcBef>
@@ -11985,12 +12115,12 @@
           </a:ln>
         </p:spPr>
         <p:txBody>
-          <a:bodyPr anchorCtr="0" anchor="t" bIns="91425" lIns="91425" spcFirstLastPara="1" rIns="91425" wrap="square" tIns="91425">
+          <a:bodyPr spcFirstLastPara="1" wrap="square" lIns="91425" tIns="91425" rIns="91425" bIns="91425" anchor="t" anchorCtr="0">
             <a:spAutoFit/>
           </a:bodyPr>
           <a:lstStyle/>
           <a:p>
-            <a:pPr indent="0" lvl="0" marL="0" rtl="0" algn="l">
+            <a:pPr marL="0" lvl="0" indent="0" algn="l" rtl="0">
               <a:lnSpc>
                 <a:spcPct val="115000"/>
               </a:lnSpc>
@@ -12003,7 +12133,7 @@
               <a:buNone/>
             </a:pPr>
             <a:r>
-              <a:rPr b="1" lang="fr" sz="1800">
+              <a:rPr lang="fr" sz="1800" b="1">
                 <a:solidFill>
                   <a:schemeClr val="dk2"/>
                 </a:solidFill>
@@ -12037,7 +12167,7 @@
             </a:endParaRPr>
           </a:p>
           <a:p>
-            <a:pPr indent="0" lvl="0" marL="0" rtl="0" algn="l">
+            <a:pPr marL="0" lvl="0" indent="0" algn="l" rtl="0">
               <a:lnSpc>
                 <a:spcPct val="115000"/>
               </a:lnSpc>
@@ -12050,7 +12180,7 @@
               <a:buNone/>
             </a:pPr>
             <a:r>
-              <a:rPr b="1" lang="fr" sz="1800">
+              <a:rPr lang="fr" sz="1800" b="1">
                 <a:solidFill>
                   <a:schemeClr val="dk2"/>
                 </a:solidFill>
@@ -12084,7 +12214,7 @@
             </a:endParaRPr>
           </a:p>
           <a:p>
-            <a:pPr indent="0" lvl="0" marL="0" rtl="0" algn="l">
+            <a:pPr marL="0" lvl="0" indent="0" algn="l" rtl="0">
               <a:lnSpc>
                 <a:spcPct val="115000"/>
               </a:lnSpc>
@@ -12096,9 +12226,6 @@
               </a:spcAft>
               <a:buNone/>
             </a:pPr>
-            <a:r>
-              <a:t/>
-            </a:r>
             <a:endParaRPr sz="1800">
               <a:solidFill>
                 <a:schemeClr val="dk2"/>
@@ -12110,7 +12237,7 @@
             </a:endParaRPr>
           </a:p>
           <a:p>
-            <a:pPr indent="0" lvl="0" marL="0" rtl="0" algn="l">
+            <a:pPr marL="0" lvl="0" indent="0" algn="l" rtl="0">
               <a:lnSpc>
                 <a:spcPct val="115000"/>
               </a:lnSpc>
@@ -12122,9 +12249,6 @@
               </a:spcAft>
               <a:buNone/>
             </a:pPr>
-            <a:r>
-              <a:t/>
-            </a:r>
             <a:endParaRPr sz="1800">
               <a:solidFill>
                 <a:schemeClr val="dk2"/>
@@ -12136,7 +12260,7 @@
             </a:endParaRPr>
           </a:p>
           <a:p>
-            <a:pPr indent="0" lvl="0" marL="0" rtl="0" algn="l">
+            <a:pPr marL="0" lvl="0" indent="0" algn="l" rtl="0">
               <a:spcBef>
                 <a:spcPts val="1200"/>
               </a:spcBef>
@@ -12145,9 +12269,6 @@
               </a:spcAft>
               <a:buNone/>
             </a:pPr>
-            <a:r>
-              <a:t/>
-            </a:r>
             <a:endParaRPr>
               <a:latin typeface="Roboto"/>
               <a:ea typeface="Roboto"/>
@@ -12166,11 +12287,11 @@
 </file>
 
 <file path=ppt/slides/slide19.xml><?xml version="1.0" encoding="utf-8"?>
-<p:sld xmlns:a="http://schemas.openxmlformats.org/drawingml/2006/main" xmlns:r="http://schemas.openxmlformats.org/officeDocument/2006/relationships" xmlns:mc="http://schemas.openxmlformats.org/markup-compatibility/2006" xmlns:mv="urn:schemas-microsoft-com:mac:vml" xmlns:p="http://schemas.openxmlformats.org/presentationml/2006/main" xmlns:c="http://schemas.openxmlformats.org/drawingml/2006/chart" xmlns:dgm="http://schemas.openxmlformats.org/drawingml/2006/diagram" xmlns:o="urn:schemas-microsoft-com:office:office" xmlns:v="urn:schemas-microsoft-com:vml" xmlns:pvml="urn:schemas-microsoft-com:office:powerpoint" xmlns:com="http://schemas.openxmlformats.org/drawingml/2006/compatibility" xmlns:p14="http://schemas.microsoft.com/office/powerpoint/2010/main" xmlns:p15="http://schemas.microsoft.com/office/powerpoint/2012/main" xmlns:ahyp="http://schemas.microsoft.com/office/drawing/2018/hyperlinkcolor">
+<p:sld xmlns:a="http://schemas.openxmlformats.org/drawingml/2006/main" xmlns:r="http://schemas.openxmlformats.org/officeDocument/2006/relationships" xmlns:p="http://schemas.openxmlformats.org/presentationml/2006/main">
   <p:cSld>
     <p:spTree>
       <p:nvGrpSpPr>
-        <p:cNvPr id="197" name="Shape 197"/>
+        <p:cNvPr id="1" name="Shape 197"/>
         <p:cNvGrpSpPr/>
         <p:nvPr/>
       </p:nvGrpSpPr>
@@ -12185,7 +12306,9 @@
       <p:sp>
         <p:nvSpPr>
           <p:cNvPr id="198" name="Google Shape;198;p31"/>
-          <p:cNvSpPr txBox="1"/>
+          <p:cNvSpPr txBox="1">
+            <a:spLocks noGrp="1"/>
+          </p:cNvSpPr>
           <p:nvPr>
             <p:ph type="title"/>
           </p:nvPr>
@@ -12200,12 +12323,12 @@
           </a:prstGeom>
         </p:spPr>
         <p:txBody>
-          <a:bodyPr anchorCtr="0" anchor="t" bIns="91425" lIns="91425" spcFirstLastPara="1" rIns="91425" wrap="square" tIns="91425">
+          <a:bodyPr spcFirstLastPara="1" wrap="square" lIns="91425" tIns="91425" rIns="91425" bIns="91425" anchor="t" anchorCtr="0">
             <a:normAutofit fontScale="90000"/>
           </a:bodyPr>
           <a:lstStyle/>
           <a:p>
-            <a:pPr indent="0" lvl="0" marL="0" rtl="0" algn="l">
+            <a:pPr marL="0" lvl="0" indent="0" algn="l" rtl="0">
               <a:spcBef>
                 <a:spcPts val="0"/>
               </a:spcBef>
@@ -12225,9 +12348,11 @@
       <p:sp>
         <p:nvSpPr>
           <p:cNvPr id="199" name="Google Shape;199;p31"/>
-          <p:cNvSpPr txBox="1"/>
+          <p:cNvSpPr txBox="1">
+            <a:spLocks noGrp="1"/>
+          </p:cNvSpPr>
           <p:nvPr>
-            <p:ph idx="1" type="body"/>
+            <p:ph type="body" idx="1"/>
           </p:nvPr>
         </p:nvSpPr>
         <p:spPr>
@@ -12240,12 +12365,12 @@
           </a:prstGeom>
         </p:spPr>
         <p:txBody>
-          <a:bodyPr anchorCtr="0" anchor="t" bIns="91425" lIns="91425" spcFirstLastPara="1" rIns="91425" wrap="square" tIns="91425">
+          <a:bodyPr spcFirstLastPara="1" wrap="square" lIns="91425" tIns="91425" rIns="91425" bIns="91425" anchor="t" anchorCtr="0">
             <a:normAutofit lnSpcReduction="10000"/>
           </a:bodyPr>
           <a:lstStyle/>
           <a:p>
-            <a:pPr indent="0" lvl="0" marL="0" rtl="0" algn="l">
+            <a:pPr marL="0" lvl="0" indent="0" algn="l" rtl="0">
               <a:spcBef>
                 <a:spcPts val="0"/>
               </a:spcBef>
@@ -12261,7 +12386,7 @@
             <a:endParaRPr/>
           </a:p>
           <a:p>
-            <a:pPr indent="-342900" lvl="0" marL="457200" rtl="0" algn="l">
+            <a:pPr marL="457200" lvl="0" indent="-342900" algn="l" rtl="0">
               <a:spcBef>
                 <a:spcPts val="1200"/>
               </a:spcBef>
@@ -12278,7 +12403,7 @@
             <a:endParaRPr/>
           </a:p>
           <a:p>
-            <a:pPr indent="-342900" lvl="0" marL="457200" rtl="0" algn="l">
+            <a:pPr marL="457200" lvl="0" indent="-342900" algn="l" rtl="0">
               <a:spcBef>
                 <a:spcPts val="0"/>
               </a:spcBef>
@@ -12295,7 +12420,7 @@
             <a:endParaRPr/>
           </a:p>
           <a:p>
-            <a:pPr indent="-342900" lvl="0" marL="457200" rtl="0" algn="l">
+            <a:pPr marL="457200" lvl="0" indent="-342900" algn="l" rtl="0">
               <a:spcBef>
                 <a:spcPts val="0"/>
               </a:spcBef>
@@ -12312,7 +12437,7 @@
             <a:endParaRPr/>
           </a:p>
           <a:p>
-            <a:pPr indent="-342900" lvl="0" marL="457200" rtl="0" algn="l">
+            <a:pPr marL="457200" lvl="0" indent="-342900" algn="l" rtl="0">
               <a:spcBef>
                 <a:spcPts val="0"/>
               </a:spcBef>
@@ -12329,7 +12454,7 @@
             <a:endParaRPr/>
           </a:p>
           <a:p>
-            <a:pPr indent="-342900" lvl="0" marL="457200" rtl="0" algn="l">
+            <a:pPr marL="457200" lvl="0" indent="-342900" algn="l" rtl="0">
               <a:spcBef>
                 <a:spcPts val="0"/>
               </a:spcBef>
@@ -12346,7 +12471,7 @@
             <a:endParaRPr/>
           </a:p>
           <a:p>
-            <a:pPr indent="-342900" lvl="0" marL="457200" rtl="0" algn="l">
+            <a:pPr marL="457200" lvl="0" indent="-342900" algn="l" rtl="0">
               <a:spcBef>
                 <a:spcPts val="0"/>
               </a:spcBef>
@@ -12363,7 +12488,7 @@
             <a:endParaRPr/>
           </a:p>
           <a:p>
-            <a:pPr indent="-342900" lvl="0" marL="457200" rtl="0" algn="l">
+            <a:pPr marL="457200" lvl="0" indent="-342900" algn="l" rtl="0">
               <a:spcBef>
                 <a:spcPts val="0"/>
               </a:spcBef>
@@ -12380,7 +12505,7 @@
             <a:endParaRPr/>
           </a:p>
           <a:p>
-            <a:pPr indent="-342900" lvl="0" marL="457200" rtl="0" algn="l">
+            <a:pPr marL="457200" lvl="0" indent="-342900" algn="l" rtl="0">
               <a:spcBef>
                 <a:spcPts val="0"/>
               </a:spcBef>
@@ -12397,7 +12522,7 @@
             <a:endParaRPr/>
           </a:p>
           <a:p>
-            <a:pPr indent="-342900" lvl="0" marL="457200" rtl="0" algn="l">
+            <a:pPr marL="457200" lvl="0" indent="-342900" algn="l" rtl="0">
               <a:spcBef>
                 <a:spcPts val="0"/>
               </a:spcBef>
@@ -12424,11 +12549,11 @@
 </file>
 
 <file path=ppt/slides/slide2.xml><?xml version="1.0" encoding="utf-8"?>
-<p:sld xmlns:a="http://schemas.openxmlformats.org/drawingml/2006/main" xmlns:r="http://schemas.openxmlformats.org/officeDocument/2006/relationships" xmlns:mc="http://schemas.openxmlformats.org/markup-compatibility/2006" xmlns:mv="urn:schemas-microsoft-com:mac:vml" xmlns:p="http://schemas.openxmlformats.org/presentationml/2006/main" xmlns:c="http://schemas.openxmlformats.org/drawingml/2006/chart" xmlns:dgm="http://schemas.openxmlformats.org/drawingml/2006/diagram" xmlns:o="urn:schemas-microsoft-com:office:office" xmlns:v="urn:schemas-microsoft-com:vml" xmlns:pvml="urn:schemas-microsoft-com:office:powerpoint" xmlns:com="http://schemas.openxmlformats.org/drawingml/2006/compatibility" xmlns:p14="http://schemas.microsoft.com/office/powerpoint/2010/main" xmlns:p15="http://schemas.microsoft.com/office/powerpoint/2012/main" xmlns:ahyp="http://schemas.microsoft.com/office/drawing/2018/hyperlinkcolor">
+<p:sld xmlns:a="http://schemas.openxmlformats.org/drawingml/2006/main" xmlns:r="http://schemas.openxmlformats.org/officeDocument/2006/relationships" xmlns:p="http://schemas.openxmlformats.org/presentationml/2006/main">
   <p:cSld>
     <p:spTree>
       <p:nvGrpSpPr>
-        <p:cNvPr id="90" name="Shape 90"/>
+        <p:cNvPr id="1" name="Shape 90"/>
         <p:cNvGrpSpPr/>
         <p:nvPr/>
       </p:nvGrpSpPr>
@@ -12443,7 +12568,9 @@
       <p:sp>
         <p:nvSpPr>
           <p:cNvPr id="91" name="Google Shape;91;p14"/>
-          <p:cNvSpPr txBox="1"/>
+          <p:cNvSpPr txBox="1">
+            <a:spLocks noGrp="1"/>
+          </p:cNvSpPr>
           <p:nvPr>
             <p:ph type="title"/>
           </p:nvPr>
@@ -12458,12 +12585,12 @@
           </a:prstGeom>
         </p:spPr>
         <p:txBody>
-          <a:bodyPr anchorCtr="0" anchor="t" bIns="91425" lIns="91425" spcFirstLastPara="1" rIns="91425" wrap="square" tIns="91425">
+          <a:bodyPr spcFirstLastPara="1" wrap="square" lIns="91425" tIns="91425" rIns="91425" bIns="91425" anchor="t" anchorCtr="0">
             <a:normAutofit fontScale="90000"/>
           </a:bodyPr>
           <a:lstStyle/>
           <a:p>
-            <a:pPr indent="0" lvl="0" marL="0" rtl="0" algn="l">
+            <a:pPr marL="0" lvl="0" indent="0" algn="l" rtl="0">
               <a:spcBef>
                 <a:spcPts val="0"/>
               </a:spcBef>
@@ -12483,9 +12610,11 @@
       <p:sp>
         <p:nvSpPr>
           <p:cNvPr id="92" name="Google Shape;92;p14"/>
-          <p:cNvSpPr txBox="1"/>
+          <p:cNvSpPr txBox="1">
+            <a:spLocks noGrp="1"/>
+          </p:cNvSpPr>
           <p:nvPr>
-            <p:ph idx="1" type="body"/>
+            <p:ph type="body" idx="1"/>
           </p:nvPr>
         </p:nvSpPr>
         <p:spPr>
@@ -12498,12 +12627,12 @@
           </a:prstGeom>
         </p:spPr>
         <p:txBody>
-          <a:bodyPr anchorCtr="0" anchor="t" bIns="91425" lIns="91425" spcFirstLastPara="1" rIns="91425" wrap="square" tIns="91425">
-            <a:normAutofit fontScale="92500" lnSpcReduction="10000"/>
+          <a:bodyPr spcFirstLastPara="1" wrap="square" lIns="91425" tIns="91425" rIns="91425" bIns="91425" anchor="t" anchorCtr="0">
+            <a:normAutofit lnSpcReduction="10000"/>
           </a:bodyPr>
           <a:lstStyle/>
           <a:p>
-            <a:pPr indent="0" lvl="0" marL="0" rtl="0" algn="l">
+            <a:pPr marL="0" lvl="0" indent="0" algn="l" rtl="0">
               <a:spcBef>
                 <a:spcPts val="0"/>
               </a:spcBef>
@@ -12519,7 +12648,7 @@
             <a:endParaRPr/>
           </a:p>
           <a:p>
-            <a:pPr indent="-334327" lvl="0" marL="457200" rtl="0" algn="l">
+            <a:pPr marL="457200" lvl="0" indent="-334327" algn="l" rtl="0">
               <a:spcBef>
                 <a:spcPts val="1200"/>
               </a:spcBef>
@@ -12536,7 +12665,7 @@
             <a:endParaRPr/>
           </a:p>
           <a:p>
-            <a:pPr indent="-334327" lvl="0" marL="457200" rtl="0" algn="l">
+            <a:pPr marL="457200" lvl="0" indent="-334327" algn="l" rtl="0">
               <a:spcBef>
                 <a:spcPts val="0"/>
               </a:spcBef>
@@ -12553,7 +12682,7 @@
             <a:endParaRPr/>
           </a:p>
           <a:p>
-            <a:pPr indent="-334327" lvl="0" marL="457200" rtl="0" algn="l">
+            <a:pPr marL="457200" lvl="0" indent="-334327" algn="l" rtl="0">
               <a:spcBef>
                 <a:spcPts val="0"/>
               </a:spcBef>
@@ -12570,7 +12699,7 @@
             <a:endParaRPr/>
           </a:p>
           <a:p>
-            <a:pPr indent="-334327" lvl="0" marL="457200" rtl="0" algn="l">
+            <a:pPr marL="457200" lvl="0" indent="-334327" algn="l" rtl="0">
               <a:spcBef>
                 <a:spcPts val="0"/>
               </a:spcBef>
@@ -12587,7 +12716,7 @@
             <a:endParaRPr/>
           </a:p>
           <a:p>
-            <a:pPr indent="0" lvl="0" marL="0" rtl="0" algn="l">
+            <a:pPr marL="0" lvl="0" indent="0" algn="l" rtl="0">
               <a:spcBef>
                 <a:spcPts val="1200"/>
               </a:spcBef>
@@ -12603,7 +12732,7 @@
             <a:endParaRPr/>
           </a:p>
           <a:p>
-            <a:pPr indent="0" lvl="0" marL="0" rtl="0" algn="l">
+            <a:pPr marL="0" lvl="0" indent="0" algn="l" rtl="0">
               <a:spcBef>
                 <a:spcPts val="1200"/>
               </a:spcBef>
@@ -12619,7 +12748,7 @@
             <a:endParaRPr/>
           </a:p>
           <a:p>
-            <a:pPr indent="0" lvl="0" marL="0" rtl="0" algn="l">
+            <a:pPr marL="0" lvl="0" indent="0" algn="l" rtl="0">
               <a:spcBef>
                 <a:spcPts val="1200"/>
               </a:spcBef>
@@ -12628,9 +12757,6 @@
               </a:spcAft>
               <a:buNone/>
             </a:pPr>
-            <a:r>
-              <a:t/>
-            </a:r>
             <a:endParaRPr/>
           </a:p>
         </p:txBody>
@@ -12644,11 +12770,11 @@
 </file>
 
 <file path=ppt/slides/slide20.xml><?xml version="1.0" encoding="utf-8"?>
-<p:sld xmlns:a="http://schemas.openxmlformats.org/drawingml/2006/main" xmlns:r="http://schemas.openxmlformats.org/officeDocument/2006/relationships" xmlns:mc="http://schemas.openxmlformats.org/markup-compatibility/2006" xmlns:mv="urn:schemas-microsoft-com:mac:vml" xmlns:p="http://schemas.openxmlformats.org/presentationml/2006/main" xmlns:c="http://schemas.openxmlformats.org/drawingml/2006/chart" xmlns:dgm="http://schemas.openxmlformats.org/drawingml/2006/diagram" xmlns:o="urn:schemas-microsoft-com:office:office" xmlns:v="urn:schemas-microsoft-com:vml" xmlns:pvml="urn:schemas-microsoft-com:office:powerpoint" xmlns:com="http://schemas.openxmlformats.org/drawingml/2006/compatibility" xmlns:p14="http://schemas.microsoft.com/office/powerpoint/2010/main" xmlns:p15="http://schemas.microsoft.com/office/powerpoint/2012/main" xmlns:ahyp="http://schemas.microsoft.com/office/drawing/2018/hyperlinkcolor">
+<p:sld xmlns:a="http://schemas.openxmlformats.org/drawingml/2006/main" xmlns:r="http://schemas.openxmlformats.org/officeDocument/2006/relationships" xmlns:p="http://schemas.openxmlformats.org/presentationml/2006/main">
   <p:cSld>
     <p:spTree>
       <p:nvGrpSpPr>
-        <p:cNvPr id="203" name="Shape 203"/>
+        <p:cNvPr id="1" name="Shape 203"/>
         <p:cNvGrpSpPr/>
         <p:nvPr/>
       </p:nvGrpSpPr>
@@ -12663,7 +12789,9 @@
       <p:sp>
         <p:nvSpPr>
           <p:cNvPr id="204" name="Google Shape;204;p32"/>
-          <p:cNvSpPr txBox="1"/>
+          <p:cNvSpPr txBox="1">
+            <a:spLocks noGrp="1"/>
+          </p:cNvSpPr>
           <p:nvPr>
             <p:ph type="title"/>
           </p:nvPr>
@@ -12678,12 +12806,12 @@
           </a:prstGeom>
         </p:spPr>
         <p:txBody>
-          <a:bodyPr anchorCtr="0" anchor="t" bIns="91425" lIns="91425" spcFirstLastPara="1" rIns="91425" wrap="square" tIns="91425">
+          <a:bodyPr spcFirstLastPara="1" wrap="square" lIns="91425" tIns="91425" rIns="91425" bIns="91425" anchor="t" anchorCtr="0">
             <a:normAutofit fontScale="90000"/>
           </a:bodyPr>
           <a:lstStyle/>
           <a:p>
-            <a:pPr indent="0" lvl="0" marL="0" rtl="0" algn="l">
+            <a:pPr marL="0" lvl="0" indent="0" algn="l" rtl="0">
               <a:spcBef>
                 <a:spcPts val="0"/>
               </a:spcBef>
@@ -12703,9 +12831,11 @@
       <p:sp>
         <p:nvSpPr>
           <p:cNvPr id="205" name="Google Shape;205;p32"/>
-          <p:cNvSpPr txBox="1"/>
+          <p:cNvSpPr txBox="1">
+            <a:spLocks noGrp="1"/>
+          </p:cNvSpPr>
           <p:nvPr>
-            <p:ph idx="1" type="body"/>
+            <p:ph type="body" idx="1"/>
           </p:nvPr>
         </p:nvSpPr>
         <p:spPr>
@@ -12718,12 +12848,12 @@
           </a:prstGeom>
         </p:spPr>
         <p:txBody>
-          <a:bodyPr anchorCtr="0" anchor="t" bIns="91425" lIns="91425" spcFirstLastPara="1" rIns="91425" wrap="square" tIns="91425">
+          <a:bodyPr spcFirstLastPara="1" wrap="square" lIns="91425" tIns="91425" rIns="91425" bIns="91425" anchor="t" anchorCtr="0">
             <a:normAutofit/>
           </a:bodyPr>
           <a:lstStyle/>
           <a:p>
-            <a:pPr indent="0" lvl="0" marL="0" rtl="0" algn="l">
+            <a:pPr marL="0" lvl="0" indent="0" algn="l" rtl="0">
               <a:spcBef>
                 <a:spcPts val="0"/>
               </a:spcBef>
@@ -12739,7 +12869,7 @@
             <a:endParaRPr/>
           </a:p>
           <a:p>
-            <a:pPr indent="-342900" lvl="0" marL="457200" rtl="0" algn="l">
+            <a:pPr marL="457200" lvl="0" indent="-342900" algn="l" rtl="0">
               <a:spcBef>
                 <a:spcPts val="1200"/>
               </a:spcBef>
@@ -12756,7 +12886,7 @@
             <a:endParaRPr/>
           </a:p>
           <a:p>
-            <a:pPr indent="-342900" lvl="0" marL="457200" rtl="0" algn="l">
+            <a:pPr marL="457200" lvl="0" indent="-342900" algn="l" rtl="0">
               <a:spcBef>
                 <a:spcPts val="0"/>
               </a:spcBef>
@@ -12773,7 +12903,7 @@
             <a:endParaRPr/>
           </a:p>
           <a:p>
-            <a:pPr indent="0" lvl="0" marL="0" rtl="0" algn="l">
+            <a:pPr marL="0" lvl="0" indent="0" algn="l" rtl="0">
               <a:spcBef>
                 <a:spcPts val="1200"/>
               </a:spcBef>
@@ -12784,16 +12914,12 @@
             </a:pPr>
             <a:r>
               <a:rPr lang="fr"/>
-              <a:t>Accès</a:t>
-            </a:r>
-            <a:r>
-              <a:rPr lang="fr"/>
-              <a:t> au cookie: </a:t>
-            </a:r>
-            <a:endParaRPr/>
-          </a:p>
-          <a:p>
-            <a:pPr indent="-342900" lvl="0" marL="457200" rtl="0" algn="l">
+              <a:t>Accès au cookie: </a:t>
+            </a:r>
+            <a:endParaRPr/>
+          </a:p>
+          <a:p>
+            <a:pPr marL="457200" lvl="0" indent="-342900" algn="l" rtl="0">
               <a:spcBef>
                 <a:spcPts val="1200"/>
               </a:spcBef>
@@ -12810,7 +12936,7 @@
             <a:endParaRPr/>
           </a:p>
           <a:p>
-            <a:pPr indent="-342900" lvl="0" marL="457200" rtl="0" algn="l">
+            <a:pPr marL="457200" lvl="0" indent="-342900" algn="l" rtl="0">
               <a:spcBef>
                 <a:spcPts val="0"/>
               </a:spcBef>
@@ -12827,7 +12953,7 @@
             <a:endParaRPr/>
           </a:p>
           <a:p>
-            <a:pPr indent="0" lvl="0" marL="0" rtl="0" algn="l">
+            <a:pPr marL="0" lvl="0" indent="0" algn="l" rtl="0">
               <a:spcBef>
                 <a:spcPts val="1200"/>
               </a:spcBef>
@@ -12836,9 +12962,6 @@
               </a:spcAft>
               <a:buNone/>
             </a:pPr>
-            <a:r>
-              <a:t/>
-            </a:r>
             <a:endParaRPr/>
           </a:p>
         </p:txBody>
@@ -12865,12 +12988,12 @@
           </a:ln>
         </p:spPr>
         <p:txBody>
-          <a:bodyPr anchorCtr="0" anchor="t" bIns="91425" lIns="91425" spcFirstLastPara="1" rIns="91425" wrap="square" tIns="91425">
+          <a:bodyPr spcFirstLastPara="1" wrap="square" lIns="91425" tIns="91425" rIns="91425" bIns="91425" anchor="t" anchorCtr="0">
             <a:spAutoFit/>
           </a:bodyPr>
           <a:lstStyle/>
           <a:p>
-            <a:pPr indent="0" lvl="0" marL="0" rtl="0" algn="l">
+            <a:pPr marL="0" lvl="0" indent="0" algn="l" rtl="0">
               <a:lnSpc>
                 <a:spcPct val="135714"/>
               </a:lnSpc>
@@ -12911,7 +13034,7 @@
             </a:endParaRPr>
           </a:p>
           <a:p>
-            <a:pPr indent="0" lvl="0" marL="0" rtl="0" algn="l">
+            <a:pPr marL="0" lvl="0" indent="0" algn="l" rtl="0">
               <a:lnSpc>
                 <a:spcPct val="135714"/>
               </a:lnSpc>
@@ -13057,7 +13180,7 @@
             </a:endParaRPr>
           </a:p>
           <a:p>
-            <a:pPr indent="0" lvl="0" marL="0" rtl="0" algn="l">
+            <a:pPr marL="0" lvl="0" indent="0" algn="l" rtl="0">
               <a:lnSpc>
                 <a:spcPct val="135714"/>
               </a:lnSpc>
@@ -13098,7 +13221,7 @@
             </a:endParaRPr>
           </a:p>
           <a:p>
-            <a:pPr indent="0" lvl="0" marL="0" rtl="0" algn="l">
+            <a:pPr marL="0" lvl="0" indent="0" algn="l" rtl="0">
               <a:lnSpc>
                 <a:spcPct val="135714"/>
               </a:lnSpc>
@@ -13229,7 +13352,7 @@
             </a:endParaRPr>
           </a:p>
           <a:p>
-            <a:pPr indent="0" lvl="0" marL="0" rtl="0" algn="l">
+            <a:pPr marL="0" lvl="0" indent="0" algn="l" rtl="0">
               <a:lnSpc>
                 <a:spcPct val="135714"/>
               </a:lnSpc>
@@ -13270,7 +13393,7 @@
             </a:endParaRPr>
           </a:p>
           <a:p>
-            <a:pPr indent="0" lvl="0" marL="0" rtl="0" algn="l">
+            <a:pPr marL="0" lvl="0" indent="0" algn="l" rtl="0">
               <a:lnSpc>
                 <a:spcPct val="135714"/>
               </a:lnSpc>
@@ -13326,7 +13449,7 @@
             </a:endParaRPr>
           </a:p>
           <a:p>
-            <a:pPr indent="0" lvl="0" marL="0" rtl="0" algn="l">
+            <a:pPr marL="0" lvl="0" indent="0" algn="l" rtl="0">
               <a:lnSpc>
                 <a:spcPct val="135714"/>
               </a:lnSpc>
@@ -13367,7 +13490,7 @@
             </a:endParaRPr>
           </a:p>
           <a:p>
-            <a:pPr indent="0" lvl="0" marL="0" rtl="0" algn="l">
+            <a:pPr marL="0" lvl="0" indent="0" algn="l" rtl="0">
               <a:lnSpc>
                 <a:spcPct val="135714"/>
               </a:lnSpc>
@@ -13468,7 +13591,7 @@
             </a:endParaRPr>
           </a:p>
           <a:p>
-            <a:pPr indent="0" lvl="0" marL="0" rtl="0" algn="l">
+            <a:pPr marL="0" lvl="0" indent="0" algn="l" rtl="0">
               <a:lnSpc>
                 <a:spcPct val="135714"/>
               </a:lnSpc>
@@ -13629,7 +13752,7 @@
             </a:endParaRPr>
           </a:p>
           <a:p>
-            <a:pPr indent="0" lvl="0" marL="0" rtl="0" algn="l">
+            <a:pPr marL="0" lvl="0" indent="0" algn="l" rtl="0">
               <a:lnSpc>
                 <a:spcPct val="135714"/>
               </a:lnSpc>
@@ -13730,7 +13853,7 @@
             </a:endParaRPr>
           </a:p>
           <a:p>
-            <a:pPr indent="0" lvl="0" marL="0" rtl="0" algn="l">
+            <a:pPr marL="0" lvl="0" indent="0" algn="l" rtl="0">
               <a:lnSpc>
                 <a:spcPct val="135714"/>
               </a:lnSpc>
@@ -13831,7 +13954,7 @@
             </a:endParaRPr>
           </a:p>
           <a:p>
-            <a:pPr indent="0" lvl="0" marL="0" rtl="0" algn="l">
+            <a:pPr marL="0" lvl="0" indent="0" algn="l" rtl="0">
               <a:lnSpc>
                 <a:spcPct val="135714"/>
               </a:lnSpc>
@@ -13872,7 +13995,7 @@
             </a:endParaRPr>
           </a:p>
           <a:p>
-            <a:pPr indent="0" lvl="0" marL="0" rtl="0" algn="l">
+            <a:pPr marL="0" lvl="0" indent="0" algn="l" rtl="0">
               <a:lnSpc>
                 <a:spcPct val="135714"/>
               </a:lnSpc>
@@ -13917,11 +14040,11 @@
 </file>
 
 <file path=ppt/slides/slide21.xml><?xml version="1.0" encoding="utf-8"?>
-<p:sld xmlns:a="http://schemas.openxmlformats.org/drawingml/2006/main" xmlns:r="http://schemas.openxmlformats.org/officeDocument/2006/relationships" xmlns:mc="http://schemas.openxmlformats.org/markup-compatibility/2006" xmlns:mv="urn:schemas-microsoft-com:mac:vml" xmlns:p="http://schemas.openxmlformats.org/presentationml/2006/main" xmlns:c="http://schemas.openxmlformats.org/drawingml/2006/chart" xmlns:dgm="http://schemas.openxmlformats.org/drawingml/2006/diagram" xmlns:o="urn:schemas-microsoft-com:office:office" xmlns:v="urn:schemas-microsoft-com:vml" xmlns:pvml="urn:schemas-microsoft-com:office:powerpoint" xmlns:com="http://schemas.openxmlformats.org/drawingml/2006/compatibility" xmlns:p14="http://schemas.microsoft.com/office/powerpoint/2010/main" xmlns:p15="http://schemas.microsoft.com/office/powerpoint/2012/main" xmlns:ahyp="http://schemas.microsoft.com/office/drawing/2018/hyperlinkcolor">
+<p:sld xmlns:a="http://schemas.openxmlformats.org/drawingml/2006/main" xmlns:r="http://schemas.openxmlformats.org/officeDocument/2006/relationships" xmlns:p="http://schemas.openxmlformats.org/presentationml/2006/main">
   <p:cSld>
     <p:spTree>
       <p:nvGrpSpPr>
-        <p:cNvPr id="210" name="Shape 210"/>
+        <p:cNvPr id="1" name="Shape 210"/>
         <p:cNvGrpSpPr/>
         <p:nvPr/>
       </p:nvGrpSpPr>
@@ -13936,7 +14059,9 @@
       <p:sp>
         <p:nvSpPr>
           <p:cNvPr id="211" name="Google Shape;211;p33"/>
-          <p:cNvSpPr txBox="1"/>
+          <p:cNvSpPr txBox="1">
+            <a:spLocks noGrp="1"/>
+          </p:cNvSpPr>
           <p:nvPr>
             <p:ph type="title"/>
           </p:nvPr>
@@ -13951,12 +14076,12 @@
           </a:prstGeom>
         </p:spPr>
         <p:txBody>
-          <a:bodyPr anchorCtr="0" anchor="t" bIns="91425" lIns="91425" spcFirstLastPara="1" rIns="91425" wrap="square" tIns="91425">
+          <a:bodyPr spcFirstLastPara="1" wrap="square" lIns="91425" tIns="91425" rIns="91425" bIns="91425" anchor="t" anchorCtr="0">
             <a:normAutofit fontScale="90000"/>
           </a:bodyPr>
           <a:lstStyle/>
           <a:p>
-            <a:pPr indent="0" lvl="0" marL="0" rtl="0" algn="l">
+            <a:pPr marL="0" lvl="0" indent="0" algn="l" rtl="0">
               <a:spcBef>
                 <a:spcPts val="0"/>
               </a:spcBef>
@@ -13976,9 +14101,11 @@
       <p:sp>
         <p:nvSpPr>
           <p:cNvPr id="212" name="Google Shape;212;p33"/>
-          <p:cNvSpPr txBox="1"/>
+          <p:cNvSpPr txBox="1">
+            <a:spLocks noGrp="1"/>
+          </p:cNvSpPr>
           <p:nvPr>
-            <p:ph idx="1" type="body"/>
+            <p:ph type="body" idx="1"/>
           </p:nvPr>
         </p:nvSpPr>
         <p:spPr>
@@ -13991,12 +14118,12 @@
           </a:prstGeom>
         </p:spPr>
         <p:txBody>
-          <a:bodyPr anchorCtr="0" anchor="t" bIns="91425" lIns="91425" spcFirstLastPara="1" rIns="91425" wrap="square" tIns="91425">
-            <a:normAutofit lnSpcReduction="20000"/>
+          <a:bodyPr spcFirstLastPara="1" wrap="square" lIns="91425" tIns="91425" rIns="91425" bIns="91425" anchor="t" anchorCtr="0">
+            <a:normAutofit fontScale="85000" lnSpcReduction="10000"/>
           </a:bodyPr>
           <a:lstStyle/>
           <a:p>
-            <a:pPr indent="0" lvl="0" marL="0" rtl="0" algn="l">
+            <a:pPr marL="0" lvl="0" indent="0" algn="l" rtl="0">
               <a:spcBef>
                 <a:spcPts val="0"/>
               </a:spcBef>
@@ -14012,7 +14139,7 @@
             <a:endParaRPr/>
           </a:p>
           <a:p>
-            <a:pPr indent="0" lvl="0" marL="0" rtl="0" algn="l">
+            <a:pPr marL="0" lvl="0" indent="0" algn="l" rtl="0">
               <a:spcBef>
                 <a:spcPts val="1200"/>
               </a:spcBef>
@@ -14028,7 +14155,7 @@
             <a:endParaRPr/>
           </a:p>
           <a:p>
-            <a:pPr indent="0" lvl="0" marL="0" rtl="0" algn="l">
+            <a:pPr marL="0" lvl="0" indent="0" algn="l" rtl="0">
               <a:spcBef>
                 <a:spcPts val="1200"/>
               </a:spcBef>
@@ -14044,7 +14171,7 @@
             <a:endParaRPr/>
           </a:p>
           <a:p>
-            <a:pPr indent="0" lvl="0" marL="0" rtl="0" algn="l">
+            <a:pPr marL="0" lvl="0" indent="0" algn="l" rtl="0">
               <a:spcBef>
                 <a:spcPts val="1200"/>
               </a:spcBef>
@@ -14060,7 +14187,7 @@
             <a:endParaRPr/>
           </a:p>
           <a:p>
-            <a:pPr indent="0" lvl="0" marL="0" rtl="0" algn="l">
+            <a:pPr marL="0" lvl="0" indent="0" algn="l" rtl="0">
               <a:spcBef>
                 <a:spcPts val="1200"/>
               </a:spcBef>
@@ -14076,7 +14203,7 @@
             <a:endParaRPr/>
           </a:p>
           <a:p>
-            <a:pPr indent="0" lvl="0" marL="0" rtl="0" algn="l">
+            <a:pPr marL="0" lvl="0" indent="0" algn="l" rtl="0">
               <a:spcBef>
                 <a:spcPts val="1200"/>
               </a:spcBef>
@@ -14092,7 +14219,7 @@
             <a:endParaRPr/>
           </a:p>
           <a:p>
-            <a:pPr indent="0" lvl="0" marL="0" rtl="0" algn="l">
+            <a:pPr marL="0" lvl="0" indent="0" algn="l" rtl="0">
               <a:spcBef>
                 <a:spcPts val="1200"/>
               </a:spcBef>
@@ -14108,7 +14235,7 @@
             <a:endParaRPr/>
           </a:p>
           <a:p>
-            <a:pPr indent="0" lvl="0" marL="0" rtl="0" algn="l">
+            <a:pPr marL="0" lvl="0" indent="0" algn="l" rtl="0">
               <a:spcBef>
                 <a:spcPts val="1200"/>
               </a:spcBef>
@@ -14145,12 +14272,12 @@
           </a:ln>
         </p:spPr>
         <p:txBody>
-          <a:bodyPr anchorCtr="0" anchor="t" bIns="91425" lIns="91425" spcFirstLastPara="1" rIns="91425" wrap="square" tIns="91425">
+          <a:bodyPr spcFirstLastPara="1" wrap="square" lIns="91425" tIns="91425" rIns="91425" bIns="91425" anchor="t" anchorCtr="0">
             <a:spAutoFit/>
           </a:bodyPr>
           <a:lstStyle/>
           <a:p>
-            <a:pPr indent="0" lvl="0" marL="0" rtl="0" algn="l">
+            <a:pPr marL="0" lvl="0" indent="0" algn="l" rtl="0">
               <a:lnSpc>
                 <a:spcPct val="115000"/>
               </a:lnSpc>
@@ -14163,7 +14290,7 @@
               <a:buNone/>
             </a:pPr>
             <a:r>
-              <a:rPr b="1" lang="fr" sz="1800">
+              <a:rPr lang="fr" sz="1800" b="1">
                 <a:solidFill>
                   <a:srgbClr val="FCE94F"/>
                 </a:solidFill>
@@ -14174,17 +14301,17 @@
               <a:t>( ! )</a:t>
             </a:r>
             <a:r>
-              <a:rPr b="1" lang="fr" sz="1100"/>
+              <a:rPr lang="fr" sz="1100" b="1"/>
               <a:t> Fatal error: Uncaught TypeError: Argument 1 passed to getString() must be of the type string, integer given, called in C:\UwAmp\www\ma-premiere-page\strictmode.php on line 10 and defined in C:\UwAmp\www\ma-premiere-page\strictmode.php on line </a:t>
             </a:r>
             <a:r>
-              <a:rPr b="1" i="1" lang="fr" sz="1100"/>
+              <a:rPr lang="fr" sz="1100" b="1" i="1"/>
               <a:t>5</a:t>
             </a:r>
-            <a:endParaRPr b="1" i="1" sz="1100"/>
-          </a:p>
-          <a:p>
-            <a:pPr indent="0" lvl="0" marL="0" rtl="0" algn="l">
+            <a:endParaRPr sz="1100" b="1" i="1"/>
+          </a:p>
+          <a:p>
+            <a:pPr marL="0" lvl="0" indent="0" algn="l" rtl="0">
               <a:lnSpc>
                 <a:spcPct val="115000"/>
               </a:lnSpc>
@@ -14197,7 +14324,7 @@
               <a:buNone/>
             </a:pPr>
             <a:r>
-              <a:rPr b="1" lang="fr" sz="1800">
+              <a:rPr lang="fr" sz="1800" b="1">
                 <a:solidFill>
                   <a:srgbClr val="FCE94F"/>
                 </a:solidFill>
@@ -14208,17 +14335,17 @@
               <a:t>( ! )</a:t>
             </a:r>
             <a:r>
-              <a:rPr b="1" lang="fr" sz="1100"/>
+              <a:rPr lang="fr" sz="1100" b="1"/>
               <a:t> TypeError: Argument 1 passed to getString() must be of the type string, integer given, called in C:\UwAmp\www\ma-premiere-page\strictmode.php on line 10 in C:\UwAmp\www\ma-premiere-page\strictmode.php on line </a:t>
             </a:r>
             <a:r>
-              <a:rPr b="1" i="1" lang="fr" sz="1100"/>
+              <a:rPr lang="fr" sz="1100" b="1" i="1"/>
               <a:t>5</a:t>
             </a:r>
-            <a:endParaRPr b="1" i="1" sz="1100"/>
-          </a:p>
-          <a:p>
-            <a:pPr indent="0" lvl="0" marL="0" rtl="0" algn="l">
+            <a:endParaRPr sz="1100" b="1" i="1"/>
+          </a:p>
+          <a:p>
+            <a:pPr marL="0" lvl="0" indent="0" algn="l" rtl="0">
               <a:lnSpc>
                 <a:spcPct val="115000"/>
               </a:lnSpc>
@@ -14231,7 +14358,7 @@
               <a:buNone/>
             </a:pPr>
             <a:r>
-              <a:rPr b="1" lang="fr" sz="1100"/>
+              <a:rPr lang="fr" sz="1100" b="1"/>
               <a:t>Call Stack</a:t>
             </a:r>
             <a:endParaRPr>
@@ -14252,11 +14379,11 @@
 </file>
 
 <file path=ppt/slides/slide22.xml><?xml version="1.0" encoding="utf-8"?>
-<p:sld xmlns:a="http://schemas.openxmlformats.org/drawingml/2006/main" xmlns:r="http://schemas.openxmlformats.org/officeDocument/2006/relationships" xmlns:mc="http://schemas.openxmlformats.org/markup-compatibility/2006" xmlns:mv="urn:schemas-microsoft-com:mac:vml" xmlns:p="http://schemas.openxmlformats.org/presentationml/2006/main" xmlns:c="http://schemas.openxmlformats.org/drawingml/2006/chart" xmlns:dgm="http://schemas.openxmlformats.org/drawingml/2006/diagram" xmlns:o="urn:schemas-microsoft-com:office:office" xmlns:v="urn:schemas-microsoft-com:vml" xmlns:pvml="urn:schemas-microsoft-com:office:powerpoint" xmlns:com="http://schemas.openxmlformats.org/drawingml/2006/compatibility" xmlns:p14="http://schemas.microsoft.com/office/powerpoint/2010/main" xmlns:p15="http://schemas.microsoft.com/office/powerpoint/2012/main" xmlns:ahyp="http://schemas.microsoft.com/office/drawing/2018/hyperlinkcolor">
+<p:sld xmlns:a="http://schemas.openxmlformats.org/drawingml/2006/main" xmlns:r="http://schemas.openxmlformats.org/officeDocument/2006/relationships" xmlns:p="http://schemas.openxmlformats.org/presentationml/2006/main">
   <p:cSld>
     <p:spTree>
       <p:nvGrpSpPr>
-        <p:cNvPr id="217" name="Shape 217"/>
+        <p:cNvPr id="1" name="Shape 217"/>
         <p:cNvGrpSpPr/>
         <p:nvPr/>
       </p:nvGrpSpPr>
@@ -14271,7 +14398,9 @@
       <p:sp>
         <p:nvSpPr>
           <p:cNvPr id="218" name="Google Shape;218;p34"/>
-          <p:cNvSpPr txBox="1"/>
+          <p:cNvSpPr txBox="1">
+            <a:spLocks noGrp="1"/>
+          </p:cNvSpPr>
           <p:nvPr>
             <p:ph type="title"/>
           </p:nvPr>
@@ -14286,12 +14415,12 @@
           </a:prstGeom>
         </p:spPr>
         <p:txBody>
-          <a:bodyPr anchorCtr="0" anchor="ctr" bIns="91425" lIns="91425" spcFirstLastPara="1" rIns="91425" wrap="square" tIns="91425">
+          <a:bodyPr spcFirstLastPara="1" wrap="square" lIns="91425" tIns="91425" rIns="91425" bIns="91425" anchor="ctr" anchorCtr="0">
             <a:normAutofit/>
           </a:bodyPr>
           <a:lstStyle/>
           <a:p>
-            <a:pPr indent="0" lvl="0" marL="0" rtl="0" algn="l">
+            <a:pPr marL="0" lvl="0" indent="0" algn="l" rtl="0">
               <a:spcBef>
                 <a:spcPts val="0"/>
               </a:spcBef>
@@ -14326,11 +14455,11 @@
 </file>
 
 <file path=ppt/slides/slide3.xml><?xml version="1.0" encoding="utf-8"?>
-<p:sld xmlns:a="http://schemas.openxmlformats.org/drawingml/2006/main" xmlns:r="http://schemas.openxmlformats.org/officeDocument/2006/relationships" xmlns:mc="http://schemas.openxmlformats.org/markup-compatibility/2006" xmlns:mv="urn:schemas-microsoft-com:mac:vml" xmlns:p="http://schemas.openxmlformats.org/presentationml/2006/main" xmlns:c="http://schemas.openxmlformats.org/drawingml/2006/chart" xmlns:dgm="http://schemas.openxmlformats.org/drawingml/2006/diagram" xmlns:o="urn:schemas-microsoft-com:office:office" xmlns:v="urn:schemas-microsoft-com:vml" xmlns:pvml="urn:schemas-microsoft-com:office:powerpoint" xmlns:com="http://schemas.openxmlformats.org/drawingml/2006/compatibility" xmlns:p14="http://schemas.microsoft.com/office/powerpoint/2010/main" xmlns:p15="http://schemas.microsoft.com/office/powerpoint/2012/main" xmlns:ahyp="http://schemas.microsoft.com/office/drawing/2018/hyperlinkcolor">
+<p:sld xmlns:a="http://schemas.openxmlformats.org/drawingml/2006/main" xmlns:r="http://schemas.openxmlformats.org/officeDocument/2006/relationships" xmlns:p="http://schemas.openxmlformats.org/presentationml/2006/main">
   <p:cSld>
     <p:spTree>
       <p:nvGrpSpPr>
-        <p:cNvPr id="96" name="Shape 96"/>
+        <p:cNvPr id="1" name="Shape 96"/>
         <p:cNvGrpSpPr/>
         <p:nvPr/>
       </p:nvGrpSpPr>
@@ -14345,7 +14474,9 @@
       <p:sp>
         <p:nvSpPr>
           <p:cNvPr id="97" name="Google Shape;97;p15"/>
-          <p:cNvSpPr txBox="1"/>
+          <p:cNvSpPr txBox="1">
+            <a:spLocks noGrp="1"/>
+          </p:cNvSpPr>
           <p:nvPr>
             <p:ph type="title"/>
           </p:nvPr>
@@ -14360,12 +14491,12 @@
           </a:prstGeom>
         </p:spPr>
         <p:txBody>
-          <a:bodyPr anchorCtr="0" anchor="t" bIns="91425" lIns="91425" spcFirstLastPara="1" rIns="91425" wrap="square" tIns="91425">
+          <a:bodyPr spcFirstLastPara="1" wrap="square" lIns="91425" tIns="91425" rIns="91425" bIns="91425" anchor="t" anchorCtr="0">
             <a:normAutofit fontScale="90000"/>
           </a:bodyPr>
           <a:lstStyle/>
           <a:p>
-            <a:pPr indent="0" lvl="0" marL="0" rtl="0" algn="l">
+            <a:pPr marL="0" lvl="0" indent="0" algn="l" rtl="0">
               <a:spcBef>
                 <a:spcPts val="0"/>
               </a:spcBef>
@@ -14385,9 +14516,11 @@
       <p:sp>
         <p:nvSpPr>
           <p:cNvPr id="98" name="Google Shape;98;p15"/>
-          <p:cNvSpPr txBox="1"/>
+          <p:cNvSpPr txBox="1">
+            <a:spLocks noGrp="1"/>
+          </p:cNvSpPr>
           <p:nvPr>
-            <p:ph idx="1" type="body"/>
+            <p:ph type="body" idx="1"/>
           </p:nvPr>
         </p:nvSpPr>
         <p:spPr>
@@ -14400,12 +14533,12 @@
           </a:prstGeom>
         </p:spPr>
         <p:txBody>
-          <a:bodyPr anchorCtr="0" anchor="t" bIns="91425" lIns="91425" spcFirstLastPara="1" rIns="91425" wrap="square" tIns="91425">
+          <a:bodyPr spcFirstLastPara="1" wrap="square" lIns="91425" tIns="91425" rIns="91425" bIns="91425" anchor="t" anchorCtr="0">
             <a:normAutofit/>
           </a:bodyPr>
           <a:lstStyle/>
           <a:p>
-            <a:pPr indent="0" lvl="0" marL="0" rtl="0" algn="l">
+            <a:pPr marL="0" lvl="0" indent="0" algn="l" rtl="0">
               <a:spcBef>
                 <a:spcPts val="0"/>
               </a:spcBef>
@@ -14421,7 +14554,7 @@
             <a:endParaRPr/>
           </a:p>
           <a:p>
-            <a:pPr indent="-342900" lvl="0" marL="457200" rtl="0" algn="l">
+            <a:pPr marL="457200" lvl="0" indent="-342900" algn="l" rtl="0">
               <a:spcBef>
                 <a:spcPts val="1200"/>
               </a:spcBef>
@@ -14438,7 +14571,7 @@
             <a:endParaRPr/>
           </a:p>
           <a:p>
-            <a:pPr indent="-342900" lvl="0" marL="457200" rtl="0" algn="l">
+            <a:pPr marL="457200" lvl="0" indent="-342900" algn="l" rtl="0">
               <a:spcBef>
                 <a:spcPts val="0"/>
               </a:spcBef>
@@ -14455,7 +14588,7 @@
             <a:endParaRPr/>
           </a:p>
           <a:p>
-            <a:pPr indent="-342900" lvl="0" marL="457200" rtl="0" algn="l">
+            <a:pPr marL="457200" lvl="0" indent="-342900" algn="l" rtl="0">
               <a:spcBef>
                 <a:spcPts val="0"/>
               </a:spcBef>
@@ -14472,7 +14605,7 @@
             <a:endParaRPr/>
           </a:p>
           <a:p>
-            <a:pPr indent="-342900" lvl="0" marL="457200" rtl="0" algn="l">
+            <a:pPr marL="457200" lvl="0" indent="-342900" algn="l" rtl="0">
               <a:spcBef>
                 <a:spcPts val="0"/>
               </a:spcBef>
@@ -14489,7 +14622,7 @@
             <a:endParaRPr/>
           </a:p>
           <a:p>
-            <a:pPr indent="-342900" lvl="0" marL="457200" rtl="0" algn="l">
+            <a:pPr marL="457200" lvl="0" indent="-342900" algn="l" rtl="0">
               <a:spcBef>
                 <a:spcPts val="0"/>
               </a:spcBef>
@@ -14506,7 +14639,7 @@
             <a:endParaRPr/>
           </a:p>
           <a:p>
-            <a:pPr indent="-342900" lvl="0" marL="457200" rtl="0" algn="l">
+            <a:pPr marL="457200" lvl="0" indent="-342900" algn="l" rtl="0">
               <a:spcBef>
                 <a:spcPts val="0"/>
               </a:spcBef>
@@ -14523,7 +14656,7 @@
             <a:endParaRPr/>
           </a:p>
           <a:p>
-            <a:pPr indent="-342900" lvl="0" marL="457200" rtl="0" algn="l">
+            <a:pPr marL="457200" lvl="0" indent="-342900" algn="l" rtl="0">
               <a:spcBef>
                 <a:spcPts val="0"/>
               </a:spcBef>
@@ -14550,11 +14683,11 @@
 </file>
 
 <file path=ppt/slides/slide4.xml><?xml version="1.0" encoding="utf-8"?>
-<p:sld xmlns:a="http://schemas.openxmlformats.org/drawingml/2006/main" xmlns:r="http://schemas.openxmlformats.org/officeDocument/2006/relationships" xmlns:mc="http://schemas.openxmlformats.org/markup-compatibility/2006" xmlns:mv="urn:schemas-microsoft-com:mac:vml" xmlns:p="http://schemas.openxmlformats.org/presentationml/2006/main" xmlns:c="http://schemas.openxmlformats.org/drawingml/2006/chart" xmlns:dgm="http://schemas.openxmlformats.org/drawingml/2006/diagram" xmlns:o="urn:schemas-microsoft-com:office:office" xmlns:v="urn:schemas-microsoft-com:vml" xmlns:pvml="urn:schemas-microsoft-com:office:powerpoint" xmlns:com="http://schemas.openxmlformats.org/drawingml/2006/compatibility" xmlns:p14="http://schemas.microsoft.com/office/powerpoint/2010/main" xmlns:p15="http://schemas.microsoft.com/office/powerpoint/2012/main" xmlns:ahyp="http://schemas.microsoft.com/office/drawing/2018/hyperlinkcolor">
+<p:sld xmlns:a="http://schemas.openxmlformats.org/drawingml/2006/main" xmlns:r="http://schemas.openxmlformats.org/officeDocument/2006/relationships" xmlns:p="http://schemas.openxmlformats.org/presentationml/2006/main">
   <p:cSld>
     <p:spTree>
       <p:nvGrpSpPr>
-        <p:cNvPr id="102" name="Shape 102"/>
+        <p:cNvPr id="1" name="Shape 102"/>
         <p:cNvGrpSpPr/>
         <p:nvPr/>
       </p:nvGrpSpPr>
@@ -14569,7 +14702,9 @@
       <p:sp>
         <p:nvSpPr>
           <p:cNvPr id="103" name="Google Shape;103;p16"/>
-          <p:cNvSpPr txBox="1"/>
+          <p:cNvSpPr txBox="1">
+            <a:spLocks noGrp="1"/>
+          </p:cNvSpPr>
           <p:nvPr>
             <p:ph type="title"/>
           </p:nvPr>
@@ -14584,12 +14719,12 @@
           </a:prstGeom>
         </p:spPr>
         <p:txBody>
-          <a:bodyPr anchorCtr="0" anchor="t" bIns="91425" lIns="91425" spcFirstLastPara="1" rIns="91425" wrap="square" tIns="91425">
+          <a:bodyPr spcFirstLastPara="1" wrap="square" lIns="91425" tIns="91425" rIns="91425" bIns="91425" anchor="t" anchorCtr="0">
             <a:normAutofit fontScale="90000"/>
           </a:bodyPr>
           <a:lstStyle/>
           <a:p>
-            <a:pPr indent="0" lvl="0" marL="0" rtl="0" algn="l">
+            <a:pPr marL="0" lvl="0" indent="0" algn="l" rtl="0">
               <a:spcBef>
                 <a:spcPts val="0"/>
               </a:spcBef>
@@ -14609,9 +14744,11 @@
       <p:sp>
         <p:nvSpPr>
           <p:cNvPr id="104" name="Google Shape;104;p16"/>
-          <p:cNvSpPr txBox="1"/>
+          <p:cNvSpPr txBox="1">
+            <a:spLocks noGrp="1"/>
+          </p:cNvSpPr>
           <p:nvPr>
-            <p:ph idx="1" type="body"/>
+            <p:ph type="body" idx="1"/>
           </p:nvPr>
         </p:nvSpPr>
         <p:spPr>
@@ -14624,12 +14761,12 @@
           </a:prstGeom>
         </p:spPr>
         <p:txBody>
-          <a:bodyPr anchorCtr="0" anchor="t" bIns="91425" lIns="91425" spcFirstLastPara="1" rIns="91425" wrap="square" tIns="91425">
+          <a:bodyPr spcFirstLastPara="1" wrap="square" lIns="91425" tIns="91425" rIns="91425" bIns="91425" anchor="t" anchorCtr="0">
             <a:normAutofit lnSpcReduction="10000"/>
           </a:bodyPr>
           <a:lstStyle/>
           <a:p>
-            <a:pPr indent="0" lvl="0" marL="0" rtl="0" algn="l">
+            <a:pPr marL="0" lvl="0" indent="0" algn="l" rtl="0">
               <a:spcBef>
                 <a:spcPts val="0"/>
               </a:spcBef>
@@ -14645,7 +14782,7 @@
             <a:endParaRPr/>
           </a:p>
           <a:p>
-            <a:pPr indent="-342900" lvl="0" marL="457200" rtl="0" algn="l">
+            <a:pPr marL="457200" lvl="0" indent="-342900" algn="l" rtl="0">
               <a:spcBef>
                 <a:spcPts val="1200"/>
               </a:spcBef>
@@ -14662,7 +14799,7 @@
             <a:endParaRPr/>
           </a:p>
           <a:p>
-            <a:pPr indent="-342900" lvl="0" marL="457200" rtl="0" algn="l">
+            <a:pPr marL="457200" lvl="0" indent="-342900" algn="l" rtl="0">
               <a:spcBef>
                 <a:spcPts val="0"/>
               </a:spcBef>
@@ -14679,7 +14816,7 @@
             <a:endParaRPr/>
           </a:p>
           <a:p>
-            <a:pPr indent="-342900" lvl="0" marL="457200" rtl="0" algn="l">
+            <a:pPr marL="457200" lvl="0" indent="-342900" algn="l" rtl="0">
               <a:spcBef>
                 <a:spcPts val="0"/>
               </a:spcBef>
@@ -14696,7 +14833,7 @@
             <a:endParaRPr/>
           </a:p>
           <a:p>
-            <a:pPr indent="-342900" lvl="0" marL="457200" rtl="0" algn="l">
+            <a:pPr marL="457200" lvl="0" indent="-342900" algn="l" rtl="0">
               <a:spcBef>
                 <a:spcPts val="0"/>
               </a:spcBef>
@@ -14713,7 +14850,7 @@
             <a:endParaRPr/>
           </a:p>
           <a:p>
-            <a:pPr indent="-342900" lvl="0" marL="457200" rtl="0" algn="l">
+            <a:pPr marL="457200" lvl="0" indent="-342900" algn="l" rtl="0">
               <a:spcBef>
                 <a:spcPts val="0"/>
               </a:spcBef>
@@ -14730,7 +14867,7 @@
             <a:endParaRPr/>
           </a:p>
           <a:p>
-            <a:pPr indent="0" lvl="0" marL="0" rtl="0" algn="l">
+            <a:pPr marL="0" lvl="0" indent="0" algn="l" rtl="0">
               <a:spcBef>
                 <a:spcPts val="1200"/>
               </a:spcBef>
@@ -14746,7 +14883,7 @@
             <a:endParaRPr/>
           </a:p>
           <a:p>
-            <a:pPr indent="-342900" lvl="0" marL="457200" rtl="0" algn="l">
+            <a:pPr marL="457200" lvl="0" indent="-342900" algn="l" rtl="0">
               <a:spcBef>
                 <a:spcPts val="1200"/>
               </a:spcBef>
@@ -14763,7 +14900,7 @@
             <a:endParaRPr/>
           </a:p>
           <a:p>
-            <a:pPr indent="-342900" lvl="0" marL="457200" rtl="0" algn="l">
+            <a:pPr marL="457200" lvl="0" indent="-342900" algn="l" rtl="0">
               <a:spcBef>
                 <a:spcPts val="0"/>
               </a:spcBef>
@@ -14790,11 +14927,11 @@
 </file>
 
 <file path=ppt/slides/slide5.xml><?xml version="1.0" encoding="utf-8"?>
-<p:sld xmlns:a="http://schemas.openxmlformats.org/drawingml/2006/main" xmlns:r="http://schemas.openxmlformats.org/officeDocument/2006/relationships" xmlns:mc="http://schemas.openxmlformats.org/markup-compatibility/2006" xmlns:mv="urn:schemas-microsoft-com:mac:vml" xmlns:p="http://schemas.openxmlformats.org/presentationml/2006/main" xmlns:c="http://schemas.openxmlformats.org/drawingml/2006/chart" xmlns:dgm="http://schemas.openxmlformats.org/drawingml/2006/diagram" xmlns:o="urn:schemas-microsoft-com:office:office" xmlns:v="urn:schemas-microsoft-com:vml" xmlns:pvml="urn:schemas-microsoft-com:office:powerpoint" xmlns:com="http://schemas.openxmlformats.org/drawingml/2006/compatibility" xmlns:p14="http://schemas.microsoft.com/office/powerpoint/2010/main" xmlns:p15="http://schemas.microsoft.com/office/powerpoint/2012/main" xmlns:ahyp="http://schemas.microsoft.com/office/drawing/2018/hyperlinkcolor">
+<p:sld xmlns:a="http://schemas.openxmlformats.org/drawingml/2006/main" xmlns:r="http://schemas.openxmlformats.org/officeDocument/2006/relationships" xmlns:p="http://schemas.openxmlformats.org/presentationml/2006/main">
   <p:cSld>
     <p:spTree>
       <p:nvGrpSpPr>
-        <p:cNvPr id="108" name="Shape 108"/>
+        <p:cNvPr id="1" name="Shape 108"/>
         <p:cNvGrpSpPr/>
         <p:nvPr/>
       </p:nvGrpSpPr>
@@ -14809,7 +14946,9 @@
       <p:sp>
         <p:nvSpPr>
           <p:cNvPr id="109" name="Google Shape;109;p17"/>
-          <p:cNvSpPr txBox="1"/>
+          <p:cNvSpPr txBox="1">
+            <a:spLocks noGrp="1"/>
+          </p:cNvSpPr>
           <p:nvPr>
             <p:ph type="title"/>
           </p:nvPr>
@@ -14824,12 +14963,12 @@
           </a:prstGeom>
         </p:spPr>
         <p:txBody>
-          <a:bodyPr anchorCtr="0" anchor="t" bIns="91425" lIns="91425" spcFirstLastPara="1" rIns="91425" wrap="square" tIns="91425">
+          <a:bodyPr spcFirstLastPara="1" wrap="square" lIns="91425" tIns="91425" rIns="91425" bIns="91425" anchor="t" anchorCtr="0">
             <a:normAutofit fontScale="90000"/>
           </a:bodyPr>
           <a:lstStyle/>
           <a:p>
-            <a:pPr indent="0" lvl="0" marL="0" rtl="0" algn="l">
+            <a:pPr marL="0" lvl="0" indent="0" algn="l" rtl="0">
               <a:spcBef>
                 <a:spcPts val="0"/>
               </a:spcBef>
@@ -14849,9 +14988,11 @@
       <p:sp>
         <p:nvSpPr>
           <p:cNvPr id="110" name="Google Shape;110;p17"/>
-          <p:cNvSpPr txBox="1"/>
+          <p:cNvSpPr txBox="1">
+            <a:spLocks noGrp="1"/>
+          </p:cNvSpPr>
           <p:nvPr>
-            <p:ph idx="1" type="body"/>
+            <p:ph type="body" idx="1"/>
           </p:nvPr>
         </p:nvSpPr>
         <p:spPr>
@@ -14864,12 +15005,12 @@
           </a:prstGeom>
         </p:spPr>
         <p:txBody>
-          <a:bodyPr anchorCtr="0" anchor="t" bIns="91425" lIns="91425" spcFirstLastPara="1" rIns="91425" wrap="square" tIns="91425">
+          <a:bodyPr spcFirstLastPara="1" wrap="square" lIns="91425" tIns="91425" rIns="91425" bIns="91425" anchor="t" anchorCtr="0">
             <a:normAutofit/>
           </a:bodyPr>
           <a:lstStyle/>
           <a:p>
-            <a:pPr indent="0" lvl="0" marL="0" rtl="0" algn="l">
+            <a:pPr marL="0" lvl="0" indent="0" algn="l" rtl="0">
               <a:spcBef>
                 <a:spcPts val="0"/>
               </a:spcBef>
@@ -14885,7 +15026,7 @@
             <a:endParaRPr/>
           </a:p>
           <a:p>
-            <a:pPr indent="0" lvl="0" marL="0" rtl="0" algn="l">
+            <a:pPr marL="0" lvl="0" indent="0" algn="l" rtl="0">
               <a:spcBef>
                 <a:spcPts val="1200"/>
               </a:spcBef>
@@ -14901,7 +15042,7 @@
             <a:endParaRPr/>
           </a:p>
           <a:p>
-            <a:pPr indent="0" lvl="0" marL="0" rtl="0" algn="l">
+            <a:pPr marL="0" lvl="0" indent="0" algn="l" rtl="0">
               <a:spcBef>
                 <a:spcPts val="1200"/>
               </a:spcBef>
@@ -14917,7 +15058,7 @@
             <a:endParaRPr/>
           </a:p>
           <a:p>
-            <a:pPr indent="0" lvl="0" marL="0" rtl="0" algn="l">
+            <a:pPr marL="0" lvl="0" indent="0" algn="l" rtl="0">
               <a:spcBef>
                 <a:spcPts val="1200"/>
               </a:spcBef>
@@ -14933,7 +15074,7 @@
             <a:endParaRPr/>
           </a:p>
           <a:p>
-            <a:pPr indent="0" lvl="0" marL="0" rtl="0" algn="l">
+            <a:pPr marL="0" lvl="0" indent="0" algn="l" rtl="0">
               <a:spcBef>
                 <a:spcPts val="1200"/>
               </a:spcBef>
@@ -14949,7 +15090,7 @@
             <a:endParaRPr/>
           </a:p>
           <a:p>
-            <a:pPr indent="0" lvl="0" marL="0" rtl="0" algn="l">
+            <a:pPr marL="0" lvl="0" indent="0" algn="l" rtl="0">
               <a:spcBef>
                 <a:spcPts val="1200"/>
               </a:spcBef>
@@ -14986,12 +15127,12 @@
           </a:ln>
         </p:spPr>
         <p:txBody>
-          <a:bodyPr anchorCtr="0" anchor="t" bIns="91425" lIns="91425" spcFirstLastPara="1" rIns="91425" wrap="square" tIns="91425">
+          <a:bodyPr spcFirstLastPara="1" wrap="square" lIns="91425" tIns="91425" rIns="91425" bIns="91425" anchor="t" anchorCtr="0">
             <a:spAutoFit/>
           </a:bodyPr>
           <a:lstStyle/>
           <a:p>
-            <a:pPr indent="0" lvl="0" marL="0" rtl="0" algn="l">
+            <a:pPr marL="0" lvl="0" indent="0" algn="l" rtl="0">
               <a:spcBef>
                 <a:spcPts val="0"/>
               </a:spcBef>
@@ -15017,7 +15158,7 @@
             </a:endParaRPr>
           </a:p>
           <a:p>
-            <a:pPr indent="0" lvl="0" marL="0" rtl="0" algn="l">
+            <a:pPr marL="0" lvl="0" indent="0" algn="l" rtl="0">
               <a:spcBef>
                 <a:spcPts val="0"/>
               </a:spcBef>
@@ -15043,7 +15184,7 @@
             </a:endParaRPr>
           </a:p>
           <a:p>
-            <a:pPr indent="0" lvl="0" marL="0" rtl="0" algn="l">
+            <a:pPr marL="0" lvl="0" indent="0" algn="l" rtl="0">
               <a:spcBef>
                 <a:spcPts val="0"/>
               </a:spcBef>
@@ -15069,7 +15210,7 @@
             </a:endParaRPr>
           </a:p>
           <a:p>
-            <a:pPr indent="0" lvl="0" marL="0" rtl="0" algn="l">
+            <a:pPr marL="0" lvl="0" indent="0" algn="l" rtl="0">
               <a:spcBef>
                 <a:spcPts val="0"/>
               </a:spcBef>
@@ -15095,7 +15236,7 @@
             </a:endParaRPr>
           </a:p>
           <a:p>
-            <a:pPr indent="0" lvl="0" marL="0" rtl="0" algn="l">
+            <a:pPr marL="0" lvl="0" indent="0" algn="l" rtl="0">
               <a:spcBef>
                 <a:spcPts val="0"/>
               </a:spcBef>
@@ -15121,7 +15262,7 @@
             </a:endParaRPr>
           </a:p>
           <a:p>
-            <a:pPr indent="0" lvl="0" marL="0" rtl="0" algn="l">
+            <a:pPr marL="0" lvl="0" indent="0" algn="l" rtl="0">
               <a:spcBef>
                 <a:spcPts val="0"/>
               </a:spcBef>
@@ -15147,7 +15288,7 @@
             </a:endParaRPr>
           </a:p>
           <a:p>
-            <a:pPr indent="0" lvl="0" marL="0" rtl="0" algn="l">
+            <a:pPr marL="0" lvl="0" indent="0" algn="l" rtl="0">
               <a:spcBef>
                 <a:spcPts val="0"/>
               </a:spcBef>
@@ -15173,7 +15314,7 @@
             </a:endParaRPr>
           </a:p>
           <a:p>
-            <a:pPr indent="0" lvl="0" marL="0" rtl="0" algn="l">
+            <a:pPr marL="0" lvl="0" indent="0" algn="l" rtl="0">
               <a:spcBef>
                 <a:spcPts val="0"/>
               </a:spcBef>
@@ -15199,7 +15340,7 @@
             </a:endParaRPr>
           </a:p>
           <a:p>
-            <a:pPr indent="0" lvl="0" marL="0" rtl="0" algn="l">
+            <a:pPr marL="0" lvl="0" indent="0" algn="l" rtl="0">
               <a:spcBef>
                 <a:spcPts val="0"/>
               </a:spcBef>
@@ -15225,7 +15366,7 @@
             </a:endParaRPr>
           </a:p>
           <a:p>
-            <a:pPr indent="0" lvl="0" marL="0" rtl="0" algn="l">
+            <a:pPr marL="0" lvl="0" indent="0" algn="l" rtl="0">
               <a:spcBef>
                 <a:spcPts val="0"/>
               </a:spcBef>
@@ -15251,7 +15392,7 @@
             </a:endParaRPr>
           </a:p>
           <a:p>
-            <a:pPr indent="0" lvl="0" marL="0" rtl="0" algn="l">
+            <a:pPr marL="0" lvl="0" indent="0" algn="l" rtl="0">
               <a:spcBef>
                 <a:spcPts val="0"/>
               </a:spcBef>
@@ -15277,7 +15418,7 @@
             </a:endParaRPr>
           </a:p>
           <a:p>
-            <a:pPr indent="0" lvl="0" marL="0" rtl="0" algn="l">
+            <a:pPr marL="0" lvl="0" indent="0" algn="l" rtl="0">
               <a:spcBef>
                 <a:spcPts val="0"/>
               </a:spcBef>
@@ -15303,7 +15444,7 @@
             </a:endParaRPr>
           </a:p>
           <a:p>
-            <a:pPr indent="0" lvl="0" marL="0" rtl="0" algn="l">
+            <a:pPr marL="0" lvl="0" indent="0" algn="l" rtl="0">
               <a:spcBef>
                 <a:spcPts val="0"/>
               </a:spcBef>
@@ -15329,7 +15470,7 @@
             </a:endParaRPr>
           </a:p>
           <a:p>
-            <a:pPr indent="0" lvl="0" marL="0" rtl="0" algn="l">
+            <a:pPr marL="0" lvl="0" indent="0" algn="l" rtl="0">
               <a:spcBef>
                 <a:spcPts val="0"/>
               </a:spcBef>
@@ -15355,7 +15496,7 @@
             </a:endParaRPr>
           </a:p>
           <a:p>
-            <a:pPr indent="0" lvl="0" marL="0" rtl="0" algn="l">
+            <a:pPr marL="0" lvl="0" indent="0" algn="l" rtl="0">
               <a:spcBef>
                 <a:spcPts val="0"/>
               </a:spcBef>
@@ -15381,18 +15522,15 @@
             </a:endParaRPr>
           </a:p>
           <a:p>
-            <a:pPr indent="0" lvl="0" marL="0" rtl="0" algn="l">
-              <a:spcBef>
-                <a:spcPts val="0"/>
-              </a:spcBef>
-              <a:spcAft>
-                <a:spcPts val="0"/>
-              </a:spcAft>
-              <a:buNone/>
-            </a:pPr>
-            <a:r>
-              <a:t/>
-            </a:r>
+            <a:pPr marL="0" lvl="0" indent="0" algn="l" rtl="0">
+              <a:spcBef>
+                <a:spcPts val="0"/>
+              </a:spcBef>
+              <a:spcAft>
+                <a:spcPts val="0"/>
+              </a:spcAft>
+              <a:buNone/>
+            </a:pPr>
             <a:endParaRPr>
               <a:latin typeface="Roboto"/>
               <a:ea typeface="Roboto"/>
@@ -15411,11 +15549,11 @@
 </file>
 
 <file path=ppt/slides/slide6.xml><?xml version="1.0" encoding="utf-8"?>
-<p:sld xmlns:a="http://schemas.openxmlformats.org/drawingml/2006/main" xmlns:r="http://schemas.openxmlformats.org/officeDocument/2006/relationships" xmlns:mc="http://schemas.openxmlformats.org/markup-compatibility/2006" xmlns:mv="urn:schemas-microsoft-com:mac:vml" xmlns:p="http://schemas.openxmlformats.org/presentationml/2006/main" xmlns:c="http://schemas.openxmlformats.org/drawingml/2006/chart" xmlns:dgm="http://schemas.openxmlformats.org/drawingml/2006/diagram" xmlns:o="urn:schemas-microsoft-com:office:office" xmlns:v="urn:schemas-microsoft-com:vml" xmlns:pvml="urn:schemas-microsoft-com:office:powerpoint" xmlns:com="http://schemas.openxmlformats.org/drawingml/2006/compatibility" xmlns:p14="http://schemas.microsoft.com/office/powerpoint/2010/main" xmlns:p15="http://schemas.microsoft.com/office/powerpoint/2012/main" xmlns:ahyp="http://schemas.microsoft.com/office/drawing/2018/hyperlinkcolor">
+<p:sld xmlns:a="http://schemas.openxmlformats.org/drawingml/2006/main" xmlns:r="http://schemas.openxmlformats.org/officeDocument/2006/relationships" xmlns:p="http://schemas.openxmlformats.org/presentationml/2006/main">
   <p:cSld>
     <p:spTree>
       <p:nvGrpSpPr>
-        <p:cNvPr id="115" name="Shape 115"/>
+        <p:cNvPr id="1" name="Shape 115"/>
         <p:cNvGrpSpPr/>
         <p:nvPr/>
       </p:nvGrpSpPr>
@@ -15430,7 +15568,9 @@
       <p:sp>
         <p:nvSpPr>
           <p:cNvPr id="116" name="Google Shape;116;p18"/>
-          <p:cNvSpPr txBox="1"/>
+          <p:cNvSpPr txBox="1">
+            <a:spLocks noGrp="1"/>
+          </p:cNvSpPr>
           <p:nvPr>
             <p:ph type="title"/>
           </p:nvPr>
@@ -15445,12 +15585,12 @@
           </a:prstGeom>
         </p:spPr>
         <p:txBody>
-          <a:bodyPr anchorCtr="0" anchor="t" bIns="91425" lIns="91425" spcFirstLastPara="1" rIns="91425" wrap="square" tIns="91425">
+          <a:bodyPr spcFirstLastPara="1" wrap="square" lIns="91425" tIns="91425" rIns="91425" bIns="91425" anchor="t" anchorCtr="0">
             <a:normAutofit fontScale="90000"/>
           </a:bodyPr>
           <a:lstStyle/>
           <a:p>
-            <a:pPr indent="0" lvl="0" marL="0" rtl="0" algn="l">
+            <a:pPr marL="0" lvl="0" indent="0" algn="l" rtl="0">
               <a:spcBef>
                 <a:spcPts val="0"/>
               </a:spcBef>
@@ -15470,9 +15610,11 @@
       <p:sp>
         <p:nvSpPr>
           <p:cNvPr id="117" name="Google Shape;117;p18"/>
-          <p:cNvSpPr txBox="1"/>
+          <p:cNvSpPr txBox="1">
+            <a:spLocks noGrp="1"/>
+          </p:cNvSpPr>
           <p:nvPr>
-            <p:ph idx="1" type="body"/>
+            <p:ph type="body" idx="1"/>
           </p:nvPr>
         </p:nvSpPr>
         <p:spPr>
@@ -15485,12 +15627,12 @@
           </a:prstGeom>
         </p:spPr>
         <p:txBody>
-          <a:bodyPr anchorCtr="0" anchor="t" bIns="91425" lIns="91425" spcFirstLastPara="1" rIns="91425" wrap="square" tIns="91425">
-            <a:normAutofit lnSpcReduction="10000"/>
+          <a:bodyPr spcFirstLastPara="1" wrap="square" lIns="91425" tIns="91425" rIns="91425" bIns="91425" anchor="t" anchorCtr="0">
+            <a:normAutofit fontScale="92500" lnSpcReduction="10000"/>
           </a:bodyPr>
           <a:lstStyle/>
           <a:p>
-            <a:pPr indent="0" lvl="0" marL="0" rtl="0" algn="l">
+            <a:pPr marL="0" lvl="0" indent="0" algn="l" rtl="0">
               <a:spcBef>
                 <a:spcPts val="0"/>
               </a:spcBef>
@@ -15506,7 +15648,7 @@
             <a:endParaRPr/>
           </a:p>
           <a:p>
-            <a:pPr indent="0" lvl="0" marL="0" rtl="0" algn="l">
+            <a:pPr marL="0" lvl="0" indent="0" algn="l" rtl="0">
               <a:spcBef>
                 <a:spcPts val="1200"/>
               </a:spcBef>
@@ -15522,7 +15664,7 @@
             <a:endParaRPr/>
           </a:p>
           <a:p>
-            <a:pPr indent="0" lvl="0" marL="0" rtl="0" algn="l">
+            <a:pPr marL="0" lvl="0" indent="0" algn="l" rtl="0">
               <a:spcBef>
                 <a:spcPts val="1200"/>
               </a:spcBef>
@@ -15538,7 +15680,7 @@
             <a:endParaRPr/>
           </a:p>
           <a:p>
-            <a:pPr indent="0" lvl="0" marL="0" rtl="0" algn="l">
+            <a:pPr marL="0" lvl="0" indent="0" algn="l" rtl="0">
               <a:spcBef>
                 <a:spcPts val="1200"/>
               </a:spcBef>
@@ -15561,7 +15703,7 @@
             <a:endParaRPr/>
           </a:p>
           <a:p>
-            <a:pPr indent="0" lvl="0" marL="0" rtl="0" algn="l">
+            <a:pPr marL="0" lvl="0" indent="0" algn="l" rtl="0">
               <a:spcBef>
                 <a:spcPts val="1200"/>
               </a:spcBef>
@@ -15577,7 +15719,7 @@
             <a:endParaRPr/>
           </a:p>
           <a:p>
-            <a:pPr indent="0" lvl="0" marL="0" rtl="0" algn="l">
+            <a:pPr marL="0" lvl="0" indent="0" algn="l" rtl="0">
               <a:spcBef>
                 <a:spcPts val="1200"/>
               </a:spcBef>
@@ -15614,12 +15756,12 @@
           </a:ln>
         </p:spPr>
         <p:txBody>
-          <a:bodyPr anchorCtr="0" anchor="t" bIns="91425" lIns="91425" spcFirstLastPara="1" rIns="91425" wrap="square" tIns="91425">
+          <a:bodyPr spcFirstLastPara="1" wrap="square" lIns="91425" tIns="91425" rIns="91425" bIns="91425" anchor="t" anchorCtr="0">
             <a:spAutoFit/>
           </a:bodyPr>
           <a:lstStyle/>
           <a:p>
-            <a:pPr indent="0" lvl="0" marL="0" rtl="0" algn="l">
+            <a:pPr marL="0" lvl="0" indent="0" algn="l" rtl="0">
               <a:spcBef>
                 <a:spcPts val="0"/>
               </a:spcBef>
@@ -15645,7 +15787,7 @@
             </a:endParaRPr>
           </a:p>
           <a:p>
-            <a:pPr indent="0" lvl="0" marL="0" rtl="0" algn="l">
+            <a:pPr marL="0" lvl="0" indent="0" algn="l" rtl="0">
               <a:spcBef>
                 <a:spcPts val="0"/>
               </a:spcBef>
@@ -15671,7 +15813,7 @@
             </a:endParaRPr>
           </a:p>
           <a:p>
-            <a:pPr indent="0" lvl="0" marL="0" rtl="0" algn="l">
+            <a:pPr marL="0" lvl="0" indent="0" algn="l" rtl="0">
               <a:spcBef>
                 <a:spcPts val="0"/>
               </a:spcBef>
@@ -15697,7 +15839,7 @@
             </a:endParaRPr>
           </a:p>
           <a:p>
-            <a:pPr indent="0" lvl="0" marL="0" rtl="0" algn="l">
+            <a:pPr marL="0" lvl="0" indent="0" algn="l" rtl="0">
               <a:spcBef>
                 <a:spcPts val="0"/>
               </a:spcBef>
@@ -15723,7 +15865,7 @@
             </a:endParaRPr>
           </a:p>
           <a:p>
-            <a:pPr indent="0" lvl="0" marL="0" rtl="0" algn="l">
+            <a:pPr marL="0" lvl="0" indent="0" algn="l" rtl="0">
               <a:spcBef>
                 <a:spcPts val="0"/>
               </a:spcBef>
@@ -15749,7 +15891,7 @@
             </a:endParaRPr>
           </a:p>
           <a:p>
-            <a:pPr indent="0" lvl="0" marL="0" rtl="0" algn="l">
+            <a:pPr marL="0" lvl="0" indent="0" algn="l" rtl="0">
               <a:spcBef>
                 <a:spcPts val="0"/>
               </a:spcBef>
@@ -15775,18 +15917,15 @@
             </a:endParaRPr>
           </a:p>
           <a:p>
-            <a:pPr indent="0" lvl="0" marL="0" rtl="0" algn="l">
-              <a:spcBef>
-                <a:spcPts val="0"/>
-              </a:spcBef>
-              <a:spcAft>
-                <a:spcPts val="0"/>
-              </a:spcAft>
-              <a:buNone/>
-            </a:pPr>
-            <a:r>
-              <a:t/>
-            </a:r>
+            <a:pPr marL="0" lvl="0" indent="0" algn="l" rtl="0">
+              <a:spcBef>
+                <a:spcPts val="0"/>
+              </a:spcBef>
+              <a:spcAft>
+                <a:spcPts val="0"/>
+              </a:spcAft>
+              <a:buNone/>
+            </a:pPr>
             <a:endParaRPr>
               <a:latin typeface="Roboto"/>
               <a:ea typeface="Roboto"/>
@@ -15805,18 +15944,19 @@
 </file>
 
 <file path=ppt/slides/slide7.xml><?xml version="1.0" encoding="utf-8"?>
-<p:sld xmlns:a="http://schemas.openxmlformats.org/drawingml/2006/main" xmlns:r="http://schemas.openxmlformats.org/officeDocument/2006/relationships" xmlns:mc="http://schemas.openxmlformats.org/markup-compatibility/2006" xmlns:mv="urn:schemas-microsoft-com:mac:vml" xmlns:p="http://schemas.openxmlformats.org/presentationml/2006/main" xmlns:c="http://schemas.openxmlformats.org/drawingml/2006/chart" xmlns:dgm="http://schemas.openxmlformats.org/drawingml/2006/diagram" xmlns:o="urn:schemas-microsoft-com:office:office" xmlns:v="urn:schemas-microsoft-com:vml" xmlns:pvml="urn:schemas-microsoft-com:office:powerpoint" xmlns:com="http://schemas.openxmlformats.org/drawingml/2006/compatibility" xmlns:p14="http://schemas.microsoft.com/office/powerpoint/2010/main" xmlns:p15="http://schemas.microsoft.com/office/powerpoint/2012/main" xmlns:ahyp="http://schemas.microsoft.com/office/drawing/2018/hyperlinkcolor">
+<p:sld xmlns:a="http://schemas.openxmlformats.org/drawingml/2006/main" xmlns:r="http://schemas.openxmlformats.org/officeDocument/2006/relationships" xmlns:p="http://schemas.openxmlformats.org/presentationml/2006/main">
   <p:cSld>
     <p:bg>
       <p:bgPr>
         <a:solidFill>
           <a:srgbClr val="D9D9D9"/>
         </a:solidFill>
+        <a:effectLst/>
       </p:bgPr>
     </p:bg>
     <p:spTree>
       <p:nvGrpSpPr>
-        <p:cNvPr id="122" name="Shape 122"/>
+        <p:cNvPr id="1" name="Shape 122"/>
         <p:cNvGrpSpPr/>
         <p:nvPr/>
       </p:nvGrpSpPr>
@@ -15831,7 +15971,9 @@
       <p:sp>
         <p:nvSpPr>
           <p:cNvPr id="123" name="Google Shape;123;p19"/>
-          <p:cNvSpPr txBox="1"/>
+          <p:cNvSpPr txBox="1">
+            <a:spLocks noGrp="1"/>
+          </p:cNvSpPr>
           <p:nvPr>
             <p:ph type="title"/>
           </p:nvPr>
@@ -15846,12 +15988,12 @@
           </a:prstGeom>
         </p:spPr>
         <p:txBody>
-          <a:bodyPr anchorCtr="0" anchor="t" bIns="91425" lIns="91425" spcFirstLastPara="1" rIns="91425" wrap="square" tIns="91425">
+          <a:bodyPr spcFirstLastPara="1" wrap="square" lIns="91425" tIns="91425" rIns="91425" bIns="91425" anchor="t" anchorCtr="0">
             <a:normAutofit fontScale="90000"/>
           </a:bodyPr>
           <a:lstStyle/>
           <a:p>
-            <a:pPr indent="0" lvl="0" marL="0" rtl="0" algn="l">
+            <a:pPr marL="0" lvl="0" indent="0" algn="l" rtl="0">
               <a:spcBef>
                 <a:spcPts val="0"/>
               </a:spcBef>
@@ -15871,9 +16013,11 @@
       <p:sp>
         <p:nvSpPr>
           <p:cNvPr id="124" name="Google Shape;124;p19"/>
-          <p:cNvSpPr txBox="1"/>
+          <p:cNvSpPr txBox="1">
+            <a:spLocks noGrp="1"/>
+          </p:cNvSpPr>
           <p:nvPr>
-            <p:ph idx="1" type="body"/>
+            <p:ph type="body" idx="1"/>
           </p:nvPr>
         </p:nvSpPr>
         <p:spPr>
@@ -15886,12 +16030,12 @@
           </a:prstGeom>
         </p:spPr>
         <p:txBody>
-          <a:bodyPr anchorCtr="0" anchor="t" bIns="91425" lIns="91425" spcFirstLastPara="1" rIns="91425" wrap="square" tIns="91425">
+          <a:bodyPr spcFirstLastPara="1" wrap="square" lIns="91425" tIns="91425" rIns="91425" bIns="91425" anchor="t" anchorCtr="0">
             <a:normAutofit/>
           </a:bodyPr>
           <a:lstStyle/>
           <a:p>
-            <a:pPr indent="0" lvl="0" marL="0" rtl="0" algn="l">
+            <a:pPr marL="0" lvl="0" indent="0" algn="l" rtl="0">
               <a:spcBef>
                 <a:spcPts val="0"/>
               </a:spcBef>
@@ -15907,7 +16051,7 @@
             <a:endParaRPr/>
           </a:p>
           <a:p>
-            <a:pPr indent="-342900" lvl="0" marL="457200" rtl="0" algn="l">
+            <a:pPr marL="457200" lvl="0" indent="-342900" algn="l" rtl="0">
               <a:spcBef>
                 <a:spcPts val="1200"/>
               </a:spcBef>
@@ -15924,7 +16068,7 @@
             <a:endParaRPr/>
           </a:p>
           <a:p>
-            <a:pPr indent="-342900" lvl="0" marL="457200" rtl="0" algn="l">
+            <a:pPr marL="457200" lvl="0" indent="-342900" algn="l" rtl="0">
               <a:spcBef>
                 <a:spcPts val="0"/>
               </a:spcBef>
@@ -15941,7 +16085,7 @@
             <a:endParaRPr/>
           </a:p>
           <a:p>
-            <a:pPr indent="-342900" lvl="0" marL="457200" rtl="0" algn="l">
+            <a:pPr marL="457200" lvl="0" indent="-342900" algn="l" rtl="0">
               <a:spcBef>
                 <a:spcPts val="0"/>
               </a:spcBef>
@@ -15968,18 +16112,19 @@
 </file>
 
 <file path=ppt/slides/slide8.xml><?xml version="1.0" encoding="utf-8"?>
-<p:sld xmlns:a="http://schemas.openxmlformats.org/drawingml/2006/main" xmlns:r="http://schemas.openxmlformats.org/officeDocument/2006/relationships" xmlns:mc="http://schemas.openxmlformats.org/markup-compatibility/2006" xmlns:mv="urn:schemas-microsoft-com:mac:vml" xmlns:p="http://schemas.openxmlformats.org/presentationml/2006/main" xmlns:c="http://schemas.openxmlformats.org/drawingml/2006/chart" xmlns:dgm="http://schemas.openxmlformats.org/drawingml/2006/diagram" xmlns:o="urn:schemas-microsoft-com:office:office" xmlns:v="urn:schemas-microsoft-com:vml" xmlns:pvml="urn:schemas-microsoft-com:office:powerpoint" xmlns:com="http://schemas.openxmlformats.org/drawingml/2006/compatibility" xmlns:p14="http://schemas.microsoft.com/office/powerpoint/2010/main" xmlns:p15="http://schemas.microsoft.com/office/powerpoint/2012/main" xmlns:ahyp="http://schemas.microsoft.com/office/drawing/2018/hyperlinkcolor">
+<p:sld xmlns:a="http://schemas.openxmlformats.org/drawingml/2006/main" xmlns:r="http://schemas.openxmlformats.org/officeDocument/2006/relationships" xmlns:p="http://schemas.openxmlformats.org/presentationml/2006/main">
   <p:cSld>
     <p:bg>
       <p:bgPr>
         <a:solidFill>
           <a:srgbClr val="D9D9D9"/>
         </a:solidFill>
+        <a:effectLst/>
       </p:bgPr>
     </p:bg>
     <p:spTree>
       <p:nvGrpSpPr>
-        <p:cNvPr id="128" name="Shape 128"/>
+        <p:cNvPr id="1" name="Shape 128"/>
         <p:cNvGrpSpPr/>
         <p:nvPr/>
       </p:nvGrpSpPr>
@@ -15994,7 +16139,9 @@
       <p:sp>
         <p:nvSpPr>
           <p:cNvPr id="129" name="Google Shape;129;p20"/>
-          <p:cNvSpPr txBox="1"/>
+          <p:cNvSpPr txBox="1">
+            <a:spLocks noGrp="1"/>
+          </p:cNvSpPr>
           <p:nvPr>
             <p:ph type="title"/>
           </p:nvPr>
@@ -16009,12 +16156,12 @@
           </a:prstGeom>
         </p:spPr>
         <p:txBody>
-          <a:bodyPr anchorCtr="0" anchor="t" bIns="91425" lIns="91425" spcFirstLastPara="1" rIns="91425" wrap="square" tIns="91425">
+          <a:bodyPr spcFirstLastPara="1" wrap="square" lIns="91425" tIns="91425" rIns="91425" bIns="91425" anchor="t" anchorCtr="0">
             <a:normAutofit fontScale="90000"/>
           </a:bodyPr>
           <a:lstStyle/>
           <a:p>
-            <a:pPr indent="0" lvl="0" marL="0" rtl="0" algn="l">
+            <a:pPr marL="0" lvl="0" indent="0" algn="l" rtl="0">
               <a:spcBef>
                 <a:spcPts val="0"/>
               </a:spcBef>
@@ -16034,9 +16181,11 @@
       <p:sp>
         <p:nvSpPr>
           <p:cNvPr id="130" name="Google Shape;130;p20"/>
-          <p:cNvSpPr txBox="1"/>
+          <p:cNvSpPr txBox="1">
+            <a:spLocks noGrp="1"/>
+          </p:cNvSpPr>
           <p:nvPr>
-            <p:ph idx="1" type="body"/>
+            <p:ph type="body" idx="1"/>
           </p:nvPr>
         </p:nvSpPr>
         <p:spPr>
@@ -16049,12 +16198,12 @@
           </a:prstGeom>
         </p:spPr>
         <p:txBody>
-          <a:bodyPr anchorCtr="0" anchor="t" bIns="91425" lIns="91425" spcFirstLastPara="1" rIns="91425" wrap="square" tIns="91425">
+          <a:bodyPr spcFirstLastPara="1" wrap="square" lIns="91425" tIns="91425" rIns="91425" bIns="91425" anchor="t" anchorCtr="0">
             <a:normAutofit/>
           </a:bodyPr>
           <a:lstStyle/>
           <a:p>
-            <a:pPr indent="0" lvl="0" marL="0" rtl="0" algn="l">
+            <a:pPr marL="0" lvl="0" indent="0" algn="l" rtl="0">
               <a:spcBef>
                 <a:spcPts val="0"/>
               </a:spcBef>
@@ -16070,7 +16219,7 @@
             <a:endParaRPr/>
           </a:p>
           <a:p>
-            <a:pPr indent="-342900" lvl="0" marL="457200" rtl="0" algn="l">
+            <a:pPr marL="457200" lvl="0" indent="-342900" algn="l" rtl="0">
               <a:spcBef>
                 <a:spcPts val="1200"/>
               </a:spcBef>
@@ -16087,7 +16236,7 @@
             <a:endParaRPr/>
           </a:p>
           <a:p>
-            <a:pPr indent="-342900" lvl="0" marL="457200" rtl="0" algn="l">
+            <a:pPr marL="457200" lvl="0" indent="-342900" algn="l" rtl="0">
               <a:spcBef>
                 <a:spcPts val="0"/>
               </a:spcBef>
@@ -16104,7 +16253,7 @@
             <a:endParaRPr/>
           </a:p>
           <a:p>
-            <a:pPr indent="-342900" lvl="0" marL="457200" rtl="0" algn="l">
+            <a:pPr marL="457200" lvl="0" indent="-342900" algn="l" rtl="0">
               <a:spcBef>
                 <a:spcPts val="0"/>
               </a:spcBef>
@@ -16121,7 +16270,7 @@
             <a:endParaRPr/>
           </a:p>
           <a:p>
-            <a:pPr indent="0" lvl="0" marL="0" rtl="0" algn="l">
+            <a:pPr marL="0" lvl="0" indent="0" algn="l" rtl="0">
               <a:spcBef>
                 <a:spcPts val="1200"/>
               </a:spcBef>
@@ -16137,7 +16286,7 @@
             <a:endParaRPr/>
           </a:p>
           <a:p>
-            <a:pPr indent="0" lvl="0" marL="0" rtl="0" algn="l">
+            <a:pPr marL="0" lvl="0" indent="0" algn="l" rtl="0">
               <a:spcBef>
                 <a:spcPts val="1200"/>
               </a:spcBef>
@@ -16163,18 +16312,19 @@
 </file>
 
 <file path=ppt/slides/slide9.xml><?xml version="1.0" encoding="utf-8"?>
-<p:sld xmlns:a="http://schemas.openxmlformats.org/drawingml/2006/main" xmlns:r="http://schemas.openxmlformats.org/officeDocument/2006/relationships" xmlns:mc="http://schemas.openxmlformats.org/markup-compatibility/2006" xmlns:mv="urn:schemas-microsoft-com:mac:vml" xmlns:p="http://schemas.openxmlformats.org/presentationml/2006/main" xmlns:c="http://schemas.openxmlformats.org/drawingml/2006/chart" xmlns:dgm="http://schemas.openxmlformats.org/drawingml/2006/diagram" xmlns:o="urn:schemas-microsoft-com:office:office" xmlns:v="urn:schemas-microsoft-com:vml" xmlns:pvml="urn:schemas-microsoft-com:office:powerpoint" xmlns:com="http://schemas.openxmlformats.org/drawingml/2006/compatibility" xmlns:p14="http://schemas.microsoft.com/office/powerpoint/2010/main" xmlns:p15="http://schemas.microsoft.com/office/powerpoint/2012/main" xmlns:ahyp="http://schemas.microsoft.com/office/drawing/2018/hyperlinkcolor">
+<p:sld xmlns:a="http://schemas.openxmlformats.org/drawingml/2006/main" xmlns:r="http://schemas.openxmlformats.org/officeDocument/2006/relationships" xmlns:p="http://schemas.openxmlformats.org/presentationml/2006/main">
   <p:cSld>
     <p:bg>
       <p:bgPr>
         <a:solidFill>
           <a:srgbClr val="D9D9D9"/>
         </a:solidFill>
+        <a:effectLst/>
       </p:bgPr>
     </p:bg>
     <p:spTree>
       <p:nvGrpSpPr>
-        <p:cNvPr id="134" name="Shape 134"/>
+        <p:cNvPr id="1" name="Shape 134"/>
         <p:cNvGrpSpPr/>
         <p:nvPr/>
       </p:nvGrpSpPr>
@@ -16189,7 +16339,9 @@
       <p:sp>
         <p:nvSpPr>
           <p:cNvPr id="135" name="Google Shape;135;p21"/>
-          <p:cNvSpPr txBox="1"/>
+          <p:cNvSpPr txBox="1">
+            <a:spLocks noGrp="1"/>
+          </p:cNvSpPr>
           <p:nvPr>
             <p:ph type="title"/>
           </p:nvPr>
@@ -16204,12 +16356,12 @@
           </a:prstGeom>
         </p:spPr>
         <p:txBody>
-          <a:bodyPr anchorCtr="0" anchor="t" bIns="91425" lIns="91425" spcFirstLastPara="1" rIns="91425" wrap="square" tIns="91425">
+          <a:bodyPr spcFirstLastPara="1" wrap="square" lIns="91425" tIns="91425" rIns="91425" bIns="91425" anchor="t" anchorCtr="0">
             <a:normAutofit fontScale="90000"/>
           </a:bodyPr>
           <a:lstStyle/>
           <a:p>
-            <a:pPr indent="0" lvl="0" marL="0" rtl="0" algn="l">
+            <a:pPr marL="0" lvl="0" indent="0" algn="l" rtl="0">
               <a:spcBef>
                 <a:spcPts val="0"/>
               </a:spcBef>
@@ -16229,9 +16381,11 @@
       <p:sp>
         <p:nvSpPr>
           <p:cNvPr id="136" name="Google Shape;136;p21"/>
-          <p:cNvSpPr txBox="1"/>
+          <p:cNvSpPr txBox="1">
+            <a:spLocks noGrp="1"/>
+          </p:cNvSpPr>
           <p:nvPr>
-            <p:ph idx="1" type="body"/>
+            <p:ph type="body" idx="1"/>
           </p:nvPr>
         </p:nvSpPr>
         <p:spPr>
@@ -16244,12 +16398,12 @@
           </a:prstGeom>
         </p:spPr>
         <p:txBody>
-          <a:bodyPr anchorCtr="0" anchor="t" bIns="91425" lIns="91425" spcFirstLastPara="1" rIns="91425" wrap="square" tIns="91425">
+          <a:bodyPr spcFirstLastPara="1" wrap="square" lIns="91425" tIns="91425" rIns="91425" bIns="91425" anchor="t" anchorCtr="0">
             <a:normAutofit/>
           </a:bodyPr>
           <a:lstStyle/>
           <a:p>
-            <a:pPr indent="0" lvl="0" marL="0" rtl="0" algn="l">
+            <a:pPr marL="0" lvl="0" indent="0" algn="l" rtl="0">
               <a:spcBef>
                 <a:spcPts val="0"/>
               </a:spcBef>
@@ -16265,7 +16419,7 @@
             <a:endParaRPr/>
           </a:p>
           <a:p>
-            <a:pPr indent="-342900" lvl="0" marL="457200" rtl="0" algn="l">
+            <a:pPr marL="457200" lvl="0" indent="-342900" algn="l" rtl="0">
               <a:spcBef>
                 <a:spcPts val="1200"/>
               </a:spcBef>
@@ -16282,7 +16436,7 @@
             <a:endParaRPr/>
           </a:p>
           <a:p>
-            <a:pPr indent="-342900" lvl="0" marL="457200" rtl="0" algn="l">
+            <a:pPr marL="457200" lvl="0" indent="-342900" algn="l" rtl="0">
               <a:spcBef>
                 <a:spcPts val="0"/>
               </a:spcBef>
@@ -16299,7 +16453,7 @@
             <a:endParaRPr/>
           </a:p>
           <a:p>
-            <a:pPr indent="-342900" lvl="0" marL="457200" rtl="0" algn="l">
+            <a:pPr marL="457200" lvl="0" indent="-342900" algn="l" rtl="0">
               <a:spcBef>
                 <a:spcPts val="0"/>
               </a:spcBef>
@@ -16316,7 +16470,7 @@
             <a:endParaRPr/>
           </a:p>
           <a:p>
-            <a:pPr indent="-342900" lvl="0" marL="457200" rtl="0" algn="l">
+            <a:pPr marL="457200" lvl="0" indent="-342900" algn="l" rtl="0">
               <a:spcBef>
                 <a:spcPts val="0"/>
               </a:spcBef>
@@ -16333,7 +16487,7 @@
             <a:endParaRPr/>
           </a:p>
           <a:p>
-            <a:pPr indent="-317500" lvl="1" marL="914400" rtl="0" algn="l">
+            <a:pPr marL="914400" lvl="1" indent="-317500" algn="l" rtl="0">
               <a:spcBef>
                 <a:spcPts val="0"/>
               </a:spcBef>
@@ -16360,7 +16514,7 @@
 </file>
 
 <file path=ppt/theme/theme1.xml><?xml version="1.0" encoding="utf-8"?>
-<a:theme xmlns:a="http://schemas.openxmlformats.org/drawingml/2006/main" xmlns:r="http://schemas.openxmlformats.org/officeDocument/2006/relationships" name="Geometric">
+<a:theme xmlns:a="http://schemas.openxmlformats.org/drawingml/2006/main" name="Geometric">
   <a:themeElements>
     <a:clrScheme name="Geometric">
       <a:dk1>
@@ -16635,11 +16789,13 @@
       </a:bgFillStyleLst>
     </a:fmtScheme>
   </a:themeElements>
+  <a:objectDefaults/>
+  <a:extraClrSchemeLst/>
 </a:theme>
 </file>
 
 <file path=ppt/theme/theme2.xml><?xml version="1.0" encoding="utf-8"?>
-<a:theme xmlns:a="http://schemas.openxmlformats.org/drawingml/2006/main" xmlns:r="http://schemas.openxmlformats.org/officeDocument/2006/relationships">
+<a:theme xmlns:a="http://schemas.openxmlformats.org/drawingml/2006/main">
   <a:themeElements>
     <a:clrScheme name="Default">
       <a:dk1>
@@ -16914,5 +17070,7 @@
       </a:bgFillStyleLst>
     </a:fmtScheme>
   </a:themeElements>
+  <a:objectDefaults/>
+  <a:extraClrSchemeLst/>
 </a:theme>
 </file>